--- a/crash-course-on-data-science/coding.pptx
+++ b/crash-course-on-data-science/coding.pptx
@@ -5,15 +5,32 @@
     <p:sldMasterId id="2147483648" r:id="rId1"/>
   </p:sldMasterIdLst>
   <p:notesMasterIdLst>
-    <p:notesMasterId r:id="rId8"/>
+    <p:notesMasterId r:id="rId25"/>
   </p:notesMasterIdLst>
   <p:sldIdLst>
     <p:sldId id="256" r:id="rId2"/>
     <p:sldId id="257" r:id="rId3"/>
-    <p:sldId id="259" r:id="rId4"/>
-    <p:sldId id="260" r:id="rId5"/>
-    <p:sldId id="261" r:id="rId6"/>
-    <p:sldId id="258" r:id="rId7"/>
+    <p:sldId id="282" r:id="rId4"/>
+    <p:sldId id="277" r:id="rId5"/>
+    <p:sldId id="270" r:id="rId6"/>
+    <p:sldId id="269" r:id="rId7"/>
+    <p:sldId id="273" r:id="rId8"/>
+    <p:sldId id="276" r:id="rId9"/>
+    <p:sldId id="278" r:id="rId10"/>
+    <p:sldId id="279" r:id="rId11"/>
+    <p:sldId id="281" r:id="rId12"/>
+    <p:sldId id="283" r:id="rId13"/>
+    <p:sldId id="285" r:id="rId14"/>
+    <p:sldId id="284" r:id="rId15"/>
+    <p:sldId id="259" r:id="rId16"/>
+    <p:sldId id="260" r:id="rId17"/>
+    <p:sldId id="261" r:id="rId18"/>
+    <p:sldId id="271" r:id="rId19"/>
+    <p:sldId id="268" r:id="rId20"/>
+    <p:sldId id="272" r:id="rId21"/>
+    <p:sldId id="275" r:id="rId22"/>
+    <p:sldId id="274" r:id="rId23"/>
+    <p:sldId id="258" r:id="rId24"/>
   </p:sldIdLst>
   <p:sldSz cx="12192000" cy="6858000"/>
   <p:notesSz cx="6858000" cy="9144000"/>
@@ -202,7 +219,7 @@
           <a:p>
             <a:fld id="{75F33DB8-B60E-4E3C-A60C-26201D013AC9}" type="datetimeFigureOut">
               <a:rPr lang="en-US" smtClean="0"/>
-              <a:t>2/10/2025</a:t>
+              <a:t>2/20/2025</a:t>
             </a:fld>
             <a:endParaRPr lang="en-US"/>
           </a:p>
@@ -468,6 +485,177 @@
     </a:lvl9pPr>
   </p:notesStyle>
 </p:notesMaster>
+</file>
+
+<file path=ppt/notesSlides/notesSlide1.xml><?xml version="1.0" encoding="utf-8"?>
+<p:notes xmlns:a="http://schemas.openxmlformats.org/drawingml/2006/main" xmlns:r="http://schemas.openxmlformats.org/officeDocument/2006/relationships" xmlns:p="http://schemas.openxmlformats.org/presentationml/2006/main">
+  <p:cSld>
+    <p:spTree>
+      <p:nvGrpSpPr>
+        <p:cNvPr id="1" name=""/>
+        <p:cNvGrpSpPr/>
+        <p:nvPr/>
+      </p:nvGrpSpPr>
+      <p:grpSpPr>
+        <a:xfrm>
+          <a:off x="0" y="0"/>
+          <a:ext cx="0" cy="0"/>
+          <a:chOff x="0" y="0"/>
+          <a:chExt cx="0" cy="0"/>
+        </a:xfrm>
+      </p:grpSpPr>
+      <p:sp>
+        <p:nvSpPr>
+          <p:cNvPr id="2" name="Espace réservé de l'image des diapositives 1"/>
+          <p:cNvSpPr>
+            <a:spLocks noGrp="1" noRot="1" noChangeAspect="1"/>
+          </p:cNvSpPr>
+          <p:nvPr>
+            <p:ph type="sldImg"/>
+          </p:nvPr>
+        </p:nvSpPr>
+        <p:spPr/>
+      </p:sp>
+      <p:sp>
+        <p:nvSpPr>
+          <p:cNvPr id="3" name="Espace réservé des notes 2"/>
+          <p:cNvSpPr>
+            <a:spLocks noGrp="1"/>
+          </p:cNvSpPr>
+          <p:nvPr>
+            <p:ph type="body" idx="1"/>
+          </p:nvPr>
+        </p:nvSpPr>
+        <p:spPr/>
+        <p:txBody>
+          <a:bodyPr/>
+          <a:lstStyle/>
+          <a:p>
+            <a:endParaRPr lang="en-US" dirty="0"/>
+          </a:p>
+        </p:txBody>
+      </p:sp>
+      <p:sp>
+        <p:nvSpPr>
+          <p:cNvPr id="4" name="Espace réservé du numéro de diapositive 3"/>
+          <p:cNvSpPr>
+            <a:spLocks noGrp="1"/>
+          </p:cNvSpPr>
+          <p:nvPr>
+            <p:ph type="sldNum" sz="quarter" idx="5"/>
+          </p:nvPr>
+        </p:nvSpPr>
+        <p:spPr/>
+        <p:txBody>
+          <a:bodyPr/>
+          <a:lstStyle/>
+          <a:p>
+            <a:fld id="{4338B25A-8E43-4ED4-988F-D80E12CACC31}" type="slidenum">
+              <a:rPr lang="en-US" smtClean="0"/>
+              <a:t>19</a:t>
+            </a:fld>
+            <a:endParaRPr lang="en-US"/>
+          </a:p>
+        </p:txBody>
+      </p:sp>
+    </p:spTree>
+    <p:extLst>
+      <p:ext uri="{BB962C8B-B14F-4D97-AF65-F5344CB8AC3E}">
+        <p14:creationId xmlns:p14="http://schemas.microsoft.com/office/powerpoint/2010/main" val="788359363"/>
+      </p:ext>
+    </p:extLst>
+  </p:cSld>
+  <p:clrMapOvr>
+    <a:masterClrMapping/>
+  </p:clrMapOvr>
+</p:notes>
+</file>
+
+<file path=ppt/notesSlides/notesSlide2.xml><?xml version="1.0" encoding="utf-8"?>
+<p:notes xmlns:a="http://schemas.openxmlformats.org/drawingml/2006/main" xmlns:r="http://schemas.openxmlformats.org/officeDocument/2006/relationships" xmlns:p="http://schemas.openxmlformats.org/presentationml/2006/main">
+  <p:cSld>
+    <p:spTree>
+      <p:nvGrpSpPr>
+        <p:cNvPr id="1" name=""/>
+        <p:cNvGrpSpPr/>
+        <p:nvPr/>
+      </p:nvGrpSpPr>
+      <p:grpSpPr>
+        <a:xfrm>
+          <a:off x="0" y="0"/>
+          <a:ext cx="0" cy="0"/>
+          <a:chOff x="0" y="0"/>
+          <a:chExt cx="0" cy="0"/>
+        </a:xfrm>
+      </p:grpSpPr>
+      <p:sp>
+        <p:nvSpPr>
+          <p:cNvPr id="2" name="Espace réservé de l'image des diapositives 1"/>
+          <p:cNvSpPr>
+            <a:spLocks noGrp="1" noRot="1" noChangeAspect="1"/>
+          </p:cNvSpPr>
+          <p:nvPr>
+            <p:ph type="sldImg"/>
+          </p:nvPr>
+        </p:nvSpPr>
+        <p:spPr/>
+      </p:sp>
+      <p:sp>
+        <p:nvSpPr>
+          <p:cNvPr id="3" name="Espace réservé des notes 2"/>
+          <p:cNvSpPr>
+            <a:spLocks noGrp="1"/>
+          </p:cNvSpPr>
+          <p:nvPr>
+            <p:ph type="body" idx="1"/>
+          </p:nvPr>
+        </p:nvSpPr>
+        <p:spPr/>
+        <p:txBody>
+          <a:bodyPr/>
+          <a:lstStyle/>
+          <a:p>
+            <a:r>
+              <a:rPr lang="en-US" dirty="0"/>
+              <a:t>Observation: here I am not respecting the naming convention (old code)</a:t>
+            </a:r>
+          </a:p>
+        </p:txBody>
+      </p:sp>
+      <p:sp>
+        <p:nvSpPr>
+          <p:cNvPr id="4" name="Espace réservé du numéro de diapositive 3"/>
+          <p:cNvSpPr>
+            <a:spLocks noGrp="1"/>
+          </p:cNvSpPr>
+          <p:nvPr>
+            <p:ph type="sldNum" sz="quarter" idx="5"/>
+          </p:nvPr>
+        </p:nvSpPr>
+        <p:spPr/>
+        <p:txBody>
+          <a:bodyPr/>
+          <a:lstStyle/>
+          <a:p>
+            <a:fld id="{4338B25A-8E43-4ED4-988F-D80E12CACC31}" type="slidenum">
+              <a:rPr lang="en-US" smtClean="0"/>
+              <a:t>20</a:t>
+            </a:fld>
+            <a:endParaRPr lang="en-US"/>
+          </a:p>
+        </p:txBody>
+      </p:sp>
+    </p:spTree>
+    <p:extLst>
+      <p:ext uri="{BB962C8B-B14F-4D97-AF65-F5344CB8AC3E}">
+        <p14:creationId xmlns:p14="http://schemas.microsoft.com/office/powerpoint/2010/main" val="455089157"/>
+      </p:ext>
+    </p:extLst>
+  </p:cSld>
+  <p:clrMapOvr>
+    <a:masterClrMapping/>
+  </p:clrMapOvr>
+</p:notes>
 </file>
 
 <file path=ppt/slideLayouts/slideLayout1.xml><?xml version="1.0" encoding="utf-8"?>
@@ -3124,7 +3312,14 @@
           <a:p>
             <a:r>
               <a:rPr lang="en-US" dirty="0"/>
-              <a:t>Coding</a:t>
+              <a:t>Good practices of coding</a:t>
+            </a:r>
+            <a:br>
+              <a:rPr lang="en-US" dirty="0"/>
+            </a:br>
+            <a:r>
+              <a:rPr lang="en-US" dirty="0"/>
+              <a:t>(in Python)</a:t>
             </a:r>
           </a:p>
         </p:txBody>
@@ -3244,7 +3439,7 @@
 </p:sld>
 </file>
 
-<file path=ppt/slides/slide2.xml><?xml version="1.0" encoding="utf-8"?>
+<file path=ppt/slides/slide10.xml><?xml version="1.0" encoding="utf-8"?>
 <p:sld xmlns:a="http://schemas.openxmlformats.org/drawingml/2006/main" xmlns:r="http://schemas.openxmlformats.org/officeDocument/2006/relationships" xmlns:p="http://schemas.openxmlformats.org/presentationml/2006/main">
   <p:cSld>
     <p:spTree>
@@ -3266,7 +3461,7 @@
           <p:cNvPr id="2" name="Titre 1">
             <a:extLst>
               <a:ext uri="{FF2B5EF4-FFF2-40B4-BE49-F238E27FC236}">
-                <a16:creationId xmlns:a16="http://schemas.microsoft.com/office/drawing/2014/main" id="{06EE9B5F-431E-4E93-8BEE-6FCA1A206038}"/>
+                <a16:creationId xmlns:a16="http://schemas.microsoft.com/office/drawing/2014/main" id="{9143B188-2FD1-4F45-BF68-5D7483FB778A}"/>
               </a:ext>
             </a:extLst>
           </p:cNvPr>
@@ -3284,7 +3479,7 @@
           <a:p>
             <a:r>
               <a:rPr lang="en-US" dirty="0"/>
-              <a:t>Another example of title for a slide</a:t>
+              <a:t>Coding: variables and data types</a:t>
             </a:r>
           </a:p>
         </p:txBody>
@@ -3294,7 +3489,7 @@
           <p:cNvPr id="3" name="Espace réservé du contenu 2">
             <a:extLst>
               <a:ext uri="{FF2B5EF4-FFF2-40B4-BE49-F238E27FC236}">
-                <a16:creationId xmlns:a16="http://schemas.microsoft.com/office/drawing/2014/main" id="{114D34B0-1657-4C3B-BF82-5779557B2C00}"/>
+                <a16:creationId xmlns:a16="http://schemas.microsoft.com/office/drawing/2014/main" id="{CE8D3371-10A1-4E24-A90B-04A2023704B1}"/>
               </a:ext>
             </a:extLst>
           </p:cNvPr>
@@ -3307,19 +3502,137 @@
         </p:nvSpPr>
         <p:spPr/>
         <p:txBody>
-          <a:bodyPr/>
+          <a:bodyPr>
+            <a:normAutofit/>
+          </a:bodyPr>
           <a:lstStyle/>
           <a:p>
             <a:r>
               <a:rPr lang="en-US" dirty="0"/>
-              <a:t>This is some text</a:t>
-            </a:r>
+              <a:t>Python has several </a:t>
+            </a:r>
+            <a:r>
+              <a:rPr lang="en-US" b="1" dirty="0"/>
+              <a:t>basic data types</a:t>
+            </a:r>
+            <a:endParaRPr lang="en-US" dirty="0"/>
           </a:p>
           <a:p>
             <a:pPr lvl="1"/>
             <a:r>
               <a:rPr lang="en-US" dirty="0"/>
-              <a:t>And some smaller text</a:t>
+              <a:t>Booleans (</a:t>
+            </a:r>
+            <a:r>
+              <a:rPr lang="en-US" b="1" dirty="0"/>
+              <a:t>bool</a:t>
+            </a:r>
+            <a:r>
+              <a:rPr lang="en-US" dirty="0"/>
+              <a:t>), </a:t>
+            </a:r>
+            <a:r>
+              <a:rPr lang="en-US" dirty="0" err="1"/>
+              <a:t>ints</a:t>
+            </a:r>
+            <a:r>
+              <a:rPr lang="en-US" dirty="0"/>
+              <a:t> (</a:t>
+            </a:r>
+            <a:r>
+              <a:rPr lang="en-US" b="1" dirty="0"/>
+              <a:t>int</a:t>
+            </a:r>
+            <a:r>
+              <a:rPr lang="en-US" dirty="0"/>
+              <a:t>), floating point (</a:t>
+            </a:r>
+            <a:r>
+              <a:rPr lang="en-US" b="1" dirty="0"/>
+              <a:t>float</a:t>
+            </a:r>
+            <a:r>
+              <a:rPr lang="en-US" dirty="0"/>
+              <a:t>), strings (</a:t>
+            </a:r>
+            <a:r>
+              <a:rPr lang="en-US" b="1" dirty="0"/>
+              <a:t>str</a:t>
+            </a:r>
+            <a:r>
+              <a:rPr lang="en-US" dirty="0"/>
+              <a:t>), tuple</a:t>
+            </a:r>
+          </a:p>
+          <a:p>
+            <a:pPr lvl="1"/>
+            <a:r>
+              <a:rPr lang="en-US" dirty="0"/>
+              <a:t>Lists (</a:t>
+            </a:r>
+            <a:r>
+              <a:rPr lang="en-US" b="1" dirty="0"/>
+              <a:t>list</a:t>
+            </a:r>
+            <a:r>
+              <a:rPr lang="en-US" dirty="0"/>
+              <a:t>), dictionaries (</a:t>
+            </a:r>
+            <a:r>
+              <a:rPr lang="en-US" b="1" dirty="0" err="1"/>
+              <a:t>dict</a:t>
+            </a:r>
+            <a:r>
+              <a:rPr lang="en-US" dirty="0"/>
+              <a:t>)</a:t>
+            </a:r>
+          </a:p>
+          <a:p>
+            <a:pPr lvl="1"/>
+            <a:r>
+              <a:rPr lang="en-US" dirty="0"/>
+              <a:t>Other data types are usually </a:t>
+            </a:r>
+            <a:r>
+              <a:rPr lang="en-US" b="1" dirty="0"/>
+              <a:t>objects</a:t>
+            </a:r>
+            <a:r>
+              <a:rPr lang="en-US" dirty="0"/>
+              <a:t> imported from packages</a:t>
+            </a:r>
+          </a:p>
+          <a:p>
+            <a:r>
+              <a:rPr lang="en-US" dirty="0"/>
+              <a:t>Why do data types exist?</a:t>
+            </a:r>
+          </a:p>
+          <a:p>
+            <a:r>
+              <a:rPr lang="en-US" dirty="0"/>
+              <a:t>Python is an untyped (or semi-typed) language</a:t>
+            </a:r>
+          </a:p>
+          <a:p>
+            <a:pPr lvl="1"/>
+            <a:r>
+              <a:rPr lang="en-US" dirty="0"/>
+              <a:t>As in, you are not forced to declare the type of each variable</a:t>
+            </a:r>
+          </a:p>
+          <a:p>
+            <a:pPr lvl="1"/>
+            <a:r>
+              <a:rPr lang="en-US" dirty="0"/>
+              <a:t>Python interpreter “guesses” data type from “a = 12”</a:t>
+            </a:r>
+          </a:p>
+          <a:p>
+            <a:pPr lvl="1"/>
+            <a:r>
+              <a:rPr lang="en-US" dirty="0"/>
+              <a:t>Typing your code can be useful for debugging or readability</a:t>
             </a:r>
           </a:p>
         </p:txBody>
@@ -3329,7 +3642,7 @@
           <p:cNvPr id="4" name="Espace réservé du numéro de diapositive 3">
             <a:extLst>
               <a:ext uri="{FF2B5EF4-FFF2-40B4-BE49-F238E27FC236}">
-                <a16:creationId xmlns:a16="http://schemas.microsoft.com/office/drawing/2014/main" id="{58FB3158-76D3-4740-9104-AA0F0CCBA2DB}"/>
+                <a16:creationId xmlns:a16="http://schemas.microsoft.com/office/drawing/2014/main" id="{5B606AE8-3823-41DB-A5DE-83AD4E892D95}"/>
               </a:ext>
             </a:extLst>
           </p:cNvPr>
@@ -3348,7 +3661,7 @@
             <a:fld id="{19485C6F-9B8D-4FB9-A42B-A9ABFED612B1}" type="slidenum">
               <a:rPr lang="en-US" smtClean="0"/>
               <a:pPr/>
-              <a:t>2</a:t>
+              <a:t>10</a:t>
             </a:fld>
             <a:endParaRPr lang="en-US" dirty="0"/>
           </a:p>
@@ -3359,7 +3672,7 @@
           <p:cNvPr id="5" name="Espace réservé du pied de page 4">
             <a:extLst>
               <a:ext uri="{FF2B5EF4-FFF2-40B4-BE49-F238E27FC236}">
-                <a16:creationId xmlns:a16="http://schemas.microsoft.com/office/drawing/2014/main" id="{1F20EC01-BAEE-4961-BDB9-1ACD4B20A14B}"/>
+                <a16:creationId xmlns:a16="http://schemas.microsoft.com/office/drawing/2014/main" id="{89B93742-187E-4CB4-83DA-4D5DCC8BA142}"/>
               </a:ext>
             </a:extLst>
           </p:cNvPr>
@@ -3386,7 +3699,7 @@
     </p:spTree>
     <p:extLst>
       <p:ext uri="{BB962C8B-B14F-4D97-AF65-F5344CB8AC3E}">
-        <p14:creationId xmlns:p14="http://schemas.microsoft.com/office/powerpoint/2010/main" val="2056123029"/>
+        <p14:creationId xmlns:p14="http://schemas.microsoft.com/office/powerpoint/2010/main" val="2648684036"/>
       </p:ext>
     </p:extLst>
   </p:cSld>
@@ -3396,7 +3709,7 @@
 </p:sld>
 </file>
 
-<file path=ppt/slides/slide3.xml><?xml version="1.0" encoding="utf-8"?>
+<file path=ppt/slides/slide11.xml><?xml version="1.0" encoding="utf-8"?>
 <p:sld xmlns:a="http://schemas.openxmlformats.org/drawingml/2006/main" xmlns:r="http://schemas.openxmlformats.org/officeDocument/2006/relationships" xmlns:p="http://schemas.openxmlformats.org/presentationml/2006/main">
   <p:cSld>
     <p:spTree>
@@ -3418,7 +3731,7 @@
           <p:cNvPr id="2" name="Titre 1">
             <a:extLst>
               <a:ext uri="{FF2B5EF4-FFF2-40B4-BE49-F238E27FC236}">
-                <a16:creationId xmlns:a16="http://schemas.microsoft.com/office/drawing/2014/main" id="{29121AD3-B48E-4DEF-A8B8-5EDF4C14DA49}"/>
+                <a16:creationId xmlns:a16="http://schemas.microsoft.com/office/drawing/2014/main" id="{CC5B01C3-093E-4CB9-857B-95C48D5AA48F}"/>
               </a:ext>
             </a:extLst>
           </p:cNvPr>
@@ -3436,7 +3749,7 @@
           <a:p>
             <a:r>
               <a:rPr lang="en-US" dirty="0"/>
-              <a:t>Coding</a:t>
+              <a:t>Coding: variables and data types</a:t>
             </a:r>
           </a:p>
         </p:txBody>
@@ -3446,7 +3759,7 @@
           <p:cNvPr id="3" name="Espace réservé du contenu 2">
             <a:extLst>
               <a:ext uri="{FF2B5EF4-FFF2-40B4-BE49-F238E27FC236}">
-                <a16:creationId xmlns:a16="http://schemas.microsoft.com/office/drawing/2014/main" id="{1FDF830D-8599-4510-9667-DAD0C6C9BE0F}"/>
+                <a16:creationId xmlns:a16="http://schemas.microsoft.com/office/drawing/2014/main" id="{F00C8717-B218-4741-B5E7-57BF8892C739}"/>
               </a:ext>
             </a:extLst>
           </p:cNvPr>
@@ -3464,42 +3777,97 @@
           <a:p>
             <a:r>
               <a:rPr lang="en-US" dirty="0"/>
-              <a:t>A program is executed top-down, line by line</a:t>
-            </a:r>
-          </a:p>
-          <a:p>
-            <a:r>
-              <a:rPr lang="en-US" dirty="0"/>
-              <a:t>There are only three things</a:t>
+              <a:t>In Python, you can declare variables anywhere in the code</a:t>
             </a:r>
           </a:p>
           <a:p>
             <a:pPr lvl="1"/>
             <a:r>
               <a:rPr lang="en-US" dirty="0"/>
-              <a:t>Flux control (if – then – else )</a:t>
+              <a:t>Variables are only accessible inside the </a:t>
+            </a:r>
+            <a:r>
+              <a:rPr lang="en-US" b="1" dirty="0"/>
+              <a:t>scope</a:t>
+            </a:r>
+            <a:r>
+              <a:rPr lang="en-US" dirty="0"/>
+              <a:t> they are declared in</a:t>
             </a:r>
           </a:p>
           <a:p>
             <a:pPr lvl="1"/>
             <a:r>
               <a:rPr lang="en-US" dirty="0"/>
-              <a:t>Loops (while / for)</a:t>
+              <a:t>What is a “scope”? A region (part) of a program</a:t>
             </a:r>
           </a:p>
           <a:p>
             <a:pPr lvl="1"/>
+            <a:r>
+              <a:rPr lang="en-US" dirty="0"/>
+              <a:t>A </a:t>
+            </a:r>
+            <a:r>
+              <a:rPr lang="en-US" b="1" dirty="0"/>
+              <a:t>function</a:t>
+            </a:r>
+            <a:r>
+              <a:rPr lang="en-US" dirty="0"/>
+              <a:t>, a </a:t>
+            </a:r>
+            <a:r>
+              <a:rPr lang="en-US" b="1" dirty="0"/>
+              <a:t>loop*</a:t>
+            </a:r>
+            <a:r>
+              <a:rPr lang="en-US" dirty="0"/>
+              <a:t>, a </a:t>
+            </a:r>
+            <a:r>
+              <a:rPr lang="en-US" b="1" dirty="0"/>
+              <a:t>branch*</a:t>
+            </a:r>
             <a:endParaRPr lang="en-US" dirty="0"/>
           </a:p>
           <a:p>
-            <a:r>
-              <a:rPr lang="en-US" dirty="0"/>
-              <a:t>Variables exist inside a </a:t>
-            </a:r>
-            <a:r>
-              <a:rPr lang="en-US" i="1" dirty="0"/>
-              <a:t>scope</a:t>
-            </a:r>
+            <a:pPr lvl="1"/>
+            <a:r>
+              <a:rPr lang="en-US" dirty="0"/>
+              <a:t>You can declare </a:t>
+            </a:r>
+            <a:r>
+              <a:rPr lang="en-US" b="1" dirty="0"/>
+              <a:t>global variables</a:t>
+            </a:r>
+            <a:r>
+              <a:rPr lang="en-US" dirty="0"/>
+              <a:t> (accessible from everywhere)…</a:t>
+            </a:r>
+          </a:p>
+          <a:p>
+            <a:pPr lvl="1"/>
+            <a:r>
+              <a:rPr lang="en-US" dirty="0"/>
+              <a:t>…but don’t do it; just </a:t>
+            </a:r>
+            <a:r>
+              <a:rPr lang="en-US" u="sng" dirty="0"/>
+              <a:t>never do it</a:t>
+            </a:r>
+          </a:p>
+          <a:p>
+            <a:pPr lvl="1"/>
+            <a:endParaRPr lang="en-US" u="sng" dirty="0"/>
+          </a:p>
+          <a:p>
+            <a:r>
+              <a:rPr lang="en-US" dirty="0">
+                <a:hlinkClick r:id="rId2"/>
+              </a:rPr>
+              <a:t>https://github.com/albertotonda/crash-course-data-science/</a:t>
+            </a:r>
+            <a:endParaRPr lang="en-US" u="sng" dirty="0"/>
           </a:p>
         </p:txBody>
       </p:sp>
@@ -3508,7 +3876,7 @@
           <p:cNvPr id="4" name="Espace réservé du numéro de diapositive 3">
             <a:extLst>
               <a:ext uri="{FF2B5EF4-FFF2-40B4-BE49-F238E27FC236}">
-                <a16:creationId xmlns:a16="http://schemas.microsoft.com/office/drawing/2014/main" id="{C1E527DC-6A11-4374-B58E-E3BFDA009277}"/>
+                <a16:creationId xmlns:a16="http://schemas.microsoft.com/office/drawing/2014/main" id="{C0DB6550-8287-4B6D-B4D1-972256B44AA5}"/>
               </a:ext>
             </a:extLst>
           </p:cNvPr>
@@ -3527,7 +3895,7 @@
             <a:fld id="{19485C6F-9B8D-4FB9-A42B-A9ABFED612B1}" type="slidenum">
               <a:rPr lang="en-US" smtClean="0"/>
               <a:pPr/>
-              <a:t>3</a:t>
+              <a:t>11</a:t>
             </a:fld>
             <a:endParaRPr lang="en-US" dirty="0"/>
           </a:p>
@@ -3538,7 +3906,7 @@
           <p:cNvPr id="5" name="Espace réservé du pied de page 4">
             <a:extLst>
               <a:ext uri="{FF2B5EF4-FFF2-40B4-BE49-F238E27FC236}">
-                <a16:creationId xmlns:a16="http://schemas.microsoft.com/office/drawing/2014/main" id="{7B8C9107-1A51-4FDD-AAB7-D5BD9F030B3C}"/>
+                <a16:creationId xmlns:a16="http://schemas.microsoft.com/office/drawing/2014/main" id="{894FEA3B-F56A-407E-8345-7BD4A9969DFC}"/>
               </a:ext>
             </a:extLst>
           </p:cNvPr>
@@ -3565,7 +3933,7 @@
     </p:spTree>
     <p:extLst>
       <p:ext uri="{BB962C8B-B14F-4D97-AF65-F5344CB8AC3E}">
-        <p14:creationId xmlns:p14="http://schemas.microsoft.com/office/powerpoint/2010/main" val="543439847"/>
+        <p14:creationId xmlns:p14="http://schemas.microsoft.com/office/powerpoint/2010/main" val="4096178935"/>
       </p:ext>
     </p:extLst>
   </p:cSld>
@@ -3575,7 +3943,7 @@
 </p:sld>
 </file>
 
-<file path=ppt/slides/slide4.xml><?xml version="1.0" encoding="utf-8"?>
+<file path=ppt/slides/slide12.xml><?xml version="1.0" encoding="utf-8"?>
 <p:sld xmlns:a="http://schemas.openxmlformats.org/drawingml/2006/main" xmlns:r="http://schemas.openxmlformats.org/officeDocument/2006/relationships" xmlns:p="http://schemas.openxmlformats.org/presentationml/2006/main">
   <p:cSld>
     <p:spTree>
@@ -3597,7 +3965,7 @@
           <p:cNvPr id="2" name="Titre 1">
             <a:extLst>
               <a:ext uri="{FF2B5EF4-FFF2-40B4-BE49-F238E27FC236}">
-                <a16:creationId xmlns:a16="http://schemas.microsoft.com/office/drawing/2014/main" id="{8BDC1C79-3712-4555-BC3B-AF890545EA3A}"/>
+                <a16:creationId xmlns:a16="http://schemas.microsoft.com/office/drawing/2014/main" id="{C2C281B6-F4D7-4BD5-A718-586D18367022}"/>
               </a:ext>
             </a:extLst>
           </p:cNvPr>
@@ -3615,7 +3983,7 @@
           <a:p>
             <a:r>
               <a:rPr lang="en-US" dirty="0"/>
-              <a:t>Coding</a:t>
+              <a:t>Value and reference</a:t>
             </a:r>
           </a:p>
         </p:txBody>
@@ -3625,7 +3993,7 @@
           <p:cNvPr id="3" name="Espace réservé du contenu 2">
             <a:extLst>
               <a:ext uri="{FF2B5EF4-FFF2-40B4-BE49-F238E27FC236}">
-                <a16:creationId xmlns:a16="http://schemas.microsoft.com/office/drawing/2014/main" id="{73943AA8-7AB9-4354-9552-3862CBD12F45}"/>
+                <a16:creationId xmlns:a16="http://schemas.microsoft.com/office/drawing/2014/main" id="{6DB2BADB-C11F-4087-B459-84E6EDA577F7}"/>
               </a:ext>
             </a:extLst>
           </p:cNvPr>
@@ -3638,49 +4006,122 @@
         </p:nvSpPr>
         <p:spPr/>
         <p:txBody>
-          <a:bodyPr/>
+          <a:bodyPr>
+            <a:normAutofit/>
+          </a:bodyPr>
           <a:lstStyle/>
           <a:p>
             <a:r>
               <a:rPr lang="en-US" dirty="0"/>
-              <a:t>Organize your code</a:t>
+              <a:t>Variables can be used by </a:t>
+            </a:r>
+            <a:r>
+              <a:rPr lang="en-US" b="1" dirty="0"/>
+              <a:t>value</a:t>
+            </a:r>
+            <a:r>
+              <a:rPr lang="en-US" dirty="0"/>
+              <a:t> or by </a:t>
+            </a:r>
+            <a:r>
+              <a:rPr lang="en-US" b="1" dirty="0"/>
+              <a:t>reference</a:t>
+            </a:r>
+            <a:endParaRPr lang="en-US" dirty="0"/>
+          </a:p>
+          <a:p>
+            <a:r>
+              <a:rPr lang="en-US" dirty="0"/>
+              <a:t>Assignment/use by </a:t>
+            </a:r>
+            <a:r>
+              <a:rPr lang="en-US" b="1" dirty="0"/>
+              <a:t>value</a:t>
             </a:r>
           </a:p>
           <a:p>
             <a:pPr lvl="1"/>
             <a:r>
               <a:rPr lang="en-US" dirty="0"/>
-              <a:t>Instead of cut/pasting your code</a:t>
+              <a:t>The variable represents an area of memory containing a </a:t>
+            </a:r>
+            <a:r>
+              <a:rPr lang="en-US" b="1" dirty="0"/>
+              <a:t>value</a:t>
             </a:r>
           </a:p>
           <a:p>
             <a:pPr lvl="1"/>
             <a:r>
               <a:rPr lang="en-US" dirty="0"/>
-              <a:t>Define functions</a:t>
-            </a:r>
-          </a:p>
-          <a:p>
+              <a:t>Their </a:t>
+            </a:r>
+            <a:r>
+              <a:rPr lang="en-US" b="1" dirty="0"/>
+              <a:t>value</a:t>
+            </a:r>
+            <a:r>
+              <a:rPr lang="en-US" dirty="0"/>
+              <a:t> is copied to another area of memory (independent)</a:t>
+            </a:r>
+          </a:p>
+          <a:p>
+            <a:pPr lvl="1"/>
+            <a:r>
+              <a:rPr lang="en-US" dirty="0"/>
+              <a:t>This is what happens for bool, int, float, string, tuple</a:t>
+            </a:r>
+          </a:p>
+          <a:p>
+            <a:r>
+              <a:rPr lang="en-US" dirty="0"/>
+              <a:t>Assignment/use by </a:t>
+            </a:r>
+            <a:r>
+              <a:rPr lang="en-US" b="1" dirty="0"/>
+              <a:t>reference</a:t>
+            </a:r>
             <a:endParaRPr lang="en-US" dirty="0"/>
           </a:p>
           <a:p>
-            <a:r>
-              <a:rPr lang="en-US" dirty="0"/>
-              <a:t>Different views</a:t>
-            </a:r>
-          </a:p>
-          <a:p>
             <a:pPr lvl="1"/>
             <a:r>
               <a:rPr lang="en-US" dirty="0"/>
-              <a:t>Classic: structures and functions</a:t>
+              <a:t>The variable represents a </a:t>
+            </a:r>
+            <a:r>
+              <a:rPr lang="en-US" b="1" dirty="0"/>
+              <a:t>pointer</a:t>
+            </a:r>
+            <a:r>
+              <a:rPr lang="en-US" dirty="0"/>
+              <a:t> to an area of memory with </a:t>
+            </a:r>
+            <a:r>
+              <a:rPr lang="en-US" b="1" dirty="0"/>
+              <a:t>value</a:t>
             </a:r>
           </a:p>
           <a:p>
             <a:pPr lvl="1"/>
             <a:r>
               <a:rPr lang="en-US" dirty="0"/>
-              <a:t>Object-oriented: classes, attributes and methods</a:t>
+              <a:t>The </a:t>
+            </a:r>
+            <a:r>
+              <a:rPr lang="en-US" b="1" dirty="0"/>
+              <a:t>pointer</a:t>
+            </a:r>
+            <a:r>
+              <a:rPr lang="en-US" dirty="0"/>
+              <a:t> is copied, but still points to the same memory area</a:t>
+            </a:r>
+          </a:p>
+          <a:p>
+            <a:pPr lvl="1"/>
+            <a:r>
+              <a:rPr lang="en-US" dirty="0"/>
+              <a:t>Modifying the copy also modifies the original (!!!)</a:t>
             </a:r>
           </a:p>
         </p:txBody>
@@ -3690,7 +4131,7 @@
           <p:cNvPr id="4" name="Espace réservé du numéro de diapositive 3">
             <a:extLst>
               <a:ext uri="{FF2B5EF4-FFF2-40B4-BE49-F238E27FC236}">
-                <a16:creationId xmlns:a16="http://schemas.microsoft.com/office/drawing/2014/main" id="{12F96116-575B-4BBC-9573-48DE09C821B3}"/>
+                <a16:creationId xmlns:a16="http://schemas.microsoft.com/office/drawing/2014/main" id="{20D13B7F-0ACD-40A0-A92A-92D294CA81BF}"/>
               </a:ext>
             </a:extLst>
           </p:cNvPr>
@@ -3709,7 +4150,7 @@
             <a:fld id="{19485C6F-9B8D-4FB9-A42B-A9ABFED612B1}" type="slidenum">
               <a:rPr lang="en-US" smtClean="0"/>
               <a:pPr/>
-              <a:t>4</a:t>
+              <a:t>12</a:t>
             </a:fld>
             <a:endParaRPr lang="en-US" dirty="0"/>
           </a:p>
@@ -3720,7 +4161,7 @@
           <p:cNvPr id="5" name="Espace réservé du pied de page 4">
             <a:extLst>
               <a:ext uri="{FF2B5EF4-FFF2-40B4-BE49-F238E27FC236}">
-                <a16:creationId xmlns:a16="http://schemas.microsoft.com/office/drawing/2014/main" id="{86EAEA05-3EAB-414E-95EB-8870885E8473}"/>
+                <a16:creationId xmlns:a16="http://schemas.microsoft.com/office/drawing/2014/main" id="{545FB036-A150-4F48-AC8E-EDA83270B5D0}"/>
               </a:ext>
             </a:extLst>
           </p:cNvPr>
@@ -3747,7 +4188,7 @@
     </p:spTree>
     <p:extLst>
       <p:ext uri="{BB962C8B-B14F-4D97-AF65-F5344CB8AC3E}">
-        <p14:creationId xmlns:p14="http://schemas.microsoft.com/office/powerpoint/2010/main" val="187935611"/>
+        <p14:creationId xmlns:p14="http://schemas.microsoft.com/office/powerpoint/2010/main" val="1323758593"/>
       </p:ext>
     </p:extLst>
   </p:cSld>
@@ -3757,7 +4198,7 @@
 </p:sld>
 </file>
 
-<file path=ppt/slides/slide5.xml><?xml version="1.0" encoding="utf-8"?>
+<file path=ppt/slides/slide13.xml><?xml version="1.0" encoding="utf-8"?>
 <p:sld xmlns:a="http://schemas.openxmlformats.org/drawingml/2006/main" xmlns:r="http://schemas.openxmlformats.org/officeDocument/2006/relationships" xmlns:p="http://schemas.openxmlformats.org/presentationml/2006/main">
   <p:cSld>
     <p:spTree>
@@ -3779,7 +4220,7 @@
           <p:cNvPr id="2" name="Titre 1">
             <a:extLst>
               <a:ext uri="{FF2B5EF4-FFF2-40B4-BE49-F238E27FC236}">
-                <a16:creationId xmlns:a16="http://schemas.microsoft.com/office/drawing/2014/main" id="{6E42CA09-64CE-4FF0-A4E9-1A8FD7565AA5}"/>
+                <a16:creationId xmlns:a16="http://schemas.microsoft.com/office/drawing/2014/main" id="{E777B661-F1D2-41CB-A529-A6BC672A30B1}"/>
               </a:ext>
             </a:extLst>
           </p:cNvPr>
@@ -3795,16 +4236,898 @@
           <a:bodyPr/>
           <a:lstStyle/>
           <a:p>
-            <a:endParaRPr lang="en-US"/>
-          </a:p>
-        </p:txBody>
-      </p:sp>
-      <p:sp>
-        <p:nvSpPr>
-          <p:cNvPr id="3" name="Espace réservé du contenu 2">
-            <a:extLst>
-              <a:ext uri="{FF2B5EF4-FFF2-40B4-BE49-F238E27FC236}">
-                <a16:creationId xmlns:a16="http://schemas.microsoft.com/office/drawing/2014/main" id="{A7B88AE9-578A-47C0-AF9F-2F80262FC84D}"/>
+            <a:r>
+              <a:rPr lang="en-US" dirty="0"/>
+              <a:t>Value and reference</a:t>
+            </a:r>
+          </a:p>
+        </p:txBody>
+      </p:sp>
+      <p:graphicFrame>
+        <p:nvGraphicFramePr>
+          <p:cNvPr id="6" name="Tableau 6">
+            <a:extLst>
+              <a:ext uri="{FF2B5EF4-FFF2-40B4-BE49-F238E27FC236}">
+                <a16:creationId xmlns:a16="http://schemas.microsoft.com/office/drawing/2014/main" id="{41081452-0024-45D6-9F2F-5583FE11E58B}"/>
+              </a:ext>
+            </a:extLst>
+          </p:cNvPr>
+          <p:cNvGraphicFramePr>
+            <a:graphicFrameLocks noGrp="1"/>
+          </p:cNvGraphicFramePr>
+          <p:nvPr>
+            <p:ph idx="1"/>
+            <p:extLst>
+              <p:ext uri="{D42A27DB-BD31-4B8C-83A1-F6EECF244321}">
+                <p14:modId xmlns:p14="http://schemas.microsoft.com/office/powerpoint/2010/main" val="827832989"/>
+              </p:ext>
+            </p:extLst>
+          </p:nvPr>
+        </p:nvGraphicFramePr>
+        <p:xfrm>
+          <a:off x="1601771" y="1754319"/>
+          <a:ext cx="3149340" cy="1483360"/>
+        </p:xfrm>
+        <a:graphic>
+          <a:graphicData uri="http://schemas.openxmlformats.org/drawingml/2006/table">
+            <a:tbl>
+              <a:tblPr firstRow="1" bandRow="1">
+                <a:tableStyleId>{2D5ABB26-0587-4C30-8999-92F81FD0307C}</a:tableStyleId>
+              </a:tblPr>
+              <a:tblGrid>
+                <a:gridCol w="787335">
+                  <a:extLst>
+                    <a:ext uri="{9D8B030D-6E8A-4147-A177-3AD203B41FA5}">
+                      <a16:colId xmlns:a16="http://schemas.microsoft.com/office/drawing/2014/main" val="590911664"/>
+                    </a:ext>
+                  </a:extLst>
+                </a:gridCol>
+                <a:gridCol w="787335">
+                  <a:extLst>
+                    <a:ext uri="{9D8B030D-6E8A-4147-A177-3AD203B41FA5}">
+                      <a16:colId xmlns:a16="http://schemas.microsoft.com/office/drawing/2014/main" val="3983171773"/>
+                    </a:ext>
+                  </a:extLst>
+                </a:gridCol>
+                <a:gridCol w="787335">
+                  <a:extLst>
+                    <a:ext uri="{9D8B030D-6E8A-4147-A177-3AD203B41FA5}">
+                      <a16:colId xmlns:a16="http://schemas.microsoft.com/office/drawing/2014/main" val="2426899995"/>
+                    </a:ext>
+                  </a:extLst>
+                </a:gridCol>
+                <a:gridCol w="787335">
+                  <a:extLst>
+                    <a:ext uri="{9D8B030D-6E8A-4147-A177-3AD203B41FA5}">
+                      <a16:colId xmlns:a16="http://schemas.microsoft.com/office/drawing/2014/main" val="3963540308"/>
+                    </a:ext>
+                  </a:extLst>
+                </a:gridCol>
+              </a:tblGrid>
+              <a:tr h="370840">
+                <a:tc>
+                  <a:txBody>
+                    <a:bodyPr/>
+                    <a:lstStyle/>
+                    <a:p>
+                      <a:pPr algn="ctr"/>
+                      <a:endParaRPr lang="en-US" dirty="0"/>
+                    </a:p>
+                  </a:txBody>
+                  <a:tcPr>
+                    <a:lnL w="12700" cap="flat" cmpd="sng" algn="ctr">
+                      <a:solidFill>
+                        <a:schemeClr val="tx1"/>
+                      </a:solidFill>
+                      <a:prstDash val="solid"/>
+                      <a:round/>
+                      <a:headEnd type="none" w="med" len="med"/>
+                      <a:tailEnd type="none" w="med" len="med"/>
+                    </a:lnL>
+                    <a:lnR w="12700" cap="flat" cmpd="sng" algn="ctr">
+                      <a:solidFill>
+                        <a:schemeClr val="tx1"/>
+                      </a:solidFill>
+                      <a:prstDash val="solid"/>
+                      <a:round/>
+                      <a:headEnd type="none" w="med" len="med"/>
+                      <a:tailEnd type="none" w="med" len="med"/>
+                    </a:lnR>
+                    <a:lnT w="12700" cap="flat" cmpd="sng" algn="ctr">
+                      <a:solidFill>
+                        <a:schemeClr val="tx1"/>
+                      </a:solidFill>
+                      <a:prstDash val="solid"/>
+                      <a:round/>
+                      <a:headEnd type="none" w="med" len="med"/>
+                      <a:tailEnd type="none" w="med" len="med"/>
+                    </a:lnT>
+                    <a:lnB w="12700" cap="flat" cmpd="sng" algn="ctr">
+                      <a:solidFill>
+                        <a:schemeClr val="tx1"/>
+                      </a:solidFill>
+                      <a:prstDash val="solid"/>
+                      <a:round/>
+                      <a:headEnd type="none" w="med" len="med"/>
+                      <a:tailEnd type="none" w="med" len="med"/>
+                    </a:lnB>
+                  </a:tcPr>
+                </a:tc>
+                <a:tc>
+                  <a:txBody>
+                    <a:bodyPr/>
+                    <a:lstStyle/>
+                    <a:p>
+                      <a:pPr algn="ctr"/>
+                      <a:endParaRPr lang="en-US" dirty="0"/>
+                    </a:p>
+                  </a:txBody>
+                  <a:tcPr>
+                    <a:lnL w="12700" cap="flat" cmpd="sng" algn="ctr">
+                      <a:solidFill>
+                        <a:schemeClr val="tx1"/>
+                      </a:solidFill>
+                      <a:prstDash val="solid"/>
+                      <a:round/>
+                      <a:headEnd type="none" w="med" len="med"/>
+                      <a:tailEnd type="none" w="med" len="med"/>
+                    </a:lnL>
+                    <a:lnR w="12700" cap="flat" cmpd="sng" algn="ctr">
+                      <a:solidFill>
+                        <a:schemeClr val="tx1"/>
+                      </a:solidFill>
+                      <a:prstDash val="solid"/>
+                      <a:round/>
+                      <a:headEnd type="none" w="med" len="med"/>
+                      <a:tailEnd type="none" w="med" len="med"/>
+                    </a:lnR>
+                    <a:lnT w="12700" cap="flat" cmpd="sng" algn="ctr">
+                      <a:solidFill>
+                        <a:schemeClr val="tx1"/>
+                      </a:solidFill>
+                      <a:prstDash val="solid"/>
+                      <a:round/>
+                      <a:headEnd type="none" w="med" len="med"/>
+                      <a:tailEnd type="none" w="med" len="med"/>
+                    </a:lnT>
+                    <a:lnB w="12700" cap="flat" cmpd="sng" algn="ctr">
+                      <a:solidFill>
+                        <a:schemeClr val="tx1"/>
+                      </a:solidFill>
+                      <a:prstDash val="solid"/>
+                      <a:round/>
+                      <a:headEnd type="none" w="med" len="med"/>
+                      <a:tailEnd type="none" w="med" len="med"/>
+                    </a:lnB>
+                  </a:tcPr>
+                </a:tc>
+                <a:tc>
+                  <a:txBody>
+                    <a:bodyPr/>
+                    <a:lstStyle/>
+                    <a:p>
+                      <a:pPr algn="ctr"/>
+                      <a:endParaRPr lang="en-US"/>
+                    </a:p>
+                  </a:txBody>
+                  <a:tcPr>
+                    <a:lnL w="12700" cap="flat" cmpd="sng" algn="ctr">
+                      <a:solidFill>
+                        <a:schemeClr val="tx1"/>
+                      </a:solidFill>
+                      <a:prstDash val="solid"/>
+                      <a:round/>
+                      <a:headEnd type="none" w="med" len="med"/>
+                      <a:tailEnd type="none" w="med" len="med"/>
+                    </a:lnL>
+                    <a:lnR w="12700" cap="flat" cmpd="sng" algn="ctr">
+                      <a:solidFill>
+                        <a:schemeClr val="tx1"/>
+                      </a:solidFill>
+                      <a:prstDash val="solid"/>
+                      <a:round/>
+                      <a:headEnd type="none" w="med" len="med"/>
+                      <a:tailEnd type="none" w="med" len="med"/>
+                    </a:lnR>
+                    <a:lnT w="12700" cap="flat" cmpd="sng" algn="ctr">
+                      <a:solidFill>
+                        <a:schemeClr val="tx1"/>
+                      </a:solidFill>
+                      <a:prstDash val="solid"/>
+                      <a:round/>
+                      <a:headEnd type="none" w="med" len="med"/>
+                      <a:tailEnd type="none" w="med" len="med"/>
+                    </a:lnT>
+                    <a:lnB w="12700" cap="flat" cmpd="sng" algn="ctr">
+                      <a:solidFill>
+                        <a:schemeClr val="tx1"/>
+                      </a:solidFill>
+                      <a:prstDash val="solid"/>
+                      <a:round/>
+                      <a:headEnd type="none" w="med" len="med"/>
+                      <a:tailEnd type="none" w="med" len="med"/>
+                    </a:lnB>
+                  </a:tcPr>
+                </a:tc>
+                <a:tc>
+                  <a:txBody>
+                    <a:bodyPr/>
+                    <a:lstStyle/>
+                    <a:p>
+                      <a:pPr algn="ctr"/>
+                      <a:endParaRPr lang="en-US"/>
+                    </a:p>
+                  </a:txBody>
+                  <a:tcPr>
+                    <a:lnL w="12700" cap="flat" cmpd="sng" algn="ctr">
+                      <a:solidFill>
+                        <a:schemeClr val="tx1"/>
+                      </a:solidFill>
+                      <a:prstDash val="solid"/>
+                      <a:round/>
+                      <a:headEnd type="none" w="med" len="med"/>
+                      <a:tailEnd type="none" w="med" len="med"/>
+                    </a:lnL>
+                    <a:lnR w="12700" cap="flat" cmpd="sng" algn="ctr">
+                      <a:solidFill>
+                        <a:schemeClr val="tx1"/>
+                      </a:solidFill>
+                      <a:prstDash val="solid"/>
+                      <a:round/>
+                      <a:headEnd type="none" w="med" len="med"/>
+                      <a:tailEnd type="none" w="med" len="med"/>
+                    </a:lnR>
+                    <a:lnT w="12700" cap="flat" cmpd="sng" algn="ctr">
+                      <a:solidFill>
+                        <a:schemeClr val="tx1"/>
+                      </a:solidFill>
+                      <a:prstDash val="solid"/>
+                      <a:round/>
+                      <a:headEnd type="none" w="med" len="med"/>
+                      <a:tailEnd type="none" w="med" len="med"/>
+                    </a:lnT>
+                    <a:lnB w="12700" cap="flat" cmpd="sng" algn="ctr">
+                      <a:solidFill>
+                        <a:schemeClr val="tx1"/>
+                      </a:solidFill>
+                      <a:prstDash val="solid"/>
+                      <a:round/>
+                      <a:headEnd type="none" w="med" len="med"/>
+                      <a:tailEnd type="none" w="med" len="med"/>
+                    </a:lnB>
+                  </a:tcPr>
+                </a:tc>
+                <a:extLst>
+                  <a:ext uri="{0D108BD9-81ED-4DB2-BD59-A6C34878D82A}">
+                    <a16:rowId xmlns:a16="http://schemas.microsoft.com/office/drawing/2014/main" val="3964950123"/>
+                  </a:ext>
+                </a:extLst>
+              </a:tr>
+              <a:tr h="370840">
+                <a:tc>
+                  <a:txBody>
+                    <a:bodyPr/>
+                    <a:lstStyle/>
+                    <a:p>
+                      <a:pPr algn="ctr"/>
+                      <a:endParaRPr lang="en-US"/>
+                    </a:p>
+                  </a:txBody>
+                  <a:tcPr>
+                    <a:lnL w="12700" cap="flat" cmpd="sng" algn="ctr">
+                      <a:solidFill>
+                        <a:schemeClr val="tx1"/>
+                      </a:solidFill>
+                      <a:prstDash val="solid"/>
+                      <a:round/>
+                      <a:headEnd type="none" w="med" len="med"/>
+                      <a:tailEnd type="none" w="med" len="med"/>
+                    </a:lnL>
+                    <a:lnR w="12700" cap="flat" cmpd="sng" algn="ctr">
+                      <a:solidFill>
+                        <a:schemeClr val="tx1"/>
+                      </a:solidFill>
+                      <a:prstDash val="solid"/>
+                      <a:round/>
+                      <a:headEnd type="none" w="med" len="med"/>
+                      <a:tailEnd type="none" w="med" len="med"/>
+                    </a:lnR>
+                    <a:lnT w="12700" cap="flat" cmpd="sng" algn="ctr">
+                      <a:solidFill>
+                        <a:schemeClr val="tx1"/>
+                      </a:solidFill>
+                      <a:prstDash val="solid"/>
+                      <a:round/>
+                      <a:headEnd type="none" w="med" len="med"/>
+                      <a:tailEnd type="none" w="med" len="med"/>
+                    </a:lnT>
+                    <a:lnB w="12700" cap="flat" cmpd="sng" algn="ctr">
+                      <a:solidFill>
+                        <a:schemeClr val="tx1"/>
+                      </a:solidFill>
+                      <a:prstDash val="solid"/>
+                      <a:round/>
+                      <a:headEnd type="none" w="med" len="med"/>
+                      <a:tailEnd type="none" w="med" len="med"/>
+                    </a:lnB>
+                  </a:tcPr>
+                </a:tc>
+                <a:tc>
+                  <a:txBody>
+                    <a:bodyPr/>
+                    <a:lstStyle/>
+                    <a:p>
+                      <a:pPr algn="ctr"/>
+                      <a:r>
+                        <a:rPr lang="en-US" dirty="0"/>
+                        <a:t>12</a:t>
+                      </a:r>
+                    </a:p>
+                  </a:txBody>
+                  <a:tcPr>
+                    <a:lnL w="12700" cap="flat" cmpd="sng" algn="ctr">
+                      <a:solidFill>
+                        <a:schemeClr val="tx1"/>
+                      </a:solidFill>
+                      <a:prstDash val="solid"/>
+                      <a:round/>
+                      <a:headEnd type="none" w="med" len="med"/>
+                      <a:tailEnd type="none" w="med" len="med"/>
+                    </a:lnL>
+                    <a:lnR w="12700" cap="flat" cmpd="sng" algn="ctr">
+                      <a:solidFill>
+                        <a:schemeClr val="tx1"/>
+                      </a:solidFill>
+                      <a:prstDash val="solid"/>
+                      <a:round/>
+                      <a:headEnd type="none" w="med" len="med"/>
+                      <a:tailEnd type="none" w="med" len="med"/>
+                    </a:lnR>
+                    <a:lnT w="12700" cap="flat" cmpd="sng" algn="ctr">
+                      <a:solidFill>
+                        <a:schemeClr val="tx1"/>
+                      </a:solidFill>
+                      <a:prstDash val="solid"/>
+                      <a:round/>
+                      <a:headEnd type="none" w="med" len="med"/>
+                      <a:tailEnd type="none" w="med" len="med"/>
+                    </a:lnT>
+                    <a:lnB w="12700" cap="flat" cmpd="sng" algn="ctr">
+                      <a:solidFill>
+                        <a:schemeClr val="tx1"/>
+                      </a:solidFill>
+                      <a:prstDash val="solid"/>
+                      <a:round/>
+                      <a:headEnd type="none" w="med" len="med"/>
+                      <a:tailEnd type="none" w="med" len="med"/>
+                    </a:lnB>
+                    <a:solidFill>
+                      <a:schemeClr val="accent1">
+                        <a:lumMod val="20000"/>
+                        <a:lumOff val="80000"/>
+                      </a:schemeClr>
+                    </a:solidFill>
+                  </a:tcPr>
+                </a:tc>
+                <a:tc>
+                  <a:txBody>
+                    <a:bodyPr/>
+                    <a:lstStyle/>
+                    <a:p>
+                      <a:pPr algn="ctr"/>
+                      <a:endParaRPr lang="en-US"/>
+                    </a:p>
+                  </a:txBody>
+                  <a:tcPr>
+                    <a:lnL w="12700" cap="flat" cmpd="sng" algn="ctr">
+                      <a:solidFill>
+                        <a:schemeClr val="tx1"/>
+                      </a:solidFill>
+                      <a:prstDash val="solid"/>
+                      <a:round/>
+                      <a:headEnd type="none" w="med" len="med"/>
+                      <a:tailEnd type="none" w="med" len="med"/>
+                    </a:lnL>
+                    <a:lnR w="12700" cap="flat" cmpd="sng" algn="ctr">
+                      <a:solidFill>
+                        <a:schemeClr val="tx1"/>
+                      </a:solidFill>
+                      <a:prstDash val="solid"/>
+                      <a:round/>
+                      <a:headEnd type="none" w="med" len="med"/>
+                      <a:tailEnd type="none" w="med" len="med"/>
+                    </a:lnR>
+                    <a:lnT w="12700" cap="flat" cmpd="sng" algn="ctr">
+                      <a:solidFill>
+                        <a:schemeClr val="tx1"/>
+                      </a:solidFill>
+                      <a:prstDash val="solid"/>
+                      <a:round/>
+                      <a:headEnd type="none" w="med" len="med"/>
+                      <a:tailEnd type="none" w="med" len="med"/>
+                    </a:lnT>
+                    <a:lnB w="12700" cap="flat" cmpd="sng" algn="ctr">
+                      <a:solidFill>
+                        <a:schemeClr val="tx1"/>
+                      </a:solidFill>
+                      <a:prstDash val="solid"/>
+                      <a:round/>
+                      <a:headEnd type="none" w="med" len="med"/>
+                      <a:tailEnd type="none" w="med" len="med"/>
+                    </a:lnB>
+                  </a:tcPr>
+                </a:tc>
+                <a:tc>
+                  <a:txBody>
+                    <a:bodyPr/>
+                    <a:lstStyle/>
+                    <a:p>
+                      <a:pPr algn="ctr"/>
+                      <a:endParaRPr lang="en-US"/>
+                    </a:p>
+                  </a:txBody>
+                  <a:tcPr>
+                    <a:lnL w="12700" cap="flat" cmpd="sng" algn="ctr">
+                      <a:solidFill>
+                        <a:schemeClr val="tx1"/>
+                      </a:solidFill>
+                      <a:prstDash val="solid"/>
+                      <a:round/>
+                      <a:headEnd type="none" w="med" len="med"/>
+                      <a:tailEnd type="none" w="med" len="med"/>
+                    </a:lnL>
+                    <a:lnR w="12700" cap="flat" cmpd="sng" algn="ctr">
+                      <a:solidFill>
+                        <a:schemeClr val="tx1"/>
+                      </a:solidFill>
+                      <a:prstDash val="solid"/>
+                      <a:round/>
+                      <a:headEnd type="none" w="med" len="med"/>
+                      <a:tailEnd type="none" w="med" len="med"/>
+                    </a:lnR>
+                    <a:lnT w="12700" cap="flat" cmpd="sng" algn="ctr">
+                      <a:solidFill>
+                        <a:schemeClr val="tx1"/>
+                      </a:solidFill>
+                      <a:prstDash val="solid"/>
+                      <a:round/>
+                      <a:headEnd type="none" w="med" len="med"/>
+                      <a:tailEnd type="none" w="med" len="med"/>
+                    </a:lnT>
+                    <a:lnB w="12700" cap="flat" cmpd="sng" algn="ctr">
+                      <a:solidFill>
+                        <a:schemeClr val="tx1"/>
+                      </a:solidFill>
+                      <a:prstDash val="solid"/>
+                      <a:round/>
+                      <a:headEnd type="none" w="med" len="med"/>
+                      <a:tailEnd type="none" w="med" len="med"/>
+                    </a:lnB>
+                  </a:tcPr>
+                </a:tc>
+                <a:extLst>
+                  <a:ext uri="{0D108BD9-81ED-4DB2-BD59-A6C34878D82A}">
+                    <a16:rowId xmlns:a16="http://schemas.microsoft.com/office/drawing/2014/main" val="172763464"/>
+                  </a:ext>
+                </a:extLst>
+              </a:tr>
+              <a:tr h="370840">
+                <a:tc>
+                  <a:txBody>
+                    <a:bodyPr/>
+                    <a:lstStyle/>
+                    <a:p>
+                      <a:pPr algn="ctr"/>
+                      <a:endParaRPr lang="en-US"/>
+                    </a:p>
+                  </a:txBody>
+                  <a:tcPr>
+                    <a:lnL w="12700" cap="flat" cmpd="sng" algn="ctr">
+                      <a:solidFill>
+                        <a:schemeClr val="tx1"/>
+                      </a:solidFill>
+                      <a:prstDash val="solid"/>
+                      <a:round/>
+                      <a:headEnd type="none" w="med" len="med"/>
+                      <a:tailEnd type="none" w="med" len="med"/>
+                    </a:lnL>
+                    <a:lnR w="12700" cap="flat" cmpd="sng" algn="ctr">
+                      <a:solidFill>
+                        <a:schemeClr val="tx1"/>
+                      </a:solidFill>
+                      <a:prstDash val="solid"/>
+                      <a:round/>
+                      <a:headEnd type="none" w="med" len="med"/>
+                      <a:tailEnd type="none" w="med" len="med"/>
+                    </a:lnR>
+                    <a:lnT w="12700" cap="flat" cmpd="sng" algn="ctr">
+                      <a:solidFill>
+                        <a:schemeClr val="tx1"/>
+                      </a:solidFill>
+                      <a:prstDash val="solid"/>
+                      <a:round/>
+                      <a:headEnd type="none" w="med" len="med"/>
+                      <a:tailEnd type="none" w="med" len="med"/>
+                    </a:lnT>
+                    <a:lnB w="12700" cap="flat" cmpd="sng" algn="ctr">
+                      <a:solidFill>
+                        <a:schemeClr val="tx1"/>
+                      </a:solidFill>
+                      <a:prstDash val="solid"/>
+                      <a:round/>
+                      <a:headEnd type="none" w="med" len="med"/>
+                      <a:tailEnd type="none" w="med" len="med"/>
+                    </a:lnB>
+                  </a:tcPr>
+                </a:tc>
+                <a:tc>
+                  <a:txBody>
+                    <a:bodyPr/>
+                    <a:lstStyle/>
+                    <a:p>
+                      <a:pPr algn="ctr"/>
+                      <a:endParaRPr lang="en-US"/>
+                    </a:p>
+                  </a:txBody>
+                  <a:tcPr>
+                    <a:lnL w="12700" cap="flat" cmpd="sng" algn="ctr">
+                      <a:solidFill>
+                        <a:schemeClr val="tx1"/>
+                      </a:solidFill>
+                      <a:prstDash val="solid"/>
+                      <a:round/>
+                      <a:headEnd type="none" w="med" len="med"/>
+                      <a:tailEnd type="none" w="med" len="med"/>
+                    </a:lnL>
+                    <a:lnR w="12700" cap="flat" cmpd="sng" algn="ctr">
+                      <a:solidFill>
+                        <a:schemeClr val="tx1"/>
+                      </a:solidFill>
+                      <a:prstDash val="solid"/>
+                      <a:round/>
+                      <a:headEnd type="none" w="med" len="med"/>
+                      <a:tailEnd type="none" w="med" len="med"/>
+                    </a:lnR>
+                    <a:lnT w="12700" cap="flat" cmpd="sng" algn="ctr">
+                      <a:solidFill>
+                        <a:schemeClr val="tx1"/>
+                      </a:solidFill>
+                      <a:prstDash val="solid"/>
+                      <a:round/>
+                      <a:headEnd type="none" w="med" len="med"/>
+                      <a:tailEnd type="none" w="med" len="med"/>
+                    </a:lnT>
+                    <a:lnB w="12700" cap="flat" cmpd="sng" algn="ctr">
+                      <a:solidFill>
+                        <a:schemeClr val="tx1"/>
+                      </a:solidFill>
+                      <a:prstDash val="solid"/>
+                      <a:round/>
+                      <a:headEnd type="none" w="med" len="med"/>
+                      <a:tailEnd type="none" w="med" len="med"/>
+                    </a:lnB>
+                  </a:tcPr>
+                </a:tc>
+                <a:tc>
+                  <a:txBody>
+                    <a:bodyPr/>
+                    <a:lstStyle/>
+                    <a:p>
+                      <a:pPr algn="ctr"/>
+                      <a:endParaRPr lang="en-US" dirty="0"/>
+                    </a:p>
+                  </a:txBody>
+                  <a:tcPr>
+                    <a:lnL w="12700" cap="flat" cmpd="sng" algn="ctr">
+                      <a:solidFill>
+                        <a:schemeClr val="tx1"/>
+                      </a:solidFill>
+                      <a:prstDash val="solid"/>
+                      <a:round/>
+                      <a:headEnd type="none" w="med" len="med"/>
+                      <a:tailEnd type="none" w="med" len="med"/>
+                    </a:lnL>
+                    <a:lnR w="12700" cap="flat" cmpd="sng" algn="ctr">
+                      <a:solidFill>
+                        <a:schemeClr val="tx1"/>
+                      </a:solidFill>
+                      <a:prstDash val="solid"/>
+                      <a:round/>
+                      <a:headEnd type="none" w="med" len="med"/>
+                      <a:tailEnd type="none" w="med" len="med"/>
+                    </a:lnR>
+                    <a:lnT w="12700" cap="flat" cmpd="sng" algn="ctr">
+                      <a:solidFill>
+                        <a:schemeClr val="tx1"/>
+                      </a:solidFill>
+                      <a:prstDash val="solid"/>
+                      <a:round/>
+                      <a:headEnd type="none" w="med" len="med"/>
+                      <a:tailEnd type="none" w="med" len="med"/>
+                    </a:lnT>
+                    <a:lnB w="12700" cap="flat" cmpd="sng" algn="ctr">
+                      <a:solidFill>
+                        <a:schemeClr val="tx1"/>
+                      </a:solidFill>
+                      <a:prstDash val="solid"/>
+                      <a:round/>
+                      <a:headEnd type="none" w="med" len="med"/>
+                      <a:tailEnd type="none" w="med" len="med"/>
+                    </a:lnB>
+                  </a:tcPr>
+                </a:tc>
+                <a:tc>
+                  <a:txBody>
+                    <a:bodyPr/>
+                    <a:lstStyle/>
+                    <a:p>
+                      <a:pPr algn="ctr"/>
+                      <a:r>
+                        <a:rPr lang="en-US" dirty="0"/>
+                        <a:t>13</a:t>
+                      </a:r>
+                    </a:p>
+                  </a:txBody>
+                  <a:tcPr>
+                    <a:lnL w="12700" cap="flat" cmpd="sng" algn="ctr">
+                      <a:solidFill>
+                        <a:schemeClr val="tx1"/>
+                      </a:solidFill>
+                      <a:prstDash val="solid"/>
+                      <a:round/>
+                      <a:headEnd type="none" w="med" len="med"/>
+                      <a:tailEnd type="none" w="med" len="med"/>
+                    </a:lnL>
+                    <a:lnR w="12700" cap="flat" cmpd="sng" algn="ctr">
+                      <a:solidFill>
+                        <a:schemeClr val="tx1"/>
+                      </a:solidFill>
+                      <a:prstDash val="solid"/>
+                      <a:round/>
+                      <a:headEnd type="none" w="med" len="med"/>
+                      <a:tailEnd type="none" w="med" len="med"/>
+                    </a:lnR>
+                    <a:lnT w="12700" cap="flat" cmpd="sng" algn="ctr">
+                      <a:solidFill>
+                        <a:schemeClr val="tx1"/>
+                      </a:solidFill>
+                      <a:prstDash val="solid"/>
+                      <a:round/>
+                      <a:headEnd type="none" w="med" len="med"/>
+                      <a:tailEnd type="none" w="med" len="med"/>
+                    </a:lnT>
+                    <a:lnB w="12700" cap="flat" cmpd="sng" algn="ctr">
+                      <a:solidFill>
+                        <a:schemeClr val="tx1"/>
+                      </a:solidFill>
+                      <a:prstDash val="solid"/>
+                      <a:round/>
+                      <a:headEnd type="none" w="med" len="med"/>
+                      <a:tailEnd type="none" w="med" len="med"/>
+                    </a:lnB>
+                    <a:solidFill>
+                      <a:schemeClr val="accent2">
+                        <a:lumMod val="20000"/>
+                        <a:lumOff val="80000"/>
+                      </a:schemeClr>
+                    </a:solidFill>
+                  </a:tcPr>
+                </a:tc>
+                <a:extLst>
+                  <a:ext uri="{0D108BD9-81ED-4DB2-BD59-A6C34878D82A}">
+                    <a16:rowId xmlns:a16="http://schemas.microsoft.com/office/drawing/2014/main" val="2950757801"/>
+                  </a:ext>
+                </a:extLst>
+              </a:tr>
+              <a:tr h="370840">
+                <a:tc>
+                  <a:txBody>
+                    <a:bodyPr/>
+                    <a:lstStyle/>
+                    <a:p>
+                      <a:pPr algn="ctr"/>
+                      <a:endParaRPr lang="en-US"/>
+                    </a:p>
+                  </a:txBody>
+                  <a:tcPr>
+                    <a:lnL w="12700" cap="flat" cmpd="sng" algn="ctr">
+                      <a:solidFill>
+                        <a:schemeClr val="tx1"/>
+                      </a:solidFill>
+                      <a:prstDash val="solid"/>
+                      <a:round/>
+                      <a:headEnd type="none" w="med" len="med"/>
+                      <a:tailEnd type="none" w="med" len="med"/>
+                    </a:lnL>
+                    <a:lnR w="12700" cap="flat" cmpd="sng" algn="ctr">
+                      <a:solidFill>
+                        <a:schemeClr val="tx1"/>
+                      </a:solidFill>
+                      <a:prstDash val="solid"/>
+                      <a:round/>
+                      <a:headEnd type="none" w="med" len="med"/>
+                      <a:tailEnd type="none" w="med" len="med"/>
+                    </a:lnR>
+                    <a:lnT w="12700" cap="flat" cmpd="sng" algn="ctr">
+                      <a:solidFill>
+                        <a:schemeClr val="tx1"/>
+                      </a:solidFill>
+                      <a:prstDash val="solid"/>
+                      <a:round/>
+                      <a:headEnd type="none" w="med" len="med"/>
+                      <a:tailEnd type="none" w="med" len="med"/>
+                    </a:lnT>
+                    <a:lnB w="12700" cap="flat" cmpd="sng" algn="ctr">
+                      <a:solidFill>
+                        <a:schemeClr val="tx1"/>
+                      </a:solidFill>
+                      <a:prstDash val="solid"/>
+                      <a:round/>
+                      <a:headEnd type="none" w="med" len="med"/>
+                      <a:tailEnd type="none" w="med" len="med"/>
+                    </a:lnB>
+                  </a:tcPr>
+                </a:tc>
+                <a:tc>
+                  <a:txBody>
+                    <a:bodyPr/>
+                    <a:lstStyle/>
+                    <a:p>
+                      <a:pPr algn="ctr"/>
+                      <a:endParaRPr lang="en-US"/>
+                    </a:p>
+                  </a:txBody>
+                  <a:tcPr>
+                    <a:lnL w="12700" cap="flat" cmpd="sng" algn="ctr">
+                      <a:solidFill>
+                        <a:schemeClr val="tx1"/>
+                      </a:solidFill>
+                      <a:prstDash val="solid"/>
+                      <a:round/>
+                      <a:headEnd type="none" w="med" len="med"/>
+                      <a:tailEnd type="none" w="med" len="med"/>
+                    </a:lnL>
+                    <a:lnR w="12700" cap="flat" cmpd="sng" algn="ctr">
+                      <a:solidFill>
+                        <a:schemeClr val="tx1"/>
+                      </a:solidFill>
+                      <a:prstDash val="solid"/>
+                      <a:round/>
+                      <a:headEnd type="none" w="med" len="med"/>
+                      <a:tailEnd type="none" w="med" len="med"/>
+                    </a:lnR>
+                    <a:lnT w="12700" cap="flat" cmpd="sng" algn="ctr">
+                      <a:solidFill>
+                        <a:schemeClr val="tx1"/>
+                      </a:solidFill>
+                      <a:prstDash val="solid"/>
+                      <a:round/>
+                      <a:headEnd type="none" w="med" len="med"/>
+                      <a:tailEnd type="none" w="med" len="med"/>
+                    </a:lnT>
+                    <a:lnB w="12700" cap="flat" cmpd="sng" algn="ctr">
+                      <a:solidFill>
+                        <a:schemeClr val="tx1"/>
+                      </a:solidFill>
+                      <a:prstDash val="solid"/>
+                      <a:round/>
+                      <a:headEnd type="none" w="med" len="med"/>
+                      <a:tailEnd type="none" w="med" len="med"/>
+                    </a:lnB>
+                  </a:tcPr>
+                </a:tc>
+                <a:tc>
+                  <a:txBody>
+                    <a:bodyPr/>
+                    <a:lstStyle/>
+                    <a:p>
+                      <a:pPr algn="ctr"/>
+                      <a:endParaRPr lang="en-US" dirty="0"/>
+                    </a:p>
+                  </a:txBody>
+                  <a:tcPr>
+                    <a:lnL w="12700" cap="flat" cmpd="sng" algn="ctr">
+                      <a:solidFill>
+                        <a:schemeClr val="tx1"/>
+                      </a:solidFill>
+                      <a:prstDash val="solid"/>
+                      <a:round/>
+                      <a:headEnd type="none" w="med" len="med"/>
+                      <a:tailEnd type="none" w="med" len="med"/>
+                    </a:lnL>
+                    <a:lnR w="12700" cap="flat" cmpd="sng" algn="ctr">
+                      <a:solidFill>
+                        <a:schemeClr val="tx1"/>
+                      </a:solidFill>
+                      <a:prstDash val="solid"/>
+                      <a:round/>
+                      <a:headEnd type="none" w="med" len="med"/>
+                      <a:tailEnd type="none" w="med" len="med"/>
+                    </a:lnR>
+                    <a:lnT w="12700" cap="flat" cmpd="sng" algn="ctr">
+                      <a:solidFill>
+                        <a:schemeClr val="tx1"/>
+                      </a:solidFill>
+                      <a:prstDash val="solid"/>
+                      <a:round/>
+                      <a:headEnd type="none" w="med" len="med"/>
+                      <a:tailEnd type="none" w="med" len="med"/>
+                    </a:lnT>
+                    <a:lnB w="12700" cap="flat" cmpd="sng" algn="ctr">
+                      <a:solidFill>
+                        <a:schemeClr val="tx1"/>
+                      </a:solidFill>
+                      <a:prstDash val="solid"/>
+                      <a:round/>
+                      <a:headEnd type="none" w="med" len="med"/>
+                      <a:tailEnd type="none" w="med" len="med"/>
+                    </a:lnB>
+                  </a:tcPr>
+                </a:tc>
+                <a:tc>
+                  <a:txBody>
+                    <a:bodyPr/>
+                    <a:lstStyle/>
+                    <a:p>
+                      <a:pPr algn="ctr"/>
+                      <a:endParaRPr lang="en-US" dirty="0"/>
+                    </a:p>
+                  </a:txBody>
+                  <a:tcPr>
+                    <a:lnL w="12700" cap="flat" cmpd="sng" algn="ctr">
+                      <a:solidFill>
+                        <a:schemeClr val="tx1"/>
+                      </a:solidFill>
+                      <a:prstDash val="solid"/>
+                      <a:round/>
+                      <a:headEnd type="none" w="med" len="med"/>
+                      <a:tailEnd type="none" w="med" len="med"/>
+                    </a:lnL>
+                    <a:lnR w="12700" cap="flat" cmpd="sng" algn="ctr">
+                      <a:solidFill>
+                        <a:schemeClr val="tx1"/>
+                      </a:solidFill>
+                      <a:prstDash val="solid"/>
+                      <a:round/>
+                      <a:headEnd type="none" w="med" len="med"/>
+                      <a:tailEnd type="none" w="med" len="med"/>
+                    </a:lnR>
+                    <a:lnT w="12700" cap="flat" cmpd="sng" algn="ctr">
+                      <a:solidFill>
+                        <a:schemeClr val="tx1"/>
+                      </a:solidFill>
+                      <a:prstDash val="solid"/>
+                      <a:round/>
+                      <a:headEnd type="none" w="med" len="med"/>
+                      <a:tailEnd type="none" w="med" len="med"/>
+                    </a:lnT>
+                    <a:lnB w="12700" cap="flat" cmpd="sng" algn="ctr">
+                      <a:solidFill>
+                        <a:schemeClr val="tx1"/>
+                      </a:solidFill>
+                      <a:prstDash val="solid"/>
+                      <a:round/>
+                      <a:headEnd type="none" w="med" len="med"/>
+                      <a:tailEnd type="none" w="med" len="med"/>
+                    </a:lnB>
+                  </a:tcPr>
+                </a:tc>
+                <a:extLst>
+                  <a:ext uri="{0D108BD9-81ED-4DB2-BD59-A6C34878D82A}">
+                    <a16:rowId xmlns:a16="http://schemas.microsoft.com/office/drawing/2014/main" val="2837239586"/>
+                  </a:ext>
+                </a:extLst>
+              </a:tr>
+            </a:tbl>
+          </a:graphicData>
+        </a:graphic>
+      </p:graphicFrame>
+      <p:sp>
+        <p:nvSpPr>
+          <p:cNvPr id="4" name="Espace réservé du numéro de diapositive 3">
+            <a:extLst>
+              <a:ext uri="{FF2B5EF4-FFF2-40B4-BE49-F238E27FC236}">
+                <a16:creationId xmlns:a16="http://schemas.microsoft.com/office/drawing/2014/main" id="{46FE4846-01CB-4BB4-983B-D9C3A4E63469}"/>
               </a:ext>
             </a:extLst>
           </p:cNvPr>
@@ -3812,7 +5135,7 @@
             <a:spLocks noGrp="1"/>
           </p:cNvSpPr>
           <p:nvPr>
-            <p:ph idx="1"/>
+            <p:ph type="sldNum" sz="quarter" idx="12"/>
           </p:nvPr>
         </p:nvSpPr>
         <p:spPr/>
@@ -3820,16 +5143,21 @@
           <a:bodyPr/>
           <a:lstStyle/>
           <a:p>
-            <a:endParaRPr lang="en-US"/>
-          </a:p>
-        </p:txBody>
-      </p:sp>
-      <p:sp>
-        <p:nvSpPr>
-          <p:cNvPr id="4" name="Espace réservé du numéro de diapositive 3">
-            <a:extLst>
-              <a:ext uri="{FF2B5EF4-FFF2-40B4-BE49-F238E27FC236}">
-                <a16:creationId xmlns:a16="http://schemas.microsoft.com/office/drawing/2014/main" id="{FCD88183-8AD3-4A8B-99A3-51A0D1C004ED}"/>
+            <a:fld id="{19485C6F-9B8D-4FB9-A42B-A9ABFED612B1}" type="slidenum">
+              <a:rPr lang="en-US" smtClean="0"/>
+              <a:pPr/>
+              <a:t>13</a:t>
+            </a:fld>
+            <a:endParaRPr lang="en-US" dirty="0"/>
+          </a:p>
+        </p:txBody>
+      </p:sp>
+      <p:sp>
+        <p:nvSpPr>
+          <p:cNvPr id="5" name="Espace réservé du pied de page 4">
+            <a:extLst>
+              <a:ext uri="{FF2B5EF4-FFF2-40B4-BE49-F238E27FC236}">
+                <a16:creationId xmlns:a16="http://schemas.microsoft.com/office/drawing/2014/main" id="{96A168E6-EC01-4ABE-BE97-0B051BF24D9E}"/>
               </a:ext>
             </a:extLst>
           </p:cNvPr>
@@ -3837,6 +5165,2642 @@
             <a:spLocks noGrp="1"/>
           </p:cNvSpPr>
           <p:nvPr>
+            <p:ph type="ftr" sz="quarter" idx="3"/>
+          </p:nvPr>
+        </p:nvSpPr>
+        <p:spPr/>
+        <p:txBody>
+          <a:bodyPr/>
+          <a:lstStyle/>
+          <a:p>
+            <a:r>
+              <a:rPr lang="en-US"/>
+              <a:t>alberto.tonda@inrae.fr</a:t>
+            </a:r>
+            <a:endParaRPr lang="en-US" dirty="0"/>
+          </a:p>
+        </p:txBody>
+      </p:sp>
+      <p:sp>
+        <p:nvSpPr>
+          <p:cNvPr id="7" name="Rectangle 6">
+            <a:extLst>
+              <a:ext uri="{FF2B5EF4-FFF2-40B4-BE49-F238E27FC236}">
+                <a16:creationId xmlns:a16="http://schemas.microsoft.com/office/drawing/2014/main" id="{2498D86B-BA96-4FA6-95E4-25D45727B390}"/>
+              </a:ext>
+            </a:extLst>
+          </p:cNvPr>
+          <p:cNvSpPr/>
+          <p:nvPr/>
+        </p:nvSpPr>
+        <p:spPr>
+          <a:xfrm>
+            <a:off x="622170" y="1158325"/>
+            <a:ext cx="1131216" cy="443298"/>
+          </a:xfrm>
+          <a:prstGeom prst="rect">
+            <a:avLst/>
+          </a:prstGeom>
+        </p:spPr>
+        <p:style>
+          <a:lnRef idx="2">
+            <a:schemeClr val="dk1"/>
+          </a:lnRef>
+          <a:fillRef idx="1">
+            <a:schemeClr val="lt1"/>
+          </a:fillRef>
+          <a:effectRef idx="0">
+            <a:schemeClr val="dk1"/>
+          </a:effectRef>
+          <a:fontRef idx="minor">
+            <a:schemeClr val="dk1"/>
+          </a:fontRef>
+        </p:style>
+        <p:txBody>
+          <a:bodyPr rtlCol="0" anchor="ctr"/>
+          <a:lstStyle/>
+          <a:p>
+            <a:pPr algn="ctr"/>
+            <a:r>
+              <a:rPr lang="en-US" dirty="0">
+                <a:solidFill>
+                  <a:schemeClr val="accent1"/>
+                </a:solidFill>
+              </a:rPr>
+              <a:t>a=12</a:t>
+            </a:r>
+          </a:p>
+        </p:txBody>
+      </p:sp>
+      <p:sp>
+        <p:nvSpPr>
+          <p:cNvPr id="8" name="Flèche : virage 7">
+            <a:extLst>
+              <a:ext uri="{FF2B5EF4-FFF2-40B4-BE49-F238E27FC236}">
+                <a16:creationId xmlns:a16="http://schemas.microsoft.com/office/drawing/2014/main" id="{97467856-8041-4701-AA20-63600982F9DF}"/>
+              </a:ext>
+            </a:extLst>
+          </p:cNvPr>
+          <p:cNvSpPr/>
+          <p:nvPr/>
+        </p:nvSpPr>
+        <p:spPr>
+          <a:xfrm rot="5400000">
+            <a:off x="1884220" y="1168527"/>
+            <a:ext cx="869546" cy="1131215"/>
+          </a:xfrm>
+          <a:prstGeom prst="bentArrow">
+            <a:avLst>
+              <a:gd name="adj1" fmla="val 13075"/>
+              <a:gd name="adj2" fmla="val 25000"/>
+              <a:gd name="adj3" fmla="val 25000"/>
+              <a:gd name="adj4" fmla="val 43750"/>
+            </a:avLst>
+          </a:prstGeom>
+          <a:ln>
+            <a:solidFill>
+              <a:schemeClr val="tx1"/>
+            </a:solidFill>
+          </a:ln>
+        </p:spPr>
+        <p:style>
+          <a:lnRef idx="2">
+            <a:schemeClr val="accent1">
+              <a:shade val="50000"/>
+            </a:schemeClr>
+          </a:lnRef>
+          <a:fillRef idx="1">
+            <a:schemeClr val="accent1"/>
+          </a:fillRef>
+          <a:effectRef idx="0">
+            <a:schemeClr val="accent1"/>
+          </a:effectRef>
+          <a:fontRef idx="minor">
+            <a:schemeClr val="lt1"/>
+          </a:fontRef>
+        </p:style>
+        <p:txBody>
+          <a:bodyPr rtlCol="0" anchor="ctr"/>
+          <a:lstStyle/>
+          <a:p>
+            <a:pPr algn="ctr"/>
+            <a:endParaRPr lang="en-US">
+              <a:solidFill>
+                <a:schemeClr val="tx1"/>
+              </a:solidFill>
+            </a:endParaRPr>
+          </a:p>
+        </p:txBody>
+      </p:sp>
+      <p:sp>
+        <p:nvSpPr>
+          <p:cNvPr id="9" name="Rectangle 8">
+            <a:extLst>
+              <a:ext uri="{FF2B5EF4-FFF2-40B4-BE49-F238E27FC236}">
+                <a16:creationId xmlns:a16="http://schemas.microsoft.com/office/drawing/2014/main" id="{030FFD07-D235-476A-8037-CA4CC345F064}"/>
+              </a:ext>
+            </a:extLst>
+          </p:cNvPr>
+          <p:cNvSpPr/>
+          <p:nvPr/>
+        </p:nvSpPr>
+        <p:spPr>
+          <a:xfrm>
+            <a:off x="711332" y="3354943"/>
+            <a:ext cx="1131216" cy="443298"/>
+          </a:xfrm>
+          <a:prstGeom prst="rect">
+            <a:avLst/>
+          </a:prstGeom>
+        </p:spPr>
+        <p:style>
+          <a:lnRef idx="2">
+            <a:schemeClr val="dk1"/>
+          </a:lnRef>
+          <a:fillRef idx="1">
+            <a:schemeClr val="lt1"/>
+          </a:fillRef>
+          <a:effectRef idx="0">
+            <a:schemeClr val="dk1"/>
+          </a:effectRef>
+          <a:fontRef idx="minor">
+            <a:schemeClr val="dk1"/>
+          </a:fontRef>
+        </p:style>
+        <p:txBody>
+          <a:bodyPr rtlCol="0" anchor="ctr"/>
+          <a:lstStyle/>
+          <a:p>
+            <a:pPr algn="ctr"/>
+            <a:r>
+              <a:rPr lang="en-US" dirty="0">
+                <a:solidFill>
+                  <a:schemeClr val="accent2"/>
+                </a:solidFill>
+              </a:rPr>
+              <a:t>b=a+1</a:t>
+            </a:r>
+          </a:p>
+        </p:txBody>
+      </p:sp>
+      <p:sp>
+        <p:nvSpPr>
+          <p:cNvPr id="10" name="Flèche : virage 9">
+            <a:extLst>
+              <a:ext uri="{FF2B5EF4-FFF2-40B4-BE49-F238E27FC236}">
+                <a16:creationId xmlns:a16="http://schemas.microsoft.com/office/drawing/2014/main" id="{CA6075FC-E396-4160-90D8-D2505E484090}"/>
+              </a:ext>
+            </a:extLst>
+          </p:cNvPr>
+          <p:cNvSpPr/>
+          <p:nvPr/>
+        </p:nvSpPr>
+        <p:spPr>
+          <a:xfrm rot="16200000" flipV="1">
+            <a:off x="2741667" y="1903787"/>
+            <a:ext cx="869546" cy="2667783"/>
+          </a:xfrm>
+          <a:prstGeom prst="bentArrow">
+            <a:avLst>
+              <a:gd name="adj1" fmla="val 13075"/>
+              <a:gd name="adj2" fmla="val 25000"/>
+              <a:gd name="adj3" fmla="val 25000"/>
+              <a:gd name="adj4" fmla="val 43750"/>
+            </a:avLst>
+          </a:prstGeom>
+          <a:solidFill>
+            <a:schemeClr val="accent2"/>
+          </a:solidFill>
+          <a:ln>
+            <a:solidFill>
+              <a:schemeClr val="tx2"/>
+            </a:solidFill>
+          </a:ln>
+        </p:spPr>
+        <p:style>
+          <a:lnRef idx="2">
+            <a:schemeClr val="accent1">
+              <a:shade val="50000"/>
+            </a:schemeClr>
+          </a:lnRef>
+          <a:fillRef idx="1">
+            <a:schemeClr val="accent1"/>
+          </a:fillRef>
+          <a:effectRef idx="0">
+            <a:schemeClr val="accent1"/>
+          </a:effectRef>
+          <a:fontRef idx="minor">
+            <a:schemeClr val="lt1"/>
+          </a:fontRef>
+        </p:style>
+        <p:txBody>
+          <a:bodyPr rtlCol="0" anchor="ctr"/>
+          <a:lstStyle/>
+          <a:p>
+            <a:pPr algn="ctr"/>
+            <a:endParaRPr lang="en-US">
+              <a:solidFill>
+                <a:schemeClr val="tx1"/>
+              </a:solidFill>
+            </a:endParaRPr>
+          </a:p>
+        </p:txBody>
+      </p:sp>
+      <p:graphicFrame>
+        <p:nvGraphicFramePr>
+          <p:cNvPr id="11" name="Tableau 6">
+            <a:extLst>
+              <a:ext uri="{FF2B5EF4-FFF2-40B4-BE49-F238E27FC236}">
+                <a16:creationId xmlns:a16="http://schemas.microsoft.com/office/drawing/2014/main" id="{D376FCA7-40E5-4070-9080-EAC3A9DAC452}"/>
+              </a:ext>
+            </a:extLst>
+          </p:cNvPr>
+          <p:cNvGraphicFramePr>
+            <a:graphicFrameLocks/>
+          </p:cNvGraphicFramePr>
+          <p:nvPr>
+            <p:extLst>
+              <p:ext uri="{D42A27DB-BD31-4B8C-83A1-F6EECF244321}">
+                <p14:modId xmlns:p14="http://schemas.microsoft.com/office/powerpoint/2010/main" val="1419144762"/>
+              </p:ext>
+            </p:extLst>
+          </p:nvPr>
+        </p:nvGraphicFramePr>
+        <p:xfrm>
+          <a:off x="7729979" y="1754319"/>
+          <a:ext cx="3149340" cy="1483360"/>
+        </p:xfrm>
+        <a:graphic>
+          <a:graphicData uri="http://schemas.openxmlformats.org/drawingml/2006/table">
+            <a:tbl>
+              <a:tblPr firstRow="1" bandRow="1">
+                <a:tableStyleId>{2D5ABB26-0587-4C30-8999-92F81FD0307C}</a:tableStyleId>
+              </a:tblPr>
+              <a:tblGrid>
+                <a:gridCol w="787335">
+                  <a:extLst>
+                    <a:ext uri="{9D8B030D-6E8A-4147-A177-3AD203B41FA5}">
+                      <a16:colId xmlns:a16="http://schemas.microsoft.com/office/drawing/2014/main" val="590911664"/>
+                    </a:ext>
+                  </a:extLst>
+                </a:gridCol>
+                <a:gridCol w="787335">
+                  <a:extLst>
+                    <a:ext uri="{9D8B030D-6E8A-4147-A177-3AD203B41FA5}">
+                      <a16:colId xmlns:a16="http://schemas.microsoft.com/office/drawing/2014/main" val="3983171773"/>
+                    </a:ext>
+                  </a:extLst>
+                </a:gridCol>
+                <a:gridCol w="787335">
+                  <a:extLst>
+                    <a:ext uri="{9D8B030D-6E8A-4147-A177-3AD203B41FA5}">
+                      <a16:colId xmlns:a16="http://schemas.microsoft.com/office/drawing/2014/main" val="2426899995"/>
+                    </a:ext>
+                  </a:extLst>
+                </a:gridCol>
+                <a:gridCol w="787335">
+                  <a:extLst>
+                    <a:ext uri="{9D8B030D-6E8A-4147-A177-3AD203B41FA5}">
+                      <a16:colId xmlns:a16="http://schemas.microsoft.com/office/drawing/2014/main" val="3963540308"/>
+                    </a:ext>
+                  </a:extLst>
+                </a:gridCol>
+              </a:tblGrid>
+              <a:tr h="370840">
+                <a:tc>
+                  <a:txBody>
+                    <a:bodyPr/>
+                    <a:lstStyle/>
+                    <a:p>
+                      <a:pPr algn="ctr"/>
+                      <a:endParaRPr lang="en-US" dirty="0"/>
+                    </a:p>
+                  </a:txBody>
+                  <a:tcPr>
+                    <a:lnL w="12700" cap="flat" cmpd="sng" algn="ctr">
+                      <a:solidFill>
+                        <a:schemeClr val="tx1"/>
+                      </a:solidFill>
+                      <a:prstDash val="solid"/>
+                      <a:round/>
+                      <a:headEnd type="none" w="med" len="med"/>
+                      <a:tailEnd type="none" w="med" len="med"/>
+                    </a:lnL>
+                    <a:lnR w="12700" cap="flat" cmpd="sng" algn="ctr">
+                      <a:solidFill>
+                        <a:schemeClr val="tx1"/>
+                      </a:solidFill>
+                      <a:prstDash val="solid"/>
+                      <a:round/>
+                      <a:headEnd type="none" w="med" len="med"/>
+                      <a:tailEnd type="none" w="med" len="med"/>
+                    </a:lnR>
+                    <a:lnT w="12700" cap="flat" cmpd="sng" algn="ctr">
+                      <a:solidFill>
+                        <a:schemeClr val="tx1"/>
+                      </a:solidFill>
+                      <a:prstDash val="solid"/>
+                      <a:round/>
+                      <a:headEnd type="none" w="med" len="med"/>
+                      <a:tailEnd type="none" w="med" len="med"/>
+                    </a:lnT>
+                    <a:lnB w="12700" cap="flat" cmpd="sng" algn="ctr">
+                      <a:solidFill>
+                        <a:schemeClr val="tx1"/>
+                      </a:solidFill>
+                      <a:prstDash val="solid"/>
+                      <a:round/>
+                      <a:headEnd type="none" w="med" len="med"/>
+                      <a:tailEnd type="none" w="med" len="med"/>
+                    </a:lnB>
+                  </a:tcPr>
+                </a:tc>
+                <a:tc>
+                  <a:txBody>
+                    <a:bodyPr/>
+                    <a:lstStyle/>
+                    <a:p>
+                      <a:pPr algn="ctr"/>
+                      <a:endParaRPr lang="en-US" dirty="0"/>
+                    </a:p>
+                  </a:txBody>
+                  <a:tcPr>
+                    <a:lnL w="12700" cap="flat" cmpd="sng" algn="ctr">
+                      <a:solidFill>
+                        <a:schemeClr val="tx1"/>
+                      </a:solidFill>
+                      <a:prstDash val="solid"/>
+                      <a:round/>
+                      <a:headEnd type="none" w="med" len="med"/>
+                      <a:tailEnd type="none" w="med" len="med"/>
+                    </a:lnL>
+                    <a:lnR w="12700" cap="flat" cmpd="sng" algn="ctr">
+                      <a:solidFill>
+                        <a:schemeClr val="tx1"/>
+                      </a:solidFill>
+                      <a:prstDash val="solid"/>
+                      <a:round/>
+                      <a:headEnd type="none" w="med" len="med"/>
+                      <a:tailEnd type="none" w="med" len="med"/>
+                    </a:lnR>
+                    <a:lnT w="12700" cap="flat" cmpd="sng" algn="ctr">
+                      <a:solidFill>
+                        <a:schemeClr val="tx1"/>
+                      </a:solidFill>
+                      <a:prstDash val="solid"/>
+                      <a:round/>
+                      <a:headEnd type="none" w="med" len="med"/>
+                      <a:tailEnd type="none" w="med" len="med"/>
+                    </a:lnT>
+                    <a:lnB w="12700" cap="flat" cmpd="sng" algn="ctr">
+                      <a:solidFill>
+                        <a:schemeClr val="tx1"/>
+                      </a:solidFill>
+                      <a:prstDash val="solid"/>
+                      <a:round/>
+                      <a:headEnd type="none" w="med" len="med"/>
+                      <a:tailEnd type="none" w="med" len="med"/>
+                    </a:lnB>
+                  </a:tcPr>
+                </a:tc>
+                <a:tc>
+                  <a:txBody>
+                    <a:bodyPr/>
+                    <a:lstStyle/>
+                    <a:p>
+                      <a:pPr algn="ctr"/>
+                      <a:endParaRPr lang="en-US"/>
+                    </a:p>
+                  </a:txBody>
+                  <a:tcPr>
+                    <a:lnL w="12700" cap="flat" cmpd="sng" algn="ctr">
+                      <a:solidFill>
+                        <a:schemeClr val="tx1"/>
+                      </a:solidFill>
+                      <a:prstDash val="solid"/>
+                      <a:round/>
+                      <a:headEnd type="none" w="med" len="med"/>
+                      <a:tailEnd type="none" w="med" len="med"/>
+                    </a:lnL>
+                    <a:lnR w="12700" cap="flat" cmpd="sng" algn="ctr">
+                      <a:solidFill>
+                        <a:schemeClr val="tx1"/>
+                      </a:solidFill>
+                      <a:prstDash val="solid"/>
+                      <a:round/>
+                      <a:headEnd type="none" w="med" len="med"/>
+                      <a:tailEnd type="none" w="med" len="med"/>
+                    </a:lnR>
+                    <a:lnT w="12700" cap="flat" cmpd="sng" algn="ctr">
+                      <a:solidFill>
+                        <a:schemeClr val="tx1"/>
+                      </a:solidFill>
+                      <a:prstDash val="solid"/>
+                      <a:round/>
+                      <a:headEnd type="none" w="med" len="med"/>
+                      <a:tailEnd type="none" w="med" len="med"/>
+                    </a:lnT>
+                    <a:lnB w="12700" cap="flat" cmpd="sng" algn="ctr">
+                      <a:solidFill>
+                        <a:schemeClr val="tx1"/>
+                      </a:solidFill>
+                      <a:prstDash val="solid"/>
+                      <a:round/>
+                      <a:headEnd type="none" w="med" len="med"/>
+                      <a:tailEnd type="none" w="med" len="med"/>
+                    </a:lnB>
+                  </a:tcPr>
+                </a:tc>
+                <a:tc>
+                  <a:txBody>
+                    <a:bodyPr/>
+                    <a:lstStyle/>
+                    <a:p>
+                      <a:pPr algn="ctr"/>
+                      <a:endParaRPr lang="en-US"/>
+                    </a:p>
+                  </a:txBody>
+                  <a:tcPr>
+                    <a:lnL w="12700" cap="flat" cmpd="sng" algn="ctr">
+                      <a:solidFill>
+                        <a:schemeClr val="tx1"/>
+                      </a:solidFill>
+                      <a:prstDash val="solid"/>
+                      <a:round/>
+                      <a:headEnd type="none" w="med" len="med"/>
+                      <a:tailEnd type="none" w="med" len="med"/>
+                    </a:lnL>
+                    <a:lnR w="12700" cap="flat" cmpd="sng" algn="ctr">
+                      <a:solidFill>
+                        <a:schemeClr val="tx1"/>
+                      </a:solidFill>
+                      <a:prstDash val="solid"/>
+                      <a:round/>
+                      <a:headEnd type="none" w="med" len="med"/>
+                      <a:tailEnd type="none" w="med" len="med"/>
+                    </a:lnR>
+                    <a:lnT w="12700" cap="flat" cmpd="sng" algn="ctr">
+                      <a:solidFill>
+                        <a:schemeClr val="tx1"/>
+                      </a:solidFill>
+                      <a:prstDash val="solid"/>
+                      <a:round/>
+                      <a:headEnd type="none" w="med" len="med"/>
+                      <a:tailEnd type="none" w="med" len="med"/>
+                    </a:lnT>
+                    <a:lnB w="12700" cap="flat" cmpd="sng" algn="ctr">
+                      <a:solidFill>
+                        <a:schemeClr val="tx1"/>
+                      </a:solidFill>
+                      <a:prstDash val="solid"/>
+                      <a:round/>
+                      <a:headEnd type="none" w="med" len="med"/>
+                      <a:tailEnd type="none" w="med" len="med"/>
+                    </a:lnB>
+                  </a:tcPr>
+                </a:tc>
+                <a:extLst>
+                  <a:ext uri="{0D108BD9-81ED-4DB2-BD59-A6C34878D82A}">
+                    <a16:rowId xmlns:a16="http://schemas.microsoft.com/office/drawing/2014/main" val="3964950123"/>
+                  </a:ext>
+                </a:extLst>
+              </a:tr>
+              <a:tr h="370840">
+                <a:tc>
+                  <a:txBody>
+                    <a:bodyPr/>
+                    <a:lstStyle/>
+                    <a:p>
+                      <a:pPr algn="ctr"/>
+                      <a:endParaRPr lang="en-US"/>
+                    </a:p>
+                  </a:txBody>
+                  <a:tcPr>
+                    <a:lnL w="12700" cap="flat" cmpd="sng" algn="ctr">
+                      <a:solidFill>
+                        <a:schemeClr val="tx1"/>
+                      </a:solidFill>
+                      <a:prstDash val="solid"/>
+                      <a:round/>
+                      <a:headEnd type="none" w="med" len="med"/>
+                      <a:tailEnd type="none" w="med" len="med"/>
+                    </a:lnL>
+                    <a:lnR w="12700" cap="flat" cmpd="sng" algn="ctr">
+                      <a:solidFill>
+                        <a:schemeClr val="tx1"/>
+                      </a:solidFill>
+                      <a:prstDash val="solid"/>
+                      <a:round/>
+                      <a:headEnd type="none" w="med" len="med"/>
+                      <a:tailEnd type="none" w="med" len="med"/>
+                    </a:lnR>
+                    <a:lnT w="12700" cap="flat" cmpd="sng" algn="ctr">
+                      <a:solidFill>
+                        <a:schemeClr val="tx1"/>
+                      </a:solidFill>
+                      <a:prstDash val="solid"/>
+                      <a:round/>
+                      <a:headEnd type="none" w="med" len="med"/>
+                      <a:tailEnd type="none" w="med" len="med"/>
+                    </a:lnT>
+                    <a:lnB w="12700" cap="flat" cmpd="sng" algn="ctr">
+                      <a:solidFill>
+                        <a:schemeClr val="tx1"/>
+                      </a:solidFill>
+                      <a:prstDash val="solid"/>
+                      <a:round/>
+                      <a:headEnd type="none" w="med" len="med"/>
+                      <a:tailEnd type="none" w="med" len="med"/>
+                    </a:lnB>
+                  </a:tcPr>
+                </a:tc>
+                <a:tc>
+                  <a:txBody>
+                    <a:bodyPr/>
+                    <a:lstStyle/>
+                    <a:p>
+                      <a:pPr algn="ctr"/>
+                      <a:r>
+                        <a:rPr lang="en-US" dirty="0"/>
+                        <a:t>1</a:t>
+                      </a:r>
+                    </a:p>
+                  </a:txBody>
+                  <a:tcPr>
+                    <a:lnL w="12700" cap="flat" cmpd="sng" algn="ctr">
+                      <a:solidFill>
+                        <a:schemeClr val="tx1"/>
+                      </a:solidFill>
+                      <a:prstDash val="solid"/>
+                      <a:round/>
+                      <a:headEnd type="none" w="med" len="med"/>
+                      <a:tailEnd type="none" w="med" len="med"/>
+                    </a:lnL>
+                    <a:lnR w="12700" cap="flat" cmpd="sng" algn="ctr">
+                      <a:solidFill>
+                        <a:schemeClr val="tx1"/>
+                      </a:solidFill>
+                      <a:prstDash val="solid"/>
+                      <a:round/>
+                      <a:headEnd type="none" w="med" len="med"/>
+                      <a:tailEnd type="none" w="med" len="med"/>
+                    </a:lnR>
+                    <a:lnT w="12700" cap="flat" cmpd="sng" algn="ctr">
+                      <a:solidFill>
+                        <a:schemeClr val="tx1"/>
+                      </a:solidFill>
+                      <a:prstDash val="solid"/>
+                      <a:round/>
+                      <a:headEnd type="none" w="med" len="med"/>
+                      <a:tailEnd type="none" w="med" len="med"/>
+                    </a:lnT>
+                    <a:lnB w="12700" cap="flat" cmpd="sng" algn="ctr">
+                      <a:solidFill>
+                        <a:schemeClr val="tx1"/>
+                      </a:solidFill>
+                      <a:prstDash val="solid"/>
+                      <a:round/>
+                      <a:headEnd type="none" w="med" len="med"/>
+                      <a:tailEnd type="none" w="med" len="med"/>
+                    </a:lnB>
+                    <a:solidFill>
+                      <a:schemeClr val="accent1">
+                        <a:lumMod val="20000"/>
+                        <a:lumOff val="80000"/>
+                      </a:schemeClr>
+                    </a:solidFill>
+                  </a:tcPr>
+                </a:tc>
+                <a:tc>
+                  <a:txBody>
+                    <a:bodyPr/>
+                    <a:lstStyle/>
+                    <a:p>
+                      <a:pPr algn="ctr"/>
+                      <a:r>
+                        <a:rPr lang="en-US" dirty="0"/>
+                        <a:t>2</a:t>
+                      </a:r>
+                    </a:p>
+                  </a:txBody>
+                  <a:tcPr>
+                    <a:lnL w="12700" cap="flat" cmpd="sng" algn="ctr">
+                      <a:solidFill>
+                        <a:schemeClr val="tx1"/>
+                      </a:solidFill>
+                      <a:prstDash val="solid"/>
+                      <a:round/>
+                      <a:headEnd type="none" w="med" len="med"/>
+                      <a:tailEnd type="none" w="med" len="med"/>
+                    </a:lnL>
+                    <a:lnR w="12700" cap="flat" cmpd="sng" algn="ctr">
+                      <a:solidFill>
+                        <a:schemeClr val="tx1"/>
+                      </a:solidFill>
+                      <a:prstDash val="solid"/>
+                      <a:round/>
+                      <a:headEnd type="none" w="med" len="med"/>
+                      <a:tailEnd type="none" w="med" len="med"/>
+                    </a:lnR>
+                    <a:lnT w="12700" cap="flat" cmpd="sng" algn="ctr">
+                      <a:solidFill>
+                        <a:schemeClr val="tx1"/>
+                      </a:solidFill>
+                      <a:prstDash val="solid"/>
+                      <a:round/>
+                      <a:headEnd type="none" w="med" len="med"/>
+                      <a:tailEnd type="none" w="med" len="med"/>
+                    </a:lnT>
+                    <a:lnB w="12700" cap="flat" cmpd="sng" algn="ctr">
+                      <a:solidFill>
+                        <a:schemeClr val="tx1"/>
+                      </a:solidFill>
+                      <a:prstDash val="solid"/>
+                      <a:round/>
+                      <a:headEnd type="none" w="med" len="med"/>
+                      <a:tailEnd type="none" w="med" len="med"/>
+                    </a:lnB>
+                    <a:solidFill>
+                      <a:schemeClr val="accent1">
+                        <a:lumMod val="40000"/>
+                        <a:lumOff val="60000"/>
+                      </a:schemeClr>
+                    </a:solidFill>
+                  </a:tcPr>
+                </a:tc>
+                <a:tc>
+                  <a:txBody>
+                    <a:bodyPr/>
+                    <a:lstStyle/>
+                    <a:p>
+                      <a:pPr algn="ctr"/>
+                      <a:r>
+                        <a:rPr lang="en-US" dirty="0"/>
+                        <a:t>3</a:t>
+                      </a:r>
+                    </a:p>
+                  </a:txBody>
+                  <a:tcPr>
+                    <a:lnL w="12700" cap="flat" cmpd="sng" algn="ctr">
+                      <a:solidFill>
+                        <a:schemeClr val="tx1"/>
+                      </a:solidFill>
+                      <a:prstDash val="solid"/>
+                      <a:round/>
+                      <a:headEnd type="none" w="med" len="med"/>
+                      <a:tailEnd type="none" w="med" len="med"/>
+                    </a:lnL>
+                    <a:lnR w="12700" cap="flat" cmpd="sng" algn="ctr">
+                      <a:solidFill>
+                        <a:schemeClr val="tx1"/>
+                      </a:solidFill>
+                      <a:prstDash val="solid"/>
+                      <a:round/>
+                      <a:headEnd type="none" w="med" len="med"/>
+                      <a:tailEnd type="none" w="med" len="med"/>
+                    </a:lnR>
+                    <a:lnT w="12700" cap="flat" cmpd="sng" algn="ctr">
+                      <a:solidFill>
+                        <a:schemeClr val="tx1"/>
+                      </a:solidFill>
+                      <a:prstDash val="solid"/>
+                      <a:round/>
+                      <a:headEnd type="none" w="med" len="med"/>
+                      <a:tailEnd type="none" w="med" len="med"/>
+                    </a:lnT>
+                    <a:lnB w="12700" cap="flat" cmpd="sng" algn="ctr">
+                      <a:solidFill>
+                        <a:schemeClr val="tx1"/>
+                      </a:solidFill>
+                      <a:prstDash val="solid"/>
+                      <a:round/>
+                      <a:headEnd type="none" w="med" len="med"/>
+                      <a:tailEnd type="none" w="med" len="med"/>
+                    </a:lnB>
+                    <a:solidFill>
+                      <a:schemeClr val="accent1">
+                        <a:lumMod val="60000"/>
+                        <a:lumOff val="40000"/>
+                      </a:schemeClr>
+                    </a:solidFill>
+                  </a:tcPr>
+                </a:tc>
+                <a:extLst>
+                  <a:ext uri="{0D108BD9-81ED-4DB2-BD59-A6C34878D82A}">
+                    <a16:rowId xmlns:a16="http://schemas.microsoft.com/office/drawing/2014/main" val="172763464"/>
+                  </a:ext>
+                </a:extLst>
+              </a:tr>
+              <a:tr h="370840">
+                <a:tc>
+                  <a:txBody>
+                    <a:bodyPr/>
+                    <a:lstStyle/>
+                    <a:p>
+                      <a:pPr algn="ctr"/>
+                      <a:endParaRPr lang="en-US"/>
+                    </a:p>
+                  </a:txBody>
+                  <a:tcPr>
+                    <a:lnL w="12700" cap="flat" cmpd="sng" algn="ctr">
+                      <a:solidFill>
+                        <a:schemeClr val="tx1"/>
+                      </a:solidFill>
+                      <a:prstDash val="solid"/>
+                      <a:round/>
+                      <a:headEnd type="none" w="med" len="med"/>
+                      <a:tailEnd type="none" w="med" len="med"/>
+                    </a:lnL>
+                    <a:lnR w="12700" cap="flat" cmpd="sng" algn="ctr">
+                      <a:solidFill>
+                        <a:schemeClr val="tx1"/>
+                      </a:solidFill>
+                      <a:prstDash val="solid"/>
+                      <a:round/>
+                      <a:headEnd type="none" w="med" len="med"/>
+                      <a:tailEnd type="none" w="med" len="med"/>
+                    </a:lnR>
+                    <a:lnT w="12700" cap="flat" cmpd="sng" algn="ctr">
+                      <a:solidFill>
+                        <a:schemeClr val="tx1"/>
+                      </a:solidFill>
+                      <a:prstDash val="solid"/>
+                      <a:round/>
+                      <a:headEnd type="none" w="med" len="med"/>
+                      <a:tailEnd type="none" w="med" len="med"/>
+                    </a:lnT>
+                    <a:lnB w="12700" cap="flat" cmpd="sng" algn="ctr">
+                      <a:solidFill>
+                        <a:schemeClr val="tx1"/>
+                      </a:solidFill>
+                      <a:prstDash val="solid"/>
+                      <a:round/>
+                      <a:headEnd type="none" w="med" len="med"/>
+                      <a:tailEnd type="none" w="med" len="med"/>
+                    </a:lnB>
+                  </a:tcPr>
+                </a:tc>
+                <a:tc>
+                  <a:txBody>
+                    <a:bodyPr/>
+                    <a:lstStyle/>
+                    <a:p>
+                      <a:pPr algn="ctr"/>
+                      <a:endParaRPr lang="en-US"/>
+                    </a:p>
+                  </a:txBody>
+                  <a:tcPr>
+                    <a:lnL w="12700" cap="flat" cmpd="sng" algn="ctr">
+                      <a:solidFill>
+                        <a:schemeClr val="tx1"/>
+                      </a:solidFill>
+                      <a:prstDash val="solid"/>
+                      <a:round/>
+                      <a:headEnd type="none" w="med" len="med"/>
+                      <a:tailEnd type="none" w="med" len="med"/>
+                    </a:lnL>
+                    <a:lnR w="12700" cap="flat" cmpd="sng" algn="ctr">
+                      <a:solidFill>
+                        <a:schemeClr val="tx1"/>
+                      </a:solidFill>
+                      <a:prstDash val="solid"/>
+                      <a:round/>
+                      <a:headEnd type="none" w="med" len="med"/>
+                      <a:tailEnd type="none" w="med" len="med"/>
+                    </a:lnR>
+                    <a:lnT w="12700" cap="flat" cmpd="sng" algn="ctr">
+                      <a:solidFill>
+                        <a:schemeClr val="tx1"/>
+                      </a:solidFill>
+                      <a:prstDash val="solid"/>
+                      <a:round/>
+                      <a:headEnd type="none" w="med" len="med"/>
+                      <a:tailEnd type="none" w="med" len="med"/>
+                    </a:lnT>
+                    <a:lnB w="12700" cap="flat" cmpd="sng" algn="ctr">
+                      <a:solidFill>
+                        <a:schemeClr val="tx1"/>
+                      </a:solidFill>
+                      <a:prstDash val="solid"/>
+                      <a:round/>
+                      <a:headEnd type="none" w="med" len="med"/>
+                      <a:tailEnd type="none" w="med" len="med"/>
+                    </a:lnB>
+                  </a:tcPr>
+                </a:tc>
+                <a:tc>
+                  <a:txBody>
+                    <a:bodyPr/>
+                    <a:lstStyle/>
+                    <a:p>
+                      <a:pPr algn="ctr"/>
+                      <a:endParaRPr lang="en-US" dirty="0"/>
+                    </a:p>
+                  </a:txBody>
+                  <a:tcPr>
+                    <a:lnL w="12700" cap="flat" cmpd="sng" algn="ctr">
+                      <a:solidFill>
+                        <a:schemeClr val="tx1"/>
+                      </a:solidFill>
+                      <a:prstDash val="solid"/>
+                      <a:round/>
+                      <a:headEnd type="none" w="med" len="med"/>
+                      <a:tailEnd type="none" w="med" len="med"/>
+                    </a:lnL>
+                    <a:lnR w="12700" cap="flat" cmpd="sng" algn="ctr">
+                      <a:solidFill>
+                        <a:schemeClr val="tx1"/>
+                      </a:solidFill>
+                      <a:prstDash val="solid"/>
+                      <a:round/>
+                      <a:headEnd type="none" w="med" len="med"/>
+                      <a:tailEnd type="none" w="med" len="med"/>
+                    </a:lnR>
+                    <a:lnT w="12700" cap="flat" cmpd="sng" algn="ctr">
+                      <a:solidFill>
+                        <a:schemeClr val="tx1"/>
+                      </a:solidFill>
+                      <a:prstDash val="solid"/>
+                      <a:round/>
+                      <a:headEnd type="none" w="med" len="med"/>
+                      <a:tailEnd type="none" w="med" len="med"/>
+                    </a:lnT>
+                    <a:lnB w="12700" cap="flat" cmpd="sng" algn="ctr">
+                      <a:solidFill>
+                        <a:schemeClr val="tx1"/>
+                      </a:solidFill>
+                      <a:prstDash val="solid"/>
+                      <a:round/>
+                      <a:headEnd type="none" w="med" len="med"/>
+                      <a:tailEnd type="none" w="med" len="med"/>
+                    </a:lnB>
+                  </a:tcPr>
+                </a:tc>
+                <a:tc>
+                  <a:txBody>
+                    <a:bodyPr/>
+                    <a:lstStyle/>
+                    <a:p>
+                      <a:pPr algn="ctr"/>
+                      <a:endParaRPr lang="en-US" dirty="0"/>
+                    </a:p>
+                  </a:txBody>
+                  <a:tcPr>
+                    <a:lnL w="12700" cap="flat" cmpd="sng" algn="ctr">
+                      <a:solidFill>
+                        <a:schemeClr val="tx1"/>
+                      </a:solidFill>
+                      <a:prstDash val="solid"/>
+                      <a:round/>
+                      <a:headEnd type="none" w="med" len="med"/>
+                      <a:tailEnd type="none" w="med" len="med"/>
+                    </a:lnL>
+                    <a:lnR w="12700" cap="flat" cmpd="sng" algn="ctr">
+                      <a:solidFill>
+                        <a:schemeClr val="tx1"/>
+                      </a:solidFill>
+                      <a:prstDash val="solid"/>
+                      <a:round/>
+                      <a:headEnd type="none" w="med" len="med"/>
+                      <a:tailEnd type="none" w="med" len="med"/>
+                    </a:lnR>
+                    <a:lnT w="12700" cap="flat" cmpd="sng" algn="ctr">
+                      <a:solidFill>
+                        <a:schemeClr val="tx1"/>
+                      </a:solidFill>
+                      <a:prstDash val="solid"/>
+                      <a:round/>
+                      <a:headEnd type="none" w="med" len="med"/>
+                      <a:tailEnd type="none" w="med" len="med"/>
+                    </a:lnT>
+                    <a:lnB w="12700" cap="flat" cmpd="sng" algn="ctr">
+                      <a:solidFill>
+                        <a:schemeClr val="tx1"/>
+                      </a:solidFill>
+                      <a:prstDash val="solid"/>
+                      <a:round/>
+                      <a:headEnd type="none" w="med" len="med"/>
+                      <a:tailEnd type="none" w="med" len="med"/>
+                    </a:lnB>
+                    <a:solidFill>
+                      <a:schemeClr val="bg1"/>
+                    </a:solidFill>
+                  </a:tcPr>
+                </a:tc>
+                <a:extLst>
+                  <a:ext uri="{0D108BD9-81ED-4DB2-BD59-A6C34878D82A}">
+                    <a16:rowId xmlns:a16="http://schemas.microsoft.com/office/drawing/2014/main" val="2950757801"/>
+                  </a:ext>
+                </a:extLst>
+              </a:tr>
+              <a:tr h="370840">
+                <a:tc>
+                  <a:txBody>
+                    <a:bodyPr/>
+                    <a:lstStyle/>
+                    <a:p>
+                      <a:pPr algn="ctr"/>
+                      <a:endParaRPr lang="en-US"/>
+                    </a:p>
+                  </a:txBody>
+                  <a:tcPr>
+                    <a:lnL w="12700" cap="flat" cmpd="sng" algn="ctr">
+                      <a:solidFill>
+                        <a:schemeClr val="tx1"/>
+                      </a:solidFill>
+                      <a:prstDash val="solid"/>
+                      <a:round/>
+                      <a:headEnd type="none" w="med" len="med"/>
+                      <a:tailEnd type="none" w="med" len="med"/>
+                    </a:lnL>
+                    <a:lnR w="12700" cap="flat" cmpd="sng" algn="ctr">
+                      <a:solidFill>
+                        <a:schemeClr val="tx1"/>
+                      </a:solidFill>
+                      <a:prstDash val="solid"/>
+                      <a:round/>
+                      <a:headEnd type="none" w="med" len="med"/>
+                      <a:tailEnd type="none" w="med" len="med"/>
+                    </a:lnR>
+                    <a:lnT w="12700" cap="flat" cmpd="sng" algn="ctr">
+                      <a:solidFill>
+                        <a:schemeClr val="tx1"/>
+                      </a:solidFill>
+                      <a:prstDash val="solid"/>
+                      <a:round/>
+                      <a:headEnd type="none" w="med" len="med"/>
+                      <a:tailEnd type="none" w="med" len="med"/>
+                    </a:lnT>
+                    <a:lnB w="12700" cap="flat" cmpd="sng" algn="ctr">
+                      <a:solidFill>
+                        <a:schemeClr val="tx1"/>
+                      </a:solidFill>
+                      <a:prstDash val="solid"/>
+                      <a:round/>
+                      <a:headEnd type="none" w="med" len="med"/>
+                      <a:tailEnd type="none" w="med" len="med"/>
+                    </a:lnB>
+                  </a:tcPr>
+                </a:tc>
+                <a:tc>
+                  <a:txBody>
+                    <a:bodyPr/>
+                    <a:lstStyle/>
+                    <a:p>
+                      <a:pPr algn="ctr"/>
+                      <a:endParaRPr lang="en-US"/>
+                    </a:p>
+                  </a:txBody>
+                  <a:tcPr>
+                    <a:lnL w="12700" cap="flat" cmpd="sng" algn="ctr">
+                      <a:solidFill>
+                        <a:schemeClr val="tx1"/>
+                      </a:solidFill>
+                      <a:prstDash val="solid"/>
+                      <a:round/>
+                      <a:headEnd type="none" w="med" len="med"/>
+                      <a:tailEnd type="none" w="med" len="med"/>
+                    </a:lnL>
+                    <a:lnR w="12700" cap="flat" cmpd="sng" algn="ctr">
+                      <a:solidFill>
+                        <a:schemeClr val="tx1"/>
+                      </a:solidFill>
+                      <a:prstDash val="solid"/>
+                      <a:round/>
+                      <a:headEnd type="none" w="med" len="med"/>
+                      <a:tailEnd type="none" w="med" len="med"/>
+                    </a:lnR>
+                    <a:lnT w="12700" cap="flat" cmpd="sng" algn="ctr">
+                      <a:solidFill>
+                        <a:schemeClr val="tx1"/>
+                      </a:solidFill>
+                      <a:prstDash val="solid"/>
+                      <a:round/>
+                      <a:headEnd type="none" w="med" len="med"/>
+                      <a:tailEnd type="none" w="med" len="med"/>
+                    </a:lnT>
+                    <a:lnB w="12700" cap="flat" cmpd="sng" algn="ctr">
+                      <a:solidFill>
+                        <a:schemeClr val="tx1"/>
+                      </a:solidFill>
+                      <a:prstDash val="solid"/>
+                      <a:round/>
+                      <a:headEnd type="none" w="med" len="med"/>
+                      <a:tailEnd type="none" w="med" len="med"/>
+                    </a:lnB>
+                  </a:tcPr>
+                </a:tc>
+                <a:tc>
+                  <a:txBody>
+                    <a:bodyPr/>
+                    <a:lstStyle/>
+                    <a:p>
+                      <a:pPr algn="ctr"/>
+                      <a:endParaRPr lang="en-US" dirty="0"/>
+                    </a:p>
+                  </a:txBody>
+                  <a:tcPr>
+                    <a:lnL w="12700" cap="flat" cmpd="sng" algn="ctr">
+                      <a:solidFill>
+                        <a:schemeClr val="tx1"/>
+                      </a:solidFill>
+                      <a:prstDash val="solid"/>
+                      <a:round/>
+                      <a:headEnd type="none" w="med" len="med"/>
+                      <a:tailEnd type="none" w="med" len="med"/>
+                    </a:lnL>
+                    <a:lnR w="12700" cap="flat" cmpd="sng" algn="ctr">
+                      <a:solidFill>
+                        <a:schemeClr val="tx1"/>
+                      </a:solidFill>
+                      <a:prstDash val="solid"/>
+                      <a:round/>
+                      <a:headEnd type="none" w="med" len="med"/>
+                      <a:tailEnd type="none" w="med" len="med"/>
+                    </a:lnR>
+                    <a:lnT w="12700" cap="flat" cmpd="sng" algn="ctr">
+                      <a:solidFill>
+                        <a:schemeClr val="tx1"/>
+                      </a:solidFill>
+                      <a:prstDash val="solid"/>
+                      <a:round/>
+                      <a:headEnd type="none" w="med" len="med"/>
+                      <a:tailEnd type="none" w="med" len="med"/>
+                    </a:lnT>
+                    <a:lnB w="12700" cap="flat" cmpd="sng" algn="ctr">
+                      <a:solidFill>
+                        <a:schemeClr val="tx1"/>
+                      </a:solidFill>
+                      <a:prstDash val="solid"/>
+                      <a:round/>
+                      <a:headEnd type="none" w="med" len="med"/>
+                      <a:tailEnd type="none" w="med" len="med"/>
+                    </a:lnB>
+                  </a:tcPr>
+                </a:tc>
+                <a:tc>
+                  <a:txBody>
+                    <a:bodyPr/>
+                    <a:lstStyle/>
+                    <a:p>
+                      <a:pPr algn="ctr"/>
+                      <a:endParaRPr lang="en-US" dirty="0"/>
+                    </a:p>
+                  </a:txBody>
+                  <a:tcPr>
+                    <a:lnL w="12700" cap="flat" cmpd="sng" algn="ctr">
+                      <a:solidFill>
+                        <a:schemeClr val="tx1"/>
+                      </a:solidFill>
+                      <a:prstDash val="solid"/>
+                      <a:round/>
+                      <a:headEnd type="none" w="med" len="med"/>
+                      <a:tailEnd type="none" w="med" len="med"/>
+                    </a:lnL>
+                    <a:lnR w="12700" cap="flat" cmpd="sng" algn="ctr">
+                      <a:solidFill>
+                        <a:schemeClr val="tx1"/>
+                      </a:solidFill>
+                      <a:prstDash val="solid"/>
+                      <a:round/>
+                      <a:headEnd type="none" w="med" len="med"/>
+                      <a:tailEnd type="none" w="med" len="med"/>
+                    </a:lnR>
+                    <a:lnT w="12700" cap="flat" cmpd="sng" algn="ctr">
+                      <a:solidFill>
+                        <a:schemeClr val="tx1"/>
+                      </a:solidFill>
+                      <a:prstDash val="solid"/>
+                      <a:round/>
+                      <a:headEnd type="none" w="med" len="med"/>
+                      <a:tailEnd type="none" w="med" len="med"/>
+                    </a:lnT>
+                    <a:lnB w="12700" cap="flat" cmpd="sng" algn="ctr">
+                      <a:solidFill>
+                        <a:schemeClr val="tx1"/>
+                      </a:solidFill>
+                      <a:prstDash val="solid"/>
+                      <a:round/>
+                      <a:headEnd type="none" w="med" len="med"/>
+                      <a:tailEnd type="none" w="med" len="med"/>
+                    </a:lnB>
+                  </a:tcPr>
+                </a:tc>
+                <a:extLst>
+                  <a:ext uri="{0D108BD9-81ED-4DB2-BD59-A6C34878D82A}">
+                    <a16:rowId xmlns:a16="http://schemas.microsoft.com/office/drawing/2014/main" val="2837239586"/>
+                  </a:ext>
+                </a:extLst>
+              </a:tr>
+            </a:tbl>
+          </a:graphicData>
+        </a:graphic>
+      </p:graphicFrame>
+      <p:sp>
+        <p:nvSpPr>
+          <p:cNvPr id="12" name="Rectangle 11">
+            <a:extLst>
+              <a:ext uri="{FF2B5EF4-FFF2-40B4-BE49-F238E27FC236}">
+                <a16:creationId xmlns:a16="http://schemas.microsoft.com/office/drawing/2014/main" id="{44C90F25-A579-482E-98F9-DAD1274D99BC}"/>
+              </a:ext>
+            </a:extLst>
+          </p:cNvPr>
+          <p:cNvSpPr/>
+          <p:nvPr/>
+        </p:nvSpPr>
+        <p:spPr>
+          <a:xfrm>
+            <a:off x="6096000" y="1158325"/>
+            <a:ext cx="1785594" cy="443298"/>
+          </a:xfrm>
+          <a:prstGeom prst="rect">
+            <a:avLst/>
+          </a:prstGeom>
+        </p:spPr>
+        <p:style>
+          <a:lnRef idx="2">
+            <a:schemeClr val="dk1"/>
+          </a:lnRef>
+          <a:fillRef idx="1">
+            <a:schemeClr val="lt1"/>
+          </a:fillRef>
+          <a:effectRef idx="0">
+            <a:schemeClr val="dk1"/>
+          </a:effectRef>
+          <a:fontRef idx="minor">
+            <a:schemeClr val="dk1"/>
+          </a:fontRef>
+        </p:style>
+        <p:txBody>
+          <a:bodyPr rtlCol="0" anchor="ctr"/>
+          <a:lstStyle/>
+          <a:p>
+            <a:pPr algn="ctr"/>
+            <a:r>
+              <a:rPr lang="en-US" dirty="0" err="1">
+                <a:solidFill>
+                  <a:schemeClr val="accent1"/>
+                </a:solidFill>
+              </a:rPr>
+              <a:t>list_a</a:t>
+            </a:r>
+            <a:r>
+              <a:rPr lang="en-US" dirty="0">
+                <a:solidFill>
+                  <a:schemeClr val="accent1"/>
+                </a:solidFill>
+              </a:rPr>
+              <a:t>=[1,2,3]</a:t>
+            </a:r>
+          </a:p>
+        </p:txBody>
+      </p:sp>
+      <p:sp>
+        <p:nvSpPr>
+          <p:cNvPr id="13" name="Flèche : virage 12">
+            <a:extLst>
+              <a:ext uri="{FF2B5EF4-FFF2-40B4-BE49-F238E27FC236}">
+                <a16:creationId xmlns:a16="http://schemas.microsoft.com/office/drawing/2014/main" id="{DCC682E6-9FB7-420F-9501-599C5B078C51}"/>
+              </a:ext>
+            </a:extLst>
+          </p:cNvPr>
+          <p:cNvSpPr/>
+          <p:nvPr/>
+        </p:nvSpPr>
+        <p:spPr>
+          <a:xfrm rot="5400000">
+            <a:off x="8012428" y="1168527"/>
+            <a:ext cx="869546" cy="1131215"/>
+          </a:xfrm>
+          <a:prstGeom prst="bentArrow">
+            <a:avLst>
+              <a:gd name="adj1" fmla="val 13075"/>
+              <a:gd name="adj2" fmla="val 25000"/>
+              <a:gd name="adj3" fmla="val 25000"/>
+              <a:gd name="adj4" fmla="val 43750"/>
+            </a:avLst>
+          </a:prstGeom>
+          <a:ln>
+            <a:solidFill>
+              <a:schemeClr val="tx1"/>
+            </a:solidFill>
+          </a:ln>
+        </p:spPr>
+        <p:style>
+          <a:lnRef idx="2">
+            <a:schemeClr val="accent1">
+              <a:shade val="50000"/>
+            </a:schemeClr>
+          </a:lnRef>
+          <a:fillRef idx="1">
+            <a:schemeClr val="accent1"/>
+          </a:fillRef>
+          <a:effectRef idx="0">
+            <a:schemeClr val="accent1"/>
+          </a:effectRef>
+          <a:fontRef idx="minor">
+            <a:schemeClr val="lt1"/>
+          </a:fontRef>
+        </p:style>
+        <p:txBody>
+          <a:bodyPr rtlCol="0" anchor="ctr"/>
+          <a:lstStyle/>
+          <a:p>
+            <a:pPr algn="ctr"/>
+            <a:endParaRPr lang="en-US">
+              <a:solidFill>
+                <a:schemeClr val="tx1"/>
+              </a:solidFill>
+            </a:endParaRPr>
+          </a:p>
+        </p:txBody>
+      </p:sp>
+      <p:sp>
+        <p:nvSpPr>
+          <p:cNvPr id="14" name="Rectangle 13">
+            <a:extLst>
+              <a:ext uri="{FF2B5EF4-FFF2-40B4-BE49-F238E27FC236}">
+                <a16:creationId xmlns:a16="http://schemas.microsoft.com/office/drawing/2014/main" id="{47ED427F-D5C7-4AFE-A037-508794B69879}"/>
+              </a:ext>
+            </a:extLst>
+          </p:cNvPr>
+          <p:cNvSpPr/>
+          <p:nvPr/>
+        </p:nvSpPr>
+        <p:spPr>
+          <a:xfrm>
+            <a:off x="6096000" y="3354943"/>
+            <a:ext cx="1874756" cy="443298"/>
+          </a:xfrm>
+          <a:prstGeom prst="rect">
+            <a:avLst/>
+          </a:prstGeom>
+        </p:spPr>
+        <p:style>
+          <a:lnRef idx="2">
+            <a:schemeClr val="dk1"/>
+          </a:lnRef>
+          <a:fillRef idx="1">
+            <a:schemeClr val="lt1"/>
+          </a:fillRef>
+          <a:effectRef idx="0">
+            <a:schemeClr val="dk1"/>
+          </a:effectRef>
+          <a:fontRef idx="minor">
+            <a:schemeClr val="dk1"/>
+          </a:fontRef>
+        </p:style>
+        <p:txBody>
+          <a:bodyPr rtlCol="0" anchor="ctr"/>
+          <a:lstStyle/>
+          <a:p>
+            <a:pPr algn="ctr"/>
+            <a:r>
+              <a:rPr lang="en-US" dirty="0" err="1">
+                <a:solidFill>
+                  <a:schemeClr val="accent2"/>
+                </a:solidFill>
+              </a:rPr>
+              <a:t>list_b</a:t>
+            </a:r>
+            <a:r>
+              <a:rPr lang="en-US" dirty="0">
+                <a:solidFill>
+                  <a:schemeClr val="accent2"/>
+                </a:solidFill>
+              </a:rPr>
+              <a:t>=</a:t>
+            </a:r>
+            <a:r>
+              <a:rPr lang="en-US" dirty="0" err="1">
+                <a:solidFill>
+                  <a:schemeClr val="accent2"/>
+                </a:solidFill>
+              </a:rPr>
+              <a:t>list_a</a:t>
+            </a:r>
+            <a:endParaRPr lang="en-US" dirty="0">
+              <a:solidFill>
+                <a:schemeClr val="accent2"/>
+              </a:solidFill>
+            </a:endParaRPr>
+          </a:p>
+        </p:txBody>
+      </p:sp>
+      <p:sp>
+        <p:nvSpPr>
+          <p:cNvPr id="15" name="Flèche : virage 14">
+            <a:extLst>
+              <a:ext uri="{FF2B5EF4-FFF2-40B4-BE49-F238E27FC236}">
+                <a16:creationId xmlns:a16="http://schemas.microsoft.com/office/drawing/2014/main" id="{11F67097-B679-488E-99B9-1BA300F4B0DD}"/>
+              </a:ext>
+            </a:extLst>
+          </p:cNvPr>
+          <p:cNvSpPr/>
+          <p:nvPr/>
+        </p:nvSpPr>
+        <p:spPr>
+          <a:xfrm rot="16200000" flipV="1">
+            <a:off x="7913128" y="2483607"/>
+            <a:ext cx="1246473" cy="1131217"/>
+          </a:xfrm>
+          <a:prstGeom prst="bentArrow">
+            <a:avLst>
+              <a:gd name="adj1" fmla="val 13075"/>
+              <a:gd name="adj2" fmla="val 21667"/>
+              <a:gd name="adj3" fmla="val 25833"/>
+              <a:gd name="adj4" fmla="val 43750"/>
+            </a:avLst>
+          </a:prstGeom>
+          <a:solidFill>
+            <a:schemeClr val="accent2"/>
+          </a:solidFill>
+          <a:ln>
+            <a:solidFill>
+              <a:schemeClr val="tx1"/>
+            </a:solidFill>
+          </a:ln>
+        </p:spPr>
+        <p:style>
+          <a:lnRef idx="2">
+            <a:schemeClr val="accent1">
+              <a:shade val="50000"/>
+            </a:schemeClr>
+          </a:lnRef>
+          <a:fillRef idx="1">
+            <a:schemeClr val="accent1"/>
+          </a:fillRef>
+          <a:effectRef idx="0">
+            <a:schemeClr val="accent1"/>
+          </a:effectRef>
+          <a:fontRef idx="minor">
+            <a:schemeClr val="lt1"/>
+          </a:fontRef>
+        </p:style>
+        <p:txBody>
+          <a:bodyPr rtlCol="0" anchor="ctr"/>
+          <a:lstStyle/>
+          <a:p>
+            <a:pPr algn="ctr"/>
+            <a:endParaRPr lang="en-US">
+              <a:solidFill>
+                <a:schemeClr val="tx1"/>
+              </a:solidFill>
+            </a:endParaRPr>
+          </a:p>
+        </p:txBody>
+      </p:sp>
+      <p:cxnSp>
+        <p:nvCxnSpPr>
+          <p:cNvPr id="17" name="Connecteur droit 16">
+            <a:extLst>
+              <a:ext uri="{FF2B5EF4-FFF2-40B4-BE49-F238E27FC236}">
+                <a16:creationId xmlns:a16="http://schemas.microsoft.com/office/drawing/2014/main" id="{A3F3ED90-97F2-490C-9A2D-6468985C0A00}"/>
+              </a:ext>
+            </a:extLst>
+          </p:cNvPr>
+          <p:cNvCxnSpPr>
+            <a:cxnSpLocks/>
+          </p:cNvCxnSpPr>
+          <p:nvPr/>
+        </p:nvCxnSpPr>
+        <p:spPr>
+          <a:xfrm>
+            <a:off x="5382705" y="1158325"/>
+            <a:ext cx="0" cy="4959671"/>
+          </a:xfrm>
+          <a:prstGeom prst="line">
+            <a:avLst/>
+          </a:prstGeom>
+          <a:ln w="57150">
+            <a:solidFill>
+              <a:schemeClr val="tx1"/>
+            </a:solidFill>
+          </a:ln>
+        </p:spPr>
+        <p:style>
+          <a:lnRef idx="1">
+            <a:schemeClr val="accent1"/>
+          </a:lnRef>
+          <a:fillRef idx="0">
+            <a:schemeClr val="accent1"/>
+          </a:fillRef>
+          <a:effectRef idx="0">
+            <a:schemeClr val="accent1"/>
+          </a:effectRef>
+          <a:fontRef idx="minor">
+            <a:schemeClr val="tx1"/>
+          </a:fontRef>
+        </p:style>
+      </p:cxnSp>
+      <p:graphicFrame>
+        <p:nvGraphicFramePr>
+          <p:cNvPr id="19" name="Tableau 6">
+            <a:extLst>
+              <a:ext uri="{FF2B5EF4-FFF2-40B4-BE49-F238E27FC236}">
+                <a16:creationId xmlns:a16="http://schemas.microsoft.com/office/drawing/2014/main" id="{30F7954A-0DE4-4CC4-83ED-4B0921B40109}"/>
+              </a:ext>
+            </a:extLst>
+          </p:cNvPr>
+          <p:cNvGraphicFramePr>
+            <a:graphicFrameLocks/>
+          </p:cNvGraphicFramePr>
+          <p:nvPr>
+            <p:extLst>
+              <p:ext uri="{D42A27DB-BD31-4B8C-83A1-F6EECF244321}">
+                <p14:modId xmlns:p14="http://schemas.microsoft.com/office/powerpoint/2010/main" val="1038617446"/>
+              </p:ext>
+            </p:extLst>
+          </p:nvPr>
+        </p:nvGraphicFramePr>
+        <p:xfrm>
+          <a:off x="7729979" y="4449075"/>
+          <a:ext cx="3149340" cy="1483360"/>
+        </p:xfrm>
+        <a:graphic>
+          <a:graphicData uri="http://schemas.openxmlformats.org/drawingml/2006/table">
+            <a:tbl>
+              <a:tblPr firstRow="1" bandRow="1">
+                <a:tableStyleId>{2D5ABB26-0587-4C30-8999-92F81FD0307C}</a:tableStyleId>
+              </a:tblPr>
+              <a:tblGrid>
+                <a:gridCol w="787335">
+                  <a:extLst>
+                    <a:ext uri="{9D8B030D-6E8A-4147-A177-3AD203B41FA5}">
+                      <a16:colId xmlns:a16="http://schemas.microsoft.com/office/drawing/2014/main" val="590911664"/>
+                    </a:ext>
+                  </a:extLst>
+                </a:gridCol>
+                <a:gridCol w="787335">
+                  <a:extLst>
+                    <a:ext uri="{9D8B030D-6E8A-4147-A177-3AD203B41FA5}">
+                      <a16:colId xmlns:a16="http://schemas.microsoft.com/office/drawing/2014/main" val="3983171773"/>
+                    </a:ext>
+                  </a:extLst>
+                </a:gridCol>
+                <a:gridCol w="787335">
+                  <a:extLst>
+                    <a:ext uri="{9D8B030D-6E8A-4147-A177-3AD203B41FA5}">
+                      <a16:colId xmlns:a16="http://schemas.microsoft.com/office/drawing/2014/main" val="2426899995"/>
+                    </a:ext>
+                  </a:extLst>
+                </a:gridCol>
+                <a:gridCol w="787335">
+                  <a:extLst>
+                    <a:ext uri="{9D8B030D-6E8A-4147-A177-3AD203B41FA5}">
+                      <a16:colId xmlns:a16="http://schemas.microsoft.com/office/drawing/2014/main" val="3963540308"/>
+                    </a:ext>
+                  </a:extLst>
+                </a:gridCol>
+              </a:tblGrid>
+              <a:tr h="370840">
+                <a:tc>
+                  <a:txBody>
+                    <a:bodyPr/>
+                    <a:lstStyle/>
+                    <a:p>
+                      <a:pPr algn="ctr"/>
+                      <a:endParaRPr lang="en-US" dirty="0"/>
+                    </a:p>
+                  </a:txBody>
+                  <a:tcPr>
+                    <a:lnL w="12700" cap="flat" cmpd="sng" algn="ctr">
+                      <a:solidFill>
+                        <a:schemeClr val="tx1"/>
+                      </a:solidFill>
+                      <a:prstDash val="solid"/>
+                      <a:round/>
+                      <a:headEnd type="none" w="med" len="med"/>
+                      <a:tailEnd type="none" w="med" len="med"/>
+                    </a:lnL>
+                    <a:lnR w="12700" cap="flat" cmpd="sng" algn="ctr">
+                      <a:solidFill>
+                        <a:schemeClr val="tx1"/>
+                      </a:solidFill>
+                      <a:prstDash val="solid"/>
+                      <a:round/>
+                      <a:headEnd type="none" w="med" len="med"/>
+                      <a:tailEnd type="none" w="med" len="med"/>
+                    </a:lnR>
+                    <a:lnT w="12700" cap="flat" cmpd="sng" algn="ctr">
+                      <a:solidFill>
+                        <a:schemeClr val="tx1"/>
+                      </a:solidFill>
+                      <a:prstDash val="solid"/>
+                      <a:round/>
+                      <a:headEnd type="none" w="med" len="med"/>
+                      <a:tailEnd type="none" w="med" len="med"/>
+                    </a:lnT>
+                    <a:lnB w="12700" cap="flat" cmpd="sng" algn="ctr">
+                      <a:solidFill>
+                        <a:schemeClr val="tx1"/>
+                      </a:solidFill>
+                      <a:prstDash val="solid"/>
+                      <a:round/>
+                      <a:headEnd type="none" w="med" len="med"/>
+                      <a:tailEnd type="none" w="med" len="med"/>
+                    </a:lnB>
+                  </a:tcPr>
+                </a:tc>
+                <a:tc>
+                  <a:txBody>
+                    <a:bodyPr/>
+                    <a:lstStyle/>
+                    <a:p>
+                      <a:pPr algn="ctr"/>
+                      <a:endParaRPr lang="en-US" dirty="0"/>
+                    </a:p>
+                  </a:txBody>
+                  <a:tcPr>
+                    <a:lnL w="12700" cap="flat" cmpd="sng" algn="ctr">
+                      <a:solidFill>
+                        <a:schemeClr val="tx1"/>
+                      </a:solidFill>
+                      <a:prstDash val="solid"/>
+                      <a:round/>
+                      <a:headEnd type="none" w="med" len="med"/>
+                      <a:tailEnd type="none" w="med" len="med"/>
+                    </a:lnL>
+                    <a:lnR w="12700" cap="flat" cmpd="sng" algn="ctr">
+                      <a:solidFill>
+                        <a:schemeClr val="tx1"/>
+                      </a:solidFill>
+                      <a:prstDash val="solid"/>
+                      <a:round/>
+                      <a:headEnd type="none" w="med" len="med"/>
+                      <a:tailEnd type="none" w="med" len="med"/>
+                    </a:lnR>
+                    <a:lnT w="12700" cap="flat" cmpd="sng" algn="ctr">
+                      <a:solidFill>
+                        <a:schemeClr val="tx1"/>
+                      </a:solidFill>
+                      <a:prstDash val="solid"/>
+                      <a:round/>
+                      <a:headEnd type="none" w="med" len="med"/>
+                      <a:tailEnd type="none" w="med" len="med"/>
+                    </a:lnT>
+                    <a:lnB w="12700" cap="flat" cmpd="sng" algn="ctr">
+                      <a:solidFill>
+                        <a:schemeClr val="tx1"/>
+                      </a:solidFill>
+                      <a:prstDash val="solid"/>
+                      <a:round/>
+                      <a:headEnd type="none" w="med" len="med"/>
+                      <a:tailEnd type="none" w="med" len="med"/>
+                    </a:lnB>
+                  </a:tcPr>
+                </a:tc>
+                <a:tc>
+                  <a:txBody>
+                    <a:bodyPr/>
+                    <a:lstStyle/>
+                    <a:p>
+                      <a:pPr algn="ctr"/>
+                      <a:endParaRPr lang="en-US"/>
+                    </a:p>
+                  </a:txBody>
+                  <a:tcPr>
+                    <a:lnL w="12700" cap="flat" cmpd="sng" algn="ctr">
+                      <a:solidFill>
+                        <a:schemeClr val="tx1"/>
+                      </a:solidFill>
+                      <a:prstDash val="solid"/>
+                      <a:round/>
+                      <a:headEnd type="none" w="med" len="med"/>
+                      <a:tailEnd type="none" w="med" len="med"/>
+                    </a:lnL>
+                    <a:lnR w="12700" cap="flat" cmpd="sng" algn="ctr">
+                      <a:solidFill>
+                        <a:schemeClr val="tx1"/>
+                      </a:solidFill>
+                      <a:prstDash val="solid"/>
+                      <a:round/>
+                      <a:headEnd type="none" w="med" len="med"/>
+                      <a:tailEnd type="none" w="med" len="med"/>
+                    </a:lnR>
+                    <a:lnT w="12700" cap="flat" cmpd="sng" algn="ctr">
+                      <a:solidFill>
+                        <a:schemeClr val="tx1"/>
+                      </a:solidFill>
+                      <a:prstDash val="solid"/>
+                      <a:round/>
+                      <a:headEnd type="none" w="med" len="med"/>
+                      <a:tailEnd type="none" w="med" len="med"/>
+                    </a:lnT>
+                    <a:lnB w="12700" cap="flat" cmpd="sng" algn="ctr">
+                      <a:solidFill>
+                        <a:schemeClr val="tx1"/>
+                      </a:solidFill>
+                      <a:prstDash val="solid"/>
+                      <a:round/>
+                      <a:headEnd type="none" w="med" len="med"/>
+                      <a:tailEnd type="none" w="med" len="med"/>
+                    </a:lnB>
+                  </a:tcPr>
+                </a:tc>
+                <a:tc>
+                  <a:txBody>
+                    <a:bodyPr/>
+                    <a:lstStyle/>
+                    <a:p>
+                      <a:pPr algn="ctr"/>
+                      <a:endParaRPr lang="en-US"/>
+                    </a:p>
+                  </a:txBody>
+                  <a:tcPr>
+                    <a:lnL w="12700" cap="flat" cmpd="sng" algn="ctr">
+                      <a:solidFill>
+                        <a:schemeClr val="tx1"/>
+                      </a:solidFill>
+                      <a:prstDash val="solid"/>
+                      <a:round/>
+                      <a:headEnd type="none" w="med" len="med"/>
+                      <a:tailEnd type="none" w="med" len="med"/>
+                    </a:lnL>
+                    <a:lnR w="12700" cap="flat" cmpd="sng" algn="ctr">
+                      <a:solidFill>
+                        <a:schemeClr val="tx1"/>
+                      </a:solidFill>
+                      <a:prstDash val="solid"/>
+                      <a:round/>
+                      <a:headEnd type="none" w="med" len="med"/>
+                      <a:tailEnd type="none" w="med" len="med"/>
+                    </a:lnR>
+                    <a:lnT w="12700" cap="flat" cmpd="sng" algn="ctr">
+                      <a:solidFill>
+                        <a:schemeClr val="tx1"/>
+                      </a:solidFill>
+                      <a:prstDash val="solid"/>
+                      <a:round/>
+                      <a:headEnd type="none" w="med" len="med"/>
+                      <a:tailEnd type="none" w="med" len="med"/>
+                    </a:lnT>
+                    <a:lnB w="12700" cap="flat" cmpd="sng" algn="ctr">
+                      <a:solidFill>
+                        <a:schemeClr val="tx1"/>
+                      </a:solidFill>
+                      <a:prstDash val="solid"/>
+                      <a:round/>
+                      <a:headEnd type="none" w="med" len="med"/>
+                      <a:tailEnd type="none" w="med" len="med"/>
+                    </a:lnB>
+                  </a:tcPr>
+                </a:tc>
+                <a:extLst>
+                  <a:ext uri="{0D108BD9-81ED-4DB2-BD59-A6C34878D82A}">
+                    <a16:rowId xmlns:a16="http://schemas.microsoft.com/office/drawing/2014/main" val="3964950123"/>
+                  </a:ext>
+                </a:extLst>
+              </a:tr>
+              <a:tr h="370840">
+                <a:tc>
+                  <a:txBody>
+                    <a:bodyPr/>
+                    <a:lstStyle/>
+                    <a:p>
+                      <a:pPr algn="ctr"/>
+                      <a:endParaRPr lang="en-US"/>
+                    </a:p>
+                  </a:txBody>
+                  <a:tcPr>
+                    <a:lnL w="12700" cap="flat" cmpd="sng" algn="ctr">
+                      <a:solidFill>
+                        <a:schemeClr val="tx1"/>
+                      </a:solidFill>
+                      <a:prstDash val="solid"/>
+                      <a:round/>
+                      <a:headEnd type="none" w="med" len="med"/>
+                      <a:tailEnd type="none" w="med" len="med"/>
+                    </a:lnL>
+                    <a:lnR w="12700" cap="flat" cmpd="sng" algn="ctr">
+                      <a:solidFill>
+                        <a:schemeClr val="tx1"/>
+                      </a:solidFill>
+                      <a:prstDash val="solid"/>
+                      <a:round/>
+                      <a:headEnd type="none" w="med" len="med"/>
+                      <a:tailEnd type="none" w="med" len="med"/>
+                    </a:lnR>
+                    <a:lnT w="12700" cap="flat" cmpd="sng" algn="ctr">
+                      <a:solidFill>
+                        <a:schemeClr val="tx1"/>
+                      </a:solidFill>
+                      <a:prstDash val="solid"/>
+                      <a:round/>
+                      <a:headEnd type="none" w="med" len="med"/>
+                      <a:tailEnd type="none" w="med" len="med"/>
+                    </a:lnT>
+                    <a:lnB w="12700" cap="flat" cmpd="sng" algn="ctr">
+                      <a:solidFill>
+                        <a:schemeClr val="tx1"/>
+                      </a:solidFill>
+                      <a:prstDash val="solid"/>
+                      <a:round/>
+                      <a:headEnd type="none" w="med" len="med"/>
+                      <a:tailEnd type="none" w="med" len="med"/>
+                    </a:lnB>
+                  </a:tcPr>
+                </a:tc>
+                <a:tc>
+                  <a:txBody>
+                    <a:bodyPr/>
+                    <a:lstStyle/>
+                    <a:p>
+                      <a:pPr algn="ctr"/>
+                      <a:r>
+                        <a:rPr lang="en-US" dirty="0"/>
+                        <a:t>12</a:t>
+                      </a:r>
+                    </a:p>
+                  </a:txBody>
+                  <a:tcPr>
+                    <a:lnL w="12700" cap="flat" cmpd="sng" algn="ctr">
+                      <a:solidFill>
+                        <a:schemeClr val="tx1"/>
+                      </a:solidFill>
+                      <a:prstDash val="solid"/>
+                      <a:round/>
+                      <a:headEnd type="none" w="med" len="med"/>
+                      <a:tailEnd type="none" w="med" len="med"/>
+                    </a:lnL>
+                    <a:lnR w="12700" cap="flat" cmpd="sng" algn="ctr">
+                      <a:solidFill>
+                        <a:schemeClr val="tx1"/>
+                      </a:solidFill>
+                      <a:prstDash val="solid"/>
+                      <a:round/>
+                      <a:headEnd type="none" w="med" len="med"/>
+                      <a:tailEnd type="none" w="med" len="med"/>
+                    </a:lnR>
+                    <a:lnT w="12700" cap="flat" cmpd="sng" algn="ctr">
+                      <a:solidFill>
+                        <a:schemeClr val="tx1"/>
+                      </a:solidFill>
+                      <a:prstDash val="solid"/>
+                      <a:round/>
+                      <a:headEnd type="none" w="med" len="med"/>
+                      <a:tailEnd type="none" w="med" len="med"/>
+                    </a:lnT>
+                    <a:lnB w="12700" cap="flat" cmpd="sng" algn="ctr">
+                      <a:solidFill>
+                        <a:schemeClr val="tx1"/>
+                      </a:solidFill>
+                      <a:prstDash val="solid"/>
+                      <a:round/>
+                      <a:headEnd type="none" w="med" len="med"/>
+                      <a:tailEnd type="none" w="med" len="med"/>
+                    </a:lnB>
+                    <a:solidFill>
+                      <a:schemeClr val="accent1">
+                        <a:lumMod val="20000"/>
+                        <a:lumOff val="80000"/>
+                      </a:schemeClr>
+                    </a:solidFill>
+                  </a:tcPr>
+                </a:tc>
+                <a:tc>
+                  <a:txBody>
+                    <a:bodyPr/>
+                    <a:lstStyle/>
+                    <a:p>
+                      <a:pPr algn="ctr"/>
+                      <a:r>
+                        <a:rPr lang="en-US" dirty="0"/>
+                        <a:t>2</a:t>
+                      </a:r>
+                    </a:p>
+                  </a:txBody>
+                  <a:tcPr>
+                    <a:lnL w="12700" cap="flat" cmpd="sng" algn="ctr">
+                      <a:solidFill>
+                        <a:schemeClr val="tx1"/>
+                      </a:solidFill>
+                      <a:prstDash val="solid"/>
+                      <a:round/>
+                      <a:headEnd type="none" w="med" len="med"/>
+                      <a:tailEnd type="none" w="med" len="med"/>
+                    </a:lnL>
+                    <a:lnR w="12700" cap="flat" cmpd="sng" algn="ctr">
+                      <a:solidFill>
+                        <a:schemeClr val="tx1"/>
+                      </a:solidFill>
+                      <a:prstDash val="solid"/>
+                      <a:round/>
+                      <a:headEnd type="none" w="med" len="med"/>
+                      <a:tailEnd type="none" w="med" len="med"/>
+                    </a:lnR>
+                    <a:lnT w="12700" cap="flat" cmpd="sng" algn="ctr">
+                      <a:solidFill>
+                        <a:schemeClr val="tx1"/>
+                      </a:solidFill>
+                      <a:prstDash val="solid"/>
+                      <a:round/>
+                      <a:headEnd type="none" w="med" len="med"/>
+                      <a:tailEnd type="none" w="med" len="med"/>
+                    </a:lnT>
+                    <a:lnB w="12700" cap="flat" cmpd="sng" algn="ctr">
+                      <a:solidFill>
+                        <a:schemeClr val="tx1"/>
+                      </a:solidFill>
+                      <a:prstDash val="solid"/>
+                      <a:round/>
+                      <a:headEnd type="none" w="med" len="med"/>
+                      <a:tailEnd type="none" w="med" len="med"/>
+                    </a:lnB>
+                    <a:solidFill>
+                      <a:schemeClr val="accent1">
+                        <a:lumMod val="40000"/>
+                        <a:lumOff val="60000"/>
+                      </a:schemeClr>
+                    </a:solidFill>
+                  </a:tcPr>
+                </a:tc>
+                <a:tc>
+                  <a:txBody>
+                    <a:bodyPr/>
+                    <a:lstStyle/>
+                    <a:p>
+                      <a:pPr algn="ctr"/>
+                      <a:r>
+                        <a:rPr lang="en-US" dirty="0"/>
+                        <a:t>3</a:t>
+                      </a:r>
+                    </a:p>
+                  </a:txBody>
+                  <a:tcPr>
+                    <a:lnL w="12700" cap="flat" cmpd="sng" algn="ctr">
+                      <a:solidFill>
+                        <a:schemeClr val="tx1"/>
+                      </a:solidFill>
+                      <a:prstDash val="solid"/>
+                      <a:round/>
+                      <a:headEnd type="none" w="med" len="med"/>
+                      <a:tailEnd type="none" w="med" len="med"/>
+                    </a:lnL>
+                    <a:lnR w="12700" cap="flat" cmpd="sng" algn="ctr">
+                      <a:solidFill>
+                        <a:schemeClr val="tx1"/>
+                      </a:solidFill>
+                      <a:prstDash val="solid"/>
+                      <a:round/>
+                      <a:headEnd type="none" w="med" len="med"/>
+                      <a:tailEnd type="none" w="med" len="med"/>
+                    </a:lnR>
+                    <a:lnT w="12700" cap="flat" cmpd="sng" algn="ctr">
+                      <a:solidFill>
+                        <a:schemeClr val="tx1"/>
+                      </a:solidFill>
+                      <a:prstDash val="solid"/>
+                      <a:round/>
+                      <a:headEnd type="none" w="med" len="med"/>
+                      <a:tailEnd type="none" w="med" len="med"/>
+                    </a:lnT>
+                    <a:lnB w="12700" cap="flat" cmpd="sng" algn="ctr">
+                      <a:solidFill>
+                        <a:schemeClr val="tx1"/>
+                      </a:solidFill>
+                      <a:prstDash val="solid"/>
+                      <a:round/>
+                      <a:headEnd type="none" w="med" len="med"/>
+                      <a:tailEnd type="none" w="med" len="med"/>
+                    </a:lnB>
+                    <a:solidFill>
+                      <a:schemeClr val="accent1">
+                        <a:lumMod val="60000"/>
+                        <a:lumOff val="40000"/>
+                      </a:schemeClr>
+                    </a:solidFill>
+                  </a:tcPr>
+                </a:tc>
+                <a:extLst>
+                  <a:ext uri="{0D108BD9-81ED-4DB2-BD59-A6C34878D82A}">
+                    <a16:rowId xmlns:a16="http://schemas.microsoft.com/office/drawing/2014/main" val="172763464"/>
+                  </a:ext>
+                </a:extLst>
+              </a:tr>
+              <a:tr h="370840">
+                <a:tc>
+                  <a:txBody>
+                    <a:bodyPr/>
+                    <a:lstStyle/>
+                    <a:p>
+                      <a:pPr algn="ctr"/>
+                      <a:endParaRPr lang="en-US"/>
+                    </a:p>
+                  </a:txBody>
+                  <a:tcPr>
+                    <a:lnL w="12700" cap="flat" cmpd="sng" algn="ctr">
+                      <a:solidFill>
+                        <a:schemeClr val="tx1"/>
+                      </a:solidFill>
+                      <a:prstDash val="solid"/>
+                      <a:round/>
+                      <a:headEnd type="none" w="med" len="med"/>
+                      <a:tailEnd type="none" w="med" len="med"/>
+                    </a:lnL>
+                    <a:lnR w="12700" cap="flat" cmpd="sng" algn="ctr">
+                      <a:solidFill>
+                        <a:schemeClr val="tx1"/>
+                      </a:solidFill>
+                      <a:prstDash val="solid"/>
+                      <a:round/>
+                      <a:headEnd type="none" w="med" len="med"/>
+                      <a:tailEnd type="none" w="med" len="med"/>
+                    </a:lnR>
+                    <a:lnT w="12700" cap="flat" cmpd="sng" algn="ctr">
+                      <a:solidFill>
+                        <a:schemeClr val="tx1"/>
+                      </a:solidFill>
+                      <a:prstDash val="solid"/>
+                      <a:round/>
+                      <a:headEnd type="none" w="med" len="med"/>
+                      <a:tailEnd type="none" w="med" len="med"/>
+                    </a:lnT>
+                    <a:lnB w="12700" cap="flat" cmpd="sng" algn="ctr">
+                      <a:solidFill>
+                        <a:schemeClr val="tx1"/>
+                      </a:solidFill>
+                      <a:prstDash val="solid"/>
+                      <a:round/>
+                      <a:headEnd type="none" w="med" len="med"/>
+                      <a:tailEnd type="none" w="med" len="med"/>
+                    </a:lnB>
+                  </a:tcPr>
+                </a:tc>
+                <a:tc>
+                  <a:txBody>
+                    <a:bodyPr/>
+                    <a:lstStyle/>
+                    <a:p>
+                      <a:pPr algn="ctr"/>
+                      <a:endParaRPr lang="en-US"/>
+                    </a:p>
+                  </a:txBody>
+                  <a:tcPr>
+                    <a:lnL w="12700" cap="flat" cmpd="sng" algn="ctr">
+                      <a:solidFill>
+                        <a:schemeClr val="tx1"/>
+                      </a:solidFill>
+                      <a:prstDash val="solid"/>
+                      <a:round/>
+                      <a:headEnd type="none" w="med" len="med"/>
+                      <a:tailEnd type="none" w="med" len="med"/>
+                    </a:lnL>
+                    <a:lnR w="12700" cap="flat" cmpd="sng" algn="ctr">
+                      <a:solidFill>
+                        <a:schemeClr val="tx1"/>
+                      </a:solidFill>
+                      <a:prstDash val="solid"/>
+                      <a:round/>
+                      <a:headEnd type="none" w="med" len="med"/>
+                      <a:tailEnd type="none" w="med" len="med"/>
+                    </a:lnR>
+                    <a:lnT w="12700" cap="flat" cmpd="sng" algn="ctr">
+                      <a:solidFill>
+                        <a:schemeClr val="tx1"/>
+                      </a:solidFill>
+                      <a:prstDash val="solid"/>
+                      <a:round/>
+                      <a:headEnd type="none" w="med" len="med"/>
+                      <a:tailEnd type="none" w="med" len="med"/>
+                    </a:lnT>
+                    <a:lnB w="12700" cap="flat" cmpd="sng" algn="ctr">
+                      <a:solidFill>
+                        <a:schemeClr val="tx1"/>
+                      </a:solidFill>
+                      <a:prstDash val="solid"/>
+                      <a:round/>
+                      <a:headEnd type="none" w="med" len="med"/>
+                      <a:tailEnd type="none" w="med" len="med"/>
+                    </a:lnB>
+                  </a:tcPr>
+                </a:tc>
+                <a:tc>
+                  <a:txBody>
+                    <a:bodyPr/>
+                    <a:lstStyle/>
+                    <a:p>
+                      <a:pPr algn="ctr"/>
+                      <a:endParaRPr lang="en-US" dirty="0"/>
+                    </a:p>
+                  </a:txBody>
+                  <a:tcPr>
+                    <a:lnL w="12700" cap="flat" cmpd="sng" algn="ctr">
+                      <a:solidFill>
+                        <a:schemeClr val="tx1"/>
+                      </a:solidFill>
+                      <a:prstDash val="solid"/>
+                      <a:round/>
+                      <a:headEnd type="none" w="med" len="med"/>
+                      <a:tailEnd type="none" w="med" len="med"/>
+                    </a:lnL>
+                    <a:lnR w="12700" cap="flat" cmpd="sng" algn="ctr">
+                      <a:solidFill>
+                        <a:schemeClr val="tx1"/>
+                      </a:solidFill>
+                      <a:prstDash val="solid"/>
+                      <a:round/>
+                      <a:headEnd type="none" w="med" len="med"/>
+                      <a:tailEnd type="none" w="med" len="med"/>
+                    </a:lnR>
+                    <a:lnT w="12700" cap="flat" cmpd="sng" algn="ctr">
+                      <a:solidFill>
+                        <a:schemeClr val="tx1"/>
+                      </a:solidFill>
+                      <a:prstDash val="solid"/>
+                      <a:round/>
+                      <a:headEnd type="none" w="med" len="med"/>
+                      <a:tailEnd type="none" w="med" len="med"/>
+                    </a:lnT>
+                    <a:lnB w="12700" cap="flat" cmpd="sng" algn="ctr">
+                      <a:solidFill>
+                        <a:schemeClr val="tx1"/>
+                      </a:solidFill>
+                      <a:prstDash val="solid"/>
+                      <a:round/>
+                      <a:headEnd type="none" w="med" len="med"/>
+                      <a:tailEnd type="none" w="med" len="med"/>
+                    </a:lnB>
+                  </a:tcPr>
+                </a:tc>
+                <a:tc>
+                  <a:txBody>
+                    <a:bodyPr/>
+                    <a:lstStyle/>
+                    <a:p>
+                      <a:pPr algn="ctr"/>
+                      <a:endParaRPr lang="en-US" dirty="0"/>
+                    </a:p>
+                  </a:txBody>
+                  <a:tcPr>
+                    <a:lnL w="12700" cap="flat" cmpd="sng" algn="ctr">
+                      <a:solidFill>
+                        <a:schemeClr val="tx1"/>
+                      </a:solidFill>
+                      <a:prstDash val="solid"/>
+                      <a:round/>
+                      <a:headEnd type="none" w="med" len="med"/>
+                      <a:tailEnd type="none" w="med" len="med"/>
+                    </a:lnL>
+                    <a:lnR w="12700" cap="flat" cmpd="sng" algn="ctr">
+                      <a:solidFill>
+                        <a:schemeClr val="tx1"/>
+                      </a:solidFill>
+                      <a:prstDash val="solid"/>
+                      <a:round/>
+                      <a:headEnd type="none" w="med" len="med"/>
+                      <a:tailEnd type="none" w="med" len="med"/>
+                    </a:lnR>
+                    <a:lnT w="12700" cap="flat" cmpd="sng" algn="ctr">
+                      <a:solidFill>
+                        <a:schemeClr val="tx1"/>
+                      </a:solidFill>
+                      <a:prstDash val="solid"/>
+                      <a:round/>
+                      <a:headEnd type="none" w="med" len="med"/>
+                      <a:tailEnd type="none" w="med" len="med"/>
+                    </a:lnT>
+                    <a:lnB w="12700" cap="flat" cmpd="sng" algn="ctr">
+                      <a:solidFill>
+                        <a:schemeClr val="tx1"/>
+                      </a:solidFill>
+                      <a:prstDash val="solid"/>
+                      <a:round/>
+                      <a:headEnd type="none" w="med" len="med"/>
+                      <a:tailEnd type="none" w="med" len="med"/>
+                    </a:lnB>
+                    <a:solidFill>
+                      <a:schemeClr val="bg1"/>
+                    </a:solidFill>
+                  </a:tcPr>
+                </a:tc>
+                <a:extLst>
+                  <a:ext uri="{0D108BD9-81ED-4DB2-BD59-A6C34878D82A}">
+                    <a16:rowId xmlns:a16="http://schemas.microsoft.com/office/drawing/2014/main" val="2950757801"/>
+                  </a:ext>
+                </a:extLst>
+              </a:tr>
+              <a:tr h="370840">
+                <a:tc>
+                  <a:txBody>
+                    <a:bodyPr/>
+                    <a:lstStyle/>
+                    <a:p>
+                      <a:pPr algn="ctr"/>
+                      <a:endParaRPr lang="en-US"/>
+                    </a:p>
+                  </a:txBody>
+                  <a:tcPr>
+                    <a:lnL w="12700" cap="flat" cmpd="sng" algn="ctr">
+                      <a:solidFill>
+                        <a:schemeClr val="tx1"/>
+                      </a:solidFill>
+                      <a:prstDash val="solid"/>
+                      <a:round/>
+                      <a:headEnd type="none" w="med" len="med"/>
+                      <a:tailEnd type="none" w="med" len="med"/>
+                    </a:lnL>
+                    <a:lnR w="12700" cap="flat" cmpd="sng" algn="ctr">
+                      <a:solidFill>
+                        <a:schemeClr val="tx1"/>
+                      </a:solidFill>
+                      <a:prstDash val="solid"/>
+                      <a:round/>
+                      <a:headEnd type="none" w="med" len="med"/>
+                      <a:tailEnd type="none" w="med" len="med"/>
+                    </a:lnR>
+                    <a:lnT w="12700" cap="flat" cmpd="sng" algn="ctr">
+                      <a:solidFill>
+                        <a:schemeClr val="tx1"/>
+                      </a:solidFill>
+                      <a:prstDash val="solid"/>
+                      <a:round/>
+                      <a:headEnd type="none" w="med" len="med"/>
+                      <a:tailEnd type="none" w="med" len="med"/>
+                    </a:lnT>
+                    <a:lnB w="12700" cap="flat" cmpd="sng" algn="ctr">
+                      <a:solidFill>
+                        <a:schemeClr val="tx1"/>
+                      </a:solidFill>
+                      <a:prstDash val="solid"/>
+                      <a:round/>
+                      <a:headEnd type="none" w="med" len="med"/>
+                      <a:tailEnd type="none" w="med" len="med"/>
+                    </a:lnB>
+                  </a:tcPr>
+                </a:tc>
+                <a:tc>
+                  <a:txBody>
+                    <a:bodyPr/>
+                    <a:lstStyle/>
+                    <a:p>
+                      <a:pPr algn="ctr"/>
+                      <a:endParaRPr lang="en-US"/>
+                    </a:p>
+                  </a:txBody>
+                  <a:tcPr>
+                    <a:lnL w="12700" cap="flat" cmpd="sng" algn="ctr">
+                      <a:solidFill>
+                        <a:schemeClr val="tx1"/>
+                      </a:solidFill>
+                      <a:prstDash val="solid"/>
+                      <a:round/>
+                      <a:headEnd type="none" w="med" len="med"/>
+                      <a:tailEnd type="none" w="med" len="med"/>
+                    </a:lnL>
+                    <a:lnR w="12700" cap="flat" cmpd="sng" algn="ctr">
+                      <a:solidFill>
+                        <a:schemeClr val="tx1"/>
+                      </a:solidFill>
+                      <a:prstDash val="solid"/>
+                      <a:round/>
+                      <a:headEnd type="none" w="med" len="med"/>
+                      <a:tailEnd type="none" w="med" len="med"/>
+                    </a:lnR>
+                    <a:lnT w="12700" cap="flat" cmpd="sng" algn="ctr">
+                      <a:solidFill>
+                        <a:schemeClr val="tx1"/>
+                      </a:solidFill>
+                      <a:prstDash val="solid"/>
+                      <a:round/>
+                      <a:headEnd type="none" w="med" len="med"/>
+                      <a:tailEnd type="none" w="med" len="med"/>
+                    </a:lnT>
+                    <a:lnB w="12700" cap="flat" cmpd="sng" algn="ctr">
+                      <a:solidFill>
+                        <a:schemeClr val="tx1"/>
+                      </a:solidFill>
+                      <a:prstDash val="solid"/>
+                      <a:round/>
+                      <a:headEnd type="none" w="med" len="med"/>
+                      <a:tailEnd type="none" w="med" len="med"/>
+                    </a:lnB>
+                  </a:tcPr>
+                </a:tc>
+                <a:tc>
+                  <a:txBody>
+                    <a:bodyPr/>
+                    <a:lstStyle/>
+                    <a:p>
+                      <a:pPr algn="ctr"/>
+                      <a:endParaRPr lang="en-US" dirty="0"/>
+                    </a:p>
+                  </a:txBody>
+                  <a:tcPr>
+                    <a:lnL w="12700" cap="flat" cmpd="sng" algn="ctr">
+                      <a:solidFill>
+                        <a:schemeClr val="tx1"/>
+                      </a:solidFill>
+                      <a:prstDash val="solid"/>
+                      <a:round/>
+                      <a:headEnd type="none" w="med" len="med"/>
+                      <a:tailEnd type="none" w="med" len="med"/>
+                    </a:lnL>
+                    <a:lnR w="12700" cap="flat" cmpd="sng" algn="ctr">
+                      <a:solidFill>
+                        <a:schemeClr val="tx1"/>
+                      </a:solidFill>
+                      <a:prstDash val="solid"/>
+                      <a:round/>
+                      <a:headEnd type="none" w="med" len="med"/>
+                      <a:tailEnd type="none" w="med" len="med"/>
+                    </a:lnR>
+                    <a:lnT w="12700" cap="flat" cmpd="sng" algn="ctr">
+                      <a:solidFill>
+                        <a:schemeClr val="tx1"/>
+                      </a:solidFill>
+                      <a:prstDash val="solid"/>
+                      <a:round/>
+                      <a:headEnd type="none" w="med" len="med"/>
+                      <a:tailEnd type="none" w="med" len="med"/>
+                    </a:lnT>
+                    <a:lnB w="12700" cap="flat" cmpd="sng" algn="ctr">
+                      <a:solidFill>
+                        <a:schemeClr val="tx1"/>
+                      </a:solidFill>
+                      <a:prstDash val="solid"/>
+                      <a:round/>
+                      <a:headEnd type="none" w="med" len="med"/>
+                      <a:tailEnd type="none" w="med" len="med"/>
+                    </a:lnB>
+                  </a:tcPr>
+                </a:tc>
+                <a:tc>
+                  <a:txBody>
+                    <a:bodyPr/>
+                    <a:lstStyle/>
+                    <a:p>
+                      <a:pPr algn="ctr"/>
+                      <a:endParaRPr lang="en-US" dirty="0"/>
+                    </a:p>
+                  </a:txBody>
+                  <a:tcPr>
+                    <a:lnL w="12700" cap="flat" cmpd="sng" algn="ctr">
+                      <a:solidFill>
+                        <a:schemeClr val="tx1"/>
+                      </a:solidFill>
+                      <a:prstDash val="solid"/>
+                      <a:round/>
+                      <a:headEnd type="none" w="med" len="med"/>
+                      <a:tailEnd type="none" w="med" len="med"/>
+                    </a:lnL>
+                    <a:lnR w="12700" cap="flat" cmpd="sng" algn="ctr">
+                      <a:solidFill>
+                        <a:schemeClr val="tx1"/>
+                      </a:solidFill>
+                      <a:prstDash val="solid"/>
+                      <a:round/>
+                      <a:headEnd type="none" w="med" len="med"/>
+                      <a:tailEnd type="none" w="med" len="med"/>
+                    </a:lnR>
+                    <a:lnT w="12700" cap="flat" cmpd="sng" algn="ctr">
+                      <a:solidFill>
+                        <a:schemeClr val="tx1"/>
+                      </a:solidFill>
+                      <a:prstDash val="solid"/>
+                      <a:round/>
+                      <a:headEnd type="none" w="med" len="med"/>
+                      <a:tailEnd type="none" w="med" len="med"/>
+                    </a:lnT>
+                    <a:lnB w="12700" cap="flat" cmpd="sng" algn="ctr">
+                      <a:solidFill>
+                        <a:schemeClr val="tx1"/>
+                      </a:solidFill>
+                      <a:prstDash val="solid"/>
+                      <a:round/>
+                      <a:headEnd type="none" w="med" len="med"/>
+                      <a:tailEnd type="none" w="med" len="med"/>
+                    </a:lnB>
+                  </a:tcPr>
+                </a:tc>
+                <a:extLst>
+                  <a:ext uri="{0D108BD9-81ED-4DB2-BD59-A6C34878D82A}">
+                    <a16:rowId xmlns:a16="http://schemas.microsoft.com/office/drawing/2014/main" val="2837239586"/>
+                  </a:ext>
+                </a:extLst>
+              </a:tr>
+            </a:tbl>
+          </a:graphicData>
+        </a:graphic>
+      </p:graphicFrame>
+      <p:sp>
+        <p:nvSpPr>
+          <p:cNvPr id="22" name="Rectangle 21">
+            <a:extLst>
+              <a:ext uri="{FF2B5EF4-FFF2-40B4-BE49-F238E27FC236}">
+                <a16:creationId xmlns:a16="http://schemas.microsoft.com/office/drawing/2014/main" id="{1E3AAF46-C64A-42D1-9FCC-44B8D29FCDB4}"/>
+              </a:ext>
+            </a:extLst>
+          </p:cNvPr>
+          <p:cNvSpPr/>
+          <p:nvPr/>
+        </p:nvSpPr>
+        <p:spPr>
+          <a:xfrm>
+            <a:off x="5618964" y="4747457"/>
+            <a:ext cx="1874756" cy="443298"/>
+          </a:xfrm>
+          <a:prstGeom prst="rect">
+            <a:avLst/>
+          </a:prstGeom>
+        </p:spPr>
+        <p:style>
+          <a:lnRef idx="2">
+            <a:schemeClr val="dk1"/>
+          </a:lnRef>
+          <a:fillRef idx="1">
+            <a:schemeClr val="lt1"/>
+          </a:fillRef>
+          <a:effectRef idx="0">
+            <a:schemeClr val="dk1"/>
+          </a:effectRef>
+          <a:fontRef idx="minor">
+            <a:schemeClr val="dk1"/>
+          </a:fontRef>
+        </p:style>
+        <p:txBody>
+          <a:bodyPr rtlCol="0" anchor="ctr"/>
+          <a:lstStyle/>
+          <a:p>
+            <a:pPr algn="ctr"/>
+            <a:r>
+              <a:rPr lang="en-US" dirty="0" err="1">
+                <a:solidFill>
+                  <a:schemeClr val="accent2"/>
+                </a:solidFill>
+              </a:rPr>
+              <a:t>list_b</a:t>
+            </a:r>
+            <a:r>
+              <a:rPr lang="en-US" dirty="0">
+                <a:solidFill>
+                  <a:schemeClr val="accent2"/>
+                </a:solidFill>
+              </a:rPr>
+              <a:t>[0]=12</a:t>
+            </a:r>
+          </a:p>
+        </p:txBody>
+      </p:sp>
+      <p:sp>
+        <p:nvSpPr>
+          <p:cNvPr id="24" name="Flèche : droite 23">
+            <a:extLst>
+              <a:ext uri="{FF2B5EF4-FFF2-40B4-BE49-F238E27FC236}">
+                <a16:creationId xmlns:a16="http://schemas.microsoft.com/office/drawing/2014/main" id="{22523737-D597-4610-8125-CC4DC7AA6136}"/>
+              </a:ext>
+            </a:extLst>
+          </p:cNvPr>
+          <p:cNvSpPr/>
+          <p:nvPr/>
+        </p:nvSpPr>
+        <p:spPr>
+          <a:xfrm>
+            <a:off x="7493720" y="4838733"/>
+            <a:ext cx="1122380" cy="329331"/>
+          </a:xfrm>
+          <a:prstGeom prst="rightArrow">
+            <a:avLst/>
+          </a:prstGeom>
+          <a:ln>
+            <a:solidFill>
+              <a:schemeClr val="tx1"/>
+            </a:solidFill>
+          </a:ln>
+        </p:spPr>
+        <p:style>
+          <a:lnRef idx="2">
+            <a:schemeClr val="accent2">
+              <a:shade val="50000"/>
+            </a:schemeClr>
+          </a:lnRef>
+          <a:fillRef idx="1">
+            <a:schemeClr val="accent2"/>
+          </a:fillRef>
+          <a:effectRef idx="0">
+            <a:schemeClr val="accent2"/>
+          </a:effectRef>
+          <a:fontRef idx="minor">
+            <a:schemeClr val="lt1"/>
+          </a:fontRef>
+        </p:style>
+        <p:txBody>
+          <a:bodyPr rtlCol="0" anchor="ctr"/>
+          <a:lstStyle/>
+          <a:p>
+            <a:pPr algn="ctr"/>
+            <a:endParaRPr lang="en-US"/>
+          </a:p>
+        </p:txBody>
+      </p:sp>
+      <p:sp>
+        <p:nvSpPr>
+          <p:cNvPr id="25" name="Rectangle 24">
+            <a:extLst>
+              <a:ext uri="{FF2B5EF4-FFF2-40B4-BE49-F238E27FC236}">
+                <a16:creationId xmlns:a16="http://schemas.microsoft.com/office/drawing/2014/main" id="{0DB76D68-5ADF-4F3E-88ED-130149D79FBE}"/>
+              </a:ext>
+            </a:extLst>
+          </p:cNvPr>
+          <p:cNvSpPr/>
+          <p:nvPr/>
+        </p:nvSpPr>
+        <p:spPr>
+          <a:xfrm>
+            <a:off x="5629960" y="5248648"/>
+            <a:ext cx="1874756" cy="959907"/>
+          </a:xfrm>
+          <a:prstGeom prst="rect">
+            <a:avLst/>
+          </a:prstGeom>
+        </p:spPr>
+        <p:style>
+          <a:lnRef idx="2">
+            <a:schemeClr val="dk1"/>
+          </a:lnRef>
+          <a:fillRef idx="1">
+            <a:schemeClr val="lt1"/>
+          </a:fillRef>
+          <a:effectRef idx="0">
+            <a:schemeClr val="dk1"/>
+          </a:effectRef>
+          <a:fontRef idx="minor">
+            <a:schemeClr val="dk1"/>
+          </a:fontRef>
+        </p:style>
+        <p:txBody>
+          <a:bodyPr rtlCol="0" anchor="ctr"/>
+          <a:lstStyle/>
+          <a:p>
+            <a:pPr algn="ctr"/>
+            <a:r>
+              <a:rPr lang="en-US" dirty="0">
+                <a:solidFill>
+                  <a:schemeClr val="tx1"/>
+                </a:solidFill>
+              </a:rPr>
+              <a:t>print(</a:t>
+            </a:r>
+            <a:r>
+              <a:rPr lang="en-US" dirty="0" err="1">
+                <a:solidFill>
+                  <a:schemeClr val="tx1"/>
+                </a:solidFill>
+              </a:rPr>
+              <a:t>list_a</a:t>
+            </a:r>
+            <a:r>
+              <a:rPr lang="en-US" dirty="0">
+                <a:solidFill>
+                  <a:schemeClr val="tx1"/>
+                </a:solidFill>
+              </a:rPr>
+              <a:t>[0])</a:t>
+            </a:r>
+          </a:p>
+          <a:p>
+            <a:pPr algn="ctr"/>
+            <a:r>
+              <a:rPr lang="en-US" dirty="0">
+                <a:solidFill>
+                  <a:schemeClr val="tx1"/>
+                </a:solidFill>
+              </a:rPr>
+              <a:t>“12”</a:t>
+            </a:r>
+          </a:p>
+        </p:txBody>
+      </p:sp>
+    </p:spTree>
+    <p:extLst>
+      <p:ext uri="{BB962C8B-B14F-4D97-AF65-F5344CB8AC3E}">
+        <p14:creationId xmlns:p14="http://schemas.microsoft.com/office/powerpoint/2010/main" val="3395744591"/>
+      </p:ext>
+    </p:extLst>
+  </p:cSld>
+  <p:clrMapOvr>
+    <a:masterClrMapping/>
+  </p:clrMapOvr>
+</p:sld>
+</file>
+
+<file path=ppt/slides/slide14.xml><?xml version="1.0" encoding="utf-8"?>
+<p:sld xmlns:a="http://schemas.openxmlformats.org/drawingml/2006/main" xmlns:r="http://schemas.openxmlformats.org/officeDocument/2006/relationships" xmlns:p="http://schemas.openxmlformats.org/presentationml/2006/main">
+  <p:cSld>
+    <p:spTree>
+      <p:nvGrpSpPr>
+        <p:cNvPr id="1" name=""/>
+        <p:cNvGrpSpPr/>
+        <p:nvPr/>
+      </p:nvGrpSpPr>
+      <p:grpSpPr>
+        <a:xfrm>
+          <a:off x="0" y="0"/>
+          <a:ext cx="0" cy="0"/>
+          <a:chOff x="0" y="0"/>
+          <a:chExt cx="0" cy="0"/>
+        </a:xfrm>
+      </p:grpSpPr>
+      <p:sp>
+        <p:nvSpPr>
+          <p:cNvPr id="2" name="Titre 1">
+            <a:extLst>
+              <a:ext uri="{FF2B5EF4-FFF2-40B4-BE49-F238E27FC236}">
+                <a16:creationId xmlns:a16="http://schemas.microsoft.com/office/drawing/2014/main" id="{383F461F-3071-457A-9E60-DB196B11229F}"/>
+              </a:ext>
+            </a:extLst>
+          </p:cNvPr>
+          <p:cNvSpPr>
+            <a:spLocks noGrp="1"/>
+          </p:cNvSpPr>
+          <p:nvPr>
+            <p:ph type="title"/>
+          </p:nvPr>
+        </p:nvSpPr>
+        <p:spPr/>
+        <p:txBody>
+          <a:bodyPr/>
+          <a:lstStyle/>
+          <a:p>
+            <a:r>
+              <a:rPr lang="en-US" dirty="0"/>
+              <a:t>Value and reference</a:t>
+            </a:r>
+          </a:p>
+        </p:txBody>
+      </p:sp>
+      <p:sp>
+        <p:nvSpPr>
+          <p:cNvPr id="3" name="Espace réservé du contenu 2">
+            <a:extLst>
+              <a:ext uri="{FF2B5EF4-FFF2-40B4-BE49-F238E27FC236}">
+                <a16:creationId xmlns:a16="http://schemas.microsoft.com/office/drawing/2014/main" id="{BCB0A8EF-3326-4557-A2AE-EA2128814E54}"/>
+              </a:ext>
+            </a:extLst>
+          </p:cNvPr>
+          <p:cNvSpPr>
+            <a:spLocks noGrp="1"/>
+          </p:cNvSpPr>
+          <p:nvPr>
+            <p:ph idx="1"/>
+          </p:nvPr>
+        </p:nvSpPr>
+        <p:spPr/>
+        <p:txBody>
+          <a:bodyPr/>
+          <a:lstStyle/>
+          <a:p>
+            <a:r>
+              <a:rPr lang="en-US" dirty="0"/>
+              <a:t>What I just said is not completely correct</a:t>
+            </a:r>
+          </a:p>
+          <a:p>
+            <a:pPr lvl="1"/>
+            <a:r>
+              <a:rPr lang="en-US" dirty="0"/>
+              <a:t>Actually, in Python everything is stored by </a:t>
+            </a:r>
+            <a:r>
+              <a:rPr lang="en-US" b="1" dirty="0"/>
+              <a:t>reference</a:t>
+            </a:r>
+            <a:endParaRPr lang="en-US" dirty="0"/>
+          </a:p>
+          <a:p>
+            <a:pPr lvl="1"/>
+            <a:r>
+              <a:rPr lang="en-US" dirty="0"/>
+              <a:t>However bool, int, float, string, tuple are </a:t>
+            </a:r>
+            <a:r>
+              <a:rPr lang="en-US" b="1" dirty="0"/>
+              <a:t>immutable</a:t>
+            </a:r>
+            <a:endParaRPr lang="en-US" dirty="0"/>
+          </a:p>
+          <a:p>
+            <a:pPr lvl="1"/>
+            <a:r>
+              <a:rPr lang="en-US" dirty="0"/>
+              <a:t>So, if you try to modify an immutable, you create a copy</a:t>
+            </a:r>
+          </a:p>
+        </p:txBody>
+      </p:sp>
+      <p:sp>
+        <p:nvSpPr>
+          <p:cNvPr id="4" name="Espace réservé du numéro de diapositive 3">
+            <a:extLst>
+              <a:ext uri="{FF2B5EF4-FFF2-40B4-BE49-F238E27FC236}">
+                <a16:creationId xmlns:a16="http://schemas.microsoft.com/office/drawing/2014/main" id="{2EFD346D-2581-49C7-B425-4D105368907C}"/>
+              </a:ext>
+            </a:extLst>
+          </p:cNvPr>
+          <p:cNvSpPr>
+            <a:spLocks noGrp="1"/>
+          </p:cNvSpPr>
+          <p:nvPr>
             <p:ph type="sldNum" sz="quarter" idx="12"/>
           </p:nvPr>
         </p:nvSpPr>
@@ -3848,7 +7812,569 @@
             <a:fld id="{19485C6F-9B8D-4FB9-A42B-A9ABFED612B1}" type="slidenum">
               <a:rPr lang="en-US" smtClean="0"/>
               <a:pPr/>
-              <a:t>5</a:t>
+              <a:t>14</a:t>
+            </a:fld>
+            <a:endParaRPr lang="en-US" dirty="0"/>
+          </a:p>
+        </p:txBody>
+      </p:sp>
+      <p:sp>
+        <p:nvSpPr>
+          <p:cNvPr id="5" name="Espace réservé du pied de page 4">
+            <a:extLst>
+              <a:ext uri="{FF2B5EF4-FFF2-40B4-BE49-F238E27FC236}">
+                <a16:creationId xmlns:a16="http://schemas.microsoft.com/office/drawing/2014/main" id="{989B059D-E68C-46B7-8C19-F300CE9EB30D}"/>
+              </a:ext>
+            </a:extLst>
+          </p:cNvPr>
+          <p:cNvSpPr>
+            <a:spLocks noGrp="1"/>
+          </p:cNvSpPr>
+          <p:nvPr>
+            <p:ph type="ftr" sz="quarter" idx="3"/>
+          </p:nvPr>
+        </p:nvSpPr>
+        <p:spPr/>
+        <p:txBody>
+          <a:bodyPr/>
+          <a:lstStyle/>
+          <a:p>
+            <a:r>
+              <a:rPr lang="en-US"/>
+              <a:t>alberto.tonda@inrae.fr</a:t>
+            </a:r>
+            <a:endParaRPr lang="en-US" dirty="0"/>
+          </a:p>
+        </p:txBody>
+      </p:sp>
+    </p:spTree>
+    <p:extLst>
+      <p:ext uri="{BB962C8B-B14F-4D97-AF65-F5344CB8AC3E}">
+        <p14:creationId xmlns:p14="http://schemas.microsoft.com/office/powerpoint/2010/main" val="3130124327"/>
+      </p:ext>
+    </p:extLst>
+  </p:cSld>
+  <p:clrMapOvr>
+    <a:masterClrMapping/>
+  </p:clrMapOvr>
+</p:sld>
+</file>
+
+<file path=ppt/slides/slide15.xml><?xml version="1.0" encoding="utf-8"?>
+<p:sld xmlns:a="http://schemas.openxmlformats.org/drawingml/2006/main" xmlns:r="http://schemas.openxmlformats.org/officeDocument/2006/relationships" xmlns:p="http://schemas.openxmlformats.org/presentationml/2006/main">
+  <p:cSld>
+    <p:spTree>
+      <p:nvGrpSpPr>
+        <p:cNvPr id="1" name=""/>
+        <p:cNvGrpSpPr/>
+        <p:nvPr/>
+      </p:nvGrpSpPr>
+      <p:grpSpPr>
+        <a:xfrm>
+          <a:off x="0" y="0"/>
+          <a:ext cx="0" cy="0"/>
+          <a:chOff x="0" y="0"/>
+          <a:chExt cx="0" cy="0"/>
+        </a:xfrm>
+      </p:grpSpPr>
+      <p:sp>
+        <p:nvSpPr>
+          <p:cNvPr id="2" name="Titre 1">
+            <a:extLst>
+              <a:ext uri="{FF2B5EF4-FFF2-40B4-BE49-F238E27FC236}">
+                <a16:creationId xmlns:a16="http://schemas.microsoft.com/office/drawing/2014/main" id="{29121AD3-B48E-4DEF-A8B8-5EDF4C14DA49}"/>
+              </a:ext>
+            </a:extLst>
+          </p:cNvPr>
+          <p:cNvSpPr>
+            <a:spLocks noGrp="1"/>
+          </p:cNvSpPr>
+          <p:nvPr>
+            <p:ph type="title"/>
+          </p:nvPr>
+        </p:nvSpPr>
+        <p:spPr/>
+        <p:txBody>
+          <a:bodyPr/>
+          <a:lstStyle/>
+          <a:p>
+            <a:r>
+              <a:rPr lang="en-US" dirty="0"/>
+              <a:t>Coding: flow</a:t>
+            </a:r>
+          </a:p>
+        </p:txBody>
+      </p:sp>
+      <p:sp>
+        <p:nvSpPr>
+          <p:cNvPr id="3" name="Espace réservé du contenu 2">
+            <a:extLst>
+              <a:ext uri="{FF2B5EF4-FFF2-40B4-BE49-F238E27FC236}">
+                <a16:creationId xmlns:a16="http://schemas.microsoft.com/office/drawing/2014/main" id="{1FDF830D-8599-4510-9667-DAD0C6C9BE0F}"/>
+              </a:ext>
+            </a:extLst>
+          </p:cNvPr>
+          <p:cNvSpPr>
+            <a:spLocks noGrp="1"/>
+          </p:cNvSpPr>
+          <p:nvPr>
+            <p:ph idx="1"/>
+          </p:nvPr>
+        </p:nvSpPr>
+        <p:spPr/>
+        <p:txBody>
+          <a:bodyPr/>
+          <a:lstStyle/>
+          <a:p>
+            <a:r>
+              <a:rPr lang="en-US" dirty="0"/>
+              <a:t>A program is typically executed top-down, line by line</a:t>
+            </a:r>
+          </a:p>
+          <a:p>
+            <a:r>
+              <a:rPr lang="en-US" dirty="0"/>
+              <a:t>However, you can change the flow</a:t>
+            </a:r>
+          </a:p>
+          <a:p>
+            <a:pPr lvl="1"/>
+            <a:r>
+              <a:rPr lang="en-US" dirty="0"/>
+              <a:t>Flow control (if – then – else )</a:t>
+            </a:r>
+          </a:p>
+          <a:p>
+            <a:pPr lvl="1"/>
+            <a:r>
+              <a:rPr lang="en-US" dirty="0"/>
+              <a:t>Loops (while / for)</a:t>
+            </a:r>
+          </a:p>
+          <a:p>
+            <a:r>
+              <a:rPr lang="en-US" dirty="0"/>
+              <a:t>Flow control is based on </a:t>
+            </a:r>
+            <a:r>
+              <a:rPr lang="en-US" b="1" dirty="0"/>
+              <a:t>Booleans</a:t>
+            </a:r>
+            <a:endParaRPr lang="en-US" dirty="0"/>
+          </a:p>
+          <a:p>
+            <a:pPr lvl="1"/>
+            <a:r>
+              <a:rPr lang="en-US" dirty="0"/>
+              <a:t>True/False conditions</a:t>
+            </a:r>
+          </a:p>
+          <a:p>
+            <a:pPr lvl="1"/>
+            <a:r>
+              <a:rPr lang="en-US" dirty="0"/>
+              <a:t>Boolean algebra! AND/OR</a:t>
+            </a:r>
+          </a:p>
+          <a:p>
+            <a:pPr lvl="1"/>
+            <a:endParaRPr lang="en-US" dirty="0"/>
+          </a:p>
+        </p:txBody>
+      </p:sp>
+      <p:sp>
+        <p:nvSpPr>
+          <p:cNvPr id="4" name="Espace réservé du numéro de diapositive 3">
+            <a:extLst>
+              <a:ext uri="{FF2B5EF4-FFF2-40B4-BE49-F238E27FC236}">
+                <a16:creationId xmlns:a16="http://schemas.microsoft.com/office/drawing/2014/main" id="{C1E527DC-6A11-4374-B58E-E3BFDA009277}"/>
+              </a:ext>
+            </a:extLst>
+          </p:cNvPr>
+          <p:cNvSpPr>
+            <a:spLocks noGrp="1"/>
+          </p:cNvSpPr>
+          <p:nvPr>
+            <p:ph type="sldNum" sz="quarter" idx="12"/>
+          </p:nvPr>
+        </p:nvSpPr>
+        <p:spPr/>
+        <p:txBody>
+          <a:bodyPr/>
+          <a:lstStyle/>
+          <a:p>
+            <a:fld id="{19485C6F-9B8D-4FB9-A42B-A9ABFED612B1}" type="slidenum">
+              <a:rPr lang="en-US" smtClean="0"/>
+              <a:pPr/>
+              <a:t>15</a:t>
+            </a:fld>
+            <a:endParaRPr lang="en-US" dirty="0"/>
+          </a:p>
+        </p:txBody>
+      </p:sp>
+      <p:sp>
+        <p:nvSpPr>
+          <p:cNvPr id="5" name="Espace réservé du pied de page 4">
+            <a:extLst>
+              <a:ext uri="{FF2B5EF4-FFF2-40B4-BE49-F238E27FC236}">
+                <a16:creationId xmlns:a16="http://schemas.microsoft.com/office/drawing/2014/main" id="{7B8C9107-1A51-4FDD-AAB7-D5BD9F030B3C}"/>
+              </a:ext>
+            </a:extLst>
+          </p:cNvPr>
+          <p:cNvSpPr>
+            <a:spLocks noGrp="1"/>
+          </p:cNvSpPr>
+          <p:nvPr>
+            <p:ph type="ftr" sz="quarter" idx="3"/>
+          </p:nvPr>
+        </p:nvSpPr>
+        <p:spPr/>
+        <p:txBody>
+          <a:bodyPr/>
+          <a:lstStyle/>
+          <a:p>
+            <a:r>
+              <a:rPr lang="en-US"/>
+              <a:t>alberto.tonda@inrae.fr</a:t>
+            </a:r>
+            <a:endParaRPr lang="en-US" dirty="0"/>
+          </a:p>
+        </p:txBody>
+      </p:sp>
+      <p:pic>
+        <p:nvPicPr>
+          <p:cNvPr id="1026" name="Picture 2" descr="How to Make a Flowchart for Programming Easy to Understand - TechnoKids Blog">
+            <a:extLst>
+              <a:ext uri="{FF2B5EF4-FFF2-40B4-BE49-F238E27FC236}">
+                <a16:creationId xmlns:a16="http://schemas.microsoft.com/office/drawing/2014/main" id="{96CBC278-8F47-4898-8456-3EDFAC83A729}"/>
+              </a:ext>
+            </a:extLst>
+          </p:cNvPr>
+          <p:cNvPicPr>
+            <a:picLocks noChangeAspect="1" noChangeArrowheads="1"/>
+          </p:cNvPicPr>
+          <p:nvPr/>
+        </p:nvPicPr>
+        <p:blipFill>
+          <a:blip r:embed="rId2">
+            <a:extLst>
+              <a:ext uri="{28A0092B-C50C-407E-A947-70E740481C1C}">
+                <a14:useLocalDpi xmlns:a14="http://schemas.microsoft.com/office/drawing/2010/main" val="0"/>
+              </a:ext>
+            </a:extLst>
+          </a:blip>
+          <a:srcRect/>
+          <a:stretch>
+            <a:fillRect/>
+          </a:stretch>
+        </p:blipFill>
+        <p:spPr bwMode="auto">
+          <a:xfrm>
+            <a:off x="7901923" y="2535810"/>
+            <a:ext cx="3987830" cy="3270021"/>
+          </a:xfrm>
+          <a:prstGeom prst="rect">
+            <a:avLst/>
+          </a:prstGeom>
+          <a:noFill/>
+          <a:extLst>
+            <a:ext uri="{909E8E84-426E-40DD-AFC4-6F175D3DCCD1}">
+              <a14:hiddenFill xmlns:a14="http://schemas.microsoft.com/office/drawing/2010/main">
+                <a:solidFill>
+                  <a:srgbClr val="FFFFFF"/>
+                </a:solidFill>
+              </a14:hiddenFill>
+            </a:ext>
+          </a:extLst>
+        </p:spPr>
+      </p:pic>
+    </p:spTree>
+    <p:extLst>
+      <p:ext uri="{BB962C8B-B14F-4D97-AF65-F5344CB8AC3E}">
+        <p14:creationId xmlns:p14="http://schemas.microsoft.com/office/powerpoint/2010/main" val="543439847"/>
+      </p:ext>
+    </p:extLst>
+  </p:cSld>
+  <p:clrMapOvr>
+    <a:masterClrMapping/>
+  </p:clrMapOvr>
+</p:sld>
+</file>
+
+<file path=ppt/slides/slide16.xml><?xml version="1.0" encoding="utf-8"?>
+<p:sld xmlns:a="http://schemas.openxmlformats.org/drawingml/2006/main" xmlns:r="http://schemas.openxmlformats.org/officeDocument/2006/relationships" xmlns:p="http://schemas.openxmlformats.org/presentationml/2006/main">
+  <p:cSld>
+    <p:spTree>
+      <p:nvGrpSpPr>
+        <p:cNvPr id="1" name=""/>
+        <p:cNvGrpSpPr/>
+        <p:nvPr/>
+      </p:nvGrpSpPr>
+      <p:grpSpPr>
+        <a:xfrm>
+          <a:off x="0" y="0"/>
+          <a:ext cx="0" cy="0"/>
+          <a:chOff x="0" y="0"/>
+          <a:chExt cx="0" cy="0"/>
+        </a:xfrm>
+      </p:grpSpPr>
+      <p:sp>
+        <p:nvSpPr>
+          <p:cNvPr id="2" name="Titre 1">
+            <a:extLst>
+              <a:ext uri="{FF2B5EF4-FFF2-40B4-BE49-F238E27FC236}">
+                <a16:creationId xmlns:a16="http://schemas.microsoft.com/office/drawing/2014/main" id="{8BDC1C79-3712-4555-BC3B-AF890545EA3A}"/>
+              </a:ext>
+            </a:extLst>
+          </p:cNvPr>
+          <p:cNvSpPr>
+            <a:spLocks noGrp="1"/>
+          </p:cNvSpPr>
+          <p:nvPr>
+            <p:ph type="title"/>
+          </p:nvPr>
+        </p:nvSpPr>
+        <p:spPr/>
+        <p:txBody>
+          <a:bodyPr/>
+          <a:lstStyle/>
+          <a:p>
+            <a:r>
+              <a:rPr lang="en-US" dirty="0"/>
+              <a:t>Coding</a:t>
+            </a:r>
+          </a:p>
+        </p:txBody>
+      </p:sp>
+      <p:sp>
+        <p:nvSpPr>
+          <p:cNvPr id="3" name="Espace réservé du contenu 2">
+            <a:extLst>
+              <a:ext uri="{FF2B5EF4-FFF2-40B4-BE49-F238E27FC236}">
+                <a16:creationId xmlns:a16="http://schemas.microsoft.com/office/drawing/2014/main" id="{73943AA8-7AB9-4354-9552-3862CBD12F45}"/>
+              </a:ext>
+            </a:extLst>
+          </p:cNvPr>
+          <p:cNvSpPr>
+            <a:spLocks noGrp="1"/>
+          </p:cNvSpPr>
+          <p:nvPr>
+            <p:ph idx="1"/>
+          </p:nvPr>
+        </p:nvSpPr>
+        <p:spPr/>
+        <p:txBody>
+          <a:bodyPr/>
+          <a:lstStyle/>
+          <a:p>
+            <a:r>
+              <a:rPr lang="en-US" dirty="0"/>
+              <a:t>Organize your code</a:t>
+            </a:r>
+          </a:p>
+          <a:p>
+            <a:pPr lvl="1"/>
+            <a:r>
+              <a:rPr lang="en-US" dirty="0"/>
+              <a:t>Instead of cut/pasting your code</a:t>
+            </a:r>
+          </a:p>
+          <a:p>
+            <a:pPr lvl="1"/>
+            <a:r>
+              <a:rPr lang="en-US" dirty="0"/>
+              <a:t>Define functions</a:t>
+            </a:r>
+          </a:p>
+          <a:p>
+            <a:endParaRPr lang="en-US" dirty="0"/>
+          </a:p>
+          <a:p>
+            <a:r>
+              <a:rPr lang="en-US" dirty="0"/>
+              <a:t>Different views</a:t>
+            </a:r>
+          </a:p>
+          <a:p>
+            <a:pPr lvl="1"/>
+            <a:r>
+              <a:rPr lang="en-US" dirty="0"/>
+              <a:t>Classic: structures and functions</a:t>
+            </a:r>
+          </a:p>
+          <a:p>
+            <a:pPr lvl="1"/>
+            <a:r>
+              <a:rPr lang="en-US" dirty="0"/>
+              <a:t>Object-oriented: classes, attributes and methods</a:t>
+            </a:r>
+          </a:p>
+        </p:txBody>
+      </p:sp>
+      <p:sp>
+        <p:nvSpPr>
+          <p:cNvPr id="4" name="Espace réservé du numéro de diapositive 3">
+            <a:extLst>
+              <a:ext uri="{FF2B5EF4-FFF2-40B4-BE49-F238E27FC236}">
+                <a16:creationId xmlns:a16="http://schemas.microsoft.com/office/drawing/2014/main" id="{12F96116-575B-4BBC-9573-48DE09C821B3}"/>
+              </a:ext>
+            </a:extLst>
+          </p:cNvPr>
+          <p:cNvSpPr>
+            <a:spLocks noGrp="1"/>
+          </p:cNvSpPr>
+          <p:nvPr>
+            <p:ph type="sldNum" sz="quarter" idx="12"/>
+          </p:nvPr>
+        </p:nvSpPr>
+        <p:spPr/>
+        <p:txBody>
+          <a:bodyPr/>
+          <a:lstStyle/>
+          <a:p>
+            <a:fld id="{19485C6F-9B8D-4FB9-A42B-A9ABFED612B1}" type="slidenum">
+              <a:rPr lang="en-US" smtClean="0"/>
+              <a:pPr/>
+              <a:t>16</a:t>
+            </a:fld>
+            <a:endParaRPr lang="en-US" dirty="0"/>
+          </a:p>
+        </p:txBody>
+      </p:sp>
+      <p:sp>
+        <p:nvSpPr>
+          <p:cNvPr id="5" name="Espace réservé du pied de page 4">
+            <a:extLst>
+              <a:ext uri="{FF2B5EF4-FFF2-40B4-BE49-F238E27FC236}">
+                <a16:creationId xmlns:a16="http://schemas.microsoft.com/office/drawing/2014/main" id="{86EAEA05-3EAB-414E-95EB-8870885E8473}"/>
+              </a:ext>
+            </a:extLst>
+          </p:cNvPr>
+          <p:cNvSpPr>
+            <a:spLocks noGrp="1"/>
+          </p:cNvSpPr>
+          <p:nvPr>
+            <p:ph type="ftr" sz="quarter" idx="3"/>
+          </p:nvPr>
+        </p:nvSpPr>
+        <p:spPr/>
+        <p:txBody>
+          <a:bodyPr/>
+          <a:lstStyle/>
+          <a:p>
+            <a:r>
+              <a:rPr lang="en-US"/>
+              <a:t>alberto.tonda@inrae.fr</a:t>
+            </a:r>
+            <a:endParaRPr lang="en-US" dirty="0"/>
+          </a:p>
+        </p:txBody>
+      </p:sp>
+    </p:spTree>
+    <p:extLst>
+      <p:ext uri="{BB962C8B-B14F-4D97-AF65-F5344CB8AC3E}">
+        <p14:creationId xmlns:p14="http://schemas.microsoft.com/office/powerpoint/2010/main" val="187935611"/>
+      </p:ext>
+    </p:extLst>
+  </p:cSld>
+  <p:clrMapOvr>
+    <a:masterClrMapping/>
+  </p:clrMapOvr>
+</p:sld>
+</file>
+
+<file path=ppt/slides/slide17.xml><?xml version="1.0" encoding="utf-8"?>
+<p:sld xmlns:a="http://schemas.openxmlformats.org/drawingml/2006/main" xmlns:r="http://schemas.openxmlformats.org/officeDocument/2006/relationships" xmlns:p="http://schemas.openxmlformats.org/presentationml/2006/main">
+  <p:cSld>
+    <p:spTree>
+      <p:nvGrpSpPr>
+        <p:cNvPr id="1" name=""/>
+        <p:cNvGrpSpPr/>
+        <p:nvPr/>
+      </p:nvGrpSpPr>
+      <p:grpSpPr>
+        <a:xfrm>
+          <a:off x="0" y="0"/>
+          <a:ext cx="0" cy="0"/>
+          <a:chOff x="0" y="0"/>
+          <a:chExt cx="0" cy="0"/>
+        </a:xfrm>
+      </p:grpSpPr>
+      <p:sp>
+        <p:nvSpPr>
+          <p:cNvPr id="2" name="Titre 1">
+            <a:extLst>
+              <a:ext uri="{FF2B5EF4-FFF2-40B4-BE49-F238E27FC236}">
+                <a16:creationId xmlns:a16="http://schemas.microsoft.com/office/drawing/2014/main" id="{6E42CA09-64CE-4FF0-A4E9-1A8FD7565AA5}"/>
+              </a:ext>
+            </a:extLst>
+          </p:cNvPr>
+          <p:cNvSpPr>
+            <a:spLocks noGrp="1"/>
+          </p:cNvSpPr>
+          <p:nvPr>
+            <p:ph type="title"/>
+          </p:nvPr>
+        </p:nvSpPr>
+        <p:spPr/>
+        <p:txBody>
+          <a:bodyPr/>
+          <a:lstStyle/>
+          <a:p>
+            <a:endParaRPr lang="en-US"/>
+          </a:p>
+        </p:txBody>
+      </p:sp>
+      <p:sp>
+        <p:nvSpPr>
+          <p:cNvPr id="3" name="Espace réservé du contenu 2">
+            <a:extLst>
+              <a:ext uri="{FF2B5EF4-FFF2-40B4-BE49-F238E27FC236}">
+                <a16:creationId xmlns:a16="http://schemas.microsoft.com/office/drawing/2014/main" id="{A7B88AE9-578A-47C0-AF9F-2F80262FC84D}"/>
+              </a:ext>
+            </a:extLst>
+          </p:cNvPr>
+          <p:cNvSpPr>
+            <a:spLocks noGrp="1"/>
+          </p:cNvSpPr>
+          <p:nvPr>
+            <p:ph idx="1"/>
+          </p:nvPr>
+        </p:nvSpPr>
+        <p:spPr/>
+        <p:txBody>
+          <a:bodyPr/>
+          <a:lstStyle/>
+          <a:p>
+            <a:endParaRPr lang="en-US"/>
+          </a:p>
+        </p:txBody>
+      </p:sp>
+      <p:sp>
+        <p:nvSpPr>
+          <p:cNvPr id="4" name="Espace réservé du numéro de diapositive 3">
+            <a:extLst>
+              <a:ext uri="{FF2B5EF4-FFF2-40B4-BE49-F238E27FC236}">
+                <a16:creationId xmlns:a16="http://schemas.microsoft.com/office/drawing/2014/main" id="{FCD88183-8AD3-4A8B-99A3-51A0D1C004ED}"/>
+              </a:ext>
+            </a:extLst>
+          </p:cNvPr>
+          <p:cNvSpPr>
+            <a:spLocks noGrp="1"/>
+          </p:cNvSpPr>
+          <p:nvPr>
+            <p:ph type="sldNum" sz="quarter" idx="12"/>
+          </p:nvPr>
+        </p:nvSpPr>
+        <p:spPr/>
+        <p:txBody>
+          <a:bodyPr/>
+          <a:lstStyle/>
+          <a:p>
+            <a:fld id="{19485C6F-9B8D-4FB9-A42B-A9ABFED612B1}" type="slidenum">
+              <a:rPr lang="en-US" smtClean="0"/>
+              <a:pPr/>
+              <a:t>17</a:t>
             </a:fld>
             <a:endParaRPr lang="en-US" dirty="0"/>
           </a:p>
@@ -3943,6 +8469,1991 @@
 </p:sld>
 </file>
 
+<file path=ppt/slides/slide18.xml><?xml version="1.0" encoding="utf-8"?>
+<p:sld xmlns:a="http://schemas.openxmlformats.org/drawingml/2006/main" xmlns:r="http://schemas.openxmlformats.org/officeDocument/2006/relationships" xmlns:p="http://schemas.openxmlformats.org/presentationml/2006/main">
+  <p:cSld>
+    <p:spTree>
+      <p:nvGrpSpPr>
+        <p:cNvPr id="1" name=""/>
+        <p:cNvGrpSpPr/>
+        <p:nvPr/>
+      </p:nvGrpSpPr>
+      <p:grpSpPr>
+        <a:xfrm>
+          <a:off x="0" y="0"/>
+          <a:ext cx="0" cy="0"/>
+          <a:chOff x="0" y="0"/>
+          <a:chExt cx="0" cy="0"/>
+        </a:xfrm>
+      </p:grpSpPr>
+      <p:sp>
+        <p:nvSpPr>
+          <p:cNvPr id="2" name="Titre 1">
+            <a:extLst>
+              <a:ext uri="{FF2B5EF4-FFF2-40B4-BE49-F238E27FC236}">
+                <a16:creationId xmlns:a16="http://schemas.microsoft.com/office/drawing/2014/main" id="{FE44DA2E-3F20-4DD7-B25F-9A4973082FBD}"/>
+              </a:ext>
+            </a:extLst>
+          </p:cNvPr>
+          <p:cNvSpPr>
+            <a:spLocks noGrp="1"/>
+          </p:cNvSpPr>
+          <p:nvPr>
+            <p:ph type="title"/>
+          </p:nvPr>
+        </p:nvSpPr>
+        <p:spPr/>
+        <p:txBody>
+          <a:bodyPr/>
+          <a:lstStyle/>
+          <a:p>
+            <a:r>
+              <a:rPr lang="en-US" dirty="0"/>
+              <a:t>Make your code understandable</a:t>
+            </a:r>
+          </a:p>
+        </p:txBody>
+      </p:sp>
+      <p:sp>
+        <p:nvSpPr>
+          <p:cNvPr id="3" name="Espace réservé du contenu 2">
+            <a:extLst>
+              <a:ext uri="{FF2B5EF4-FFF2-40B4-BE49-F238E27FC236}">
+                <a16:creationId xmlns:a16="http://schemas.microsoft.com/office/drawing/2014/main" id="{D0C09E2C-3AB9-4F31-B83D-CB4BF17432E1}"/>
+              </a:ext>
+            </a:extLst>
+          </p:cNvPr>
+          <p:cNvSpPr>
+            <a:spLocks noGrp="1"/>
+          </p:cNvSpPr>
+          <p:nvPr>
+            <p:ph idx="1"/>
+          </p:nvPr>
+        </p:nvSpPr>
+        <p:spPr/>
+        <p:txBody>
+          <a:bodyPr/>
+          <a:lstStyle/>
+          <a:p>
+            <a:r>
+              <a:rPr lang="en-US" dirty="0"/>
+              <a:t>Put A LOT OF COMMENTS EVERYWHERE</a:t>
+            </a:r>
+          </a:p>
+          <a:p>
+            <a:pPr lvl="1"/>
+            <a:r>
+              <a:rPr lang="en-US" dirty="0"/>
+              <a:t>“Code is there to explain comments to the computer”</a:t>
+            </a:r>
+          </a:p>
+          <a:p>
+            <a:pPr lvl="1"/>
+            <a:r>
+              <a:rPr lang="en-US" dirty="0"/>
+              <a:t>Your future self will thank you!</a:t>
+            </a:r>
+          </a:p>
+          <a:p>
+            <a:endParaRPr lang="en-US" dirty="0"/>
+          </a:p>
+          <a:p>
+            <a:r>
+              <a:rPr lang="en-US" dirty="0"/>
+              <a:t>Naming conventions</a:t>
+            </a:r>
+          </a:p>
+          <a:p>
+            <a:pPr lvl="1"/>
+            <a:r>
+              <a:rPr lang="en-US" dirty="0" err="1">
+                <a:latin typeface="Cascadia Code SemiBold" panose="020B0609020000020004" pitchFamily="49" charset="0"/>
+                <a:cs typeface="Cascadia Code SemiBold" panose="020B0609020000020004" pitchFamily="49" charset="0"/>
+              </a:rPr>
+              <a:t>more_readable_with_underscores</a:t>
+            </a:r>
+            <a:r>
+              <a:rPr lang="en-US" dirty="0"/>
+              <a:t> than </a:t>
+            </a:r>
+            <a:r>
+              <a:rPr lang="en-US" dirty="0">
+                <a:latin typeface="Cascadia Code SemiBold" panose="020B0609020000020004" pitchFamily="49" charset="0"/>
+                <a:cs typeface="Cascadia Code SemiBold" panose="020B0609020000020004" pitchFamily="49" charset="0"/>
+              </a:rPr>
+              <a:t>CamelCase</a:t>
+            </a:r>
+          </a:p>
+          <a:p>
+            <a:pPr lvl="1"/>
+            <a:r>
+              <a:rPr lang="en-US" dirty="0" err="1">
+                <a:latin typeface="Cascadia Code SemiBold" panose="020B0609020000020004" pitchFamily="49" charset="0"/>
+                <a:cs typeface="Cascadia Code SemiBold" panose="020B0609020000020004" pitchFamily="49" charset="0"/>
+              </a:rPr>
+              <a:t>everything_lowercase</a:t>
+            </a:r>
+            <a:r>
+              <a:rPr lang="en-US" dirty="0"/>
+              <a:t>, </a:t>
+            </a:r>
+            <a:r>
+              <a:rPr lang="en-US" dirty="0" err="1">
+                <a:latin typeface="Cascadia Code SemiBold" panose="020B0609020000020004" pitchFamily="49" charset="0"/>
+                <a:cs typeface="Cascadia Code SemiBold" panose="020B0609020000020004" pitchFamily="49" charset="0"/>
+              </a:rPr>
+              <a:t>ClassNames</a:t>
+            </a:r>
+            <a:r>
+              <a:rPr lang="en-US" dirty="0"/>
+              <a:t> are uppercase/camel</a:t>
+            </a:r>
+          </a:p>
+          <a:p>
+            <a:endParaRPr lang="en-US" dirty="0"/>
+          </a:p>
+        </p:txBody>
+      </p:sp>
+      <p:sp>
+        <p:nvSpPr>
+          <p:cNvPr id="4" name="Espace réservé du numéro de diapositive 3">
+            <a:extLst>
+              <a:ext uri="{FF2B5EF4-FFF2-40B4-BE49-F238E27FC236}">
+                <a16:creationId xmlns:a16="http://schemas.microsoft.com/office/drawing/2014/main" id="{9A1F6E90-EBA5-4AE1-B515-6F857F753AEE}"/>
+              </a:ext>
+            </a:extLst>
+          </p:cNvPr>
+          <p:cNvSpPr>
+            <a:spLocks noGrp="1"/>
+          </p:cNvSpPr>
+          <p:nvPr>
+            <p:ph type="sldNum" sz="quarter" idx="12"/>
+          </p:nvPr>
+        </p:nvSpPr>
+        <p:spPr/>
+        <p:txBody>
+          <a:bodyPr/>
+          <a:lstStyle/>
+          <a:p>
+            <a:fld id="{19485C6F-9B8D-4FB9-A42B-A9ABFED612B1}" type="slidenum">
+              <a:rPr lang="en-US" smtClean="0"/>
+              <a:pPr/>
+              <a:t>18</a:t>
+            </a:fld>
+            <a:endParaRPr lang="en-US" dirty="0"/>
+          </a:p>
+        </p:txBody>
+      </p:sp>
+      <p:sp>
+        <p:nvSpPr>
+          <p:cNvPr id="5" name="Espace réservé du pied de page 4">
+            <a:extLst>
+              <a:ext uri="{FF2B5EF4-FFF2-40B4-BE49-F238E27FC236}">
+                <a16:creationId xmlns:a16="http://schemas.microsoft.com/office/drawing/2014/main" id="{0406F3F7-21D8-463E-87B6-4CD5EA48DDC4}"/>
+              </a:ext>
+            </a:extLst>
+          </p:cNvPr>
+          <p:cNvSpPr>
+            <a:spLocks noGrp="1"/>
+          </p:cNvSpPr>
+          <p:nvPr>
+            <p:ph type="ftr" sz="quarter" idx="3"/>
+          </p:nvPr>
+        </p:nvSpPr>
+        <p:spPr/>
+        <p:txBody>
+          <a:bodyPr/>
+          <a:lstStyle/>
+          <a:p>
+            <a:r>
+              <a:rPr lang="en-US"/>
+              <a:t>alberto.tonda@inrae.fr</a:t>
+            </a:r>
+            <a:endParaRPr lang="en-US" dirty="0"/>
+          </a:p>
+        </p:txBody>
+      </p:sp>
+    </p:spTree>
+    <p:extLst>
+      <p:ext uri="{BB962C8B-B14F-4D97-AF65-F5344CB8AC3E}">
+        <p14:creationId xmlns:p14="http://schemas.microsoft.com/office/powerpoint/2010/main" val="774020039"/>
+      </p:ext>
+    </p:extLst>
+  </p:cSld>
+  <p:clrMapOvr>
+    <a:masterClrMapping/>
+  </p:clrMapOvr>
+</p:sld>
+</file>
+
+<file path=ppt/slides/slide19.xml><?xml version="1.0" encoding="utf-8"?>
+<p:sld xmlns:a="http://schemas.openxmlformats.org/drawingml/2006/main" xmlns:r="http://schemas.openxmlformats.org/officeDocument/2006/relationships" xmlns:p="http://schemas.openxmlformats.org/presentationml/2006/main">
+  <p:cSld>
+    <p:spTree>
+      <p:nvGrpSpPr>
+        <p:cNvPr id="1" name=""/>
+        <p:cNvGrpSpPr/>
+        <p:nvPr/>
+      </p:nvGrpSpPr>
+      <p:grpSpPr>
+        <a:xfrm>
+          <a:off x="0" y="0"/>
+          <a:ext cx="0" cy="0"/>
+          <a:chOff x="0" y="0"/>
+          <a:chExt cx="0" cy="0"/>
+        </a:xfrm>
+      </p:grpSpPr>
+      <p:sp>
+        <p:nvSpPr>
+          <p:cNvPr id="2" name="Titre 1">
+            <a:extLst>
+              <a:ext uri="{FF2B5EF4-FFF2-40B4-BE49-F238E27FC236}">
+                <a16:creationId xmlns:a16="http://schemas.microsoft.com/office/drawing/2014/main" id="{2A44B181-87B1-442D-AF3F-64ADCC162677}"/>
+              </a:ext>
+            </a:extLst>
+          </p:cNvPr>
+          <p:cNvSpPr>
+            <a:spLocks noGrp="1"/>
+          </p:cNvSpPr>
+          <p:nvPr>
+            <p:ph type="title"/>
+          </p:nvPr>
+        </p:nvSpPr>
+        <p:spPr/>
+        <p:txBody>
+          <a:bodyPr/>
+          <a:lstStyle/>
+          <a:p>
+            <a:r>
+              <a:rPr lang="en-US" dirty="0"/>
+              <a:t>Make your code understandable</a:t>
+            </a:r>
+          </a:p>
+        </p:txBody>
+      </p:sp>
+      <p:sp>
+        <p:nvSpPr>
+          <p:cNvPr id="3" name="Espace réservé du contenu 2">
+            <a:extLst>
+              <a:ext uri="{FF2B5EF4-FFF2-40B4-BE49-F238E27FC236}">
+                <a16:creationId xmlns:a16="http://schemas.microsoft.com/office/drawing/2014/main" id="{A0DE32AD-2E9F-4FD3-9814-BE6DACB1F763}"/>
+              </a:ext>
+            </a:extLst>
+          </p:cNvPr>
+          <p:cNvSpPr>
+            <a:spLocks noGrp="1"/>
+          </p:cNvSpPr>
+          <p:nvPr>
+            <p:ph idx="1"/>
+          </p:nvPr>
+        </p:nvSpPr>
+        <p:spPr/>
+        <p:txBody>
+          <a:bodyPr>
+            <a:normAutofit/>
+          </a:bodyPr>
+          <a:lstStyle/>
+          <a:p>
+            <a:r>
+              <a:rPr lang="en-US" dirty="0"/>
+              <a:t>Coders used to use short names for variables (memory!)</a:t>
+            </a:r>
+          </a:p>
+          <a:p>
+            <a:endParaRPr lang="en-US" dirty="0"/>
+          </a:p>
+          <a:p>
+            <a:r>
+              <a:rPr lang="en-US" dirty="0"/>
+              <a:t>Variable naming</a:t>
+            </a:r>
+          </a:p>
+          <a:p>
+            <a:pPr lvl="1"/>
+            <a:r>
+              <a:rPr lang="en-US" dirty="0"/>
+              <a:t>Use long names, who cares?</a:t>
+            </a:r>
+          </a:p>
+          <a:p>
+            <a:pPr lvl="1"/>
+            <a:r>
+              <a:rPr lang="en-US" dirty="0"/>
+              <a:t>Names of variables should be just nouns</a:t>
+            </a:r>
+          </a:p>
+          <a:p>
+            <a:endParaRPr lang="en-US" dirty="0"/>
+          </a:p>
+          <a:p>
+            <a:r>
+              <a:rPr lang="en-US" dirty="0"/>
+              <a:t>Function naming</a:t>
+            </a:r>
+          </a:p>
+          <a:p>
+            <a:pPr lvl="1"/>
+            <a:r>
+              <a:rPr lang="en-US" dirty="0"/>
+              <a:t>Function names should be verbs (they do something)</a:t>
+            </a:r>
+          </a:p>
+          <a:p>
+            <a:pPr lvl="1"/>
+            <a:r>
+              <a:rPr lang="en-US" dirty="0"/>
+              <a:t>Again, you can and should use long names</a:t>
+            </a:r>
+          </a:p>
+          <a:p>
+            <a:endParaRPr lang="en-US" dirty="0"/>
+          </a:p>
+        </p:txBody>
+      </p:sp>
+      <p:sp>
+        <p:nvSpPr>
+          <p:cNvPr id="4" name="Espace réservé du numéro de diapositive 3">
+            <a:extLst>
+              <a:ext uri="{FF2B5EF4-FFF2-40B4-BE49-F238E27FC236}">
+                <a16:creationId xmlns:a16="http://schemas.microsoft.com/office/drawing/2014/main" id="{6B6187C8-7521-4348-8DC1-F648597249EA}"/>
+              </a:ext>
+            </a:extLst>
+          </p:cNvPr>
+          <p:cNvSpPr>
+            <a:spLocks noGrp="1"/>
+          </p:cNvSpPr>
+          <p:nvPr>
+            <p:ph type="sldNum" sz="quarter" idx="12"/>
+          </p:nvPr>
+        </p:nvSpPr>
+        <p:spPr/>
+        <p:txBody>
+          <a:bodyPr/>
+          <a:lstStyle/>
+          <a:p>
+            <a:fld id="{19485C6F-9B8D-4FB9-A42B-A9ABFED612B1}" type="slidenum">
+              <a:rPr lang="en-US" smtClean="0"/>
+              <a:pPr/>
+              <a:t>19</a:t>
+            </a:fld>
+            <a:endParaRPr lang="en-US" dirty="0"/>
+          </a:p>
+        </p:txBody>
+      </p:sp>
+      <p:sp>
+        <p:nvSpPr>
+          <p:cNvPr id="5" name="Espace réservé du pied de page 4">
+            <a:extLst>
+              <a:ext uri="{FF2B5EF4-FFF2-40B4-BE49-F238E27FC236}">
+                <a16:creationId xmlns:a16="http://schemas.microsoft.com/office/drawing/2014/main" id="{6D2C8BC7-1DAF-4FF5-B565-5E671FA7BAF9}"/>
+              </a:ext>
+            </a:extLst>
+          </p:cNvPr>
+          <p:cNvSpPr>
+            <a:spLocks noGrp="1"/>
+          </p:cNvSpPr>
+          <p:nvPr>
+            <p:ph type="ftr" sz="quarter" idx="3"/>
+          </p:nvPr>
+        </p:nvSpPr>
+        <p:spPr/>
+        <p:txBody>
+          <a:bodyPr/>
+          <a:lstStyle/>
+          <a:p>
+            <a:r>
+              <a:rPr lang="en-US"/>
+              <a:t>alberto.tonda@inrae.fr</a:t>
+            </a:r>
+            <a:endParaRPr lang="en-US" dirty="0"/>
+          </a:p>
+        </p:txBody>
+      </p:sp>
+      <p:pic>
+        <p:nvPicPr>
+          <p:cNvPr id="7" name="Image 6">
+            <a:extLst>
+              <a:ext uri="{FF2B5EF4-FFF2-40B4-BE49-F238E27FC236}">
+                <a16:creationId xmlns:a16="http://schemas.microsoft.com/office/drawing/2014/main" id="{188E1370-0C48-4742-A577-FD70CA468A78}"/>
+              </a:ext>
+            </a:extLst>
+          </p:cNvPr>
+          <p:cNvPicPr>
+            <a:picLocks noChangeAspect="1"/>
+          </p:cNvPicPr>
+          <p:nvPr/>
+        </p:nvPicPr>
+        <p:blipFill rotWithShape="1">
+          <a:blip r:embed="rId3"/>
+          <a:srcRect t="7033"/>
+          <a:stretch/>
+        </p:blipFill>
+        <p:spPr>
+          <a:xfrm>
+            <a:off x="4134648" y="2532927"/>
+            <a:ext cx="6868484" cy="504812"/>
+          </a:xfrm>
+          <a:prstGeom prst="rect">
+            <a:avLst/>
+          </a:prstGeom>
+        </p:spPr>
+      </p:pic>
+      <p:pic>
+        <p:nvPicPr>
+          <p:cNvPr id="9" name="Image 8">
+            <a:extLst>
+              <a:ext uri="{FF2B5EF4-FFF2-40B4-BE49-F238E27FC236}">
+                <a16:creationId xmlns:a16="http://schemas.microsoft.com/office/drawing/2014/main" id="{3F5B276F-2EB7-454B-A0B1-521597245158}"/>
+              </a:ext>
+            </a:extLst>
+          </p:cNvPr>
+          <p:cNvPicPr>
+            <a:picLocks noChangeAspect="1"/>
+          </p:cNvPicPr>
+          <p:nvPr/>
+        </p:nvPicPr>
+        <p:blipFill>
+          <a:blip r:embed="rId4"/>
+          <a:stretch>
+            <a:fillRect/>
+          </a:stretch>
+        </p:blipFill>
+        <p:spPr>
+          <a:xfrm>
+            <a:off x="4303046" y="4145324"/>
+            <a:ext cx="7563906" cy="924054"/>
+          </a:xfrm>
+          <a:prstGeom prst="rect">
+            <a:avLst/>
+          </a:prstGeom>
+        </p:spPr>
+      </p:pic>
+    </p:spTree>
+    <p:extLst>
+      <p:ext uri="{BB962C8B-B14F-4D97-AF65-F5344CB8AC3E}">
+        <p14:creationId xmlns:p14="http://schemas.microsoft.com/office/powerpoint/2010/main" val="2369343279"/>
+      </p:ext>
+    </p:extLst>
+  </p:cSld>
+  <p:clrMapOvr>
+    <a:masterClrMapping/>
+  </p:clrMapOvr>
+</p:sld>
+</file>
+
+<file path=ppt/slides/slide2.xml><?xml version="1.0" encoding="utf-8"?>
+<p:sld xmlns:a="http://schemas.openxmlformats.org/drawingml/2006/main" xmlns:r="http://schemas.openxmlformats.org/officeDocument/2006/relationships" xmlns:p="http://schemas.openxmlformats.org/presentationml/2006/main">
+  <p:cSld>
+    <p:spTree>
+      <p:nvGrpSpPr>
+        <p:cNvPr id="1" name=""/>
+        <p:cNvGrpSpPr/>
+        <p:nvPr/>
+      </p:nvGrpSpPr>
+      <p:grpSpPr>
+        <a:xfrm>
+          <a:off x="0" y="0"/>
+          <a:ext cx="0" cy="0"/>
+          <a:chOff x="0" y="0"/>
+          <a:chExt cx="0" cy="0"/>
+        </a:xfrm>
+      </p:grpSpPr>
+      <p:sp>
+        <p:nvSpPr>
+          <p:cNvPr id="2" name="Titre 1">
+            <a:extLst>
+              <a:ext uri="{FF2B5EF4-FFF2-40B4-BE49-F238E27FC236}">
+                <a16:creationId xmlns:a16="http://schemas.microsoft.com/office/drawing/2014/main" id="{06EE9B5F-431E-4E93-8BEE-6FCA1A206038}"/>
+              </a:ext>
+            </a:extLst>
+          </p:cNvPr>
+          <p:cNvSpPr>
+            <a:spLocks noGrp="1"/>
+          </p:cNvSpPr>
+          <p:nvPr>
+            <p:ph type="title"/>
+          </p:nvPr>
+        </p:nvSpPr>
+        <p:spPr/>
+        <p:txBody>
+          <a:bodyPr/>
+          <a:lstStyle/>
+          <a:p>
+            <a:r>
+              <a:rPr lang="en-US" dirty="0"/>
+              <a:t>Another example of title for a slide</a:t>
+            </a:r>
+          </a:p>
+        </p:txBody>
+      </p:sp>
+      <p:sp>
+        <p:nvSpPr>
+          <p:cNvPr id="3" name="Espace réservé du contenu 2">
+            <a:extLst>
+              <a:ext uri="{FF2B5EF4-FFF2-40B4-BE49-F238E27FC236}">
+                <a16:creationId xmlns:a16="http://schemas.microsoft.com/office/drawing/2014/main" id="{114D34B0-1657-4C3B-BF82-5779557B2C00}"/>
+              </a:ext>
+            </a:extLst>
+          </p:cNvPr>
+          <p:cNvSpPr>
+            <a:spLocks noGrp="1"/>
+          </p:cNvSpPr>
+          <p:nvPr>
+            <p:ph idx="1"/>
+          </p:nvPr>
+        </p:nvSpPr>
+        <p:spPr/>
+        <p:txBody>
+          <a:bodyPr/>
+          <a:lstStyle/>
+          <a:p>
+            <a:r>
+              <a:rPr lang="en-US" dirty="0"/>
+              <a:t>This is some text</a:t>
+            </a:r>
+          </a:p>
+          <a:p>
+            <a:pPr lvl="1"/>
+            <a:r>
+              <a:rPr lang="en-US" dirty="0"/>
+              <a:t>And some smaller text</a:t>
+            </a:r>
+          </a:p>
+        </p:txBody>
+      </p:sp>
+      <p:sp>
+        <p:nvSpPr>
+          <p:cNvPr id="4" name="Espace réservé du numéro de diapositive 3">
+            <a:extLst>
+              <a:ext uri="{FF2B5EF4-FFF2-40B4-BE49-F238E27FC236}">
+                <a16:creationId xmlns:a16="http://schemas.microsoft.com/office/drawing/2014/main" id="{58FB3158-76D3-4740-9104-AA0F0CCBA2DB}"/>
+              </a:ext>
+            </a:extLst>
+          </p:cNvPr>
+          <p:cNvSpPr>
+            <a:spLocks noGrp="1"/>
+          </p:cNvSpPr>
+          <p:nvPr>
+            <p:ph type="sldNum" sz="quarter" idx="12"/>
+          </p:nvPr>
+        </p:nvSpPr>
+        <p:spPr/>
+        <p:txBody>
+          <a:bodyPr/>
+          <a:lstStyle/>
+          <a:p>
+            <a:fld id="{19485C6F-9B8D-4FB9-A42B-A9ABFED612B1}" type="slidenum">
+              <a:rPr lang="en-US" smtClean="0"/>
+              <a:pPr/>
+              <a:t>2</a:t>
+            </a:fld>
+            <a:endParaRPr lang="en-US" dirty="0"/>
+          </a:p>
+        </p:txBody>
+      </p:sp>
+      <p:sp>
+        <p:nvSpPr>
+          <p:cNvPr id="5" name="Espace réservé du pied de page 4">
+            <a:extLst>
+              <a:ext uri="{FF2B5EF4-FFF2-40B4-BE49-F238E27FC236}">
+                <a16:creationId xmlns:a16="http://schemas.microsoft.com/office/drawing/2014/main" id="{1F20EC01-BAEE-4961-BDB9-1ACD4B20A14B}"/>
+              </a:ext>
+            </a:extLst>
+          </p:cNvPr>
+          <p:cNvSpPr>
+            <a:spLocks noGrp="1"/>
+          </p:cNvSpPr>
+          <p:nvPr>
+            <p:ph type="ftr" sz="quarter" idx="3"/>
+          </p:nvPr>
+        </p:nvSpPr>
+        <p:spPr/>
+        <p:txBody>
+          <a:bodyPr/>
+          <a:lstStyle/>
+          <a:p>
+            <a:r>
+              <a:rPr lang="en-US"/>
+              <a:t>alberto.tonda@inrae.fr</a:t>
+            </a:r>
+            <a:endParaRPr lang="en-US" dirty="0"/>
+          </a:p>
+        </p:txBody>
+      </p:sp>
+    </p:spTree>
+    <p:extLst>
+      <p:ext uri="{BB962C8B-B14F-4D97-AF65-F5344CB8AC3E}">
+        <p14:creationId xmlns:p14="http://schemas.microsoft.com/office/powerpoint/2010/main" val="2056123029"/>
+      </p:ext>
+    </p:extLst>
+  </p:cSld>
+  <p:clrMapOvr>
+    <a:masterClrMapping/>
+  </p:clrMapOvr>
+</p:sld>
+</file>
+
+<file path=ppt/slides/slide20.xml><?xml version="1.0" encoding="utf-8"?>
+<p:sld xmlns:a="http://schemas.openxmlformats.org/drawingml/2006/main" xmlns:r="http://schemas.openxmlformats.org/officeDocument/2006/relationships" xmlns:p="http://schemas.openxmlformats.org/presentationml/2006/main">
+  <p:cSld>
+    <p:spTree>
+      <p:nvGrpSpPr>
+        <p:cNvPr id="1" name=""/>
+        <p:cNvGrpSpPr/>
+        <p:nvPr/>
+      </p:nvGrpSpPr>
+      <p:grpSpPr>
+        <a:xfrm>
+          <a:off x="0" y="0"/>
+          <a:ext cx="0" cy="0"/>
+          <a:chOff x="0" y="0"/>
+          <a:chExt cx="0" cy="0"/>
+        </a:xfrm>
+      </p:grpSpPr>
+      <p:sp>
+        <p:nvSpPr>
+          <p:cNvPr id="2" name="Titre 1">
+            <a:extLst>
+              <a:ext uri="{FF2B5EF4-FFF2-40B4-BE49-F238E27FC236}">
+                <a16:creationId xmlns:a16="http://schemas.microsoft.com/office/drawing/2014/main" id="{11AA7657-B445-4588-B44B-05E7C5D89804}"/>
+              </a:ext>
+            </a:extLst>
+          </p:cNvPr>
+          <p:cNvSpPr>
+            <a:spLocks noGrp="1"/>
+          </p:cNvSpPr>
+          <p:nvPr>
+            <p:ph type="title"/>
+          </p:nvPr>
+        </p:nvSpPr>
+        <p:spPr/>
+        <p:txBody>
+          <a:bodyPr/>
+          <a:lstStyle/>
+          <a:p>
+            <a:r>
+              <a:rPr lang="en-US" dirty="0"/>
+              <a:t>Make your code understandable</a:t>
+            </a:r>
+          </a:p>
+        </p:txBody>
+      </p:sp>
+      <p:sp>
+        <p:nvSpPr>
+          <p:cNvPr id="3" name="Espace réservé du contenu 2">
+            <a:extLst>
+              <a:ext uri="{FF2B5EF4-FFF2-40B4-BE49-F238E27FC236}">
+                <a16:creationId xmlns:a16="http://schemas.microsoft.com/office/drawing/2014/main" id="{95B83C3D-D63B-4FD1-97B5-240DEF099865}"/>
+              </a:ext>
+            </a:extLst>
+          </p:cNvPr>
+          <p:cNvSpPr>
+            <a:spLocks noGrp="1"/>
+          </p:cNvSpPr>
+          <p:nvPr>
+            <p:ph idx="1"/>
+          </p:nvPr>
+        </p:nvSpPr>
+        <p:spPr/>
+        <p:txBody>
+          <a:bodyPr/>
+          <a:lstStyle/>
+          <a:p>
+            <a:r>
+              <a:rPr lang="en-US" dirty="0"/>
+              <a:t>IDEs can create </a:t>
+            </a:r>
+            <a:r>
+              <a:rPr lang="en-US" u="sng" dirty="0"/>
+              <a:t>special comments</a:t>
+            </a:r>
+            <a:r>
+              <a:rPr lang="en-US" dirty="0"/>
+              <a:t> for functions</a:t>
+            </a:r>
+          </a:p>
+          <a:p>
+            <a:r>
+              <a:rPr lang="en-US" dirty="0"/>
+              <a:t>Can be </a:t>
+            </a:r>
+            <a:r>
+              <a:rPr lang="en-US" b="1" dirty="0"/>
+              <a:t>automatically extracted</a:t>
+            </a:r>
+            <a:r>
+              <a:rPr lang="en-US" dirty="0"/>
+              <a:t> to create </a:t>
+            </a:r>
+            <a:r>
+              <a:rPr lang="en-US" b="1" dirty="0"/>
+              <a:t>documentation</a:t>
+            </a:r>
+          </a:p>
+          <a:p>
+            <a:r>
+              <a:rPr lang="en-US" dirty="0"/>
+              <a:t>More work now, for less work later…?</a:t>
+            </a:r>
+          </a:p>
+        </p:txBody>
+      </p:sp>
+      <p:sp>
+        <p:nvSpPr>
+          <p:cNvPr id="4" name="Espace réservé du numéro de diapositive 3">
+            <a:extLst>
+              <a:ext uri="{FF2B5EF4-FFF2-40B4-BE49-F238E27FC236}">
+                <a16:creationId xmlns:a16="http://schemas.microsoft.com/office/drawing/2014/main" id="{12A6A17C-2079-4CBD-8B29-F928226B3BF4}"/>
+              </a:ext>
+            </a:extLst>
+          </p:cNvPr>
+          <p:cNvSpPr>
+            <a:spLocks noGrp="1"/>
+          </p:cNvSpPr>
+          <p:nvPr>
+            <p:ph type="sldNum" sz="quarter" idx="12"/>
+          </p:nvPr>
+        </p:nvSpPr>
+        <p:spPr/>
+        <p:txBody>
+          <a:bodyPr/>
+          <a:lstStyle/>
+          <a:p>
+            <a:fld id="{19485C6F-9B8D-4FB9-A42B-A9ABFED612B1}" type="slidenum">
+              <a:rPr lang="en-US" smtClean="0"/>
+              <a:pPr/>
+              <a:t>20</a:t>
+            </a:fld>
+            <a:endParaRPr lang="en-US" dirty="0"/>
+          </a:p>
+        </p:txBody>
+      </p:sp>
+      <p:sp>
+        <p:nvSpPr>
+          <p:cNvPr id="5" name="Espace réservé du pied de page 4">
+            <a:extLst>
+              <a:ext uri="{FF2B5EF4-FFF2-40B4-BE49-F238E27FC236}">
+                <a16:creationId xmlns:a16="http://schemas.microsoft.com/office/drawing/2014/main" id="{16ADA927-F741-4682-A2AC-DCCB65518080}"/>
+              </a:ext>
+            </a:extLst>
+          </p:cNvPr>
+          <p:cNvSpPr>
+            <a:spLocks noGrp="1"/>
+          </p:cNvSpPr>
+          <p:nvPr>
+            <p:ph type="ftr" sz="quarter" idx="3"/>
+          </p:nvPr>
+        </p:nvSpPr>
+        <p:spPr/>
+        <p:txBody>
+          <a:bodyPr/>
+          <a:lstStyle/>
+          <a:p>
+            <a:r>
+              <a:rPr lang="en-US"/>
+              <a:t>alberto.tonda@inrae.fr</a:t>
+            </a:r>
+            <a:endParaRPr lang="en-US" dirty="0"/>
+          </a:p>
+        </p:txBody>
+      </p:sp>
+      <p:pic>
+        <p:nvPicPr>
+          <p:cNvPr id="7" name="Image 6">
+            <a:extLst>
+              <a:ext uri="{FF2B5EF4-FFF2-40B4-BE49-F238E27FC236}">
+                <a16:creationId xmlns:a16="http://schemas.microsoft.com/office/drawing/2014/main" id="{8F5BA3E4-B63D-4089-8A40-8B82B3BC6D2C}"/>
+              </a:ext>
+            </a:extLst>
+          </p:cNvPr>
+          <p:cNvPicPr>
+            <a:picLocks noChangeAspect="1"/>
+          </p:cNvPicPr>
+          <p:nvPr/>
+        </p:nvPicPr>
+        <p:blipFill rotWithShape="1">
+          <a:blip r:embed="rId3"/>
+          <a:srcRect l="3943" t="41649" r="69072" b="47492"/>
+          <a:stretch/>
+        </p:blipFill>
+        <p:spPr>
+          <a:xfrm>
+            <a:off x="838200" y="3509357"/>
+            <a:ext cx="5580432" cy="1263191"/>
+          </a:xfrm>
+          <a:prstGeom prst="rect">
+            <a:avLst/>
+          </a:prstGeom>
+        </p:spPr>
+      </p:pic>
+      <p:pic>
+        <p:nvPicPr>
+          <p:cNvPr id="9" name="Image 8">
+            <a:extLst>
+              <a:ext uri="{FF2B5EF4-FFF2-40B4-BE49-F238E27FC236}">
+                <a16:creationId xmlns:a16="http://schemas.microsoft.com/office/drawing/2014/main" id="{EC79C666-13E2-4631-AE1F-138C9F818858}"/>
+              </a:ext>
+            </a:extLst>
+          </p:cNvPr>
+          <p:cNvPicPr>
+            <a:picLocks noChangeAspect="1"/>
+          </p:cNvPicPr>
+          <p:nvPr/>
+        </p:nvPicPr>
+        <p:blipFill>
+          <a:blip r:embed="rId4"/>
+          <a:stretch>
+            <a:fillRect/>
+          </a:stretch>
+        </p:blipFill>
+        <p:spPr>
+          <a:xfrm>
+            <a:off x="6966408" y="3209487"/>
+            <a:ext cx="4284626" cy="3126122"/>
+          </a:xfrm>
+          <a:prstGeom prst="rect">
+            <a:avLst/>
+          </a:prstGeom>
+        </p:spPr>
+      </p:pic>
+    </p:spTree>
+    <p:extLst>
+      <p:ext uri="{BB962C8B-B14F-4D97-AF65-F5344CB8AC3E}">
+        <p14:creationId xmlns:p14="http://schemas.microsoft.com/office/powerpoint/2010/main" val="2569451145"/>
+      </p:ext>
+    </p:extLst>
+  </p:cSld>
+  <p:clrMapOvr>
+    <a:masterClrMapping/>
+  </p:clrMapOvr>
+</p:sld>
+</file>
+
+<file path=ppt/slides/slide21.xml><?xml version="1.0" encoding="utf-8"?>
+<p:sld xmlns:a="http://schemas.openxmlformats.org/drawingml/2006/main" xmlns:r="http://schemas.openxmlformats.org/officeDocument/2006/relationships" xmlns:p="http://schemas.openxmlformats.org/presentationml/2006/main">
+  <p:cSld>
+    <p:spTree>
+      <p:nvGrpSpPr>
+        <p:cNvPr id="1" name=""/>
+        <p:cNvGrpSpPr/>
+        <p:nvPr/>
+      </p:nvGrpSpPr>
+      <p:grpSpPr>
+        <a:xfrm>
+          <a:off x="0" y="0"/>
+          <a:ext cx="0" cy="0"/>
+          <a:chOff x="0" y="0"/>
+          <a:chExt cx="0" cy="0"/>
+        </a:xfrm>
+      </p:grpSpPr>
+      <p:sp>
+        <p:nvSpPr>
+          <p:cNvPr id="2" name="Titre 1">
+            <a:extLst>
+              <a:ext uri="{FF2B5EF4-FFF2-40B4-BE49-F238E27FC236}">
+                <a16:creationId xmlns:a16="http://schemas.microsoft.com/office/drawing/2014/main" id="{166FB896-6768-4411-AAE8-370C08BD4410}"/>
+              </a:ext>
+            </a:extLst>
+          </p:cNvPr>
+          <p:cNvSpPr>
+            <a:spLocks noGrp="1"/>
+          </p:cNvSpPr>
+          <p:nvPr>
+            <p:ph type="title"/>
+          </p:nvPr>
+        </p:nvSpPr>
+        <p:spPr/>
+        <p:txBody>
+          <a:bodyPr/>
+          <a:lstStyle/>
+          <a:p>
+            <a:r>
+              <a:rPr lang="en-US" dirty="0"/>
+              <a:t>Make your code understandable</a:t>
+            </a:r>
+          </a:p>
+        </p:txBody>
+      </p:sp>
+      <p:sp>
+        <p:nvSpPr>
+          <p:cNvPr id="3" name="Espace réservé du contenu 2">
+            <a:extLst>
+              <a:ext uri="{FF2B5EF4-FFF2-40B4-BE49-F238E27FC236}">
+                <a16:creationId xmlns:a16="http://schemas.microsoft.com/office/drawing/2014/main" id="{34432BF4-DEAE-44FC-9968-AC1FFB6428D2}"/>
+              </a:ext>
+            </a:extLst>
+          </p:cNvPr>
+          <p:cNvSpPr>
+            <a:spLocks noGrp="1"/>
+          </p:cNvSpPr>
+          <p:nvPr>
+            <p:ph idx="1"/>
+          </p:nvPr>
+        </p:nvSpPr>
+        <p:spPr/>
+        <p:txBody>
+          <a:bodyPr/>
+          <a:lstStyle/>
+          <a:p>
+            <a:r>
+              <a:rPr lang="en-US" dirty="0"/>
+              <a:t>Example</a:t>
+            </a:r>
+          </a:p>
+          <a:p>
+            <a:pPr lvl="1"/>
+            <a:r>
+              <a:rPr lang="en-US" dirty="0">
+                <a:hlinkClick r:id="rId2"/>
+              </a:rPr>
+              <a:t>https://github.com/albertotonda/HumanModels</a:t>
+            </a:r>
+            <a:r>
+              <a:rPr lang="en-US" dirty="0"/>
+              <a:t> </a:t>
+            </a:r>
+          </a:p>
+          <a:p>
+            <a:pPr lvl="1"/>
+            <a:r>
+              <a:rPr lang="en-US" dirty="0">
+                <a:hlinkClick r:id="rId3"/>
+              </a:rPr>
+              <a:t>https://humanmodels.readthedocs.io/en/latest/</a:t>
+            </a:r>
+            <a:r>
+              <a:rPr lang="en-US" dirty="0"/>
+              <a:t> </a:t>
+            </a:r>
+          </a:p>
+        </p:txBody>
+      </p:sp>
+      <p:sp>
+        <p:nvSpPr>
+          <p:cNvPr id="4" name="Espace réservé du numéro de diapositive 3">
+            <a:extLst>
+              <a:ext uri="{FF2B5EF4-FFF2-40B4-BE49-F238E27FC236}">
+                <a16:creationId xmlns:a16="http://schemas.microsoft.com/office/drawing/2014/main" id="{D70D2CA5-B149-42DA-8548-3BC44AB6AC52}"/>
+              </a:ext>
+            </a:extLst>
+          </p:cNvPr>
+          <p:cNvSpPr>
+            <a:spLocks noGrp="1"/>
+          </p:cNvSpPr>
+          <p:nvPr>
+            <p:ph type="sldNum" sz="quarter" idx="12"/>
+          </p:nvPr>
+        </p:nvSpPr>
+        <p:spPr/>
+        <p:txBody>
+          <a:bodyPr/>
+          <a:lstStyle/>
+          <a:p>
+            <a:fld id="{19485C6F-9B8D-4FB9-A42B-A9ABFED612B1}" type="slidenum">
+              <a:rPr lang="en-US" smtClean="0"/>
+              <a:pPr/>
+              <a:t>21</a:t>
+            </a:fld>
+            <a:endParaRPr lang="en-US" dirty="0"/>
+          </a:p>
+        </p:txBody>
+      </p:sp>
+      <p:sp>
+        <p:nvSpPr>
+          <p:cNvPr id="5" name="Espace réservé du pied de page 4">
+            <a:extLst>
+              <a:ext uri="{FF2B5EF4-FFF2-40B4-BE49-F238E27FC236}">
+                <a16:creationId xmlns:a16="http://schemas.microsoft.com/office/drawing/2014/main" id="{CA3906E3-CF78-40EA-A9F7-A1A8112E7E47}"/>
+              </a:ext>
+            </a:extLst>
+          </p:cNvPr>
+          <p:cNvSpPr>
+            <a:spLocks noGrp="1"/>
+          </p:cNvSpPr>
+          <p:nvPr>
+            <p:ph type="ftr" sz="quarter" idx="3"/>
+          </p:nvPr>
+        </p:nvSpPr>
+        <p:spPr/>
+        <p:txBody>
+          <a:bodyPr/>
+          <a:lstStyle/>
+          <a:p>
+            <a:r>
+              <a:rPr lang="en-US"/>
+              <a:t>alberto.tonda@inrae.fr</a:t>
+            </a:r>
+            <a:endParaRPr lang="en-US" dirty="0"/>
+          </a:p>
+        </p:txBody>
+      </p:sp>
+    </p:spTree>
+    <p:extLst>
+      <p:ext uri="{BB962C8B-B14F-4D97-AF65-F5344CB8AC3E}">
+        <p14:creationId xmlns:p14="http://schemas.microsoft.com/office/powerpoint/2010/main" val="2845481943"/>
+      </p:ext>
+    </p:extLst>
+  </p:cSld>
+  <p:clrMapOvr>
+    <a:masterClrMapping/>
+  </p:clrMapOvr>
+</p:sld>
+</file>
+
+<file path=ppt/slides/slide22.xml><?xml version="1.0" encoding="utf-8"?>
+<p:sld xmlns:a="http://schemas.openxmlformats.org/drawingml/2006/main" xmlns:r="http://schemas.openxmlformats.org/officeDocument/2006/relationships" xmlns:p="http://schemas.openxmlformats.org/presentationml/2006/main">
+  <p:cSld>
+    <p:spTree>
+      <p:nvGrpSpPr>
+        <p:cNvPr id="1" name=""/>
+        <p:cNvGrpSpPr/>
+        <p:nvPr/>
+      </p:nvGrpSpPr>
+      <p:grpSpPr>
+        <a:xfrm>
+          <a:off x="0" y="0"/>
+          <a:ext cx="0" cy="0"/>
+          <a:chOff x="0" y="0"/>
+          <a:chExt cx="0" cy="0"/>
+        </a:xfrm>
+      </p:grpSpPr>
+      <p:sp>
+        <p:nvSpPr>
+          <p:cNvPr id="2" name="Titre 1">
+            <a:extLst>
+              <a:ext uri="{FF2B5EF4-FFF2-40B4-BE49-F238E27FC236}">
+                <a16:creationId xmlns:a16="http://schemas.microsoft.com/office/drawing/2014/main" id="{20E2D629-0D11-449A-B9C5-5830F115D507}"/>
+              </a:ext>
+            </a:extLst>
+          </p:cNvPr>
+          <p:cNvSpPr>
+            <a:spLocks noGrp="1"/>
+          </p:cNvSpPr>
+          <p:nvPr>
+            <p:ph type="title"/>
+          </p:nvPr>
+        </p:nvSpPr>
+        <p:spPr/>
+        <p:txBody>
+          <a:bodyPr/>
+          <a:lstStyle/>
+          <a:p>
+            <a:r>
+              <a:rPr lang="en-US" dirty="0"/>
+              <a:t>Refactoring</a:t>
+            </a:r>
+          </a:p>
+        </p:txBody>
+      </p:sp>
+      <p:sp>
+        <p:nvSpPr>
+          <p:cNvPr id="3" name="Espace réservé du contenu 2">
+            <a:extLst>
+              <a:ext uri="{FF2B5EF4-FFF2-40B4-BE49-F238E27FC236}">
+                <a16:creationId xmlns:a16="http://schemas.microsoft.com/office/drawing/2014/main" id="{4668F0BE-DECA-4592-A6F6-8CF4190494AD}"/>
+              </a:ext>
+            </a:extLst>
+          </p:cNvPr>
+          <p:cNvSpPr>
+            <a:spLocks noGrp="1"/>
+          </p:cNvSpPr>
+          <p:nvPr>
+            <p:ph idx="1"/>
+          </p:nvPr>
+        </p:nvSpPr>
+        <p:spPr/>
+        <p:txBody>
+          <a:bodyPr/>
+          <a:lstStyle/>
+          <a:p>
+            <a:r>
+              <a:rPr lang="en-US" dirty="0"/>
+              <a:t>Once a first version of your code runs, </a:t>
+            </a:r>
+            <a:r>
+              <a:rPr lang="en-US" b="1" dirty="0"/>
+              <a:t>reorganize it</a:t>
+            </a:r>
+          </a:p>
+          <a:p>
+            <a:pPr lvl="1"/>
+            <a:r>
+              <a:rPr lang="en-US" dirty="0"/>
+              <a:t>Start from an empty repository, and create new files</a:t>
+            </a:r>
+          </a:p>
+          <a:p>
+            <a:pPr lvl="1"/>
+            <a:r>
+              <a:rPr lang="en-US" dirty="0"/>
+              <a:t>Long, boring, and high risk of introducing bugs</a:t>
+            </a:r>
+          </a:p>
+          <a:p>
+            <a:pPr lvl="1"/>
+            <a:r>
+              <a:rPr lang="en-US" dirty="0"/>
+              <a:t>Nobody wants to do it, but it’s extremely useful long-term</a:t>
+            </a:r>
+          </a:p>
+          <a:p>
+            <a:pPr lvl="1"/>
+            <a:r>
+              <a:rPr lang="en-US" dirty="0"/>
+              <a:t>It’s a good moment to structure your own </a:t>
+            </a:r>
+            <a:r>
+              <a:rPr lang="en-US" b="1" dirty="0"/>
+              <a:t>package</a:t>
+            </a:r>
+          </a:p>
+        </p:txBody>
+      </p:sp>
+      <p:sp>
+        <p:nvSpPr>
+          <p:cNvPr id="4" name="Espace réservé du numéro de diapositive 3">
+            <a:extLst>
+              <a:ext uri="{FF2B5EF4-FFF2-40B4-BE49-F238E27FC236}">
+                <a16:creationId xmlns:a16="http://schemas.microsoft.com/office/drawing/2014/main" id="{944F29E9-4A89-46FD-B01D-6E4350D2C753}"/>
+              </a:ext>
+            </a:extLst>
+          </p:cNvPr>
+          <p:cNvSpPr>
+            <a:spLocks noGrp="1"/>
+          </p:cNvSpPr>
+          <p:nvPr>
+            <p:ph type="sldNum" sz="quarter" idx="12"/>
+          </p:nvPr>
+        </p:nvSpPr>
+        <p:spPr/>
+        <p:txBody>
+          <a:bodyPr/>
+          <a:lstStyle/>
+          <a:p>
+            <a:fld id="{19485C6F-9B8D-4FB9-A42B-A9ABFED612B1}" type="slidenum">
+              <a:rPr lang="en-US" smtClean="0"/>
+              <a:pPr/>
+              <a:t>22</a:t>
+            </a:fld>
+            <a:endParaRPr lang="en-US" dirty="0"/>
+          </a:p>
+        </p:txBody>
+      </p:sp>
+      <p:sp>
+        <p:nvSpPr>
+          <p:cNvPr id="5" name="Espace réservé du pied de page 4">
+            <a:extLst>
+              <a:ext uri="{FF2B5EF4-FFF2-40B4-BE49-F238E27FC236}">
+                <a16:creationId xmlns:a16="http://schemas.microsoft.com/office/drawing/2014/main" id="{0C169502-3BF7-4D99-8576-C8E0738FE579}"/>
+              </a:ext>
+            </a:extLst>
+          </p:cNvPr>
+          <p:cNvSpPr>
+            <a:spLocks noGrp="1"/>
+          </p:cNvSpPr>
+          <p:nvPr>
+            <p:ph type="ftr" sz="quarter" idx="3"/>
+          </p:nvPr>
+        </p:nvSpPr>
+        <p:spPr/>
+        <p:txBody>
+          <a:bodyPr/>
+          <a:lstStyle/>
+          <a:p>
+            <a:r>
+              <a:rPr lang="en-US"/>
+              <a:t>alberto.tonda@inrae.fr</a:t>
+            </a:r>
+            <a:endParaRPr lang="en-US" dirty="0"/>
+          </a:p>
+        </p:txBody>
+      </p:sp>
+    </p:spTree>
+    <p:extLst>
+      <p:ext uri="{BB962C8B-B14F-4D97-AF65-F5344CB8AC3E}">
+        <p14:creationId xmlns:p14="http://schemas.microsoft.com/office/powerpoint/2010/main" val="500341118"/>
+      </p:ext>
+    </p:extLst>
+  </p:cSld>
+  <p:clrMapOvr>
+    <a:masterClrMapping/>
+  </p:clrMapOvr>
+</p:sld>
+</file>
+
+<file path=ppt/slides/slide23.xml><?xml version="1.0" encoding="utf-8"?>
+<p:sld xmlns:a="http://schemas.openxmlformats.org/drawingml/2006/main" xmlns:r="http://schemas.openxmlformats.org/officeDocument/2006/relationships" xmlns:p="http://schemas.openxmlformats.org/presentationml/2006/main">
+  <p:cSld>
+    <p:spTree>
+      <p:nvGrpSpPr>
+        <p:cNvPr id="1" name=""/>
+        <p:cNvGrpSpPr/>
+        <p:nvPr/>
+      </p:nvGrpSpPr>
+      <p:grpSpPr>
+        <a:xfrm>
+          <a:off x="0" y="0"/>
+          <a:ext cx="0" cy="0"/>
+          <a:chOff x="0" y="0"/>
+          <a:chExt cx="0" cy="0"/>
+        </a:xfrm>
+      </p:grpSpPr>
+      <p:sp>
+        <p:nvSpPr>
+          <p:cNvPr id="6" name="Titre 5">
+            <a:extLst>
+              <a:ext uri="{FF2B5EF4-FFF2-40B4-BE49-F238E27FC236}">
+                <a16:creationId xmlns:a16="http://schemas.microsoft.com/office/drawing/2014/main" id="{B55EA6DC-158E-44BB-87DF-BC6340555DFE}"/>
+              </a:ext>
+            </a:extLst>
+          </p:cNvPr>
+          <p:cNvSpPr>
+            <a:spLocks noGrp="1"/>
+          </p:cNvSpPr>
+          <p:nvPr>
+            <p:ph type="ctrTitle"/>
+          </p:nvPr>
+        </p:nvSpPr>
+        <p:spPr/>
+        <p:txBody>
+          <a:bodyPr/>
+          <a:lstStyle/>
+          <a:p>
+            <a:endParaRPr lang="en-US"/>
+          </a:p>
+        </p:txBody>
+      </p:sp>
+      <p:sp>
+        <p:nvSpPr>
+          <p:cNvPr id="7" name="Sous-titre 6">
+            <a:extLst>
+              <a:ext uri="{FF2B5EF4-FFF2-40B4-BE49-F238E27FC236}">
+                <a16:creationId xmlns:a16="http://schemas.microsoft.com/office/drawing/2014/main" id="{70BECB58-9207-4986-84C6-178596CAD0C8}"/>
+              </a:ext>
+            </a:extLst>
+          </p:cNvPr>
+          <p:cNvSpPr>
+            <a:spLocks noGrp="1"/>
+          </p:cNvSpPr>
+          <p:nvPr>
+            <p:ph type="subTitle" idx="1"/>
+          </p:nvPr>
+        </p:nvSpPr>
+        <p:spPr/>
+        <p:txBody>
+          <a:bodyPr/>
+          <a:lstStyle/>
+          <a:p>
+            <a:endParaRPr lang="en-US" dirty="0"/>
+          </a:p>
+        </p:txBody>
+      </p:sp>
+      <p:sp>
+        <p:nvSpPr>
+          <p:cNvPr id="4" name="Espace réservé du numéro de diapositive 3">
+            <a:extLst>
+              <a:ext uri="{FF2B5EF4-FFF2-40B4-BE49-F238E27FC236}">
+                <a16:creationId xmlns:a16="http://schemas.microsoft.com/office/drawing/2014/main" id="{C0DB2B34-115A-4184-AAFD-CE52AD708B06}"/>
+              </a:ext>
+            </a:extLst>
+          </p:cNvPr>
+          <p:cNvSpPr>
+            <a:spLocks noGrp="1"/>
+          </p:cNvSpPr>
+          <p:nvPr>
+            <p:ph type="sldNum" sz="quarter" idx="4294967295"/>
+          </p:nvPr>
+        </p:nvSpPr>
+        <p:spPr>
+          <a:xfrm>
+            <a:off x="11256963" y="6361113"/>
+            <a:ext cx="935037" cy="365125"/>
+          </a:xfrm>
+        </p:spPr>
+        <p:txBody>
+          <a:bodyPr/>
+          <a:lstStyle/>
+          <a:p>
+            <a:fld id="{19485C6F-9B8D-4FB9-A42B-A9ABFED612B1}" type="slidenum">
+              <a:rPr lang="en-US" smtClean="0"/>
+              <a:pPr/>
+              <a:t>23</a:t>
+            </a:fld>
+            <a:endParaRPr lang="en-US" dirty="0"/>
+          </a:p>
+        </p:txBody>
+      </p:sp>
+      <p:sp>
+        <p:nvSpPr>
+          <p:cNvPr id="5" name="Espace réservé du pied de page 4">
+            <a:extLst>
+              <a:ext uri="{FF2B5EF4-FFF2-40B4-BE49-F238E27FC236}">
+                <a16:creationId xmlns:a16="http://schemas.microsoft.com/office/drawing/2014/main" id="{1D66F3C6-7761-42A4-A723-938460039B48}"/>
+              </a:ext>
+            </a:extLst>
+          </p:cNvPr>
+          <p:cNvSpPr>
+            <a:spLocks noGrp="1"/>
+          </p:cNvSpPr>
+          <p:nvPr>
+            <p:ph type="ftr" sz="quarter" idx="4294967295"/>
+          </p:nvPr>
+        </p:nvSpPr>
+        <p:spPr>
+          <a:xfrm>
+            <a:off x="8077200" y="6367463"/>
+            <a:ext cx="4114800" cy="365125"/>
+          </a:xfrm>
+        </p:spPr>
+        <p:txBody>
+          <a:bodyPr/>
+          <a:lstStyle/>
+          <a:p>
+            <a:r>
+              <a:rPr lang="en-US"/>
+              <a:t>alberto.tonda@inrae.fr</a:t>
+            </a:r>
+            <a:endParaRPr lang="en-US" dirty="0"/>
+          </a:p>
+        </p:txBody>
+      </p:sp>
+    </p:spTree>
+    <p:extLst>
+      <p:ext uri="{BB962C8B-B14F-4D97-AF65-F5344CB8AC3E}">
+        <p14:creationId xmlns:p14="http://schemas.microsoft.com/office/powerpoint/2010/main" val="1672014444"/>
+      </p:ext>
+    </p:extLst>
+  </p:cSld>
+  <p:clrMapOvr>
+    <a:masterClrMapping/>
+  </p:clrMapOvr>
+</p:sld>
+</file>
+
+<file path=ppt/slides/slide3.xml><?xml version="1.0" encoding="utf-8"?>
+<p:sld xmlns:a="http://schemas.openxmlformats.org/drawingml/2006/main" xmlns:r="http://schemas.openxmlformats.org/officeDocument/2006/relationships" xmlns:p="http://schemas.openxmlformats.org/presentationml/2006/main">
+  <p:cSld>
+    <p:spTree>
+      <p:nvGrpSpPr>
+        <p:cNvPr id="1" name=""/>
+        <p:cNvGrpSpPr/>
+        <p:nvPr/>
+      </p:nvGrpSpPr>
+      <p:grpSpPr>
+        <a:xfrm>
+          <a:off x="0" y="0"/>
+          <a:ext cx="0" cy="0"/>
+          <a:chOff x="0" y="0"/>
+          <a:chExt cx="0" cy="0"/>
+        </a:xfrm>
+      </p:grpSpPr>
+      <p:sp>
+        <p:nvSpPr>
+          <p:cNvPr id="2" name="Titre 1">
+            <a:extLst>
+              <a:ext uri="{FF2B5EF4-FFF2-40B4-BE49-F238E27FC236}">
+                <a16:creationId xmlns:a16="http://schemas.microsoft.com/office/drawing/2014/main" id="{A91F053E-742C-4F78-92B4-B0F19FEAB7C8}"/>
+              </a:ext>
+            </a:extLst>
+          </p:cNvPr>
+          <p:cNvSpPr>
+            <a:spLocks noGrp="1"/>
+          </p:cNvSpPr>
+          <p:nvPr>
+            <p:ph type="title"/>
+          </p:nvPr>
+        </p:nvSpPr>
+        <p:spPr/>
+        <p:txBody>
+          <a:bodyPr/>
+          <a:lstStyle/>
+          <a:p>
+            <a:r>
+              <a:rPr lang="en-US" dirty="0"/>
+              <a:t>Why is this tricky to explain?</a:t>
+            </a:r>
+          </a:p>
+        </p:txBody>
+      </p:sp>
+      <p:sp>
+        <p:nvSpPr>
+          <p:cNvPr id="3" name="Espace réservé du contenu 2">
+            <a:extLst>
+              <a:ext uri="{FF2B5EF4-FFF2-40B4-BE49-F238E27FC236}">
+                <a16:creationId xmlns:a16="http://schemas.microsoft.com/office/drawing/2014/main" id="{2B453F53-019F-453E-A0B1-3AFF27B3CE89}"/>
+              </a:ext>
+            </a:extLst>
+          </p:cNvPr>
+          <p:cNvSpPr>
+            <a:spLocks noGrp="1"/>
+          </p:cNvSpPr>
+          <p:nvPr>
+            <p:ph idx="1"/>
+          </p:nvPr>
+        </p:nvSpPr>
+        <p:spPr/>
+        <p:txBody>
+          <a:bodyPr/>
+          <a:lstStyle/>
+          <a:p>
+            <a:r>
+              <a:rPr lang="en-US" dirty="0"/>
+              <a:t>There are a lot of interdependent pieces</a:t>
+            </a:r>
+          </a:p>
+          <a:p>
+            <a:r>
+              <a:rPr lang="en-US" dirty="0"/>
+              <a:t>Definitions </a:t>
+            </a:r>
+            <a:r>
+              <a:rPr lang="en-US" dirty="0" err="1"/>
+              <a:t>kinda</a:t>
+            </a:r>
+            <a:r>
+              <a:rPr lang="en-US" dirty="0"/>
+              <a:t> depend on each other</a:t>
+            </a:r>
+          </a:p>
+          <a:p>
+            <a:r>
+              <a:rPr lang="en-US" dirty="0"/>
+              <a:t>Usually I learn a language by trying to do something with it</a:t>
+            </a:r>
+          </a:p>
+        </p:txBody>
+      </p:sp>
+      <p:sp>
+        <p:nvSpPr>
+          <p:cNvPr id="4" name="Espace réservé du numéro de diapositive 3">
+            <a:extLst>
+              <a:ext uri="{FF2B5EF4-FFF2-40B4-BE49-F238E27FC236}">
+                <a16:creationId xmlns:a16="http://schemas.microsoft.com/office/drawing/2014/main" id="{748FD839-E43B-44C1-A7C5-25A593743735}"/>
+              </a:ext>
+            </a:extLst>
+          </p:cNvPr>
+          <p:cNvSpPr>
+            <a:spLocks noGrp="1"/>
+          </p:cNvSpPr>
+          <p:nvPr>
+            <p:ph type="sldNum" sz="quarter" idx="12"/>
+          </p:nvPr>
+        </p:nvSpPr>
+        <p:spPr/>
+        <p:txBody>
+          <a:bodyPr/>
+          <a:lstStyle/>
+          <a:p>
+            <a:fld id="{19485C6F-9B8D-4FB9-A42B-A9ABFED612B1}" type="slidenum">
+              <a:rPr lang="en-US" smtClean="0"/>
+              <a:pPr/>
+              <a:t>3</a:t>
+            </a:fld>
+            <a:endParaRPr lang="en-US" dirty="0"/>
+          </a:p>
+        </p:txBody>
+      </p:sp>
+      <p:sp>
+        <p:nvSpPr>
+          <p:cNvPr id="5" name="Espace réservé du pied de page 4">
+            <a:extLst>
+              <a:ext uri="{FF2B5EF4-FFF2-40B4-BE49-F238E27FC236}">
+                <a16:creationId xmlns:a16="http://schemas.microsoft.com/office/drawing/2014/main" id="{01EDD74D-D9E0-42E0-99B5-81EE18D4D291}"/>
+              </a:ext>
+            </a:extLst>
+          </p:cNvPr>
+          <p:cNvSpPr>
+            <a:spLocks noGrp="1"/>
+          </p:cNvSpPr>
+          <p:nvPr>
+            <p:ph type="ftr" sz="quarter" idx="3"/>
+          </p:nvPr>
+        </p:nvSpPr>
+        <p:spPr/>
+        <p:txBody>
+          <a:bodyPr/>
+          <a:lstStyle/>
+          <a:p>
+            <a:r>
+              <a:rPr lang="en-US"/>
+              <a:t>alberto.tonda@inrae.fr</a:t>
+            </a:r>
+            <a:endParaRPr lang="en-US" dirty="0"/>
+          </a:p>
+        </p:txBody>
+      </p:sp>
+    </p:spTree>
+    <p:extLst>
+      <p:ext uri="{BB962C8B-B14F-4D97-AF65-F5344CB8AC3E}">
+        <p14:creationId xmlns:p14="http://schemas.microsoft.com/office/powerpoint/2010/main" val="3000172303"/>
+      </p:ext>
+    </p:extLst>
+  </p:cSld>
+  <p:clrMapOvr>
+    <a:masterClrMapping/>
+  </p:clrMapOvr>
+</p:sld>
+</file>
+
+<file path=ppt/slides/slide4.xml><?xml version="1.0" encoding="utf-8"?>
+<p:sld xmlns:a="http://schemas.openxmlformats.org/drawingml/2006/main" xmlns:r="http://schemas.openxmlformats.org/officeDocument/2006/relationships" xmlns:p="http://schemas.openxmlformats.org/presentationml/2006/main">
+  <p:cSld>
+    <p:spTree>
+      <p:nvGrpSpPr>
+        <p:cNvPr id="1" name=""/>
+        <p:cNvGrpSpPr/>
+        <p:nvPr/>
+      </p:nvGrpSpPr>
+      <p:grpSpPr>
+        <a:xfrm>
+          <a:off x="0" y="0"/>
+          <a:ext cx="0" cy="0"/>
+          <a:chOff x="0" y="0"/>
+          <a:chExt cx="0" cy="0"/>
+        </a:xfrm>
+      </p:grpSpPr>
+      <p:sp>
+        <p:nvSpPr>
+          <p:cNvPr id="2" name="Titre 1">
+            <a:extLst>
+              <a:ext uri="{FF2B5EF4-FFF2-40B4-BE49-F238E27FC236}">
+                <a16:creationId xmlns:a16="http://schemas.microsoft.com/office/drawing/2014/main" id="{B675EADB-237C-4FD6-AE9A-E5B802D54D78}"/>
+              </a:ext>
+            </a:extLst>
+          </p:cNvPr>
+          <p:cNvSpPr>
+            <a:spLocks noGrp="1"/>
+          </p:cNvSpPr>
+          <p:nvPr>
+            <p:ph type="title"/>
+          </p:nvPr>
+        </p:nvSpPr>
+        <p:spPr/>
+        <p:txBody>
+          <a:bodyPr/>
+          <a:lstStyle/>
+          <a:p>
+            <a:r>
+              <a:rPr lang="en-US" dirty="0"/>
+              <a:t>Why Python?</a:t>
+            </a:r>
+          </a:p>
+        </p:txBody>
+      </p:sp>
+      <p:sp>
+        <p:nvSpPr>
+          <p:cNvPr id="3" name="Espace réservé du contenu 2">
+            <a:extLst>
+              <a:ext uri="{FF2B5EF4-FFF2-40B4-BE49-F238E27FC236}">
+                <a16:creationId xmlns:a16="http://schemas.microsoft.com/office/drawing/2014/main" id="{672C38DC-9844-4574-B749-E41D5BBA8F4C}"/>
+              </a:ext>
+            </a:extLst>
+          </p:cNvPr>
+          <p:cNvSpPr>
+            <a:spLocks noGrp="1"/>
+          </p:cNvSpPr>
+          <p:nvPr>
+            <p:ph idx="1"/>
+          </p:nvPr>
+        </p:nvSpPr>
+        <p:spPr/>
+        <p:txBody>
+          <a:bodyPr/>
+          <a:lstStyle/>
+          <a:p>
+            <a:r>
+              <a:rPr lang="en-US" dirty="0"/>
+              <a:t>High level of abstraction</a:t>
+            </a:r>
+          </a:p>
+          <a:p>
+            <a:pPr lvl="1"/>
+            <a:r>
+              <a:rPr lang="en-US" dirty="0"/>
+              <a:t>Just like </a:t>
+            </a:r>
+            <a:r>
+              <a:rPr lang="en-US" dirty="0" err="1"/>
+              <a:t>MatLab</a:t>
+            </a:r>
+            <a:r>
+              <a:rPr lang="en-US" dirty="0"/>
+              <a:t>, or R: don’t bother with small details (memory)</a:t>
+            </a:r>
+          </a:p>
+          <a:p>
+            <a:pPr lvl="1"/>
+            <a:r>
+              <a:rPr lang="en-US" dirty="0"/>
+              <a:t>Easy(-</a:t>
+            </a:r>
+            <a:r>
+              <a:rPr lang="en-US" dirty="0" err="1"/>
+              <a:t>ier</a:t>
+            </a:r>
+            <a:r>
+              <a:rPr lang="en-US" dirty="0"/>
+              <a:t>) to learn than lower-level languages (C++)</a:t>
+            </a:r>
+          </a:p>
+          <a:p>
+            <a:r>
+              <a:rPr lang="en-US" dirty="0"/>
+              <a:t>Widely used in research</a:t>
+            </a:r>
+          </a:p>
+          <a:p>
+            <a:pPr lvl="1"/>
+            <a:r>
+              <a:rPr lang="en-US" dirty="0"/>
+              <a:t>Open source, seen as an alternative to </a:t>
+            </a:r>
+            <a:r>
+              <a:rPr lang="en-US" dirty="0" err="1"/>
+              <a:t>MatLab</a:t>
+            </a:r>
+            <a:endParaRPr lang="en-US" dirty="0"/>
+          </a:p>
+          <a:p>
+            <a:pPr lvl="1"/>
+            <a:r>
+              <a:rPr lang="en-US" dirty="0"/>
+              <a:t>Interpreted, same program can run on Windows/Linux/Mac</a:t>
+            </a:r>
+          </a:p>
+          <a:p>
+            <a:r>
+              <a:rPr lang="en-US" dirty="0"/>
+              <a:t>Vast amount of libraries</a:t>
+            </a:r>
+          </a:p>
+          <a:p>
+            <a:pPr lvl="1"/>
+            <a:r>
+              <a:rPr lang="en-US" dirty="0"/>
+              <a:t>Since it’s easy to use, lots of people added their own packages</a:t>
+            </a:r>
+          </a:p>
+          <a:p>
+            <a:pPr lvl="1"/>
+            <a:r>
+              <a:rPr lang="en-US" dirty="0"/>
+              <a:t>Especially for Machine Learning/Data Science</a:t>
+            </a:r>
+          </a:p>
+        </p:txBody>
+      </p:sp>
+      <p:sp>
+        <p:nvSpPr>
+          <p:cNvPr id="4" name="Espace réservé du numéro de diapositive 3">
+            <a:extLst>
+              <a:ext uri="{FF2B5EF4-FFF2-40B4-BE49-F238E27FC236}">
+                <a16:creationId xmlns:a16="http://schemas.microsoft.com/office/drawing/2014/main" id="{3D3EAE5A-EDD1-4F74-A219-37E5FFC6DD33}"/>
+              </a:ext>
+            </a:extLst>
+          </p:cNvPr>
+          <p:cNvSpPr>
+            <a:spLocks noGrp="1"/>
+          </p:cNvSpPr>
+          <p:nvPr>
+            <p:ph type="sldNum" sz="quarter" idx="12"/>
+          </p:nvPr>
+        </p:nvSpPr>
+        <p:spPr/>
+        <p:txBody>
+          <a:bodyPr/>
+          <a:lstStyle/>
+          <a:p>
+            <a:fld id="{19485C6F-9B8D-4FB9-A42B-A9ABFED612B1}" type="slidenum">
+              <a:rPr lang="en-US" smtClean="0"/>
+              <a:pPr/>
+              <a:t>4</a:t>
+            </a:fld>
+            <a:endParaRPr lang="en-US" dirty="0"/>
+          </a:p>
+        </p:txBody>
+      </p:sp>
+      <p:sp>
+        <p:nvSpPr>
+          <p:cNvPr id="5" name="Espace réservé du pied de page 4">
+            <a:extLst>
+              <a:ext uri="{FF2B5EF4-FFF2-40B4-BE49-F238E27FC236}">
+                <a16:creationId xmlns:a16="http://schemas.microsoft.com/office/drawing/2014/main" id="{B2B830AF-A01E-4F92-AF3C-E9B3C18A63E7}"/>
+              </a:ext>
+            </a:extLst>
+          </p:cNvPr>
+          <p:cNvSpPr>
+            <a:spLocks noGrp="1"/>
+          </p:cNvSpPr>
+          <p:nvPr>
+            <p:ph type="ftr" sz="quarter" idx="3"/>
+          </p:nvPr>
+        </p:nvSpPr>
+        <p:spPr/>
+        <p:txBody>
+          <a:bodyPr/>
+          <a:lstStyle/>
+          <a:p>
+            <a:r>
+              <a:rPr lang="en-US"/>
+              <a:t>alberto.tonda@inrae.fr</a:t>
+            </a:r>
+            <a:endParaRPr lang="en-US" dirty="0"/>
+          </a:p>
+        </p:txBody>
+      </p:sp>
+    </p:spTree>
+    <p:extLst>
+      <p:ext uri="{BB962C8B-B14F-4D97-AF65-F5344CB8AC3E}">
+        <p14:creationId xmlns:p14="http://schemas.microsoft.com/office/powerpoint/2010/main" val="1778888457"/>
+      </p:ext>
+    </p:extLst>
+  </p:cSld>
+  <p:clrMapOvr>
+    <a:masterClrMapping/>
+  </p:clrMapOvr>
+</p:sld>
+</file>
+
+<file path=ppt/slides/slide5.xml><?xml version="1.0" encoding="utf-8"?>
+<p:sld xmlns:a="http://schemas.openxmlformats.org/drawingml/2006/main" xmlns:r="http://schemas.openxmlformats.org/officeDocument/2006/relationships" xmlns:p="http://schemas.openxmlformats.org/presentationml/2006/main">
+  <p:cSld>
+    <p:spTree>
+      <p:nvGrpSpPr>
+        <p:cNvPr id="1" name=""/>
+        <p:cNvGrpSpPr/>
+        <p:nvPr/>
+      </p:nvGrpSpPr>
+      <p:grpSpPr>
+        <a:xfrm>
+          <a:off x="0" y="0"/>
+          <a:ext cx="0" cy="0"/>
+          <a:chOff x="0" y="0"/>
+          <a:chExt cx="0" cy="0"/>
+        </a:xfrm>
+      </p:grpSpPr>
+      <p:sp>
+        <p:nvSpPr>
+          <p:cNvPr id="2" name="Titre 1">
+            <a:extLst>
+              <a:ext uri="{FF2B5EF4-FFF2-40B4-BE49-F238E27FC236}">
+                <a16:creationId xmlns:a16="http://schemas.microsoft.com/office/drawing/2014/main" id="{FC79B8E5-6FB3-498B-A625-0D3AA57EAA8C}"/>
+              </a:ext>
+            </a:extLst>
+          </p:cNvPr>
+          <p:cNvSpPr>
+            <a:spLocks noGrp="1"/>
+          </p:cNvSpPr>
+          <p:nvPr>
+            <p:ph type="title"/>
+          </p:nvPr>
+        </p:nvSpPr>
+        <p:spPr/>
+        <p:txBody>
+          <a:bodyPr/>
+          <a:lstStyle/>
+          <a:p>
+            <a:r>
+              <a:rPr lang="en-US" dirty="0"/>
+              <a:t>Libraries, packages, …?</a:t>
+            </a:r>
+          </a:p>
+        </p:txBody>
+      </p:sp>
+      <p:sp>
+        <p:nvSpPr>
+          <p:cNvPr id="3" name="Espace réservé du contenu 2">
+            <a:extLst>
+              <a:ext uri="{FF2B5EF4-FFF2-40B4-BE49-F238E27FC236}">
+                <a16:creationId xmlns:a16="http://schemas.microsoft.com/office/drawing/2014/main" id="{468D40A9-B63B-4057-B10C-53969FDB3340}"/>
+              </a:ext>
+            </a:extLst>
+          </p:cNvPr>
+          <p:cNvSpPr>
+            <a:spLocks noGrp="1"/>
+          </p:cNvSpPr>
+          <p:nvPr>
+            <p:ph idx="1"/>
+          </p:nvPr>
+        </p:nvSpPr>
+        <p:spPr/>
+        <p:txBody>
+          <a:bodyPr/>
+          <a:lstStyle/>
+          <a:p>
+            <a:r>
+              <a:rPr lang="en-US" dirty="0"/>
+              <a:t>Collection of code written by someone else</a:t>
+            </a:r>
+          </a:p>
+          <a:p>
+            <a:pPr lvl="1"/>
+            <a:r>
+              <a:rPr lang="en-US" dirty="0"/>
+              <a:t>Popularity of languages heavily depends on libraries</a:t>
+            </a:r>
+          </a:p>
+          <a:p>
+            <a:pPr lvl="1"/>
+            <a:r>
+              <a:rPr lang="en-US" dirty="0"/>
+              <a:t>In Python, they are called </a:t>
+            </a:r>
+            <a:r>
+              <a:rPr lang="en-US" b="1" dirty="0"/>
+              <a:t>packages</a:t>
+            </a:r>
+          </a:p>
+          <a:p>
+            <a:pPr lvl="1"/>
+            <a:r>
+              <a:rPr lang="en-US" dirty="0"/>
+              <a:t>Python has a considerable amount of packages!</a:t>
+            </a:r>
+          </a:p>
+          <a:p>
+            <a:pPr lvl="1"/>
+            <a:endParaRPr lang="en-US" dirty="0"/>
+          </a:p>
+          <a:p>
+            <a:r>
+              <a:rPr lang="en-US" u="sng" dirty="0"/>
+              <a:t>Do not reinvent the wheel</a:t>
+            </a:r>
+          </a:p>
+          <a:p>
+            <a:pPr lvl="1"/>
+            <a:r>
+              <a:rPr lang="en-US" dirty="0"/>
+              <a:t>Check if someone else already did it</a:t>
+            </a:r>
+          </a:p>
+          <a:p>
+            <a:pPr lvl="1"/>
+            <a:r>
+              <a:rPr lang="en-US" dirty="0"/>
+              <a:t>Learn to use their code</a:t>
+            </a:r>
+          </a:p>
+        </p:txBody>
+      </p:sp>
+      <p:sp>
+        <p:nvSpPr>
+          <p:cNvPr id="4" name="Espace réservé du numéro de diapositive 3">
+            <a:extLst>
+              <a:ext uri="{FF2B5EF4-FFF2-40B4-BE49-F238E27FC236}">
+                <a16:creationId xmlns:a16="http://schemas.microsoft.com/office/drawing/2014/main" id="{DE12190C-1FEA-453E-8B89-A37CA82F2100}"/>
+              </a:ext>
+            </a:extLst>
+          </p:cNvPr>
+          <p:cNvSpPr>
+            <a:spLocks noGrp="1"/>
+          </p:cNvSpPr>
+          <p:nvPr>
+            <p:ph type="sldNum" sz="quarter" idx="12"/>
+          </p:nvPr>
+        </p:nvSpPr>
+        <p:spPr/>
+        <p:txBody>
+          <a:bodyPr/>
+          <a:lstStyle/>
+          <a:p>
+            <a:fld id="{19485C6F-9B8D-4FB9-A42B-A9ABFED612B1}" type="slidenum">
+              <a:rPr lang="en-US" smtClean="0"/>
+              <a:pPr/>
+              <a:t>5</a:t>
+            </a:fld>
+            <a:endParaRPr lang="en-US" dirty="0"/>
+          </a:p>
+        </p:txBody>
+      </p:sp>
+      <p:sp>
+        <p:nvSpPr>
+          <p:cNvPr id="5" name="Espace réservé du pied de page 4">
+            <a:extLst>
+              <a:ext uri="{FF2B5EF4-FFF2-40B4-BE49-F238E27FC236}">
+                <a16:creationId xmlns:a16="http://schemas.microsoft.com/office/drawing/2014/main" id="{7F3E008D-3EAC-4300-AADB-5B386D5C6A5C}"/>
+              </a:ext>
+            </a:extLst>
+          </p:cNvPr>
+          <p:cNvSpPr>
+            <a:spLocks noGrp="1"/>
+          </p:cNvSpPr>
+          <p:nvPr>
+            <p:ph type="ftr" sz="quarter" idx="3"/>
+          </p:nvPr>
+        </p:nvSpPr>
+        <p:spPr/>
+        <p:txBody>
+          <a:bodyPr/>
+          <a:lstStyle/>
+          <a:p>
+            <a:r>
+              <a:rPr lang="en-US"/>
+              <a:t>alberto.tonda@inrae.fr</a:t>
+            </a:r>
+            <a:endParaRPr lang="en-US" dirty="0"/>
+          </a:p>
+        </p:txBody>
+      </p:sp>
+      <p:pic>
+        <p:nvPicPr>
+          <p:cNvPr id="2050" name="Picture 2" descr="On reinventing the wheel. The image of the man who is suggesting… | by Alex  Ewerlöf (moved to substack) | Medium">
+            <a:extLst>
+              <a:ext uri="{FF2B5EF4-FFF2-40B4-BE49-F238E27FC236}">
+                <a16:creationId xmlns:a16="http://schemas.microsoft.com/office/drawing/2014/main" id="{38EA08B4-9044-42DE-B5D4-9EEDA89A675A}"/>
+              </a:ext>
+            </a:extLst>
+          </p:cNvPr>
+          <p:cNvPicPr>
+            <a:picLocks noChangeAspect="1" noChangeArrowheads="1"/>
+          </p:cNvPicPr>
+          <p:nvPr/>
+        </p:nvPicPr>
+        <p:blipFill rotWithShape="1">
+          <a:blip r:embed="rId2">
+            <a:extLst>
+              <a:ext uri="{28A0092B-C50C-407E-A947-70E740481C1C}">
+                <a14:useLocalDpi xmlns:a14="http://schemas.microsoft.com/office/drawing/2010/main" val="0"/>
+              </a:ext>
+            </a:extLst>
+          </a:blip>
+          <a:srcRect b="18891"/>
+          <a:stretch/>
+        </p:blipFill>
+        <p:spPr bwMode="auto">
+          <a:xfrm>
+            <a:off x="7066808" y="3490675"/>
+            <a:ext cx="4967927" cy="2686288"/>
+          </a:xfrm>
+          <a:prstGeom prst="rect">
+            <a:avLst/>
+          </a:prstGeom>
+          <a:noFill/>
+          <a:extLst>
+            <a:ext uri="{909E8E84-426E-40DD-AFC4-6F175D3DCCD1}">
+              <a14:hiddenFill xmlns:a14="http://schemas.microsoft.com/office/drawing/2010/main">
+                <a:solidFill>
+                  <a:srgbClr val="FFFFFF"/>
+                </a:solidFill>
+              </a14:hiddenFill>
+            </a:ext>
+          </a:extLst>
+        </p:spPr>
+      </p:pic>
+    </p:spTree>
+    <p:extLst>
+      <p:ext uri="{BB962C8B-B14F-4D97-AF65-F5344CB8AC3E}">
+        <p14:creationId xmlns:p14="http://schemas.microsoft.com/office/powerpoint/2010/main" val="2461950157"/>
+      </p:ext>
+    </p:extLst>
+  </p:cSld>
+  <p:clrMapOvr>
+    <a:masterClrMapping/>
+  </p:clrMapOvr>
+</p:sld>
+</file>
+
 <file path=ppt/slides/slide6.xml><?xml version="1.0" encoding="utf-8"?>
 <p:sld xmlns:a="http://schemas.openxmlformats.org/drawingml/2006/main" xmlns:r="http://schemas.openxmlformats.org/officeDocument/2006/relationships" xmlns:p="http://schemas.openxmlformats.org/presentationml/2006/main">
   <p:cSld>
@@ -3962,10 +10473,10 @@
       </p:grpSpPr>
       <p:sp>
         <p:nvSpPr>
-          <p:cNvPr id="6" name="Titre 5">
-            <a:extLst>
-              <a:ext uri="{FF2B5EF4-FFF2-40B4-BE49-F238E27FC236}">
-                <a16:creationId xmlns:a16="http://schemas.microsoft.com/office/drawing/2014/main" id="{B55EA6DC-158E-44BB-87DF-BC6340555DFE}"/>
+          <p:cNvPr id="2" name="Titre 1">
+            <a:extLst>
+              <a:ext uri="{FF2B5EF4-FFF2-40B4-BE49-F238E27FC236}">
+                <a16:creationId xmlns:a16="http://schemas.microsoft.com/office/drawing/2014/main" id="{7624912F-5B12-463F-A4DD-3ECA230C016F}"/>
               </a:ext>
             </a:extLst>
           </p:cNvPr>
@@ -3973,7 +10484,7 @@
             <a:spLocks noGrp="1"/>
           </p:cNvSpPr>
           <p:nvPr>
-            <p:ph type="ctrTitle"/>
+            <p:ph type="title"/>
           </p:nvPr>
         </p:nvSpPr>
         <p:spPr/>
@@ -3981,16 +10492,19 @@
           <a:bodyPr/>
           <a:lstStyle/>
           <a:p>
-            <a:endParaRPr lang="en-US"/>
-          </a:p>
-        </p:txBody>
-      </p:sp>
-      <p:sp>
-        <p:nvSpPr>
-          <p:cNvPr id="7" name="Sous-titre 6">
-            <a:extLst>
-              <a:ext uri="{FF2B5EF4-FFF2-40B4-BE49-F238E27FC236}">
-                <a16:creationId xmlns:a16="http://schemas.microsoft.com/office/drawing/2014/main" id="{70BECB58-9207-4986-84C6-178596CAD0C8}"/>
+            <a:r>
+              <a:rPr lang="en-US" dirty="0"/>
+              <a:t>Integrated Development Environment</a:t>
+            </a:r>
+          </a:p>
+        </p:txBody>
+      </p:sp>
+      <p:sp>
+        <p:nvSpPr>
+          <p:cNvPr id="3" name="Espace réservé du contenu 2">
+            <a:extLst>
+              <a:ext uri="{FF2B5EF4-FFF2-40B4-BE49-F238E27FC236}">
+                <a16:creationId xmlns:a16="http://schemas.microsoft.com/office/drawing/2014/main" id="{2BBBD645-EFFC-4D38-897F-36B421DAC214}"/>
               </a:ext>
             </a:extLst>
           </p:cNvPr>
@@ -3998,7 +10512,7 @@
             <a:spLocks noGrp="1"/>
           </p:cNvSpPr>
           <p:nvPr>
-            <p:ph type="subTitle" idx="1"/>
+            <p:ph idx="1"/>
           </p:nvPr>
         </p:nvSpPr>
         <p:spPr/>
@@ -4006,8 +10520,63 @@
           <a:bodyPr/>
           <a:lstStyle/>
           <a:p>
+            <a:r>
+              <a:rPr lang="en-US" dirty="0"/>
+              <a:t>In theory, you can edit code using a text editor</a:t>
+            </a:r>
+          </a:p>
+          <a:p>
+            <a:pPr lvl="1"/>
+            <a:r>
+              <a:rPr lang="en-US" dirty="0"/>
+              <a:t>In practice, much better use an IDE</a:t>
+            </a:r>
+          </a:p>
+          <a:p>
+            <a:pPr lvl="1"/>
+            <a:r>
+              <a:rPr lang="en-US" dirty="0"/>
+              <a:t>Editor, debugger, help installing packages, autocompletion, etc.</a:t>
+            </a:r>
+          </a:p>
+          <a:p>
+            <a:pPr lvl="1"/>
+            <a:r>
+              <a:rPr lang="en-US" dirty="0"/>
+              <a:t>Some IDEs also have AI code autocompletion! </a:t>
+            </a:r>
+            <a:r>
+              <a:rPr lang="en-US" i="1" dirty="0"/>
+              <a:t>Don’t trust it 100%</a:t>
+            </a:r>
             <a:endParaRPr lang="en-US" dirty="0"/>
           </a:p>
+          <a:p>
+            <a:r>
+              <a:rPr lang="en-US" dirty="0"/>
+              <a:t>For Python, I have experience with</a:t>
+            </a:r>
+          </a:p>
+          <a:p>
+            <a:pPr lvl="1"/>
+            <a:r>
+              <a:rPr lang="en-US" dirty="0"/>
+              <a:t>Anaconda suite and Spyder (IDE)</a:t>
+            </a:r>
+          </a:p>
+          <a:p>
+            <a:pPr lvl="1"/>
+            <a:r>
+              <a:rPr lang="en-US" dirty="0"/>
+              <a:t>Visual Studio Code</a:t>
+            </a:r>
+          </a:p>
+          <a:p>
+            <a:r>
+              <a:rPr lang="en-US" dirty="0"/>
+              <a:t>PyCharm is another popular IDE</a:t>
+            </a:r>
+          </a:p>
         </p:txBody>
       </p:sp>
       <p:sp>
@@ -4015,7 +10584,7 @@
           <p:cNvPr id="4" name="Espace réservé du numéro de diapositive 3">
             <a:extLst>
               <a:ext uri="{FF2B5EF4-FFF2-40B4-BE49-F238E27FC236}">
-                <a16:creationId xmlns:a16="http://schemas.microsoft.com/office/drawing/2014/main" id="{C0DB2B34-115A-4184-AAFD-CE52AD708B06}"/>
+                <a16:creationId xmlns:a16="http://schemas.microsoft.com/office/drawing/2014/main" id="{23573BA3-8F35-4457-A8C0-5F9059755C6E}"/>
               </a:ext>
             </a:extLst>
           </p:cNvPr>
@@ -4023,15 +10592,10 @@
             <a:spLocks noGrp="1"/>
           </p:cNvSpPr>
           <p:nvPr>
-            <p:ph type="sldNum" sz="quarter" idx="4294967295"/>
-          </p:nvPr>
-        </p:nvSpPr>
-        <p:spPr>
-          <a:xfrm>
-            <a:off x="11256963" y="6361113"/>
-            <a:ext cx="935037" cy="365125"/>
-          </a:xfrm>
-        </p:spPr>
+            <p:ph type="sldNum" sz="quarter" idx="12"/>
+          </p:nvPr>
+        </p:nvSpPr>
+        <p:spPr/>
         <p:txBody>
           <a:bodyPr/>
           <a:lstStyle/>
@@ -4050,7 +10614,7 @@
           <p:cNvPr id="5" name="Espace réservé du pied de page 4">
             <a:extLst>
               <a:ext uri="{FF2B5EF4-FFF2-40B4-BE49-F238E27FC236}">
-                <a16:creationId xmlns:a16="http://schemas.microsoft.com/office/drawing/2014/main" id="{1D66F3C6-7761-42A4-A723-938460039B48}"/>
+                <a16:creationId xmlns:a16="http://schemas.microsoft.com/office/drawing/2014/main" id="{F3DDB90F-3146-411F-9C8E-7B9BD3DD116A}"/>
               </a:ext>
             </a:extLst>
           </p:cNvPr>
@@ -4058,15 +10622,10 @@
             <a:spLocks noGrp="1"/>
           </p:cNvSpPr>
           <p:nvPr>
-            <p:ph type="ftr" sz="quarter" idx="4294967295"/>
-          </p:nvPr>
-        </p:nvSpPr>
-        <p:spPr>
-          <a:xfrm>
-            <a:off x="8077200" y="6367463"/>
-            <a:ext cx="4114800" cy="365125"/>
-          </a:xfrm>
-        </p:spPr>
+            <p:ph type="ftr" sz="quarter" idx="3"/>
+          </p:nvPr>
+        </p:nvSpPr>
+        <p:spPr/>
         <p:txBody>
           <a:bodyPr/>
           <a:lstStyle/>
@@ -4079,10 +10638,765 @@
           </a:p>
         </p:txBody>
       </p:sp>
+      <p:pic>
+        <p:nvPicPr>
+          <p:cNvPr id="1026" name="Picture 2" descr="Visual Studio Code — Wikipédia">
+            <a:extLst>
+              <a:ext uri="{FF2B5EF4-FFF2-40B4-BE49-F238E27FC236}">
+                <a16:creationId xmlns:a16="http://schemas.microsoft.com/office/drawing/2014/main" id="{0607B21D-45D0-4D3F-9295-491674F8814B}"/>
+              </a:ext>
+            </a:extLst>
+          </p:cNvPr>
+          <p:cNvPicPr>
+            <a:picLocks noChangeAspect="1" noChangeArrowheads="1"/>
+          </p:cNvPicPr>
+          <p:nvPr/>
+        </p:nvPicPr>
+        <p:blipFill>
+          <a:blip r:embed="rId2">
+            <a:extLst>
+              <a:ext uri="{28A0092B-C50C-407E-A947-70E740481C1C}">
+                <a14:useLocalDpi xmlns:a14="http://schemas.microsoft.com/office/drawing/2010/main" val="0"/>
+              </a:ext>
+            </a:extLst>
+          </a:blip>
+          <a:srcRect/>
+          <a:stretch>
+            <a:fillRect/>
+          </a:stretch>
+        </p:blipFill>
+        <p:spPr bwMode="auto">
+          <a:xfrm>
+            <a:off x="9926425" y="4141951"/>
+            <a:ext cx="1427375" cy="1427375"/>
+          </a:xfrm>
+          <a:prstGeom prst="rect">
+            <a:avLst/>
+          </a:prstGeom>
+          <a:noFill/>
+          <a:extLst>
+            <a:ext uri="{909E8E84-426E-40DD-AFC4-6F175D3DCCD1}">
+              <a14:hiddenFill xmlns:a14="http://schemas.microsoft.com/office/drawing/2010/main">
+                <a:solidFill>
+                  <a:srgbClr val="FFFFFF"/>
+                </a:solidFill>
+              </a14:hiddenFill>
+            </a:ext>
+          </a:extLst>
+        </p:spPr>
+      </p:pic>
+      <p:pic>
+        <p:nvPicPr>
+          <p:cNvPr id="1028" name="Picture 4" descr="Comment installer Anaconda et Python pour faire du Machine Learning">
+            <a:extLst>
+              <a:ext uri="{FF2B5EF4-FFF2-40B4-BE49-F238E27FC236}">
+                <a16:creationId xmlns:a16="http://schemas.microsoft.com/office/drawing/2014/main" id="{75C6FE47-8AA8-481E-9827-D445A439DAC7}"/>
+              </a:ext>
+            </a:extLst>
+          </p:cNvPr>
+          <p:cNvPicPr>
+            <a:picLocks noChangeAspect="1" noChangeArrowheads="1"/>
+          </p:cNvPicPr>
+          <p:nvPr/>
+        </p:nvPicPr>
+        <p:blipFill>
+          <a:blip r:embed="rId3">
+            <a:extLst>
+              <a:ext uri="{28A0092B-C50C-407E-A947-70E740481C1C}">
+                <a14:useLocalDpi xmlns:a14="http://schemas.microsoft.com/office/drawing/2010/main" val="0"/>
+              </a:ext>
+            </a:extLst>
+          </a:blip>
+          <a:srcRect/>
+          <a:stretch>
+            <a:fillRect/>
+          </a:stretch>
+        </p:blipFill>
+        <p:spPr bwMode="auto">
+          <a:xfrm>
+            <a:off x="7184916" y="3534315"/>
+            <a:ext cx="2430544" cy="1215272"/>
+          </a:xfrm>
+          <a:prstGeom prst="rect">
+            <a:avLst/>
+          </a:prstGeom>
+          <a:noFill/>
+          <a:extLst>
+            <a:ext uri="{909E8E84-426E-40DD-AFC4-6F175D3DCCD1}">
+              <a14:hiddenFill xmlns:a14="http://schemas.microsoft.com/office/drawing/2010/main">
+                <a:solidFill>
+                  <a:srgbClr val="FFFFFF"/>
+                </a:solidFill>
+              </a14:hiddenFill>
+            </a:ext>
+          </a:extLst>
+        </p:spPr>
+      </p:pic>
+      <p:pic>
+        <p:nvPicPr>
+          <p:cNvPr id="1030" name="Picture 6" descr="How to Code in Python using Spyder | i2tutorials">
+            <a:extLst>
+              <a:ext uri="{FF2B5EF4-FFF2-40B4-BE49-F238E27FC236}">
+                <a16:creationId xmlns:a16="http://schemas.microsoft.com/office/drawing/2014/main" id="{54F73D9D-545A-489D-9B09-67CF40ED4DB0}"/>
+              </a:ext>
+            </a:extLst>
+          </p:cNvPr>
+          <p:cNvPicPr>
+            <a:picLocks noChangeAspect="1" noChangeArrowheads="1"/>
+          </p:cNvPicPr>
+          <p:nvPr/>
+        </p:nvPicPr>
+        <p:blipFill>
+          <a:blip r:embed="rId4">
+            <a:extLst>
+              <a:ext uri="{28A0092B-C50C-407E-A947-70E740481C1C}">
+                <a14:useLocalDpi xmlns:a14="http://schemas.microsoft.com/office/drawing/2010/main" val="0"/>
+              </a:ext>
+            </a:extLst>
+          </a:blip>
+          <a:srcRect/>
+          <a:stretch>
+            <a:fillRect/>
+          </a:stretch>
+        </p:blipFill>
+        <p:spPr bwMode="auto">
+          <a:xfrm>
+            <a:off x="8499049" y="4749587"/>
+            <a:ext cx="1427376" cy="1427376"/>
+          </a:xfrm>
+          <a:prstGeom prst="rect">
+            <a:avLst/>
+          </a:prstGeom>
+          <a:noFill/>
+          <a:extLst>
+            <a:ext uri="{909E8E84-426E-40DD-AFC4-6F175D3DCCD1}">
+              <a14:hiddenFill xmlns:a14="http://schemas.microsoft.com/office/drawing/2010/main">
+                <a:solidFill>
+                  <a:srgbClr val="FFFFFF"/>
+                </a:solidFill>
+              </a14:hiddenFill>
+            </a:ext>
+          </a:extLst>
+        </p:spPr>
+      </p:pic>
     </p:spTree>
     <p:extLst>
       <p:ext uri="{BB962C8B-B14F-4D97-AF65-F5344CB8AC3E}">
-        <p14:creationId xmlns:p14="http://schemas.microsoft.com/office/powerpoint/2010/main" val="1672014444"/>
+        <p14:creationId xmlns:p14="http://schemas.microsoft.com/office/powerpoint/2010/main" val="3289982915"/>
+      </p:ext>
+    </p:extLst>
+  </p:cSld>
+  <p:clrMapOvr>
+    <a:masterClrMapping/>
+  </p:clrMapOvr>
+</p:sld>
+</file>
+
+<file path=ppt/slides/slide7.xml><?xml version="1.0" encoding="utf-8"?>
+<p:sld xmlns:a="http://schemas.openxmlformats.org/drawingml/2006/main" xmlns:r="http://schemas.openxmlformats.org/officeDocument/2006/relationships" xmlns:p="http://schemas.openxmlformats.org/presentationml/2006/main">
+  <p:cSld>
+    <p:spTree>
+      <p:nvGrpSpPr>
+        <p:cNvPr id="1" name=""/>
+        <p:cNvGrpSpPr/>
+        <p:nvPr/>
+      </p:nvGrpSpPr>
+      <p:grpSpPr>
+        <a:xfrm>
+          <a:off x="0" y="0"/>
+          <a:ext cx="0" cy="0"/>
+          <a:chOff x="0" y="0"/>
+          <a:chExt cx="0" cy="0"/>
+        </a:xfrm>
+      </p:grpSpPr>
+      <p:sp>
+        <p:nvSpPr>
+          <p:cNvPr id="2" name="Titre 1">
+            <a:extLst>
+              <a:ext uri="{FF2B5EF4-FFF2-40B4-BE49-F238E27FC236}">
+                <a16:creationId xmlns:a16="http://schemas.microsoft.com/office/drawing/2014/main" id="{03CBB7D3-6537-4077-81A9-8378B4703C3B}"/>
+              </a:ext>
+            </a:extLst>
+          </p:cNvPr>
+          <p:cNvSpPr>
+            <a:spLocks noGrp="1"/>
+          </p:cNvSpPr>
+          <p:nvPr>
+            <p:ph type="title"/>
+          </p:nvPr>
+        </p:nvSpPr>
+        <p:spPr/>
+        <p:txBody>
+          <a:bodyPr/>
+          <a:lstStyle/>
+          <a:p>
+            <a:r>
+              <a:rPr lang="en-US" dirty="0"/>
+              <a:t>Integrated Development Environment</a:t>
+            </a:r>
+          </a:p>
+        </p:txBody>
+      </p:sp>
+      <p:sp>
+        <p:nvSpPr>
+          <p:cNvPr id="3" name="Espace réservé du contenu 2">
+            <a:extLst>
+              <a:ext uri="{FF2B5EF4-FFF2-40B4-BE49-F238E27FC236}">
+                <a16:creationId xmlns:a16="http://schemas.microsoft.com/office/drawing/2014/main" id="{1BDC53BA-D6C5-4C83-B692-6520C0C5E11A}"/>
+              </a:ext>
+            </a:extLst>
+          </p:cNvPr>
+          <p:cNvSpPr>
+            <a:spLocks noGrp="1"/>
+          </p:cNvSpPr>
+          <p:nvPr>
+            <p:ph idx="1"/>
+          </p:nvPr>
+        </p:nvSpPr>
+        <p:spPr/>
+        <p:txBody>
+          <a:bodyPr/>
+          <a:lstStyle/>
+          <a:p>
+            <a:r>
+              <a:rPr lang="en-US" dirty="0"/>
+              <a:t>Let’s install the full Anaconda suite!</a:t>
+            </a:r>
+          </a:p>
+          <a:p>
+            <a:r>
+              <a:rPr lang="en-US" dirty="0"/>
+              <a:t>If you already have Anaconda, install </a:t>
+            </a:r>
+            <a:r>
+              <a:rPr lang="en-US" dirty="0" err="1"/>
+              <a:t>VSCode</a:t>
+            </a:r>
+            <a:endParaRPr lang="en-US" dirty="0"/>
+          </a:p>
+        </p:txBody>
+      </p:sp>
+      <p:sp>
+        <p:nvSpPr>
+          <p:cNvPr id="4" name="Espace réservé du numéro de diapositive 3">
+            <a:extLst>
+              <a:ext uri="{FF2B5EF4-FFF2-40B4-BE49-F238E27FC236}">
+                <a16:creationId xmlns:a16="http://schemas.microsoft.com/office/drawing/2014/main" id="{709726EC-3DD2-47F7-B0A0-1270BB1E5865}"/>
+              </a:ext>
+            </a:extLst>
+          </p:cNvPr>
+          <p:cNvSpPr>
+            <a:spLocks noGrp="1"/>
+          </p:cNvSpPr>
+          <p:nvPr>
+            <p:ph type="sldNum" sz="quarter" idx="12"/>
+          </p:nvPr>
+        </p:nvSpPr>
+        <p:spPr/>
+        <p:txBody>
+          <a:bodyPr/>
+          <a:lstStyle/>
+          <a:p>
+            <a:fld id="{19485C6F-9B8D-4FB9-A42B-A9ABFED612B1}" type="slidenum">
+              <a:rPr lang="en-US" smtClean="0"/>
+              <a:pPr/>
+              <a:t>7</a:t>
+            </a:fld>
+            <a:endParaRPr lang="en-US" dirty="0"/>
+          </a:p>
+        </p:txBody>
+      </p:sp>
+      <p:sp>
+        <p:nvSpPr>
+          <p:cNvPr id="5" name="Espace réservé du pied de page 4">
+            <a:extLst>
+              <a:ext uri="{FF2B5EF4-FFF2-40B4-BE49-F238E27FC236}">
+                <a16:creationId xmlns:a16="http://schemas.microsoft.com/office/drawing/2014/main" id="{437CCD8F-5EAB-4A93-B4F6-78E3C37C2D8E}"/>
+              </a:ext>
+            </a:extLst>
+          </p:cNvPr>
+          <p:cNvSpPr>
+            <a:spLocks noGrp="1"/>
+          </p:cNvSpPr>
+          <p:nvPr>
+            <p:ph type="ftr" sz="quarter" idx="3"/>
+          </p:nvPr>
+        </p:nvSpPr>
+        <p:spPr/>
+        <p:txBody>
+          <a:bodyPr/>
+          <a:lstStyle/>
+          <a:p>
+            <a:r>
+              <a:rPr lang="en-US"/>
+              <a:t>alberto.tonda@inrae.fr</a:t>
+            </a:r>
+            <a:endParaRPr lang="en-US" dirty="0"/>
+          </a:p>
+        </p:txBody>
+      </p:sp>
+    </p:spTree>
+    <p:extLst>
+      <p:ext uri="{BB962C8B-B14F-4D97-AF65-F5344CB8AC3E}">
+        <p14:creationId xmlns:p14="http://schemas.microsoft.com/office/powerpoint/2010/main" val="2846916503"/>
+      </p:ext>
+    </p:extLst>
+  </p:cSld>
+  <p:clrMapOvr>
+    <a:masterClrMapping/>
+  </p:clrMapOvr>
+</p:sld>
+</file>
+
+<file path=ppt/slides/slide8.xml><?xml version="1.0" encoding="utf-8"?>
+<p:sld xmlns:a="http://schemas.openxmlformats.org/drawingml/2006/main" xmlns:r="http://schemas.openxmlformats.org/officeDocument/2006/relationships" xmlns:p="http://schemas.openxmlformats.org/presentationml/2006/main">
+  <p:cSld>
+    <p:spTree>
+      <p:nvGrpSpPr>
+        <p:cNvPr id="1" name=""/>
+        <p:cNvGrpSpPr/>
+        <p:nvPr/>
+      </p:nvGrpSpPr>
+      <p:grpSpPr>
+        <a:xfrm>
+          <a:off x="0" y="0"/>
+          <a:ext cx="0" cy="0"/>
+          <a:chOff x="0" y="0"/>
+          <a:chExt cx="0" cy="0"/>
+        </a:xfrm>
+      </p:grpSpPr>
+      <p:sp>
+        <p:nvSpPr>
+          <p:cNvPr id="2" name="Titre 1">
+            <a:extLst>
+              <a:ext uri="{FF2B5EF4-FFF2-40B4-BE49-F238E27FC236}">
+                <a16:creationId xmlns:a16="http://schemas.microsoft.com/office/drawing/2014/main" id="{1EE42CFF-6006-4681-B7D4-DAAB587AC0FB}"/>
+              </a:ext>
+            </a:extLst>
+          </p:cNvPr>
+          <p:cNvSpPr>
+            <a:spLocks noGrp="1"/>
+          </p:cNvSpPr>
+          <p:nvPr>
+            <p:ph type="title"/>
+          </p:nvPr>
+        </p:nvSpPr>
+        <p:spPr/>
+        <p:txBody>
+          <a:bodyPr/>
+          <a:lstStyle/>
+          <a:p>
+            <a:r>
+              <a:rPr lang="en-US" dirty="0"/>
+              <a:t>Environments</a:t>
+            </a:r>
+          </a:p>
+        </p:txBody>
+      </p:sp>
+      <p:sp>
+        <p:nvSpPr>
+          <p:cNvPr id="3" name="Espace réservé du contenu 2">
+            <a:extLst>
+              <a:ext uri="{FF2B5EF4-FFF2-40B4-BE49-F238E27FC236}">
+                <a16:creationId xmlns:a16="http://schemas.microsoft.com/office/drawing/2014/main" id="{B5F0637E-6512-4F40-9164-AD7F1B822EE4}"/>
+              </a:ext>
+            </a:extLst>
+          </p:cNvPr>
+          <p:cNvSpPr>
+            <a:spLocks noGrp="1"/>
+          </p:cNvSpPr>
+          <p:nvPr>
+            <p:ph idx="1"/>
+          </p:nvPr>
+        </p:nvSpPr>
+        <p:spPr/>
+        <p:txBody>
+          <a:bodyPr/>
+          <a:lstStyle/>
+          <a:p>
+            <a:r>
+              <a:rPr lang="en-US" dirty="0"/>
+              <a:t>Set of installed libraries</a:t>
+            </a:r>
+          </a:p>
+          <a:p>
+            <a:pPr lvl="1"/>
+            <a:r>
+              <a:rPr lang="en-US" dirty="0"/>
+              <a:t>There are several ways of obtaining </a:t>
+            </a:r>
+            <a:r>
+              <a:rPr lang="en-US" b="1" dirty="0"/>
+              <a:t>separate environments</a:t>
+            </a:r>
+          </a:p>
+          <a:p>
+            <a:pPr lvl="1"/>
+            <a:r>
+              <a:rPr lang="en-US" dirty="0"/>
+              <a:t>Why should we do that?</a:t>
+            </a:r>
+          </a:p>
+          <a:p>
+            <a:pPr lvl="1"/>
+            <a:r>
+              <a:rPr lang="en-US" dirty="0"/>
+              <a:t>Install only needed packages, and </a:t>
+            </a:r>
+            <a:r>
+              <a:rPr lang="en-US" b="1" dirty="0"/>
+              <a:t>specific versions</a:t>
+            </a:r>
+          </a:p>
+          <a:p>
+            <a:pPr lvl="1"/>
+            <a:r>
+              <a:rPr lang="en-US" dirty="0"/>
+              <a:t>Create minimal list of packages</a:t>
+            </a:r>
+          </a:p>
+          <a:p>
+            <a:pPr lvl="1"/>
+            <a:r>
+              <a:rPr lang="en-US" dirty="0"/>
+              <a:t>Obtain </a:t>
+            </a:r>
+            <a:r>
+              <a:rPr lang="en-US" b="1" dirty="0"/>
+              <a:t>requirements.txt</a:t>
+            </a:r>
+          </a:p>
+          <a:p>
+            <a:pPr lvl="1"/>
+            <a:endParaRPr lang="en-US" dirty="0"/>
+          </a:p>
+        </p:txBody>
+      </p:sp>
+      <p:sp>
+        <p:nvSpPr>
+          <p:cNvPr id="4" name="Espace réservé du numéro de diapositive 3">
+            <a:extLst>
+              <a:ext uri="{FF2B5EF4-FFF2-40B4-BE49-F238E27FC236}">
+                <a16:creationId xmlns:a16="http://schemas.microsoft.com/office/drawing/2014/main" id="{360520E1-3F20-444D-8E78-8295954C4008}"/>
+              </a:ext>
+            </a:extLst>
+          </p:cNvPr>
+          <p:cNvSpPr>
+            <a:spLocks noGrp="1"/>
+          </p:cNvSpPr>
+          <p:nvPr>
+            <p:ph type="sldNum" sz="quarter" idx="12"/>
+          </p:nvPr>
+        </p:nvSpPr>
+        <p:spPr/>
+        <p:txBody>
+          <a:bodyPr/>
+          <a:lstStyle/>
+          <a:p>
+            <a:fld id="{19485C6F-9B8D-4FB9-A42B-A9ABFED612B1}" type="slidenum">
+              <a:rPr lang="en-US" smtClean="0"/>
+              <a:pPr/>
+              <a:t>8</a:t>
+            </a:fld>
+            <a:endParaRPr lang="en-US" dirty="0"/>
+          </a:p>
+        </p:txBody>
+      </p:sp>
+      <p:sp>
+        <p:nvSpPr>
+          <p:cNvPr id="5" name="Espace réservé du pied de page 4">
+            <a:extLst>
+              <a:ext uri="{FF2B5EF4-FFF2-40B4-BE49-F238E27FC236}">
+                <a16:creationId xmlns:a16="http://schemas.microsoft.com/office/drawing/2014/main" id="{31FE0CFD-4D59-4217-BE88-392094AB8A5B}"/>
+              </a:ext>
+            </a:extLst>
+          </p:cNvPr>
+          <p:cNvSpPr>
+            <a:spLocks noGrp="1"/>
+          </p:cNvSpPr>
+          <p:nvPr>
+            <p:ph type="ftr" sz="quarter" idx="3"/>
+          </p:nvPr>
+        </p:nvSpPr>
+        <p:spPr/>
+        <p:txBody>
+          <a:bodyPr/>
+          <a:lstStyle/>
+          <a:p>
+            <a:r>
+              <a:rPr lang="en-US"/>
+              <a:t>alberto.tonda@inrae.fr</a:t>
+            </a:r>
+            <a:endParaRPr lang="en-US" dirty="0"/>
+          </a:p>
+        </p:txBody>
+      </p:sp>
+      <p:pic>
+        <p:nvPicPr>
+          <p:cNvPr id="7" name="Image 6">
+            <a:extLst>
+              <a:ext uri="{FF2B5EF4-FFF2-40B4-BE49-F238E27FC236}">
+                <a16:creationId xmlns:a16="http://schemas.microsoft.com/office/drawing/2014/main" id="{ABC0C1CF-6F73-46FF-9E4E-BE841F743DD2}"/>
+              </a:ext>
+            </a:extLst>
+          </p:cNvPr>
+          <p:cNvPicPr>
+            <a:picLocks noChangeAspect="1"/>
+          </p:cNvPicPr>
+          <p:nvPr/>
+        </p:nvPicPr>
+        <p:blipFill>
+          <a:blip r:embed="rId2"/>
+          <a:stretch>
+            <a:fillRect/>
+          </a:stretch>
+        </p:blipFill>
+        <p:spPr>
+          <a:xfrm>
+            <a:off x="6674177" y="3454354"/>
+            <a:ext cx="5248795" cy="2812334"/>
+          </a:xfrm>
+          <a:prstGeom prst="rect">
+            <a:avLst/>
+          </a:prstGeom>
+        </p:spPr>
+      </p:pic>
+    </p:spTree>
+    <p:extLst>
+      <p:ext uri="{BB962C8B-B14F-4D97-AF65-F5344CB8AC3E}">
+        <p14:creationId xmlns:p14="http://schemas.microsoft.com/office/powerpoint/2010/main" val="582564114"/>
+      </p:ext>
+    </p:extLst>
+  </p:cSld>
+  <p:clrMapOvr>
+    <a:masterClrMapping/>
+  </p:clrMapOvr>
+</p:sld>
+</file>
+
+<file path=ppt/slides/slide9.xml><?xml version="1.0" encoding="utf-8"?>
+<p:sld xmlns:a="http://schemas.openxmlformats.org/drawingml/2006/main" xmlns:r="http://schemas.openxmlformats.org/officeDocument/2006/relationships" xmlns:p="http://schemas.openxmlformats.org/presentationml/2006/main">
+  <p:cSld>
+    <p:spTree>
+      <p:nvGrpSpPr>
+        <p:cNvPr id="1" name=""/>
+        <p:cNvGrpSpPr/>
+        <p:nvPr/>
+      </p:nvGrpSpPr>
+      <p:grpSpPr>
+        <a:xfrm>
+          <a:off x="0" y="0"/>
+          <a:ext cx="0" cy="0"/>
+          <a:chOff x="0" y="0"/>
+          <a:chExt cx="0" cy="0"/>
+        </a:xfrm>
+      </p:grpSpPr>
+      <p:sp>
+        <p:nvSpPr>
+          <p:cNvPr id="2" name="Titre 1">
+            <a:extLst>
+              <a:ext uri="{FF2B5EF4-FFF2-40B4-BE49-F238E27FC236}">
+                <a16:creationId xmlns:a16="http://schemas.microsoft.com/office/drawing/2014/main" id="{48744861-083D-4A2C-8BCF-0C9B77DCF139}"/>
+              </a:ext>
+            </a:extLst>
+          </p:cNvPr>
+          <p:cNvSpPr>
+            <a:spLocks noGrp="1"/>
+          </p:cNvSpPr>
+          <p:nvPr>
+            <p:ph type="title"/>
+          </p:nvPr>
+        </p:nvSpPr>
+        <p:spPr/>
+        <p:txBody>
+          <a:bodyPr/>
+          <a:lstStyle/>
+          <a:p>
+            <a:r>
+              <a:rPr lang="en-US" dirty="0"/>
+              <a:t>Coding: basics</a:t>
+            </a:r>
+          </a:p>
+        </p:txBody>
+      </p:sp>
+      <p:sp>
+        <p:nvSpPr>
+          <p:cNvPr id="3" name="Espace réservé du contenu 2">
+            <a:extLst>
+              <a:ext uri="{FF2B5EF4-FFF2-40B4-BE49-F238E27FC236}">
+                <a16:creationId xmlns:a16="http://schemas.microsoft.com/office/drawing/2014/main" id="{711C5B72-1837-4C34-9C5B-07F3021D0952}"/>
+              </a:ext>
+            </a:extLst>
+          </p:cNvPr>
+          <p:cNvSpPr>
+            <a:spLocks noGrp="1"/>
+          </p:cNvSpPr>
+          <p:nvPr>
+            <p:ph idx="1"/>
+          </p:nvPr>
+        </p:nvSpPr>
+        <p:spPr/>
+        <p:txBody>
+          <a:bodyPr/>
+          <a:lstStyle/>
+          <a:p>
+            <a:r>
+              <a:rPr lang="en-US" dirty="0"/>
+              <a:t>What happens when you click “Run” on your IDE?</a:t>
+            </a:r>
+          </a:p>
+          <a:p>
+            <a:pPr lvl="1"/>
+            <a:r>
+              <a:rPr lang="en-US" dirty="0"/>
+              <a:t>“python name_of_your_script.py” in the background</a:t>
+            </a:r>
+          </a:p>
+          <a:p>
+            <a:pPr lvl="1"/>
+            <a:r>
+              <a:rPr lang="en-US" dirty="0"/>
+              <a:t>The directory where your script is run is the </a:t>
+            </a:r>
+            <a:r>
+              <a:rPr lang="en-US" b="1" dirty="0"/>
+              <a:t>working directory</a:t>
+            </a:r>
+          </a:p>
+          <a:p>
+            <a:pPr lvl="1"/>
+            <a:r>
+              <a:rPr lang="en-US" dirty="0"/>
+              <a:t>It’s important to know, for relative paths, e.g. “../data/myfile.txt”</a:t>
+            </a:r>
+          </a:p>
+          <a:p>
+            <a:pPr lvl="1"/>
+            <a:r>
+              <a:rPr lang="en-US" dirty="0"/>
+              <a:t>For example, Spyder and </a:t>
+            </a:r>
+            <a:r>
+              <a:rPr lang="en-US" dirty="0" err="1"/>
+              <a:t>VSCode</a:t>
+            </a:r>
+            <a:r>
+              <a:rPr lang="en-US" dirty="0"/>
+              <a:t> used different choices of </a:t>
+            </a:r>
+            <a:r>
+              <a:rPr lang="en-US" b="1" dirty="0"/>
+              <a:t>wd</a:t>
+            </a:r>
+            <a:endParaRPr lang="en-US" dirty="0"/>
+          </a:p>
+          <a:p>
+            <a:pPr lvl="1"/>
+            <a:r>
+              <a:rPr lang="en-US" dirty="0"/>
+              <a:t>In doubt, check working directory with </a:t>
+            </a:r>
+            <a:r>
+              <a:rPr lang="en-US" b="1" dirty="0" err="1"/>
+              <a:t>pwd</a:t>
+            </a:r>
+            <a:r>
+              <a:rPr lang="en-US" b="1" dirty="0"/>
+              <a:t>()</a:t>
+            </a:r>
+          </a:p>
+          <a:p>
+            <a:pPr lvl="1"/>
+            <a:r>
+              <a:rPr lang="en-US" dirty="0"/>
+              <a:t>You can change the working directory in the code, if needed</a:t>
+            </a:r>
+          </a:p>
+          <a:p>
+            <a:r>
+              <a:rPr lang="en-US" dirty="0"/>
+              <a:t>In general, get used to Google around for information</a:t>
+            </a:r>
+          </a:p>
+          <a:p>
+            <a:r>
+              <a:rPr lang="en-US" dirty="0"/>
+              <a:t>Or ask </a:t>
+            </a:r>
+            <a:r>
+              <a:rPr lang="en-US" dirty="0" err="1"/>
+              <a:t>ChatGPT</a:t>
+            </a:r>
+            <a:r>
+              <a:rPr lang="en-US" dirty="0"/>
+              <a:t>/Copilot (but beware!)</a:t>
+            </a:r>
+          </a:p>
+        </p:txBody>
+      </p:sp>
+      <p:sp>
+        <p:nvSpPr>
+          <p:cNvPr id="4" name="Espace réservé du numéro de diapositive 3">
+            <a:extLst>
+              <a:ext uri="{FF2B5EF4-FFF2-40B4-BE49-F238E27FC236}">
+                <a16:creationId xmlns:a16="http://schemas.microsoft.com/office/drawing/2014/main" id="{F8FF3FE8-265F-4B4F-AD8B-80E598716E0B}"/>
+              </a:ext>
+            </a:extLst>
+          </p:cNvPr>
+          <p:cNvSpPr>
+            <a:spLocks noGrp="1"/>
+          </p:cNvSpPr>
+          <p:nvPr>
+            <p:ph type="sldNum" sz="quarter" idx="12"/>
+          </p:nvPr>
+        </p:nvSpPr>
+        <p:spPr/>
+        <p:txBody>
+          <a:bodyPr/>
+          <a:lstStyle/>
+          <a:p>
+            <a:fld id="{19485C6F-9B8D-4FB9-A42B-A9ABFED612B1}" type="slidenum">
+              <a:rPr lang="en-US" smtClean="0"/>
+              <a:pPr/>
+              <a:t>9</a:t>
+            </a:fld>
+            <a:endParaRPr lang="en-US" dirty="0"/>
+          </a:p>
+        </p:txBody>
+      </p:sp>
+      <p:sp>
+        <p:nvSpPr>
+          <p:cNvPr id="5" name="Espace réservé du pied de page 4">
+            <a:extLst>
+              <a:ext uri="{FF2B5EF4-FFF2-40B4-BE49-F238E27FC236}">
+                <a16:creationId xmlns:a16="http://schemas.microsoft.com/office/drawing/2014/main" id="{9FF08DA1-440A-47CD-8BAA-2EF95AFD765F}"/>
+              </a:ext>
+            </a:extLst>
+          </p:cNvPr>
+          <p:cNvSpPr>
+            <a:spLocks noGrp="1"/>
+          </p:cNvSpPr>
+          <p:nvPr>
+            <p:ph type="ftr" sz="quarter" idx="3"/>
+          </p:nvPr>
+        </p:nvSpPr>
+        <p:spPr/>
+        <p:txBody>
+          <a:bodyPr/>
+          <a:lstStyle/>
+          <a:p>
+            <a:r>
+              <a:rPr lang="en-US"/>
+              <a:t>alberto.tonda@inrae.fr</a:t>
+            </a:r>
+            <a:endParaRPr lang="en-US" dirty="0"/>
+          </a:p>
+        </p:txBody>
+      </p:sp>
+    </p:spTree>
+    <p:extLst>
+      <p:ext uri="{BB962C8B-B14F-4D97-AF65-F5344CB8AC3E}">
+        <p14:creationId xmlns:p14="http://schemas.microsoft.com/office/powerpoint/2010/main" val="4156638391"/>
       </p:ext>
     </p:extLst>
   </p:cSld>

--- a/crash-course-on-data-science/coding.pptx
+++ b/crash-course-on-data-science/coding.pptx
@@ -5,7 +5,7 @@
     <p:sldMasterId id="2147483648" r:id="rId1"/>
   </p:sldMasterIdLst>
   <p:notesMasterIdLst>
-    <p:notesMasterId r:id="rId25"/>
+    <p:notesMasterId r:id="rId28"/>
   </p:notesMasterIdLst>
   <p:sldIdLst>
     <p:sldId id="256" r:id="rId2"/>
@@ -23,14 +23,17 @@
     <p:sldId id="285" r:id="rId14"/>
     <p:sldId id="284" r:id="rId15"/>
     <p:sldId id="259" r:id="rId16"/>
-    <p:sldId id="260" r:id="rId17"/>
-    <p:sldId id="261" r:id="rId18"/>
-    <p:sldId id="271" r:id="rId19"/>
-    <p:sldId id="268" r:id="rId20"/>
-    <p:sldId id="272" r:id="rId21"/>
-    <p:sldId id="275" r:id="rId22"/>
-    <p:sldId id="274" r:id="rId23"/>
-    <p:sldId id="258" r:id="rId24"/>
+    <p:sldId id="286" r:id="rId17"/>
+    <p:sldId id="260" r:id="rId18"/>
+    <p:sldId id="288" r:id="rId19"/>
+    <p:sldId id="287" r:id="rId20"/>
+    <p:sldId id="261" r:id="rId21"/>
+    <p:sldId id="271" r:id="rId22"/>
+    <p:sldId id="268" r:id="rId23"/>
+    <p:sldId id="272" r:id="rId24"/>
+    <p:sldId id="275" r:id="rId25"/>
+    <p:sldId id="274" r:id="rId26"/>
+    <p:sldId id="258" r:id="rId27"/>
   </p:sldIdLst>
   <p:sldSz cx="12192000" cy="6858000"/>
   <p:notesSz cx="6858000" cy="9144000"/>
@@ -552,7 +555,7 @@
           <a:p>
             <a:fld id="{4338B25A-8E43-4ED4-988F-D80E12CACC31}" type="slidenum">
               <a:rPr lang="en-US" smtClean="0"/>
-              <a:t>19</a:t>
+              <a:t>22</a:t>
             </a:fld>
             <a:endParaRPr lang="en-US"/>
           </a:p>
@@ -639,7 +642,7 @@
           <a:p>
             <a:fld id="{4338B25A-8E43-4ED4-988F-D80E12CACC31}" type="slidenum">
               <a:rPr lang="en-US" smtClean="0"/>
-              <a:t>20</a:t>
+              <a:t>23</a:t>
             </a:fld>
             <a:endParaRPr lang="en-US"/>
           </a:p>
@@ -7786,6 +7789,13 @@
               <a:t>So, if you try to modify an immutable, you create a copy</a:t>
             </a:r>
           </a:p>
+          <a:p>
+            <a:pPr lvl="1"/>
+            <a:r>
+              <a:rPr lang="en-US" dirty="0"/>
+              <a:t>In practice, it works as assignment by value</a:t>
+            </a:r>
+          </a:p>
         </p:txBody>
       </p:sp>
       <p:sp>
@@ -8123,7 +8133,7 @@
           <p:cNvPr id="2" name="Titre 1">
             <a:extLst>
               <a:ext uri="{FF2B5EF4-FFF2-40B4-BE49-F238E27FC236}">
-                <a16:creationId xmlns:a16="http://schemas.microsoft.com/office/drawing/2014/main" id="{8BDC1C79-3712-4555-BC3B-AF890545EA3A}"/>
+                <a16:creationId xmlns:a16="http://schemas.microsoft.com/office/drawing/2014/main" id="{A5031C47-A8F0-4F37-9C31-574B10DC8C5B}"/>
               </a:ext>
             </a:extLst>
           </p:cNvPr>
@@ -8141,7 +8151,7 @@
           <a:p>
             <a:r>
               <a:rPr lang="en-US" dirty="0"/>
-              <a:t>Coding</a:t>
+              <a:t>Coding: loops</a:t>
             </a:r>
           </a:p>
         </p:txBody>
@@ -8151,7 +8161,7 @@
           <p:cNvPr id="3" name="Espace réservé du contenu 2">
             <a:extLst>
               <a:ext uri="{FF2B5EF4-FFF2-40B4-BE49-F238E27FC236}">
-                <a16:creationId xmlns:a16="http://schemas.microsoft.com/office/drawing/2014/main" id="{73943AA8-7AB9-4354-9552-3862CBD12F45}"/>
+                <a16:creationId xmlns:a16="http://schemas.microsoft.com/office/drawing/2014/main" id="{713BEA49-CB07-4A3C-B897-241D95CF7574}"/>
               </a:ext>
             </a:extLst>
           </p:cNvPr>
@@ -8169,44 +8179,34 @@
           <a:p>
             <a:r>
               <a:rPr lang="en-US" dirty="0"/>
-              <a:t>Organize your code</a:t>
-            </a:r>
-          </a:p>
-          <a:p>
-            <a:pPr lvl="1"/>
-            <a:r>
-              <a:rPr lang="en-US" dirty="0"/>
-              <a:t>Instead of cut/pasting your code</a:t>
-            </a:r>
-          </a:p>
-          <a:p>
-            <a:pPr lvl="1"/>
-            <a:r>
-              <a:rPr lang="en-US" dirty="0"/>
-              <a:t>Define functions</a:t>
-            </a:r>
-          </a:p>
-          <a:p>
+              <a:t>Python easily iterates over elements in list or </a:t>
+            </a:r>
+            <a:r>
+              <a:rPr lang="en-US" dirty="0" err="1"/>
+              <a:t>dict</a:t>
+            </a:r>
             <a:endParaRPr lang="en-US" dirty="0"/>
           </a:p>
           <a:p>
-            <a:r>
-              <a:rPr lang="en-US" dirty="0"/>
-              <a:t>Different views</a:t>
-            </a:r>
-          </a:p>
-          <a:p>
-            <a:pPr lvl="1"/>
-            <a:r>
-              <a:rPr lang="en-US" dirty="0"/>
-              <a:t>Classic: structures and functions</a:t>
-            </a:r>
-          </a:p>
-          <a:p>
-            <a:pPr lvl="1"/>
-            <a:r>
-              <a:rPr lang="en-US" dirty="0"/>
-              <a:t>Object-oriented: classes, attributes and methods</a:t>
+            <a:endParaRPr lang="en-US" dirty="0"/>
+          </a:p>
+          <a:p>
+            <a:endParaRPr lang="en-US" dirty="0"/>
+          </a:p>
+          <a:p>
+            <a:endParaRPr lang="en-US" dirty="0"/>
+          </a:p>
+          <a:p>
+            <a:endParaRPr lang="en-US" dirty="0"/>
+          </a:p>
+          <a:p>
+            <a:r>
+              <a:rPr lang="en-US" dirty="0"/>
+              <a:t>Sometimes you need an index; use </a:t>
+            </a:r>
+            <a:r>
+              <a:rPr lang="en-US" b="1" dirty="0"/>
+              <a:t>enumerate</a:t>
             </a:r>
           </a:p>
         </p:txBody>
@@ -8216,7 +8216,7 @@
           <p:cNvPr id="4" name="Espace réservé du numéro de diapositive 3">
             <a:extLst>
               <a:ext uri="{FF2B5EF4-FFF2-40B4-BE49-F238E27FC236}">
-                <a16:creationId xmlns:a16="http://schemas.microsoft.com/office/drawing/2014/main" id="{12F96116-575B-4BBC-9573-48DE09C821B3}"/>
+                <a16:creationId xmlns:a16="http://schemas.microsoft.com/office/drawing/2014/main" id="{5E67868E-6006-4C28-A2AA-166EEA23F51B}"/>
               </a:ext>
             </a:extLst>
           </p:cNvPr>
@@ -8246,7 +8246,7 @@
           <p:cNvPr id="5" name="Espace réservé du pied de page 4">
             <a:extLst>
               <a:ext uri="{FF2B5EF4-FFF2-40B4-BE49-F238E27FC236}">
-                <a16:creationId xmlns:a16="http://schemas.microsoft.com/office/drawing/2014/main" id="{86EAEA05-3EAB-414E-95EB-8870885E8473}"/>
+                <a16:creationId xmlns:a16="http://schemas.microsoft.com/office/drawing/2014/main" id="{053ED2F0-2E57-48C3-AA10-2D44C0341727}"/>
               </a:ext>
             </a:extLst>
           </p:cNvPr>
@@ -8270,10 +8270,70 @@
           </a:p>
         </p:txBody>
       </p:sp>
+      <p:pic>
+        <p:nvPicPr>
+          <p:cNvPr id="7" name="Image 6">
+            <a:extLst>
+              <a:ext uri="{FF2B5EF4-FFF2-40B4-BE49-F238E27FC236}">
+                <a16:creationId xmlns:a16="http://schemas.microsoft.com/office/drawing/2014/main" id="{6E142CFF-382E-45B1-BB2C-758F9E216D1F}"/>
+              </a:ext>
+            </a:extLst>
+          </p:cNvPr>
+          <p:cNvPicPr>
+            <a:picLocks noChangeAspect="1"/>
+          </p:cNvPicPr>
+          <p:nvPr/>
+        </p:nvPicPr>
+        <p:blipFill>
+          <a:blip r:embed="rId2"/>
+          <a:stretch>
+            <a:fillRect/>
+          </a:stretch>
+        </p:blipFill>
+        <p:spPr>
+          <a:xfrm>
+            <a:off x="979066" y="2017524"/>
+            <a:ext cx="4163006" cy="2219635"/>
+          </a:xfrm>
+          <a:prstGeom prst="rect">
+            <a:avLst/>
+          </a:prstGeom>
+        </p:spPr>
+      </p:pic>
+      <p:pic>
+        <p:nvPicPr>
+          <p:cNvPr id="9" name="Image 8">
+            <a:extLst>
+              <a:ext uri="{FF2B5EF4-FFF2-40B4-BE49-F238E27FC236}">
+                <a16:creationId xmlns:a16="http://schemas.microsoft.com/office/drawing/2014/main" id="{CD8D94B9-C962-4E24-9AB7-FA9D892CF700}"/>
+              </a:ext>
+            </a:extLst>
+          </p:cNvPr>
+          <p:cNvPicPr>
+            <a:picLocks noChangeAspect="1"/>
+          </p:cNvPicPr>
+          <p:nvPr/>
+        </p:nvPicPr>
+        <p:blipFill>
+          <a:blip r:embed="rId3"/>
+          <a:stretch>
+            <a:fillRect/>
+          </a:stretch>
+        </p:blipFill>
+        <p:spPr>
+          <a:xfrm>
+            <a:off x="979066" y="4934835"/>
+            <a:ext cx="7017121" cy="922321"/>
+          </a:xfrm>
+          <a:prstGeom prst="rect">
+            <a:avLst/>
+          </a:prstGeom>
+        </p:spPr>
+      </p:pic>
     </p:spTree>
     <p:extLst>
       <p:ext uri="{BB962C8B-B14F-4D97-AF65-F5344CB8AC3E}">
-        <p14:creationId xmlns:p14="http://schemas.microsoft.com/office/powerpoint/2010/main" val="187935611"/>
+        <p14:creationId xmlns:p14="http://schemas.microsoft.com/office/powerpoint/2010/main" val="1201838930"/>
       </p:ext>
     </p:extLst>
   </p:cSld>
@@ -8305,7 +8365,7 @@
           <p:cNvPr id="2" name="Titre 1">
             <a:extLst>
               <a:ext uri="{FF2B5EF4-FFF2-40B4-BE49-F238E27FC236}">
-                <a16:creationId xmlns:a16="http://schemas.microsoft.com/office/drawing/2014/main" id="{6E42CA09-64CE-4FF0-A4E9-1A8FD7565AA5}"/>
+                <a16:creationId xmlns:a16="http://schemas.microsoft.com/office/drawing/2014/main" id="{8BDC1C79-3712-4555-BC3B-AF890545EA3A}"/>
               </a:ext>
             </a:extLst>
           </p:cNvPr>
@@ -8321,7 +8381,10 @@
           <a:bodyPr/>
           <a:lstStyle/>
           <a:p>
-            <a:endParaRPr lang="en-US"/>
+            <a:r>
+              <a:rPr lang="en-US" dirty="0"/>
+              <a:t>Coding: organizing your code</a:t>
+            </a:r>
           </a:p>
         </p:txBody>
       </p:sp>
@@ -8330,7 +8393,7 @@
           <p:cNvPr id="3" name="Espace réservé du contenu 2">
             <a:extLst>
               <a:ext uri="{FF2B5EF4-FFF2-40B4-BE49-F238E27FC236}">
-                <a16:creationId xmlns:a16="http://schemas.microsoft.com/office/drawing/2014/main" id="{A7B88AE9-578A-47C0-AF9F-2F80262FC84D}"/>
+                <a16:creationId xmlns:a16="http://schemas.microsoft.com/office/drawing/2014/main" id="{73943AA8-7AB9-4354-9552-3862CBD12F45}"/>
               </a:ext>
             </a:extLst>
           </p:cNvPr>
@@ -8346,7 +8409,62 @@
           <a:bodyPr/>
           <a:lstStyle/>
           <a:p>
-            <a:endParaRPr lang="en-US"/>
+            <a:r>
+              <a:rPr lang="en-US" dirty="0"/>
+              <a:t>Organize your code</a:t>
+            </a:r>
+          </a:p>
+          <a:p>
+            <a:pPr lvl="1"/>
+            <a:r>
+              <a:rPr lang="en-US" dirty="0"/>
+              <a:t>Instead of cut/pasting your code</a:t>
+            </a:r>
+          </a:p>
+          <a:p>
+            <a:pPr lvl="1"/>
+            <a:r>
+              <a:rPr lang="en-US" dirty="0"/>
+              <a:t>Define functions, structures, objects</a:t>
+            </a:r>
+          </a:p>
+          <a:p>
+            <a:r>
+              <a:rPr lang="en-US" dirty="0"/>
+              <a:t>Functions</a:t>
+            </a:r>
+          </a:p>
+          <a:p>
+            <a:pPr lvl="1"/>
+            <a:r>
+              <a:rPr lang="en-US" dirty="0"/>
+              <a:t>Isolated parts (scopes) of code</a:t>
+            </a:r>
+          </a:p>
+          <a:p>
+            <a:pPr lvl="1"/>
+            <a:r>
+              <a:rPr lang="en-US" dirty="0"/>
+              <a:t>Useful when called multiple times, or to reason in isolation</a:t>
+            </a:r>
+          </a:p>
+          <a:p>
+            <a:pPr lvl="1"/>
+            <a:r>
+              <a:rPr lang="en-US" dirty="0"/>
+              <a:t>Everything stays inside, but beware of </a:t>
+            </a:r>
+            <a:r>
+              <a:rPr lang="en-US" b="1" dirty="0"/>
+              <a:t>references</a:t>
+            </a:r>
+            <a:r>
+              <a:rPr lang="en-US" dirty="0"/>
+              <a:t>!</a:t>
+            </a:r>
+          </a:p>
+          <a:p>
+            <a:endParaRPr lang="en-US" dirty="0"/>
           </a:p>
         </p:txBody>
       </p:sp>
@@ -8355,7 +8473,7 @@
           <p:cNvPr id="4" name="Espace réservé du numéro de diapositive 3">
             <a:extLst>
               <a:ext uri="{FF2B5EF4-FFF2-40B4-BE49-F238E27FC236}">
-                <a16:creationId xmlns:a16="http://schemas.microsoft.com/office/drawing/2014/main" id="{FCD88183-8AD3-4A8B-99A3-51A0D1C004ED}"/>
+                <a16:creationId xmlns:a16="http://schemas.microsoft.com/office/drawing/2014/main" id="{12F96116-575B-4BBC-9573-48DE09C821B3}"/>
               </a:ext>
             </a:extLst>
           </p:cNvPr>
@@ -8375,6 +8493,733 @@
               <a:rPr lang="en-US" smtClean="0"/>
               <a:pPr/>
               <a:t>17</a:t>
+            </a:fld>
+            <a:endParaRPr lang="en-US" dirty="0"/>
+          </a:p>
+        </p:txBody>
+      </p:sp>
+      <p:sp>
+        <p:nvSpPr>
+          <p:cNvPr id="5" name="Espace réservé du pied de page 4">
+            <a:extLst>
+              <a:ext uri="{FF2B5EF4-FFF2-40B4-BE49-F238E27FC236}">
+                <a16:creationId xmlns:a16="http://schemas.microsoft.com/office/drawing/2014/main" id="{86EAEA05-3EAB-414E-95EB-8870885E8473}"/>
+              </a:ext>
+            </a:extLst>
+          </p:cNvPr>
+          <p:cNvSpPr>
+            <a:spLocks noGrp="1"/>
+          </p:cNvSpPr>
+          <p:nvPr>
+            <p:ph type="ftr" sz="quarter" idx="3"/>
+          </p:nvPr>
+        </p:nvSpPr>
+        <p:spPr/>
+        <p:txBody>
+          <a:bodyPr/>
+          <a:lstStyle/>
+          <a:p>
+            <a:r>
+              <a:rPr lang="en-US"/>
+              <a:t>alberto.tonda@inrae.fr</a:t>
+            </a:r>
+            <a:endParaRPr lang="en-US" dirty="0"/>
+          </a:p>
+        </p:txBody>
+      </p:sp>
+      <p:pic>
+        <p:nvPicPr>
+          <p:cNvPr id="7" name="Image 6">
+            <a:extLst>
+              <a:ext uri="{FF2B5EF4-FFF2-40B4-BE49-F238E27FC236}">
+                <a16:creationId xmlns:a16="http://schemas.microsoft.com/office/drawing/2014/main" id="{B0D52E08-6544-4E50-92A1-AC9778DCBC2D}"/>
+              </a:ext>
+            </a:extLst>
+          </p:cNvPr>
+          <p:cNvPicPr>
+            <a:picLocks noChangeAspect="1"/>
+          </p:cNvPicPr>
+          <p:nvPr/>
+        </p:nvPicPr>
+        <p:blipFill>
+          <a:blip r:embed="rId2"/>
+          <a:stretch>
+            <a:fillRect/>
+          </a:stretch>
+        </p:blipFill>
+        <p:spPr>
+          <a:xfrm>
+            <a:off x="1018607" y="4850624"/>
+            <a:ext cx="9840169" cy="1326339"/>
+          </a:xfrm>
+          <a:prstGeom prst="rect">
+            <a:avLst/>
+          </a:prstGeom>
+        </p:spPr>
+      </p:pic>
+    </p:spTree>
+    <p:extLst>
+      <p:ext uri="{BB962C8B-B14F-4D97-AF65-F5344CB8AC3E}">
+        <p14:creationId xmlns:p14="http://schemas.microsoft.com/office/powerpoint/2010/main" val="187935611"/>
+      </p:ext>
+    </p:extLst>
+  </p:cSld>
+  <p:clrMapOvr>
+    <a:masterClrMapping/>
+  </p:clrMapOvr>
+</p:sld>
+</file>
+
+<file path=ppt/slides/slide18.xml><?xml version="1.0" encoding="utf-8"?>
+<p:sld xmlns:a="http://schemas.openxmlformats.org/drawingml/2006/main" xmlns:r="http://schemas.openxmlformats.org/officeDocument/2006/relationships" xmlns:p="http://schemas.openxmlformats.org/presentationml/2006/main">
+  <p:cSld>
+    <p:spTree>
+      <p:nvGrpSpPr>
+        <p:cNvPr id="1" name=""/>
+        <p:cNvGrpSpPr/>
+        <p:nvPr/>
+      </p:nvGrpSpPr>
+      <p:grpSpPr>
+        <a:xfrm>
+          <a:off x="0" y="0"/>
+          <a:ext cx="0" cy="0"/>
+          <a:chOff x="0" y="0"/>
+          <a:chExt cx="0" cy="0"/>
+        </a:xfrm>
+      </p:grpSpPr>
+      <p:sp>
+        <p:nvSpPr>
+          <p:cNvPr id="2" name="Titre 1">
+            <a:extLst>
+              <a:ext uri="{FF2B5EF4-FFF2-40B4-BE49-F238E27FC236}">
+                <a16:creationId xmlns:a16="http://schemas.microsoft.com/office/drawing/2014/main" id="{957C94B6-49A6-4318-81FD-E472B7A3F0E8}"/>
+              </a:ext>
+            </a:extLst>
+          </p:cNvPr>
+          <p:cNvSpPr>
+            <a:spLocks noGrp="1"/>
+          </p:cNvSpPr>
+          <p:nvPr>
+            <p:ph type="title"/>
+          </p:nvPr>
+        </p:nvSpPr>
+        <p:spPr/>
+        <p:txBody>
+          <a:bodyPr/>
+          <a:lstStyle/>
+          <a:p>
+            <a:r>
+              <a:rPr lang="en-US" dirty="0"/>
+              <a:t>Coding: organize your code</a:t>
+            </a:r>
+          </a:p>
+        </p:txBody>
+      </p:sp>
+      <p:sp>
+        <p:nvSpPr>
+          <p:cNvPr id="3" name="Espace réservé du contenu 2">
+            <a:extLst>
+              <a:ext uri="{FF2B5EF4-FFF2-40B4-BE49-F238E27FC236}">
+                <a16:creationId xmlns:a16="http://schemas.microsoft.com/office/drawing/2014/main" id="{CF264AF9-5E29-4816-9500-76F0B82BDD22}"/>
+              </a:ext>
+            </a:extLst>
+          </p:cNvPr>
+          <p:cNvSpPr>
+            <a:spLocks noGrp="1"/>
+          </p:cNvSpPr>
+          <p:nvPr>
+            <p:ph idx="1"/>
+          </p:nvPr>
+        </p:nvSpPr>
+        <p:spPr/>
+        <p:txBody>
+          <a:bodyPr/>
+          <a:lstStyle/>
+          <a:p>
+            <a:r>
+              <a:rPr lang="en-US" dirty="0"/>
+              <a:t>Structures are collections of variables</a:t>
+            </a:r>
+          </a:p>
+          <a:p>
+            <a:pPr lvl="1"/>
+            <a:r>
+              <a:rPr lang="en-US" dirty="0"/>
+              <a:t>Useful when you have information related to the same thing</a:t>
+            </a:r>
+          </a:p>
+          <a:p>
+            <a:pPr lvl="1"/>
+            <a:r>
+              <a:rPr lang="en-US" dirty="0"/>
+              <a:t>E.g. a person’s name, surname, age, …</a:t>
+            </a:r>
+          </a:p>
+          <a:p>
+            <a:r>
+              <a:rPr lang="en-US" dirty="0"/>
+              <a:t>In Python it’s probably better to use </a:t>
+            </a:r>
+            <a:r>
+              <a:rPr lang="en-US" dirty="0" err="1"/>
+              <a:t>dicts</a:t>
+            </a:r>
+            <a:r>
+              <a:rPr lang="en-US" dirty="0"/>
+              <a:t> or Classes</a:t>
+            </a:r>
+          </a:p>
+        </p:txBody>
+      </p:sp>
+      <p:sp>
+        <p:nvSpPr>
+          <p:cNvPr id="4" name="Espace réservé du numéro de diapositive 3">
+            <a:extLst>
+              <a:ext uri="{FF2B5EF4-FFF2-40B4-BE49-F238E27FC236}">
+                <a16:creationId xmlns:a16="http://schemas.microsoft.com/office/drawing/2014/main" id="{B1CE3AF0-C134-4BD7-B03A-29CB30BF4257}"/>
+              </a:ext>
+            </a:extLst>
+          </p:cNvPr>
+          <p:cNvSpPr>
+            <a:spLocks noGrp="1"/>
+          </p:cNvSpPr>
+          <p:nvPr>
+            <p:ph type="sldNum" sz="quarter" idx="12"/>
+          </p:nvPr>
+        </p:nvSpPr>
+        <p:spPr/>
+        <p:txBody>
+          <a:bodyPr/>
+          <a:lstStyle/>
+          <a:p>
+            <a:fld id="{19485C6F-9B8D-4FB9-A42B-A9ABFED612B1}" type="slidenum">
+              <a:rPr lang="en-US" smtClean="0"/>
+              <a:pPr/>
+              <a:t>18</a:t>
+            </a:fld>
+            <a:endParaRPr lang="en-US" dirty="0"/>
+          </a:p>
+        </p:txBody>
+      </p:sp>
+      <p:sp>
+        <p:nvSpPr>
+          <p:cNvPr id="5" name="Espace réservé du pied de page 4">
+            <a:extLst>
+              <a:ext uri="{FF2B5EF4-FFF2-40B4-BE49-F238E27FC236}">
+                <a16:creationId xmlns:a16="http://schemas.microsoft.com/office/drawing/2014/main" id="{1B6181A2-7B26-4815-A0D2-2330026A455A}"/>
+              </a:ext>
+            </a:extLst>
+          </p:cNvPr>
+          <p:cNvSpPr>
+            <a:spLocks noGrp="1"/>
+          </p:cNvSpPr>
+          <p:nvPr>
+            <p:ph type="ftr" sz="quarter" idx="3"/>
+          </p:nvPr>
+        </p:nvSpPr>
+        <p:spPr/>
+        <p:txBody>
+          <a:bodyPr/>
+          <a:lstStyle/>
+          <a:p>
+            <a:r>
+              <a:rPr lang="en-US"/>
+              <a:t>alberto.tonda@inrae.fr</a:t>
+            </a:r>
+            <a:endParaRPr lang="en-US" dirty="0"/>
+          </a:p>
+        </p:txBody>
+      </p:sp>
+      <p:pic>
+        <p:nvPicPr>
+          <p:cNvPr id="7" name="Image 6">
+            <a:extLst>
+              <a:ext uri="{FF2B5EF4-FFF2-40B4-BE49-F238E27FC236}">
+                <a16:creationId xmlns:a16="http://schemas.microsoft.com/office/drawing/2014/main" id="{538008E6-87ED-4682-BA4E-EA3BBD30D5C9}"/>
+              </a:ext>
+            </a:extLst>
+          </p:cNvPr>
+          <p:cNvPicPr>
+            <a:picLocks noChangeAspect="1"/>
+          </p:cNvPicPr>
+          <p:nvPr/>
+        </p:nvPicPr>
+        <p:blipFill>
+          <a:blip r:embed="rId2"/>
+          <a:stretch>
+            <a:fillRect/>
+          </a:stretch>
+        </p:blipFill>
+        <p:spPr>
+          <a:xfrm>
+            <a:off x="464445" y="3590038"/>
+            <a:ext cx="5229955" cy="752580"/>
+          </a:xfrm>
+          <a:prstGeom prst="rect">
+            <a:avLst/>
+          </a:prstGeom>
+        </p:spPr>
+      </p:pic>
+      <p:pic>
+        <p:nvPicPr>
+          <p:cNvPr id="9" name="Image 8">
+            <a:extLst>
+              <a:ext uri="{FF2B5EF4-FFF2-40B4-BE49-F238E27FC236}">
+                <a16:creationId xmlns:a16="http://schemas.microsoft.com/office/drawing/2014/main" id="{1EF9DC9C-29D8-45D6-83C4-225E05940AC5}"/>
+              </a:ext>
+            </a:extLst>
+          </p:cNvPr>
+          <p:cNvPicPr>
+            <a:picLocks noChangeAspect="1"/>
+          </p:cNvPicPr>
+          <p:nvPr/>
+        </p:nvPicPr>
+        <p:blipFill>
+          <a:blip r:embed="rId3"/>
+          <a:stretch>
+            <a:fillRect/>
+          </a:stretch>
+        </p:blipFill>
+        <p:spPr>
+          <a:xfrm>
+            <a:off x="5940226" y="3590038"/>
+            <a:ext cx="4884944" cy="2726294"/>
+          </a:xfrm>
+          <a:prstGeom prst="rect">
+            <a:avLst/>
+          </a:prstGeom>
+        </p:spPr>
+      </p:pic>
+    </p:spTree>
+    <p:extLst>
+      <p:ext uri="{BB962C8B-B14F-4D97-AF65-F5344CB8AC3E}">
+        <p14:creationId xmlns:p14="http://schemas.microsoft.com/office/powerpoint/2010/main" val="1024655154"/>
+      </p:ext>
+    </p:extLst>
+  </p:cSld>
+  <p:clrMapOvr>
+    <a:masterClrMapping/>
+  </p:clrMapOvr>
+</p:sld>
+</file>
+
+<file path=ppt/slides/slide19.xml><?xml version="1.0" encoding="utf-8"?>
+<p:sld xmlns:a="http://schemas.openxmlformats.org/drawingml/2006/main" xmlns:r="http://schemas.openxmlformats.org/officeDocument/2006/relationships" xmlns:p="http://schemas.openxmlformats.org/presentationml/2006/main">
+  <p:cSld>
+    <p:spTree>
+      <p:nvGrpSpPr>
+        <p:cNvPr id="1" name=""/>
+        <p:cNvGrpSpPr/>
+        <p:nvPr/>
+      </p:nvGrpSpPr>
+      <p:grpSpPr>
+        <a:xfrm>
+          <a:off x="0" y="0"/>
+          <a:ext cx="0" cy="0"/>
+          <a:chOff x="0" y="0"/>
+          <a:chExt cx="0" cy="0"/>
+        </a:xfrm>
+      </p:grpSpPr>
+      <p:sp>
+        <p:nvSpPr>
+          <p:cNvPr id="2" name="Titre 1">
+            <a:extLst>
+              <a:ext uri="{FF2B5EF4-FFF2-40B4-BE49-F238E27FC236}">
+                <a16:creationId xmlns:a16="http://schemas.microsoft.com/office/drawing/2014/main" id="{BF11B1D0-B6D2-4AF6-A772-C3DD538F0F49}"/>
+              </a:ext>
+            </a:extLst>
+          </p:cNvPr>
+          <p:cNvSpPr>
+            <a:spLocks noGrp="1"/>
+          </p:cNvSpPr>
+          <p:nvPr>
+            <p:ph type="title"/>
+          </p:nvPr>
+        </p:nvSpPr>
+        <p:spPr/>
+        <p:txBody>
+          <a:bodyPr/>
+          <a:lstStyle/>
+          <a:p>
+            <a:r>
+              <a:rPr lang="en-US" dirty="0"/>
+              <a:t>Coding: organizing your code</a:t>
+            </a:r>
+          </a:p>
+        </p:txBody>
+      </p:sp>
+      <p:sp>
+        <p:nvSpPr>
+          <p:cNvPr id="3" name="Espace réservé du contenu 2">
+            <a:extLst>
+              <a:ext uri="{FF2B5EF4-FFF2-40B4-BE49-F238E27FC236}">
+                <a16:creationId xmlns:a16="http://schemas.microsoft.com/office/drawing/2014/main" id="{4AC11C63-D27A-4664-BF3E-D5DBF4BC9C15}"/>
+              </a:ext>
+            </a:extLst>
+          </p:cNvPr>
+          <p:cNvSpPr>
+            <a:spLocks noGrp="1"/>
+          </p:cNvSpPr>
+          <p:nvPr>
+            <p:ph idx="1"/>
+          </p:nvPr>
+        </p:nvSpPr>
+        <p:spPr/>
+        <p:txBody>
+          <a:bodyPr/>
+          <a:lstStyle/>
+          <a:p>
+            <a:r>
+              <a:rPr lang="en-US" dirty="0"/>
+              <a:t>Different views</a:t>
+            </a:r>
+          </a:p>
+          <a:p>
+            <a:pPr lvl="1"/>
+            <a:r>
+              <a:rPr lang="en-US" dirty="0"/>
+              <a:t>Classic: structures and functions</a:t>
+            </a:r>
+          </a:p>
+          <a:p>
+            <a:pPr lvl="1"/>
+            <a:r>
+              <a:rPr lang="en-US" dirty="0"/>
+              <a:t>Object-oriented: classes</a:t>
+            </a:r>
+            <a:r>
+              <a:rPr lang="en-US"/>
+              <a:t>, attributes, </a:t>
+            </a:r>
+            <a:r>
+              <a:rPr lang="en-US" dirty="0"/>
+              <a:t>and methods</a:t>
+            </a:r>
+          </a:p>
+          <a:p>
+            <a:endParaRPr lang="en-US" dirty="0"/>
+          </a:p>
+        </p:txBody>
+      </p:sp>
+      <p:sp>
+        <p:nvSpPr>
+          <p:cNvPr id="4" name="Espace réservé du numéro de diapositive 3">
+            <a:extLst>
+              <a:ext uri="{FF2B5EF4-FFF2-40B4-BE49-F238E27FC236}">
+                <a16:creationId xmlns:a16="http://schemas.microsoft.com/office/drawing/2014/main" id="{DF707E6C-87E0-4AE3-9314-DF1904F28487}"/>
+              </a:ext>
+            </a:extLst>
+          </p:cNvPr>
+          <p:cNvSpPr>
+            <a:spLocks noGrp="1"/>
+          </p:cNvSpPr>
+          <p:nvPr>
+            <p:ph type="sldNum" sz="quarter" idx="12"/>
+          </p:nvPr>
+        </p:nvSpPr>
+        <p:spPr/>
+        <p:txBody>
+          <a:bodyPr/>
+          <a:lstStyle/>
+          <a:p>
+            <a:fld id="{19485C6F-9B8D-4FB9-A42B-A9ABFED612B1}" type="slidenum">
+              <a:rPr lang="en-US" smtClean="0"/>
+              <a:pPr/>
+              <a:t>19</a:t>
+            </a:fld>
+            <a:endParaRPr lang="en-US" dirty="0"/>
+          </a:p>
+        </p:txBody>
+      </p:sp>
+      <p:sp>
+        <p:nvSpPr>
+          <p:cNvPr id="5" name="Espace réservé du pied de page 4">
+            <a:extLst>
+              <a:ext uri="{FF2B5EF4-FFF2-40B4-BE49-F238E27FC236}">
+                <a16:creationId xmlns:a16="http://schemas.microsoft.com/office/drawing/2014/main" id="{4BF2867E-8F20-4E95-A853-AC8F2ADDF965}"/>
+              </a:ext>
+            </a:extLst>
+          </p:cNvPr>
+          <p:cNvSpPr>
+            <a:spLocks noGrp="1"/>
+          </p:cNvSpPr>
+          <p:nvPr>
+            <p:ph type="ftr" sz="quarter" idx="3"/>
+          </p:nvPr>
+        </p:nvSpPr>
+        <p:spPr/>
+        <p:txBody>
+          <a:bodyPr/>
+          <a:lstStyle/>
+          <a:p>
+            <a:r>
+              <a:rPr lang="en-US"/>
+              <a:t>alberto.tonda@inrae.fr</a:t>
+            </a:r>
+            <a:endParaRPr lang="en-US" dirty="0"/>
+          </a:p>
+        </p:txBody>
+      </p:sp>
+    </p:spTree>
+    <p:extLst>
+      <p:ext uri="{BB962C8B-B14F-4D97-AF65-F5344CB8AC3E}">
+        <p14:creationId xmlns:p14="http://schemas.microsoft.com/office/powerpoint/2010/main" val="2807782304"/>
+      </p:ext>
+    </p:extLst>
+  </p:cSld>
+  <p:clrMapOvr>
+    <a:masterClrMapping/>
+  </p:clrMapOvr>
+</p:sld>
+</file>
+
+<file path=ppt/slides/slide2.xml><?xml version="1.0" encoding="utf-8"?>
+<p:sld xmlns:a="http://schemas.openxmlformats.org/drawingml/2006/main" xmlns:r="http://schemas.openxmlformats.org/officeDocument/2006/relationships" xmlns:p="http://schemas.openxmlformats.org/presentationml/2006/main">
+  <p:cSld>
+    <p:spTree>
+      <p:nvGrpSpPr>
+        <p:cNvPr id="1" name=""/>
+        <p:cNvGrpSpPr/>
+        <p:nvPr/>
+      </p:nvGrpSpPr>
+      <p:grpSpPr>
+        <a:xfrm>
+          <a:off x="0" y="0"/>
+          <a:ext cx="0" cy="0"/>
+          <a:chOff x="0" y="0"/>
+          <a:chExt cx="0" cy="0"/>
+        </a:xfrm>
+      </p:grpSpPr>
+      <p:sp>
+        <p:nvSpPr>
+          <p:cNvPr id="2" name="Titre 1">
+            <a:extLst>
+              <a:ext uri="{FF2B5EF4-FFF2-40B4-BE49-F238E27FC236}">
+                <a16:creationId xmlns:a16="http://schemas.microsoft.com/office/drawing/2014/main" id="{06EE9B5F-431E-4E93-8BEE-6FCA1A206038}"/>
+              </a:ext>
+            </a:extLst>
+          </p:cNvPr>
+          <p:cNvSpPr>
+            <a:spLocks noGrp="1"/>
+          </p:cNvSpPr>
+          <p:nvPr>
+            <p:ph type="title"/>
+          </p:nvPr>
+        </p:nvSpPr>
+        <p:spPr/>
+        <p:txBody>
+          <a:bodyPr/>
+          <a:lstStyle/>
+          <a:p>
+            <a:r>
+              <a:rPr lang="en-US" dirty="0"/>
+              <a:t>Another example of title for a slide</a:t>
+            </a:r>
+          </a:p>
+        </p:txBody>
+      </p:sp>
+      <p:sp>
+        <p:nvSpPr>
+          <p:cNvPr id="3" name="Espace réservé du contenu 2">
+            <a:extLst>
+              <a:ext uri="{FF2B5EF4-FFF2-40B4-BE49-F238E27FC236}">
+                <a16:creationId xmlns:a16="http://schemas.microsoft.com/office/drawing/2014/main" id="{114D34B0-1657-4C3B-BF82-5779557B2C00}"/>
+              </a:ext>
+            </a:extLst>
+          </p:cNvPr>
+          <p:cNvSpPr>
+            <a:spLocks noGrp="1"/>
+          </p:cNvSpPr>
+          <p:nvPr>
+            <p:ph idx="1"/>
+          </p:nvPr>
+        </p:nvSpPr>
+        <p:spPr/>
+        <p:txBody>
+          <a:bodyPr/>
+          <a:lstStyle/>
+          <a:p>
+            <a:r>
+              <a:rPr lang="en-US" dirty="0"/>
+              <a:t>This is some text</a:t>
+            </a:r>
+          </a:p>
+          <a:p>
+            <a:pPr lvl="1"/>
+            <a:r>
+              <a:rPr lang="en-US" dirty="0"/>
+              <a:t>And some smaller text</a:t>
+            </a:r>
+          </a:p>
+        </p:txBody>
+      </p:sp>
+      <p:sp>
+        <p:nvSpPr>
+          <p:cNvPr id="4" name="Espace réservé du numéro de diapositive 3">
+            <a:extLst>
+              <a:ext uri="{FF2B5EF4-FFF2-40B4-BE49-F238E27FC236}">
+                <a16:creationId xmlns:a16="http://schemas.microsoft.com/office/drawing/2014/main" id="{58FB3158-76D3-4740-9104-AA0F0CCBA2DB}"/>
+              </a:ext>
+            </a:extLst>
+          </p:cNvPr>
+          <p:cNvSpPr>
+            <a:spLocks noGrp="1"/>
+          </p:cNvSpPr>
+          <p:nvPr>
+            <p:ph type="sldNum" sz="quarter" idx="12"/>
+          </p:nvPr>
+        </p:nvSpPr>
+        <p:spPr/>
+        <p:txBody>
+          <a:bodyPr/>
+          <a:lstStyle/>
+          <a:p>
+            <a:fld id="{19485C6F-9B8D-4FB9-A42B-A9ABFED612B1}" type="slidenum">
+              <a:rPr lang="en-US" smtClean="0"/>
+              <a:pPr/>
+              <a:t>2</a:t>
+            </a:fld>
+            <a:endParaRPr lang="en-US" dirty="0"/>
+          </a:p>
+        </p:txBody>
+      </p:sp>
+      <p:sp>
+        <p:nvSpPr>
+          <p:cNvPr id="5" name="Espace réservé du pied de page 4">
+            <a:extLst>
+              <a:ext uri="{FF2B5EF4-FFF2-40B4-BE49-F238E27FC236}">
+                <a16:creationId xmlns:a16="http://schemas.microsoft.com/office/drawing/2014/main" id="{1F20EC01-BAEE-4961-BDB9-1ACD4B20A14B}"/>
+              </a:ext>
+            </a:extLst>
+          </p:cNvPr>
+          <p:cNvSpPr>
+            <a:spLocks noGrp="1"/>
+          </p:cNvSpPr>
+          <p:nvPr>
+            <p:ph type="ftr" sz="quarter" idx="3"/>
+          </p:nvPr>
+        </p:nvSpPr>
+        <p:spPr/>
+        <p:txBody>
+          <a:bodyPr/>
+          <a:lstStyle/>
+          <a:p>
+            <a:r>
+              <a:rPr lang="en-US"/>
+              <a:t>alberto.tonda@inrae.fr</a:t>
+            </a:r>
+            <a:endParaRPr lang="en-US" dirty="0"/>
+          </a:p>
+        </p:txBody>
+      </p:sp>
+    </p:spTree>
+    <p:extLst>
+      <p:ext uri="{BB962C8B-B14F-4D97-AF65-F5344CB8AC3E}">
+        <p14:creationId xmlns:p14="http://schemas.microsoft.com/office/powerpoint/2010/main" val="2056123029"/>
+      </p:ext>
+    </p:extLst>
+  </p:cSld>
+  <p:clrMapOvr>
+    <a:masterClrMapping/>
+  </p:clrMapOvr>
+</p:sld>
+</file>
+
+<file path=ppt/slides/slide20.xml><?xml version="1.0" encoding="utf-8"?>
+<p:sld xmlns:a="http://schemas.openxmlformats.org/drawingml/2006/main" xmlns:r="http://schemas.openxmlformats.org/officeDocument/2006/relationships" xmlns:p="http://schemas.openxmlformats.org/presentationml/2006/main">
+  <p:cSld>
+    <p:spTree>
+      <p:nvGrpSpPr>
+        <p:cNvPr id="1" name=""/>
+        <p:cNvGrpSpPr/>
+        <p:nvPr/>
+      </p:nvGrpSpPr>
+      <p:grpSpPr>
+        <a:xfrm>
+          <a:off x="0" y="0"/>
+          <a:ext cx="0" cy="0"/>
+          <a:chOff x="0" y="0"/>
+          <a:chExt cx="0" cy="0"/>
+        </a:xfrm>
+      </p:grpSpPr>
+      <p:sp>
+        <p:nvSpPr>
+          <p:cNvPr id="2" name="Titre 1">
+            <a:extLst>
+              <a:ext uri="{FF2B5EF4-FFF2-40B4-BE49-F238E27FC236}">
+                <a16:creationId xmlns:a16="http://schemas.microsoft.com/office/drawing/2014/main" id="{6E42CA09-64CE-4FF0-A4E9-1A8FD7565AA5}"/>
+              </a:ext>
+            </a:extLst>
+          </p:cNvPr>
+          <p:cNvSpPr>
+            <a:spLocks noGrp="1"/>
+          </p:cNvSpPr>
+          <p:nvPr>
+            <p:ph type="title"/>
+          </p:nvPr>
+        </p:nvSpPr>
+        <p:spPr/>
+        <p:txBody>
+          <a:bodyPr/>
+          <a:lstStyle/>
+          <a:p>
+            <a:r>
+              <a:rPr lang="en-US" dirty="0"/>
+              <a:t>Parallel processes</a:t>
+            </a:r>
+          </a:p>
+        </p:txBody>
+      </p:sp>
+      <p:sp>
+        <p:nvSpPr>
+          <p:cNvPr id="3" name="Espace réservé du contenu 2">
+            <a:extLst>
+              <a:ext uri="{FF2B5EF4-FFF2-40B4-BE49-F238E27FC236}">
+                <a16:creationId xmlns:a16="http://schemas.microsoft.com/office/drawing/2014/main" id="{A7B88AE9-578A-47C0-AF9F-2F80262FC84D}"/>
+              </a:ext>
+            </a:extLst>
+          </p:cNvPr>
+          <p:cNvSpPr>
+            <a:spLocks noGrp="1"/>
+          </p:cNvSpPr>
+          <p:nvPr>
+            <p:ph idx="1"/>
+          </p:nvPr>
+        </p:nvSpPr>
+        <p:spPr/>
+        <p:txBody>
+          <a:bodyPr/>
+          <a:lstStyle/>
+          <a:p>
+            <a:endParaRPr lang="en-US"/>
+          </a:p>
+        </p:txBody>
+      </p:sp>
+      <p:sp>
+        <p:nvSpPr>
+          <p:cNvPr id="4" name="Espace réservé du numéro de diapositive 3">
+            <a:extLst>
+              <a:ext uri="{FF2B5EF4-FFF2-40B4-BE49-F238E27FC236}">
+                <a16:creationId xmlns:a16="http://schemas.microsoft.com/office/drawing/2014/main" id="{FCD88183-8AD3-4A8B-99A3-51A0D1C004ED}"/>
+              </a:ext>
+            </a:extLst>
+          </p:cNvPr>
+          <p:cNvSpPr>
+            <a:spLocks noGrp="1"/>
+          </p:cNvSpPr>
+          <p:nvPr>
+            <p:ph type="sldNum" sz="quarter" idx="12"/>
+          </p:nvPr>
+        </p:nvSpPr>
+        <p:spPr/>
+        <p:txBody>
+          <a:bodyPr/>
+          <a:lstStyle/>
+          <a:p>
+            <a:fld id="{19485C6F-9B8D-4FB9-A42B-A9ABFED612B1}" type="slidenum">
+              <a:rPr lang="en-US" smtClean="0"/>
+              <a:pPr/>
+              <a:t>20</a:t>
             </a:fld>
             <a:endParaRPr lang="en-US" dirty="0"/>
           </a:p>
@@ -8469,7 +9314,7 @@
 </p:sld>
 </file>
 
-<file path=ppt/slides/slide18.xml><?xml version="1.0" encoding="utf-8"?>
+<file path=ppt/slides/slide21.xml><?xml version="1.0" encoding="utf-8"?>
 <p:sld xmlns:a="http://schemas.openxmlformats.org/drawingml/2006/main" xmlns:r="http://schemas.openxmlformats.org/officeDocument/2006/relationships" xmlns:p="http://schemas.openxmlformats.org/presentationml/2006/main">
   <p:cSld>
     <p:spTree>
@@ -8638,7 +9483,7 @@
             <a:fld id="{19485C6F-9B8D-4FB9-A42B-A9ABFED612B1}" type="slidenum">
               <a:rPr lang="en-US" smtClean="0"/>
               <a:pPr/>
-              <a:t>18</a:t>
+              <a:t>21</a:t>
             </a:fld>
             <a:endParaRPr lang="en-US" dirty="0"/>
           </a:p>
@@ -8686,7 +9531,7 @@
 </p:sld>
 </file>
 
-<file path=ppt/slides/slide19.xml><?xml version="1.0" encoding="utf-8"?>
+<file path=ppt/slides/slide22.xml><?xml version="1.0" encoding="utf-8"?>
 <p:sld xmlns:a="http://schemas.openxmlformats.org/drawingml/2006/main" xmlns:r="http://schemas.openxmlformats.org/officeDocument/2006/relationships" xmlns:p="http://schemas.openxmlformats.org/presentationml/2006/main">
   <p:cSld>
     <p:spTree>
@@ -8834,7 +9679,7 @@
             <a:fld id="{19485C6F-9B8D-4FB9-A42B-A9ABFED612B1}" type="slidenum">
               <a:rPr lang="en-US" smtClean="0"/>
               <a:pPr/>
-              <a:t>19</a:t>
+              <a:t>22</a:t>
             </a:fld>
             <a:endParaRPr lang="en-US" dirty="0"/>
           </a:p>
@@ -8941,7 +9786,7 @@
 </p:sld>
 </file>
 
-<file path=ppt/slides/slide2.xml><?xml version="1.0" encoding="utf-8"?>
+<file path=ppt/slides/slide23.xml><?xml version="1.0" encoding="utf-8"?>
 <p:sld xmlns:a="http://schemas.openxmlformats.org/drawingml/2006/main" xmlns:r="http://schemas.openxmlformats.org/officeDocument/2006/relationships" xmlns:p="http://schemas.openxmlformats.org/presentationml/2006/main">
   <p:cSld>
     <p:spTree>
@@ -8963,7 +9808,7 @@
           <p:cNvPr id="2" name="Titre 1">
             <a:extLst>
               <a:ext uri="{FF2B5EF4-FFF2-40B4-BE49-F238E27FC236}">
-                <a16:creationId xmlns:a16="http://schemas.microsoft.com/office/drawing/2014/main" id="{06EE9B5F-431E-4E93-8BEE-6FCA1A206038}"/>
+                <a16:creationId xmlns:a16="http://schemas.microsoft.com/office/drawing/2014/main" id="{11AA7657-B445-4588-B44B-05E7C5D89804}"/>
               </a:ext>
             </a:extLst>
           </p:cNvPr>
@@ -8981,7 +9826,7 @@
           <a:p>
             <a:r>
               <a:rPr lang="en-US" dirty="0"/>
-              <a:t>Another example of title for a slide</a:t>
+              <a:t>Make your code understandable</a:t>
             </a:r>
           </a:p>
         </p:txBody>
@@ -8991,7 +9836,7 @@
           <p:cNvPr id="3" name="Espace réservé du contenu 2">
             <a:extLst>
               <a:ext uri="{FF2B5EF4-FFF2-40B4-BE49-F238E27FC236}">
-                <a16:creationId xmlns:a16="http://schemas.microsoft.com/office/drawing/2014/main" id="{114D34B0-1657-4C3B-BF82-5779557B2C00}"/>
+                <a16:creationId xmlns:a16="http://schemas.microsoft.com/office/drawing/2014/main" id="{95B83C3D-D63B-4FD1-97B5-240DEF099865}"/>
               </a:ext>
             </a:extLst>
           </p:cNvPr>
@@ -9009,14 +9854,39 @@
           <a:p>
             <a:r>
               <a:rPr lang="en-US" dirty="0"/>
-              <a:t>This is some text</a:t>
-            </a:r>
-          </a:p>
-          <a:p>
-            <a:pPr lvl="1"/>
-            <a:r>
-              <a:rPr lang="en-US" dirty="0"/>
-              <a:t>And some smaller text</a:t>
+              <a:t>IDEs can create </a:t>
+            </a:r>
+            <a:r>
+              <a:rPr lang="en-US" u="sng" dirty="0"/>
+              <a:t>special comments</a:t>
+            </a:r>
+            <a:r>
+              <a:rPr lang="en-US" dirty="0"/>
+              <a:t> for functions</a:t>
+            </a:r>
+          </a:p>
+          <a:p>
+            <a:r>
+              <a:rPr lang="en-US" dirty="0"/>
+              <a:t>Can be </a:t>
+            </a:r>
+            <a:r>
+              <a:rPr lang="en-US" b="1" dirty="0"/>
+              <a:t>automatically extracted</a:t>
+            </a:r>
+            <a:r>
+              <a:rPr lang="en-US" dirty="0"/>
+              <a:t> to create </a:t>
+            </a:r>
+            <a:r>
+              <a:rPr lang="en-US" b="1" dirty="0"/>
+              <a:t>documentation</a:t>
+            </a:r>
+          </a:p>
+          <a:p>
+            <a:r>
+              <a:rPr lang="en-US" dirty="0"/>
+              <a:t>More work now, for less work later…?</a:t>
             </a:r>
           </a:p>
         </p:txBody>
@@ -9026,7 +9896,7 @@
           <p:cNvPr id="4" name="Espace réservé du numéro de diapositive 3">
             <a:extLst>
               <a:ext uri="{FF2B5EF4-FFF2-40B4-BE49-F238E27FC236}">
-                <a16:creationId xmlns:a16="http://schemas.microsoft.com/office/drawing/2014/main" id="{58FB3158-76D3-4740-9104-AA0F0CCBA2DB}"/>
+                <a16:creationId xmlns:a16="http://schemas.microsoft.com/office/drawing/2014/main" id="{12A6A17C-2079-4CBD-8B29-F928226B3BF4}"/>
               </a:ext>
             </a:extLst>
           </p:cNvPr>
@@ -9045,184 +9915,7 @@
             <a:fld id="{19485C6F-9B8D-4FB9-A42B-A9ABFED612B1}" type="slidenum">
               <a:rPr lang="en-US" smtClean="0"/>
               <a:pPr/>
-              <a:t>2</a:t>
-            </a:fld>
-            <a:endParaRPr lang="en-US" dirty="0"/>
-          </a:p>
-        </p:txBody>
-      </p:sp>
-      <p:sp>
-        <p:nvSpPr>
-          <p:cNvPr id="5" name="Espace réservé du pied de page 4">
-            <a:extLst>
-              <a:ext uri="{FF2B5EF4-FFF2-40B4-BE49-F238E27FC236}">
-                <a16:creationId xmlns:a16="http://schemas.microsoft.com/office/drawing/2014/main" id="{1F20EC01-BAEE-4961-BDB9-1ACD4B20A14B}"/>
-              </a:ext>
-            </a:extLst>
-          </p:cNvPr>
-          <p:cNvSpPr>
-            <a:spLocks noGrp="1"/>
-          </p:cNvSpPr>
-          <p:nvPr>
-            <p:ph type="ftr" sz="quarter" idx="3"/>
-          </p:nvPr>
-        </p:nvSpPr>
-        <p:spPr/>
-        <p:txBody>
-          <a:bodyPr/>
-          <a:lstStyle/>
-          <a:p>
-            <a:r>
-              <a:rPr lang="en-US"/>
-              <a:t>alberto.tonda@inrae.fr</a:t>
-            </a:r>
-            <a:endParaRPr lang="en-US" dirty="0"/>
-          </a:p>
-        </p:txBody>
-      </p:sp>
-    </p:spTree>
-    <p:extLst>
-      <p:ext uri="{BB962C8B-B14F-4D97-AF65-F5344CB8AC3E}">
-        <p14:creationId xmlns:p14="http://schemas.microsoft.com/office/powerpoint/2010/main" val="2056123029"/>
-      </p:ext>
-    </p:extLst>
-  </p:cSld>
-  <p:clrMapOvr>
-    <a:masterClrMapping/>
-  </p:clrMapOvr>
-</p:sld>
-</file>
-
-<file path=ppt/slides/slide20.xml><?xml version="1.0" encoding="utf-8"?>
-<p:sld xmlns:a="http://schemas.openxmlformats.org/drawingml/2006/main" xmlns:r="http://schemas.openxmlformats.org/officeDocument/2006/relationships" xmlns:p="http://schemas.openxmlformats.org/presentationml/2006/main">
-  <p:cSld>
-    <p:spTree>
-      <p:nvGrpSpPr>
-        <p:cNvPr id="1" name=""/>
-        <p:cNvGrpSpPr/>
-        <p:nvPr/>
-      </p:nvGrpSpPr>
-      <p:grpSpPr>
-        <a:xfrm>
-          <a:off x="0" y="0"/>
-          <a:ext cx="0" cy="0"/>
-          <a:chOff x="0" y="0"/>
-          <a:chExt cx="0" cy="0"/>
-        </a:xfrm>
-      </p:grpSpPr>
-      <p:sp>
-        <p:nvSpPr>
-          <p:cNvPr id="2" name="Titre 1">
-            <a:extLst>
-              <a:ext uri="{FF2B5EF4-FFF2-40B4-BE49-F238E27FC236}">
-                <a16:creationId xmlns:a16="http://schemas.microsoft.com/office/drawing/2014/main" id="{11AA7657-B445-4588-B44B-05E7C5D89804}"/>
-              </a:ext>
-            </a:extLst>
-          </p:cNvPr>
-          <p:cNvSpPr>
-            <a:spLocks noGrp="1"/>
-          </p:cNvSpPr>
-          <p:nvPr>
-            <p:ph type="title"/>
-          </p:nvPr>
-        </p:nvSpPr>
-        <p:spPr/>
-        <p:txBody>
-          <a:bodyPr/>
-          <a:lstStyle/>
-          <a:p>
-            <a:r>
-              <a:rPr lang="en-US" dirty="0"/>
-              <a:t>Make your code understandable</a:t>
-            </a:r>
-          </a:p>
-        </p:txBody>
-      </p:sp>
-      <p:sp>
-        <p:nvSpPr>
-          <p:cNvPr id="3" name="Espace réservé du contenu 2">
-            <a:extLst>
-              <a:ext uri="{FF2B5EF4-FFF2-40B4-BE49-F238E27FC236}">
-                <a16:creationId xmlns:a16="http://schemas.microsoft.com/office/drawing/2014/main" id="{95B83C3D-D63B-4FD1-97B5-240DEF099865}"/>
-              </a:ext>
-            </a:extLst>
-          </p:cNvPr>
-          <p:cNvSpPr>
-            <a:spLocks noGrp="1"/>
-          </p:cNvSpPr>
-          <p:nvPr>
-            <p:ph idx="1"/>
-          </p:nvPr>
-        </p:nvSpPr>
-        <p:spPr/>
-        <p:txBody>
-          <a:bodyPr/>
-          <a:lstStyle/>
-          <a:p>
-            <a:r>
-              <a:rPr lang="en-US" dirty="0"/>
-              <a:t>IDEs can create </a:t>
-            </a:r>
-            <a:r>
-              <a:rPr lang="en-US" u="sng" dirty="0"/>
-              <a:t>special comments</a:t>
-            </a:r>
-            <a:r>
-              <a:rPr lang="en-US" dirty="0"/>
-              <a:t> for functions</a:t>
-            </a:r>
-          </a:p>
-          <a:p>
-            <a:r>
-              <a:rPr lang="en-US" dirty="0"/>
-              <a:t>Can be </a:t>
-            </a:r>
-            <a:r>
-              <a:rPr lang="en-US" b="1" dirty="0"/>
-              <a:t>automatically extracted</a:t>
-            </a:r>
-            <a:r>
-              <a:rPr lang="en-US" dirty="0"/>
-              <a:t> to create </a:t>
-            </a:r>
-            <a:r>
-              <a:rPr lang="en-US" b="1" dirty="0"/>
-              <a:t>documentation</a:t>
-            </a:r>
-          </a:p>
-          <a:p>
-            <a:r>
-              <a:rPr lang="en-US" dirty="0"/>
-              <a:t>More work now, for less work later…?</a:t>
-            </a:r>
-          </a:p>
-        </p:txBody>
-      </p:sp>
-      <p:sp>
-        <p:nvSpPr>
-          <p:cNvPr id="4" name="Espace réservé du numéro de diapositive 3">
-            <a:extLst>
-              <a:ext uri="{FF2B5EF4-FFF2-40B4-BE49-F238E27FC236}">
-                <a16:creationId xmlns:a16="http://schemas.microsoft.com/office/drawing/2014/main" id="{12A6A17C-2079-4CBD-8B29-F928226B3BF4}"/>
-              </a:ext>
-            </a:extLst>
-          </p:cNvPr>
-          <p:cNvSpPr>
-            <a:spLocks noGrp="1"/>
-          </p:cNvSpPr>
-          <p:nvPr>
-            <p:ph type="sldNum" sz="quarter" idx="12"/>
-          </p:nvPr>
-        </p:nvSpPr>
-        <p:spPr/>
-        <p:txBody>
-          <a:bodyPr/>
-          <a:lstStyle/>
-          <a:p>
-            <a:fld id="{19485C6F-9B8D-4FB9-A42B-A9ABFED612B1}" type="slidenum">
-              <a:rPr lang="en-US" smtClean="0"/>
-              <a:pPr/>
-              <a:t>20</a:t>
+              <a:t>23</a:t>
             </a:fld>
             <a:endParaRPr lang="en-US" dirty="0"/>
           </a:p>
@@ -9329,7 +10022,7 @@
 </p:sld>
 </file>
 
-<file path=ppt/slides/slide21.xml><?xml version="1.0" encoding="utf-8"?>
+<file path=ppt/slides/slide24.xml><?xml version="1.0" encoding="utf-8"?>
 <p:sld xmlns:a="http://schemas.openxmlformats.org/drawingml/2006/main" xmlns:r="http://schemas.openxmlformats.org/officeDocument/2006/relationships" xmlns:p="http://schemas.openxmlformats.org/presentationml/2006/main">
   <p:cSld>
     <p:spTree>
@@ -9452,7 +10145,7 @@
             <a:fld id="{19485C6F-9B8D-4FB9-A42B-A9ABFED612B1}" type="slidenum">
               <a:rPr lang="en-US" smtClean="0"/>
               <a:pPr/>
-              <a:t>21</a:t>
+              <a:t>24</a:t>
             </a:fld>
             <a:endParaRPr lang="en-US" dirty="0"/>
           </a:p>
@@ -9500,7 +10193,7 @@
 </p:sld>
 </file>
 
-<file path=ppt/slides/slide22.xml><?xml version="1.0" encoding="utf-8"?>
+<file path=ppt/slides/slide25.xml><?xml version="1.0" encoding="utf-8"?>
 <p:sld xmlns:a="http://schemas.openxmlformats.org/drawingml/2006/main" xmlns:r="http://schemas.openxmlformats.org/officeDocument/2006/relationships" xmlns:p="http://schemas.openxmlformats.org/presentationml/2006/main">
   <p:cSld>
     <p:spTree>
@@ -9633,7 +10326,7 @@
             <a:fld id="{19485C6F-9B8D-4FB9-A42B-A9ABFED612B1}" type="slidenum">
               <a:rPr lang="en-US" smtClean="0"/>
               <a:pPr/>
-              <a:t>22</a:t>
+              <a:t>25</a:t>
             </a:fld>
             <a:endParaRPr lang="en-US" dirty="0"/>
           </a:p>
@@ -9681,7 +10374,7 @@
 </p:sld>
 </file>
 
-<file path=ppt/slides/slide23.xml><?xml version="1.0" encoding="utf-8"?>
+<file path=ppt/slides/slide26.xml><?xml version="1.0" encoding="utf-8"?>
 <p:sld xmlns:a="http://schemas.openxmlformats.org/drawingml/2006/main" xmlns:r="http://schemas.openxmlformats.org/officeDocument/2006/relationships" xmlns:p="http://schemas.openxmlformats.org/presentationml/2006/main">
   <p:cSld>
     <p:spTree>
@@ -9777,7 +10470,7 @@
             <a:fld id="{19485C6F-9B8D-4FB9-A42B-A9ABFED612B1}" type="slidenum">
               <a:rPr lang="en-US" smtClean="0"/>
               <a:pPr/>
-              <a:t>23</a:t>
+              <a:t>26</a:t>
             </a:fld>
             <a:endParaRPr lang="en-US" dirty="0"/>
           </a:p>

--- a/crash-course-on-data-science/coding.pptx
+++ b/crash-course-on-data-science/coding.pptx
@@ -5,7 +5,7 @@
     <p:sldMasterId id="2147483648" r:id="rId1"/>
   </p:sldMasterIdLst>
   <p:notesMasterIdLst>
-    <p:notesMasterId r:id="rId28"/>
+    <p:notesMasterId r:id="rId32"/>
   </p:notesMasterIdLst>
   <p:sldIdLst>
     <p:sldId id="256" r:id="rId2"/>
@@ -27,13 +27,17 @@
     <p:sldId id="260" r:id="rId18"/>
     <p:sldId id="288" r:id="rId19"/>
     <p:sldId id="287" r:id="rId20"/>
-    <p:sldId id="261" r:id="rId21"/>
-    <p:sldId id="271" r:id="rId22"/>
-    <p:sldId id="268" r:id="rId23"/>
-    <p:sldId id="272" r:id="rId24"/>
-    <p:sldId id="275" r:id="rId25"/>
-    <p:sldId id="274" r:id="rId26"/>
-    <p:sldId id="258" r:id="rId27"/>
+    <p:sldId id="289" r:id="rId21"/>
+    <p:sldId id="290" r:id="rId22"/>
+    <p:sldId id="291" r:id="rId23"/>
+    <p:sldId id="292" r:id="rId24"/>
+    <p:sldId id="261" r:id="rId25"/>
+    <p:sldId id="271" r:id="rId26"/>
+    <p:sldId id="268" r:id="rId27"/>
+    <p:sldId id="272" r:id="rId28"/>
+    <p:sldId id="275" r:id="rId29"/>
+    <p:sldId id="274" r:id="rId30"/>
+    <p:sldId id="258" r:id="rId31"/>
   </p:sldIdLst>
   <p:sldSz cx="12192000" cy="6858000"/>
   <p:notesSz cx="6858000" cy="9144000"/>
@@ -555,7 +559,7 @@
           <a:p>
             <a:fld id="{4338B25A-8E43-4ED4-988F-D80E12CACC31}" type="slidenum">
               <a:rPr lang="en-US" smtClean="0"/>
-              <a:t>22</a:t>
+              <a:t>26</a:t>
             </a:fld>
             <a:endParaRPr lang="en-US"/>
           </a:p>
@@ -642,7 +646,7 @@
           <a:p>
             <a:fld id="{4338B25A-8E43-4ED4-988F-D80E12CACC31}" type="slidenum">
               <a:rPr lang="en-US" smtClean="0"/>
-              <a:t>23</a:t>
+              <a:t>27</a:t>
             </a:fld>
             <a:endParaRPr lang="en-US"/>
           </a:p>
@@ -5376,7 +5380,7 @@
           </a:solidFill>
           <a:ln>
             <a:solidFill>
-              <a:schemeClr val="tx2"/>
+              <a:schemeClr val="tx1"/>
             </a:solidFill>
           </a:ln>
         </p:spPr>
@@ -8610,7 +8614,7 @@
           <a:p>
             <a:r>
               <a:rPr lang="en-US" dirty="0"/>
-              <a:t>Coding: organize your code</a:t>
+              <a:t>Coding: organizing your code</a:t>
             </a:r>
           </a:p>
         </p:txBody>
@@ -8658,15 +8662,7 @@
           <a:p>
             <a:r>
               <a:rPr lang="en-US" dirty="0"/>
-              <a:t>In Python it’s probably better to use </a:t>
-            </a:r>
-            <a:r>
-              <a:rPr lang="en-US" dirty="0" err="1"/>
-              <a:t>dicts</a:t>
-            </a:r>
-            <a:r>
-              <a:rPr lang="en-US" dirty="0"/>
-              <a:t> or Classes</a:t>
+              <a:t>In Python it’s probably better to use dictionaries or Classes</a:t>
             </a:r>
           </a:p>
         </p:txBody>
@@ -8885,15 +8881,47 @@
             <a:pPr lvl="1"/>
             <a:r>
               <a:rPr lang="en-US" dirty="0"/>
-              <a:t>Object-oriented: classes</a:t>
-            </a:r>
-            <a:r>
-              <a:rPr lang="en-US"/>
-              <a:t>, attributes, </a:t>
-            </a:r>
-            <a:r>
-              <a:rPr lang="en-US" dirty="0"/>
-              <a:t>and methods</a:t>
+              <a:t>Object-oriented: classes, attributes, and methods</a:t>
+            </a:r>
+          </a:p>
+          <a:p>
+            <a:endParaRPr lang="en-US" dirty="0"/>
+          </a:p>
+          <a:p>
+            <a:r>
+              <a:rPr lang="en-US" dirty="0"/>
+              <a:t>Objects are instances of the same Class</a:t>
+            </a:r>
+          </a:p>
+          <a:p>
+            <a:pPr lvl="1"/>
+            <a:r>
+              <a:rPr lang="en-US" dirty="0"/>
+              <a:t>Each object can contain variables, called </a:t>
+            </a:r>
+            <a:r>
+              <a:rPr lang="en-US" b="1" dirty="0"/>
+              <a:t>attributes</a:t>
+            </a:r>
+            <a:endParaRPr lang="en-US" dirty="0"/>
+          </a:p>
+          <a:p>
+            <a:pPr lvl="1"/>
+            <a:r>
+              <a:rPr lang="en-US" dirty="0"/>
+              <a:t>And functions, called </a:t>
+            </a:r>
+            <a:r>
+              <a:rPr lang="en-US" b="1" dirty="0"/>
+              <a:t>methods</a:t>
+            </a:r>
+            <a:endParaRPr lang="en-US" dirty="0"/>
+          </a:p>
+          <a:p>
+            <a:pPr lvl="1"/>
+            <a:r>
+              <a:rPr lang="en-US" dirty="0"/>
+              <a:t>Why add functions to an object? Maybe you need to perform some procedure that depends on its attributes</a:t>
             </a:r>
           </a:p>
           <a:p>
@@ -9147,7 +9175,7 @@
           <p:cNvPr id="2" name="Titre 1">
             <a:extLst>
               <a:ext uri="{FF2B5EF4-FFF2-40B4-BE49-F238E27FC236}">
-                <a16:creationId xmlns:a16="http://schemas.microsoft.com/office/drawing/2014/main" id="{6E42CA09-64CE-4FF0-A4E9-1A8FD7565AA5}"/>
+                <a16:creationId xmlns:a16="http://schemas.microsoft.com/office/drawing/2014/main" id="{83568B7C-015C-4B2D-BA50-C47200081BED}"/>
               </a:ext>
             </a:extLst>
           </p:cNvPr>
@@ -9165,7 +9193,992 @@
           <a:p>
             <a:r>
               <a:rPr lang="en-US" dirty="0"/>
-              <a:t>Parallel processes</a:t>
+              <a:t>Coding: objects</a:t>
+            </a:r>
+          </a:p>
+        </p:txBody>
+      </p:sp>
+      <p:sp>
+        <p:nvSpPr>
+          <p:cNvPr id="4" name="Espace réservé du numéro de diapositive 3">
+            <a:extLst>
+              <a:ext uri="{FF2B5EF4-FFF2-40B4-BE49-F238E27FC236}">
+                <a16:creationId xmlns:a16="http://schemas.microsoft.com/office/drawing/2014/main" id="{553E7193-5922-4684-8CCF-43ED28DD73B9}"/>
+              </a:ext>
+            </a:extLst>
+          </p:cNvPr>
+          <p:cNvSpPr>
+            <a:spLocks noGrp="1"/>
+          </p:cNvSpPr>
+          <p:nvPr>
+            <p:ph type="sldNum" sz="quarter" idx="12"/>
+          </p:nvPr>
+        </p:nvSpPr>
+        <p:spPr/>
+        <p:txBody>
+          <a:bodyPr/>
+          <a:lstStyle/>
+          <a:p>
+            <a:fld id="{19485C6F-9B8D-4FB9-A42B-A9ABFED612B1}" type="slidenum">
+              <a:rPr lang="en-US" smtClean="0"/>
+              <a:pPr/>
+              <a:t>20</a:t>
+            </a:fld>
+            <a:endParaRPr lang="en-US" dirty="0"/>
+          </a:p>
+        </p:txBody>
+      </p:sp>
+      <p:sp>
+        <p:nvSpPr>
+          <p:cNvPr id="5" name="Espace réservé du pied de page 4">
+            <a:extLst>
+              <a:ext uri="{FF2B5EF4-FFF2-40B4-BE49-F238E27FC236}">
+                <a16:creationId xmlns:a16="http://schemas.microsoft.com/office/drawing/2014/main" id="{72EF49B9-3EB0-438E-8005-7065DF76BD9F}"/>
+              </a:ext>
+            </a:extLst>
+          </p:cNvPr>
+          <p:cNvSpPr>
+            <a:spLocks noGrp="1"/>
+          </p:cNvSpPr>
+          <p:nvPr>
+            <p:ph type="ftr" sz="quarter" idx="3"/>
+          </p:nvPr>
+        </p:nvSpPr>
+        <p:spPr/>
+        <p:txBody>
+          <a:bodyPr/>
+          <a:lstStyle/>
+          <a:p>
+            <a:r>
+              <a:rPr lang="en-US"/>
+              <a:t>alberto.tonda@inrae.fr</a:t>
+            </a:r>
+            <a:endParaRPr lang="en-US" dirty="0"/>
+          </a:p>
+        </p:txBody>
+      </p:sp>
+      <p:grpSp>
+        <p:nvGrpSpPr>
+          <p:cNvPr id="6" name="Groupe 5">
+            <a:extLst>
+              <a:ext uri="{FF2B5EF4-FFF2-40B4-BE49-F238E27FC236}">
+                <a16:creationId xmlns:a16="http://schemas.microsoft.com/office/drawing/2014/main" id="{ECB09EDA-DFF3-4075-A7AC-E586EC8BEC5F}"/>
+              </a:ext>
+            </a:extLst>
+          </p:cNvPr>
+          <p:cNvGrpSpPr/>
+          <p:nvPr/>
+        </p:nvGrpSpPr>
+        <p:grpSpPr>
+          <a:xfrm>
+            <a:off x="3979680" y="1147536"/>
+            <a:ext cx="1442301" cy="1612073"/>
+            <a:chOff x="1875934" y="2045617"/>
+            <a:chExt cx="1442301" cy="1612073"/>
+          </a:xfrm>
+          <a:solidFill>
+            <a:schemeClr val="accent1">
+              <a:lumMod val="60000"/>
+              <a:lumOff val="40000"/>
+            </a:schemeClr>
+          </a:solidFill>
+        </p:grpSpPr>
+        <p:sp>
+          <p:nvSpPr>
+            <p:cNvPr id="7" name="Rectangle 6">
+              <a:extLst>
+                <a:ext uri="{FF2B5EF4-FFF2-40B4-BE49-F238E27FC236}">
+                  <a16:creationId xmlns:a16="http://schemas.microsoft.com/office/drawing/2014/main" id="{D2395127-46F1-41D5-93F1-C2513335E134}"/>
+                </a:ext>
+              </a:extLst>
+            </p:cNvPr>
+            <p:cNvSpPr/>
+            <p:nvPr/>
+          </p:nvSpPr>
+          <p:spPr>
+            <a:xfrm>
+              <a:off x="1875934" y="2469913"/>
+              <a:ext cx="1442301" cy="1187777"/>
+            </a:xfrm>
+            <a:prstGeom prst="rect">
+              <a:avLst/>
+            </a:prstGeom>
+            <a:grpFill/>
+          </p:spPr>
+          <p:style>
+            <a:lnRef idx="2">
+              <a:schemeClr val="accent1">
+                <a:shade val="50000"/>
+              </a:schemeClr>
+            </a:lnRef>
+            <a:fillRef idx="1">
+              <a:schemeClr val="accent1"/>
+            </a:fillRef>
+            <a:effectRef idx="0">
+              <a:schemeClr val="accent1"/>
+            </a:effectRef>
+            <a:fontRef idx="minor">
+              <a:schemeClr val="lt1"/>
+            </a:fontRef>
+          </p:style>
+          <p:txBody>
+            <a:bodyPr rtlCol="0" anchor="ctr"/>
+            <a:lstStyle/>
+            <a:p>
+              <a:pPr algn="ctr"/>
+              <a:r>
+                <a:rPr lang="en-US" dirty="0"/>
+                <a:t>Attributes1</a:t>
+              </a:r>
+            </a:p>
+            <a:p>
+              <a:pPr algn="ctr"/>
+              <a:r>
+                <a:rPr lang="en-US" dirty="0"/>
+                <a:t>Methods</a:t>
+              </a:r>
+            </a:p>
+          </p:txBody>
+        </p:sp>
+        <p:sp>
+          <p:nvSpPr>
+            <p:cNvPr id="8" name="Rectangle 7">
+              <a:extLst>
+                <a:ext uri="{FF2B5EF4-FFF2-40B4-BE49-F238E27FC236}">
+                  <a16:creationId xmlns:a16="http://schemas.microsoft.com/office/drawing/2014/main" id="{472D7A14-8B00-45EC-BAF7-DD4E9F644376}"/>
+                </a:ext>
+              </a:extLst>
+            </p:cNvPr>
+            <p:cNvSpPr/>
+            <p:nvPr/>
+          </p:nvSpPr>
+          <p:spPr>
+            <a:xfrm>
+              <a:off x="1875934" y="2045617"/>
+              <a:ext cx="1442301" cy="414780"/>
+            </a:xfrm>
+            <a:prstGeom prst="rect">
+              <a:avLst/>
+            </a:prstGeom>
+            <a:grpFill/>
+          </p:spPr>
+          <p:style>
+            <a:lnRef idx="2">
+              <a:schemeClr val="accent1">
+                <a:shade val="50000"/>
+              </a:schemeClr>
+            </a:lnRef>
+            <a:fillRef idx="1">
+              <a:schemeClr val="accent1"/>
+            </a:fillRef>
+            <a:effectRef idx="0">
+              <a:schemeClr val="accent1"/>
+            </a:effectRef>
+            <a:fontRef idx="minor">
+              <a:schemeClr val="lt1"/>
+            </a:fontRef>
+          </p:style>
+          <p:txBody>
+            <a:bodyPr rtlCol="0" anchor="ctr"/>
+            <a:lstStyle/>
+            <a:p>
+              <a:pPr algn="ctr"/>
+              <a:r>
+                <a:rPr lang="en-US" dirty="0"/>
+                <a:t>Object A1</a:t>
+              </a:r>
+            </a:p>
+          </p:txBody>
+        </p:sp>
+      </p:grpSp>
+      <p:grpSp>
+        <p:nvGrpSpPr>
+          <p:cNvPr id="9" name="Groupe 8">
+            <a:extLst>
+              <a:ext uri="{FF2B5EF4-FFF2-40B4-BE49-F238E27FC236}">
+                <a16:creationId xmlns:a16="http://schemas.microsoft.com/office/drawing/2014/main" id="{61257474-D8C8-4A42-A89B-3A45FD7EFA96}"/>
+              </a:ext>
+            </a:extLst>
+          </p:cNvPr>
+          <p:cNvGrpSpPr/>
+          <p:nvPr/>
+        </p:nvGrpSpPr>
+        <p:grpSpPr>
+          <a:xfrm>
+            <a:off x="3979679" y="2966999"/>
+            <a:ext cx="1442301" cy="1612073"/>
+            <a:chOff x="1875934" y="2045617"/>
+            <a:chExt cx="1442301" cy="1612073"/>
+          </a:xfrm>
+          <a:solidFill>
+            <a:schemeClr val="accent1">
+              <a:lumMod val="60000"/>
+              <a:lumOff val="40000"/>
+            </a:schemeClr>
+          </a:solidFill>
+        </p:grpSpPr>
+        <p:sp>
+          <p:nvSpPr>
+            <p:cNvPr id="10" name="Rectangle 9">
+              <a:extLst>
+                <a:ext uri="{FF2B5EF4-FFF2-40B4-BE49-F238E27FC236}">
+                  <a16:creationId xmlns:a16="http://schemas.microsoft.com/office/drawing/2014/main" id="{A3D54482-DF91-44B7-B2D2-396B4F048EAD}"/>
+                </a:ext>
+              </a:extLst>
+            </p:cNvPr>
+            <p:cNvSpPr/>
+            <p:nvPr/>
+          </p:nvSpPr>
+          <p:spPr>
+            <a:xfrm>
+              <a:off x="1875934" y="2469913"/>
+              <a:ext cx="1442301" cy="1187777"/>
+            </a:xfrm>
+            <a:prstGeom prst="rect">
+              <a:avLst/>
+            </a:prstGeom>
+            <a:grpFill/>
+          </p:spPr>
+          <p:style>
+            <a:lnRef idx="2">
+              <a:schemeClr val="accent1">
+                <a:shade val="50000"/>
+              </a:schemeClr>
+            </a:lnRef>
+            <a:fillRef idx="1">
+              <a:schemeClr val="accent1"/>
+            </a:fillRef>
+            <a:effectRef idx="0">
+              <a:schemeClr val="accent1"/>
+            </a:effectRef>
+            <a:fontRef idx="minor">
+              <a:schemeClr val="lt1"/>
+            </a:fontRef>
+          </p:style>
+          <p:txBody>
+            <a:bodyPr rtlCol="0" anchor="ctr"/>
+            <a:lstStyle/>
+            <a:p>
+              <a:pPr algn="ctr"/>
+              <a:r>
+                <a:rPr lang="en-US" dirty="0"/>
+                <a:t>Attributes2</a:t>
+              </a:r>
+            </a:p>
+            <a:p>
+              <a:pPr algn="ctr"/>
+              <a:r>
+                <a:rPr lang="en-US" dirty="0"/>
+                <a:t>Methods</a:t>
+              </a:r>
+            </a:p>
+          </p:txBody>
+        </p:sp>
+        <p:sp>
+          <p:nvSpPr>
+            <p:cNvPr id="11" name="Rectangle 10">
+              <a:extLst>
+                <a:ext uri="{FF2B5EF4-FFF2-40B4-BE49-F238E27FC236}">
+                  <a16:creationId xmlns:a16="http://schemas.microsoft.com/office/drawing/2014/main" id="{AFA0008E-1037-4FCA-B271-EB4F09805684}"/>
+                </a:ext>
+              </a:extLst>
+            </p:cNvPr>
+            <p:cNvSpPr/>
+            <p:nvPr/>
+          </p:nvSpPr>
+          <p:spPr>
+            <a:xfrm>
+              <a:off x="1875934" y="2045617"/>
+              <a:ext cx="1442301" cy="414780"/>
+            </a:xfrm>
+            <a:prstGeom prst="rect">
+              <a:avLst/>
+            </a:prstGeom>
+            <a:grpFill/>
+          </p:spPr>
+          <p:style>
+            <a:lnRef idx="2">
+              <a:schemeClr val="accent1">
+                <a:shade val="50000"/>
+              </a:schemeClr>
+            </a:lnRef>
+            <a:fillRef idx="1">
+              <a:schemeClr val="accent1"/>
+            </a:fillRef>
+            <a:effectRef idx="0">
+              <a:schemeClr val="accent1"/>
+            </a:effectRef>
+            <a:fontRef idx="minor">
+              <a:schemeClr val="lt1"/>
+            </a:fontRef>
+          </p:style>
+          <p:txBody>
+            <a:bodyPr rtlCol="0" anchor="ctr"/>
+            <a:lstStyle/>
+            <a:p>
+              <a:pPr algn="ctr"/>
+              <a:r>
+                <a:rPr lang="en-US" dirty="0"/>
+                <a:t>Object A2</a:t>
+              </a:r>
+            </a:p>
+          </p:txBody>
+        </p:sp>
+      </p:grpSp>
+      <p:grpSp>
+        <p:nvGrpSpPr>
+          <p:cNvPr id="12" name="Groupe 11">
+            <a:extLst>
+              <a:ext uri="{FF2B5EF4-FFF2-40B4-BE49-F238E27FC236}">
+                <a16:creationId xmlns:a16="http://schemas.microsoft.com/office/drawing/2014/main" id="{EFB23CF7-C037-4C68-BB26-05AF53202F7A}"/>
+              </a:ext>
+            </a:extLst>
+          </p:cNvPr>
+          <p:cNvGrpSpPr/>
+          <p:nvPr/>
+        </p:nvGrpSpPr>
+        <p:grpSpPr>
+          <a:xfrm>
+            <a:off x="3979678" y="4727722"/>
+            <a:ext cx="1442301" cy="1612073"/>
+            <a:chOff x="1875934" y="2045617"/>
+            <a:chExt cx="1442301" cy="1612073"/>
+          </a:xfrm>
+          <a:solidFill>
+            <a:schemeClr val="accent1">
+              <a:lumMod val="60000"/>
+              <a:lumOff val="40000"/>
+            </a:schemeClr>
+          </a:solidFill>
+        </p:grpSpPr>
+        <p:sp>
+          <p:nvSpPr>
+            <p:cNvPr id="13" name="Rectangle 12">
+              <a:extLst>
+                <a:ext uri="{FF2B5EF4-FFF2-40B4-BE49-F238E27FC236}">
+                  <a16:creationId xmlns:a16="http://schemas.microsoft.com/office/drawing/2014/main" id="{9C6840DD-10BF-48CC-974F-CE6CB47E442A}"/>
+                </a:ext>
+              </a:extLst>
+            </p:cNvPr>
+            <p:cNvSpPr/>
+            <p:nvPr/>
+          </p:nvSpPr>
+          <p:spPr>
+            <a:xfrm>
+              <a:off x="1875934" y="2469913"/>
+              <a:ext cx="1442301" cy="1187777"/>
+            </a:xfrm>
+            <a:prstGeom prst="rect">
+              <a:avLst/>
+            </a:prstGeom>
+            <a:grpFill/>
+          </p:spPr>
+          <p:style>
+            <a:lnRef idx="2">
+              <a:schemeClr val="accent1">
+                <a:shade val="50000"/>
+              </a:schemeClr>
+            </a:lnRef>
+            <a:fillRef idx="1">
+              <a:schemeClr val="accent1"/>
+            </a:fillRef>
+            <a:effectRef idx="0">
+              <a:schemeClr val="accent1"/>
+            </a:effectRef>
+            <a:fontRef idx="minor">
+              <a:schemeClr val="lt1"/>
+            </a:fontRef>
+          </p:style>
+          <p:txBody>
+            <a:bodyPr rtlCol="0" anchor="ctr"/>
+            <a:lstStyle/>
+            <a:p>
+              <a:pPr algn="ctr"/>
+              <a:r>
+                <a:rPr lang="en-US" dirty="0"/>
+                <a:t>Attributes3</a:t>
+              </a:r>
+            </a:p>
+            <a:p>
+              <a:pPr algn="ctr"/>
+              <a:r>
+                <a:rPr lang="en-US" dirty="0"/>
+                <a:t>Methods</a:t>
+              </a:r>
+            </a:p>
+          </p:txBody>
+        </p:sp>
+        <p:sp>
+          <p:nvSpPr>
+            <p:cNvPr id="14" name="Rectangle 13">
+              <a:extLst>
+                <a:ext uri="{FF2B5EF4-FFF2-40B4-BE49-F238E27FC236}">
+                  <a16:creationId xmlns:a16="http://schemas.microsoft.com/office/drawing/2014/main" id="{F840594B-DCBD-4BEB-9D5A-43A079616428}"/>
+                </a:ext>
+              </a:extLst>
+            </p:cNvPr>
+            <p:cNvSpPr/>
+            <p:nvPr/>
+          </p:nvSpPr>
+          <p:spPr>
+            <a:xfrm>
+              <a:off x="1875934" y="2045617"/>
+              <a:ext cx="1442301" cy="414780"/>
+            </a:xfrm>
+            <a:prstGeom prst="rect">
+              <a:avLst/>
+            </a:prstGeom>
+            <a:grpFill/>
+          </p:spPr>
+          <p:style>
+            <a:lnRef idx="2">
+              <a:schemeClr val="accent1">
+                <a:shade val="50000"/>
+              </a:schemeClr>
+            </a:lnRef>
+            <a:fillRef idx="1">
+              <a:schemeClr val="accent1"/>
+            </a:fillRef>
+            <a:effectRef idx="0">
+              <a:schemeClr val="accent1"/>
+            </a:effectRef>
+            <a:fontRef idx="minor">
+              <a:schemeClr val="lt1"/>
+            </a:fontRef>
+          </p:style>
+          <p:txBody>
+            <a:bodyPr rtlCol="0" anchor="ctr"/>
+            <a:lstStyle/>
+            <a:p>
+              <a:pPr algn="ctr"/>
+              <a:r>
+                <a:rPr lang="en-US" dirty="0"/>
+                <a:t>Object A3</a:t>
+              </a:r>
+            </a:p>
+          </p:txBody>
+        </p:sp>
+      </p:grpSp>
+      <p:sp>
+        <p:nvSpPr>
+          <p:cNvPr id="15" name="Flèche : droite 14">
+            <a:extLst>
+              <a:ext uri="{FF2B5EF4-FFF2-40B4-BE49-F238E27FC236}">
+                <a16:creationId xmlns:a16="http://schemas.microsoft.com/office/drawing/2014/main" id="{AD2D03BF-E586-462E-BD12-EE928F8BF46F}"/>
+              </a:ext>
+            </a:extLst>
+          </p:cNvPr>
+          <p:cNvSpPr/>
+          <p:nvPr/>
+        </p:nvSpPr>
+        <p:spPr>
+          <a:xfrm rot="20338905">
+            <a:off x="2338105" y="2317568"/>
+            <a:ext cx="1767703" cy="463693"/>
+          </a:xfrm>
+          <a:prstGeom prst="rightArrow">
+            <a:avLst/>
+          </a:prstGeom>
+          <a:solidFill>
+            <a:schemeClr val="accent1">
+              <a:lumMod val="60000"/>
+              <a:lumOff val="40000"/>
+            </a:schemeClr>
+          </a:solidFill>
+        </p:spPr>
+        <p:style>
+          <a:lnRef idx="2">
+            <a:schemeClr val="accent1">
+              <a:shade val="50000"/>
+            </a:schemeClr>
+          </a:lnRef>
+          <a:fillRef idx="1">
+            <a:schemeClr val="accent1"/>
+          </a:fillRef>
+          <a:effectRef idx="0">
+            <a:schemeClr val="accent1"/>
+          </a:effectRef>
+          <a:fontRef idx="minor">
+            <a:schemeClr val="lt1"/>
+          </a:fontRef>
+        </p:style>
+        <p:txBody>
+          <a:bodyPr rtlCol="0" anchor="ctr"/>
+          <a:lstStyle/>
+          <a:p>
+            <a:pPr algn="ctr"/>
+            <a:endParaRPr lang="en-US"/>
+          </a:p>
+        </p:txBody>
+      </p:sp>
+      <p:sp>
+        <p:nvSpPr>
+          <p:cNvPr id="16" name="Flèche : droite 15">
+            <a:extLst>
+              <a:ext uri="{FF2B5EF4-FFF2-40B4-BE49-F238E27FC236}">
+                <a16:creationId xmlns:a16="http://schemas.microsoft.com/office/drawing/2014/main" id="{7FC88DDB-9060-48DA-86E7-22121BF6ED95}"/>
+              </a:ext>
+            </a:extLst>
+          </p:cNvPr>
+          <p:cNvSpPr/>
+          <p:nvPr/>
+        </p:nvSpPr>
+        <p:spPr>
+          <a:xfrm>
+            <a:off x="2362455" y="3360672"/>
+            <a:ext cx="1767703" cy="463693"/>
+          </a:xfrm>
+          <a:prstGeom prst="rightArrow">
+            <a:avLst/>
+          </a:prstGeom>
+          <a:solidFill>
+            <a:schemeClr val="accent1">
+              <a:lumMod val="60000"/>
+              <a:lumOff val="40000"/>
+            </a:schemeClr>
+          </a:solidFill>
+        </p:spPr>
+        <p:style>
+          <a:lnRef idx="2">
+            <a:schemeClr val="accent1">
+              <a:shade val="50000"/>
+            </a:schemeClr>
+          </a:lnRef>
+          <a:fillRef idx="1">
+            <a:schemeClr val="accent1"/>
+          </a:fillRef>
+          <a:effectRef idx="0">
+            <a:schemeClr val="accent1"/>
+          </a:effectRef>
+          <a:fontRef idx="minor">
+            <a:schemeClr val="lt1"/>
+          </a:fontRef>
+        </p:style>
+        <p:txBody>
+          <a:bodyPr rtlCol="0" anchor="ctr"/>
+          <a:lstStyle/>
+          <a:p>
+            <a:pPr algn="ctr"/>
+            <a:endParaRPr lang="en-US"/>
+          </a:p>
+        </p:txBody>
+      </p:sp>
+      <p:sp>
+        <p:nvSpPr>
+          <p:cNvPr id="17" name="Flèche : droite 16">
+            <a:extLst>
+              <a:ext uri="{FF2B5EF4-FFF2-40B4-BE49-F238E27FC236}">
+                <a16:creationId xmlns:a16="http://schemas.microsoft.com/office/drawing/2014/main" id="{8097AAAB-39F6-4AE3-9548-D98A3DFC4554}"/>
+              </a:ext>
+            </a:extLst>
+          </p:cNvPr>
+          <p:cNvSpPr/>
+          <p:nvPr/>
+        </p:nvSpPr>
+        <p:spPr>
+          <a:xfrm rot="1732692">
+            <a:off x="2388033" y="4242442"/>
+            <a:ext cx="1767703" cy="463693"/>
+          </a:xfrm>
+          <a:prstGeom prst="rightArrow">
+            <a:avLst/>
+          </a:prstGeom>
+          <a:solidFill>
+            <a:schemeClr val="accent1">
+              <a:lumMod val="60000"/>
+              <a:lumOff val="40000"/>
+            </a:schemeClr>
+          </a:solidFill>
+        </p:spPr>
+        <p:style>
+          <a:lnRef idx="2">
+            <a:schemeClr val="accent1">
+              <a:shade val="50000"/>
+            </a:schemeClr>
+          </a:lnRef>
+          <a:fillRef idx="1">
+            <a:schemeClr val="accent1"/>
+          </a:fillRef>
+          <a:effectRef idx="0">
+            <a:schemeClr val="accent1"/>
+          </a:effectRef>
+          <a:fontRef idx="minor">
+            <a:schemeClr val="lt1"/>
+          </a:fontRef>
+        </p:style>
+        <p:txBody>
+          <a:bodyPr rtlCol="0" anchor="ctr"/>
+          <a:lstStyle/>
+          <a:p>
+            <a:pPr algn="ctr"/>
+            <a:endParaRPr lang="en-US"/>
+          </a:p>
+        </p:txBody>
+      </p:sp>
+      <p:grpSp>
+        <p:nvGrpSpPr>
+          <p:cNvPr id="18" name="Groupe 17">
+            <a:extLst>
+              <a:ext uri="{FF2B5EF4-FFF2-40B4-BE49-F238E27FC236}">
+                <a16:creationId xmlns:a16="http://schemas.microsoft.com/office/drawing/2014/main" id="{5883F6E1-0C72-47A2-8FC8-AE5D3FA9289D}"/>
+              </a:ext>
+            </a:extLst>
+          </p:cNvPr>
+          <p:cNvGrpSpPr/>
+          <p:nvPr/>
+        </p:nvGrpSpPr>
+        <p:grpSpPr>
+          <a:xfrm>
+            <a:off x="1121790" y="2575742"/>
+            <a:ext cx="1442301" cy="1612073"/>
+            <a:chOff x="1875934" y="2045617"/>
+            <a:chExt cx="1442301" cy="1612073"/>
+          </a:xfrm>
+        </p:grpSpPr>
+        <p:sp>
+          <p:nvSpPr>
+            <p:cNvPr id="19" name="Rectangle 18">
+              <a:extLst>
+                <a:ext uri="{FF2B5EF4-FFF2-40B4-BE49-F238E27FC236}">
+                  <a16:creationId xmlns:a16="http://schemas.microsoft.com/office/drawing/2014/main" id="{23862212-9091-4252-A8D4-66D5C691F5A3}"/>
+                </a:ext>
+              </a:extLst>
+            </p:cNvPr>
+            <p:cNvSpPr/>
+            <p:nvPr/>
+          </p:nvSpPr>
+          <p:spPr>
+            <a:xfrm>
+              <a:off x="1875934" y="2469913"/>
+              <a:ext cx="1442301" cy="1187777"/>
+            </a:xfrm>
+            <a:prstGeom prst="rect">
+              <a:avLst/>
+            </a:prstGeom>
+          </p:spPr>
+          <p:style>
+            <a:lnRef idx="2">
+              <a:schemeClr val="accent5"/>
+            </a:lnRef>
+            <a:fillRef idx="1">
+              <a:schemeClr val="lt1"/>
+            </a:fillRef>
+            <a:effectRef idx="0">
+              <a:schemeClr val="accent5"/>
+            </a:effectRef>
+            <a:fontRef idx="minor">
+              <a:schemeClr val="dk1"/>
+            </a:fontRef>
+          </p:style>
+          <p:txBody>
+            <a:bodyPr rtlCol="0" anchor="ctr"/>
+            <a:lstStyle/>
+            <a:p>
+              <a:pPr algn="ctr"/>
+              <a:r>
+                <a:rPr lang="en-US" dirty="0"/>
+                <a:t>Attributes</a:t>
+              </a:r>
+            </a:p>
+            <a:p>
+              <a:pPr algn="ctr"/>
+              <a:r>
+                <a:rPr lang="en-US" dirty="0"/>
+                <a:t>Methods</a:t>
+              </a:r>
+            </a:p>
+          </p:txBody>
+        </p:sp>
+        <p:sp>
+          <p:nvSpPr>
+            <p:cNvPr id="20" name="Rectangle 19">
+              <a:extLst>
+                <a:ext uri="{FF2B5EF4-FFF2-40B4-BE49-F238E27FC236}">
+                  <a16:creationId xmlns:a16="http://schemas.microsoft.com/office/drawing/2014/main" id="{53D708DA-A8C6-402A-AE38-972047D58B20}"/>
+                </a:ext>
+              </a:extLst>
+            </p:cNvPr>
+            <p:cNvSpPr/>
+            <p:nvPr/>
+          </p:nvSpPr>
+          <p:spPr>
+            <a:xfrm>
+              <a:off x="1875934" y="2045617"/>
+              <a:ext cx="1442301" cy="414780"/>
+            </a:xfrm>
+            <a:prstGeom prst="rect">
+              <a:avLst/>
+            </a:prstGeom>
+          </p:spPr>
+          <p:style>
+            <a:lnRef idx="2">
+              <a:schemeClr val="accent5"/>
+            </a:lnRef>
+            <a:fillRef idx="1">
+              <a:schemeClr val="lt1"/>
+            </a:fillRef>
+            <a:effectRef idx="0">
+              <a:schemeClr val="accent5"/>
+            </a:effectRef>
+            <a:fontRef idx="minor">
+              <a:schemeClr val="dk1"/>
+            </a:fontRef>
+          </p:style>
+          <p:txBody>
+            <a:bodyPr rtlCol="0" anchor="ctr"/>
+            <a:lstStyle/>
+            <a:p>
+              <a:pPr algn="ctr"/>
+              <a:r>
+                <a:rPr lang="en-US" dirty="0"/>
+                <a:t>Class A</a:t>
+              </a:r>
+            </a:p>
+          </p:txBody>
+        </p:sp>
+      </p:grpSp>
+      <p:sp>
+        <p:nvSpPr>
+          <p:cNvPr id="21" name="ZoneTexte 20">
+            <a:extLst>
+              <a:ext uri="{FF2B5EF4-FFF2-40B4-BE49-F238E27FC236}">
+                <a16:creationId xmlns:a16="http://schemas.microsoft.com/office/drawing/2014/main" id="{3FF5CB22-C97C-4F6F-80A3-6B995685DDE3}"/>
+              </a:ext>
+            </a:extLst>
+          </p:cNvPr>
+          <p:cNvSpPr txBox="1"/>
+          <p:nvPr/>
+        </p:nvSpPr>
+        <p:spPr>
+          <a:xfrm>
+            <a:off x="6096000" y="1688666"/>
+            <a:ext cx="5128181" cy="954107"/>
+          </a:xfrm>
+          <a:prstGeom prst="rect">
+            <a:avLst/>
+          </a:prstGeom>
+          <a:noFill/>
+        </p:spPr>
+        <p:txBody>
+          <a:bodyPr wrap="square" rtlCol="0">
+            <a:spAutoFit/>
+          </a:bodyPr>
+          <a:lstStyle/>
+          <a:p>
+            <a:r>
+              <a:rPr lang="en-US" sz="2800" dirty="0"/>
+              <a:t>Objects A1…A3 are also called </a:t>
+            </a:r>
+            <a:r>
+              <a:rPr lang="en-US" sz="2800" b="1" dirty="0"/>
+              <a:t>instances</a:t>
+            </a:r>
+            <a:r>
+              <a:rPr lang="en-US" sz="2800" dirty="0"/>
+              <a:t> of Class A</a:t>
+            </a:r>
+          </a:p>
+        </p:txBody>
+      </p:sp>
+      <p:sp>
+        <p:nvSpPr>
+          <p:cNvPr id="22" name="ZoneTexte 21">
+            <a:extLst>
+              <a:ext uri="{FF2B5EF4-FFF2-40B4-BE49-F238E27FC236}">
+                <a16:creationId xmlns:a16="http://schemas.microsoft.com/office/drawing/2014/main" id="{1E85F590-96DB-453B-B772-74AC6839D26E}"/>
+              </a:ext>
+            </a:extLst>
+          </p:cNvPr>
+          <p:cNvSpPr txBox="1"/>
+          <p:nvPr/>
+        </p:nvSpPr>
+        <p:spPr>
+          <a:xfrm>
+            <a:off x="2313755" y="1468549"/>
+            <a:ext cx="1621411" cy="584775"/>
+          </a:xfrm>
+          <a:prstGeom prst="rect">
+            <a:avLst/>
+          </a:prstGeom>
+          <a:noFill/>
+        </p:spPr>
+        <p:txBody>
+          <a:bodyPr wrap="square" rtlCol="0">
+            <a:spAutoFit/>
+          </a:bodyPr>
+          <a:lstStyle/>
+          <a:p>
+            <a:pPr algn="ctr"/>
+            <a:r>
+              <a:rPr lang="en-US" sz="3200" dirty="0"/>
+              <a:t>Builder()</a:t>
+            </a:r>
+          </a:p>
+        </p:txBody>
+      </p:sp>
+      <p:cxnSp>
+        <p:nvCxnSpPr>
+          <p:cNvPr id="23" name="Connecteur droit 22">
+            <a:extLst>
+              <a:ext uri="{FF2B5EF4-FFF2-40B4-BE49-F238E27FC236}">
+                <a16:creationId xmlns:a16="http://schemas.microsoft.com/office/drawing/2014/main" id="{750879FD-62BB-4E46-84C7-19644E3BD16A}"/>
+              </a:ext>
+            </a:extLst>
+          </p:cNvPr>
+          <p:cNvCxnSpPr>
+            <a:stCxn id="22" idx="2"/>
+          </p:cNvCxnSpPr>
+          <p:nvPr/>
+        </p:nvCxnSpPr>
+        <p:spPr>
+          <a:xfrm>
+            <a:off x="3124461" y="2053324"/>
+            <a:ext cx="14665" cy="3612185"/>
+          </a:xfrm>
+          <a:prstGeom prst="line">
+            <a:avLst/>
+          </a:prstGeom>
+          <a:ln w="57150">
+            <a:prstDash val="dash"/>
+          </a:ln>
+        </p:spPr>
+        <p:style>
+          <a:lnRef idx="1">
+            <a:schemeClr val="accent1"/>
+          </a:lnRef>
+          <a:fillRef idx="0">
+            <a:schemeClr val="accent1"/>
+          </a:fillRef>
+          <a:effectRef idx="0">
+            <a:schemeClr val="accent1"/>
+          </a:effectRef>
+          <a:fontRef idx="minor">
+            <a:schemeClr val="tx1"/>
+          </a:fontRef>
+        </p:style>
+      </p:cxnSp>
+      <p:sp>
+        <p:nvSpPr>
+          <p:cNvPr id="24" name="ZoneTexte 23">
+            <a:extLst>
+              <a:ext uri="{FF2B5EF4-FFF2-40B4-BE49-F238E27FC236}">
+                <a16:creationId xmlns:a16="http://schemas.microsoft.com/office/drawing/2014/main" id="{78D7BDB8-DBDD-472F-9ED9-85D1BED2B2A4}"/>
+              </a:ext>
+            </a:extLst>
+          </p:cNvPr>
+          <p:cNvSpPr txBox="1"/>
+          <p:nvPr/>
+        </p:nvSpPr>
+        <p:spPr>
+          <a:xfrm>
+            <a:off x="6095999" y="3104843"/>
+            <a:ext cx="5128181" cy="1384995"/>
+          </a:xfrm>
+          <a:prstGeom prst="rect">
+            <a:avLst/>
+          </a:prstGeom>
+          <a:noFill/>
+        </p:spPr>
+        <p:txBody>
+          <a:bodyPr wrap="square" rtlCol="0">
+            <a:spAutoFit/>
+          </a:bodyPr>
+          <a:lstStyle/>
+          <a:p>
+            <a:r>
+              <a:rPr lang="en-US" sz="2800" dirty="0"/>
+              <a:t>Python syntax</a:t>
+            </a:r>
+          </a:p>
+          <a:p>
+            <a:pPr marL="457200" indent="-457200">
+              <a:buFontTx/>
+              <a:buChar char="-"/>
+            </a:pPr>
+            <a:r>
+              <a:rPr lang="en-US" sz="2800" dirty="0"/>
+              <a:t>Attributes: </a:t>
+            </a:r>
+            <a:r>
+              <a:rPr lang="en-US" sz="2800" dirty="0" err="1"/>
+              <a:t>object.attribute</a:t>
+            </a:r>
+            <a:endParaRPr lang="en-US" sz="2800" dirty="0"/>
+          </a:p>
+          <a:p>
+            <a:pPr marL="457200" indent="-457200">
+              <a:buFontTx/>
+              <a:buChar char="-"/>
+            </a:pPr>
+            <a:r>
+              <a:rPr lang="en-US" sz="2800" dirty="0"/>
+              <a:t>Methods: </a:t>
+            </a:r>
+            <a:r>
+              <a:rPr lang="en-US" sz="2800" dirty="0" err="1"/>
+              <a:t>object.method</a:t>
+            </a:r>
+            <a:r>
+              <a:rPr lang="en-US" sz="2800" dirty="0"/>
+              <a:t>()</a:t>
+            </a:r>
+          </a:p>
+        </p:txBody>
+      </p:sp>
+    </p:spTree>
+    <p:extLst>
+      <p:ext uri="{BB962C8B-B14F-4D97-AF65-F5344CB8AC3E}">
+        <p14:creationId xmlns:p14="http://schemas.microsoft.com/office/powerpoint/2010/main" val="3349683416"/>
+      </p:ext>
+    </p:extLst>
+  </p:cSld>
+  <p:clrMapOvr>
+    <a:masterClrMapping/>
+  </p:clrMapOvr>
+</p:sld>
+</file>
+
+<file path=ppt/slides/slide21.xml><?xml version="1.0" encoding="utf-8"?>
+<p:sld xmlns:a="http://schemas.openxmlformats.org/drawingml/2006/main" xmlns:r="http://schemas.openxmlformats.org/officeDocument/2006/relationships" xmlns:p="http://schemas.openxmlformats.org/presentationml/2006/main">
+  <p:cSld>
+    <p:spTree>
+      <p:nvGrpSpPr>
+        <p:cNvPr id="1" name=""/>
+        <p:cNvGrpSpPr/>
+        <p:nvPr/>
+      </p:nvGrpSpPr>
+      <p:grpSpPr>
+        <a:xfrm>
+          <a:off x="0" y="0"/>
+          <a:ext cx="0" cy="0"/>
+          <a:chOff x="0" y="0"/>
+          <a:chExt cx="0" cy="0"/>
+        </a:xfrm>
+      </p:grpSpPr>
+      <p:sp>
+        <p:nvSpPr>
+          <p:cNvPr id="2" name="Titre 1">
+            <a:extLst>
+              <a:ext uri="{FF2B5EF4-FFF2-40B4-BE49-F238E27FC236}">
+                <a16:creationId xmlns:a16="http://schemas.microsoft.com/office/drawing/2014/main" id="{A22A205C-57E5-4DDA-BBBE-771F30247FF8}"/>
+              </a:ext>
+            </a:extLst>
+          </p:cNvPr>
+          <p:cNvSpPr>
+            <a:spLocks noGrp="1"/>
+          </p:cNvSpPr>
+          <p:nvPr>
+            <p:ph type="title"/>
+          </p:nvPr>
+        </p:nvSpPr>
+        <p:spPr/>
+        <p:txBody>
+          <a:bodyPr/>
+          <a:lstStyle/>
+          <a:p>
+            <a:r>
+              <a:rPr lang="en-US" dirty="0"/>
+              <a:t>Coding: objects</a:t>
             </a:r>
           </a:p>
         </p:txBody>
@@ -9175,7 +10188,7 @@
           <p:cNvPr id="3" name="Espace réservé du contenu 2">
             <a:extLst>
               <a:ext uri="{FF2B5EF4-FFF2-40B4-BE49-F238E27FC236}">
-                <a16:creationId xmlns:a16="http://schemas.microsoft.com/office/drawing/2014/main" id="{A7B88AE9-578A-47C0-AF9F-2F80262FC84D}"/>
+                <a16:creationId xmlns:a16="http://schemas.microsoft.com/office/drawing/2014/main" id="{1108E10E-C589-4EAB-8D50-CBADD04184F8}"/>
               </a:ext>
             </a:extLst>
           </p:cNvPr>
@@ -9191,7 +10204,45 @@
           <a:bodyPr/>
           <a:lstStyle/>
           <a:p>
-            <a:endParaRPr lang="en-US"/>
+            <a:r>
+              <a:rPr lang="en-US" dirty="0"/>
+              <a:t>Object-oriented programming is a dominant paradigm</a:t>
+            </a:r>
+          </a:p>
+          <a:p>
+            <a:r>
+              <a:rPr lang="en-US" dirty="0"/>
+              <a:t>Why? Several advantages</a:t>
+            </a:r>
+          </a:p>
+          <a:p>
+            <a:pPr lvl="1"/>
+            <a:r>
+              <a:rPr lang="en-US" dirty="0"/>
+              <a:t>Using objects is easier than structures and functions</a:t>
+            </a:r>
+          </a:p>
+          <a:p>
+            <a:pPr lvl="1"/>
+            <a:r>
+              <a:rPr lang="en-US" dirty="0"/>
+              <a:t>Classes can </a:t>
+            </a:r>
+            <a:r>
+              <a:rPr lang="en-US" b="1" dirty="0"/>
+              <a:t>inherit</a:t>
+            </a:r>
+            <a:r>
+              <a:rPr lang="en-US" dirty="0"/>
+              <a:t> attributes and methods from each other</a:t>
+            </a:r>
+          </a:p>
+          <a:p>
+            <a:pPr lvl="1"/>
+            <a:r>
+              <a:rPr lang="en-US" dirty="0"/>
+              <a:t>This allows for easy creation of new classes with same methods</a:t>
+            </a:r>
           </a:p>
         </p:txBody>
       </p:sp>
@@ -9200,7 +10251,7 @@
           <p:cNvPr id="4" name="Espace réservé du numéro de diapositive 3">
             <a:extLst>
               <a:ext uri="{FF2B5EF4-FFF2-40B4-BE49-F238E27FC236}">
-                <a16:creationId xmlns:a16="http://schemas.microsoft.com/office/drawing/2014/main" id="{FCD88183-8AD3-4A8B-99A3-51A0D1C004ED}"/>
+                <a16:creationId xmlns:a16="http://schemas.microsoft.com/office/drawing/2014/main" id="{F733A695-2B33-4899-87E4-0C940CD4A8BF}"/>
               </a:ext>
             </a:extLst>
           </p:cNvPr>
@@ -9219,7 +10270,1459 @@
             <a:fld id="{19485C6F-9B8D-4FB9-A42B-A9ABFED612B1}" type="slidenum">
               <a:rPr lang="en-US" smtClean="0"/>
               <a:pPr/>
-              <a:t>20</a:t>
+              <a:t>21</a:t>
+            </a:fld>
+            <a:endParaRPr lang="en-US" dirty="0"/>
+          </a:p>
+        </p:txBody>
+      </p:sp>
+      <p:sp>
+        <p:nvSpPr>
+          <p:cNvPr id="5" name="Espace réservé du pied de page 4">
+            <a:extLst>
+              <a:ext uri="{FF2B5EF4-FFF2-40B4-BE49-F238E27FC236}">
+                <a16:creationId xmlns:a16="http://schemas.microsoft.com/office/drawing/2014/main" id="{C3E1FE90-00A2-4B44-904F-31A0F7051960}"/>
+              </a:ext>
+            </a:extLst>
+          </p:cNvPr>
+          <p:cNvSpPr>
+            <a:spLocks noGrp="1"/>
+          </p:cNvSpPr>
+          <p:nvPr>
+            <p:ph type="ftr" sz="quarter" idx="3"/>
+          </p:nvPr>
+        </p:nvSpPr>
+        <p:spPr/>
+        <p:txBody>
+          <a:bodyPr/>
+          <a:lstStyle/>
+          <a:p>
+            <a:r>
+              <a:rPr lang="en-US"/>
+              <a:t>alberto.tonda@inrae.fr</a:t>
+            </a:r>
+            <a:endParaRPr lang="en-US" dirty="0"/>
+          </a:p>
+        </p:txBody>
+      </p:sp>
+    </p:spTree>
+    <p:extLst>
+      <p:ext uri="{BB962C8B-B14F-4D97-AF65-F5344CB8AC3E}">
+        <p14:creationId xmlns:p14="http://schemas.microsoft.com/office/powerpoint/2010/main" val="1010522565"/>
+      </p:ext>
+    </p:extLst>
+  </p:cSld>
+  <p:clrMapOvr>
+    <a:masterClrMapping/>
+  </p:clrMapOvr>
+</p:sld>
+</file>
+
+<file path=ppt/slides/slide22.xml><?xml version="1.0" encoding="utf-8"?>
+<p:sld xmlns:a="http://schemas.openxmlformats.org/drawingml/2006/main" xmlns:r="http://schemas.openxmlformats.org/officeDocument/2006/relationships" xmlns:p="http://schemas.openxmlformats.org/presentationml/2006/main">
+  <p:cSld>
+    <p:spTree>
+      <p:nvGrpSpPr>
+        <p:cNvPr id="1" name=""/>
+        <p:cNvGrpSpPr/>
+        <p:nvPr/>
+      </p:nvGrpSpPr>
+      <p:grpSpPr>
+        <a:xfrm>
+          <a:off x="0" y="0"/>
+          <a:ext cx="0" cy="0"/>
+          <a:chOff x="0" y="0"/>
+          <a:chExt cx="0" cy="0"/>
+        </a:xfrm>
+      </p:grpSpPr>
+      <p:sp>
+        <p:nvSpPr>
+          <p:cNvPr id="2" name="Titre 1">
+            <a:extLst>
+              <a:ext uri="{FF2B5EF4-FFF2-40B4-BE49-F238E27FC236}">
+                <a16:creationId xmlns:a16="http://schemas.microsoft.com/office/drawing/2014/main" id="{C7F327D5-0FA0-42C6-8B71-F19A0B8E857F}"/>
+              </a:ext>
+            </a:extLst>
+          </p:cNvPr>
+          <p:cNvSpPr>
+            <a:spLocks noGrp="1"/>
+          </p:cNvSpPr>
+          <p:nvPr>
+            <p:ph type="title"/>
+          </p:nvPr>
+        </p:nvSpPr>
+        <p:spPr/>
+        <p:txBody>
+          <a:bodyPr/>
+          <a:lstStyle/>
+          <a:p>
+            <a:r>
+              <a:rPr lang="en-US" dirty="0"/>
+              <a:t>Coding: objects</a:t>
+            </a:r>
+          </a:p>
+        </p:txBody>
+      </p:sp>
+      <p:sp>
+        <p:nvSpPr>
+          <p:cNvPr id="4" name="Espace réservé du numéro de diapositive 3">
+            <a:extLst>
+              <a:ext uri="{FF2B5EF4-FFF2-40B4-BE49-F238E27FC236}">
+                <a16:creationId xmlns:a16="http://schemas.microsoft.com/office/drawing/2014/main" id="{2EB46E4A-5BBE-44DA-95B8-972D75353223}"/>
+              </a:ext>
+            </a:extLst>
+          </p:cNvPr>
+          <p:cNvSpPr>
+            <a:spLocks noGrp="1"/>
+          </p:cNvSpPr>
+          <p:nvPr>
+            <p:ph type="sldNum" sz="quarter" idx="12"/>
+          </p:nvPr>
+        </p:nvSpPr>
+        <p:spPr/>
+        <p:txBody>
+          <a:bodyPr/>
+          <a:lstStyle/>
+          <a:p>
+            <a:fld id="{19485C6F-9B8D-4FB9-A42B-A9ABFED612B1}" type="slidenum">
+              <a:rPr lang="en-US" smtClean="0"/>
+              <a:pPr/>
+              <a:t>22</a:t>
+            </a:fld>
+            <a:endParaRPr lang="en-US" dirty="0"/>
+          </a:p>
+        </p:txBody>
+      </p:sp>
+      <p:sp>
+        <p:nvSpPr>
+          <p:cNvPr id="5" name="Espace réservé du pied de page 4">
+            <a:extLst>
+              <a:ext uri="{FF2B5EF4-FFF2-40B4-BE49-F238E27FC236}">
+                <a16:creationId xmlns:a16="http://schemas.microsoft.com/office/drawing/2014/main" id="{B3488C43-7F13-4233-9858-C3065DEC2159}"/>
+              </a:ext>
+            </a:extLst>
+          </p:cNvPr>
+          <p:cNvSpPr>
+            <a:spLocks noGrp="1"/>
+          </p:cNvSpPr>
+          <p:nvPr>
+            <p:ph type="ftr" sz="quarter" idx="3"/>
+          </p:nvPr>
+        </p:nvSpPr>
+        <p:spPr/>
+        <p:txBody>
+          <a:bodyPr/>
+          <a:lstStyle/>
+          <a:p>
+            <a:r>
+              <a:rPr lang="en-US"/>
+              <a:t>alberto.tonda@inrae.fr</a:t>
+            </a:r>
+            <a:endParaRPr lang="en-US" dirty="0"/>
+          </a:p>
+        </p:txBody>
+      </p:sp>
+      <p:grpSp>
+        <p:nvGrpSpPr>
+          <p:cNvPr id="6" name="Groupe 5">
+            <a:extLst>
+              <a:ext uri="{FF2B5EF4-FFF2-40B4-BE49-F238E27FC236}">
+                <a16:creationId xmlns:a16="http://schemas.microsoft.com/office/drawing/2014/main" id="{73B413D4-1149-438C-A68D-F7010D8EAAD5}"/>
+              </a:ext>
+            </a:extLst>
+          </p:cNvPr>
+          <p:cNvGrpSpPr/>
+          <p:nvPr/>
+        </p:nvGrpSpPr>
+        <p:grpSpPr>
+          <a:xfrm>
+            <a:off x="1121790" y="2575742"/>
+            <a:ext cx="1442301" cy="1612073"/>
+            <a:chOff x="1875934" y="2045617"/>
+            <a:chExt cx="1442301" cy="1612073"/>
+          </a:xfrm>
+        </p:grpSpPr>
+        <p:sp>
+          <p:nvSpPr>
+            <p:cNvPr id="7" name="Rectangle 6">
+              <a:extLst>
+                <a:ext uri="{FF2B5EF4-FFF2-40B4-BE49-F238E27FC236}">
+                  <a16:creationId xmlns:a16="http://schemas.microsoft.com/office/drawing/2014/main" id="{A4EB0D28-9636-46FC-AC45-28AA0EC46C35}"/>
+                </a:ext>
+              </a:extLst>
+            </p:cNvPr>
+            <p:cNvSpPr/>
+            <p:nvPr/>
+          </p:nvSpPr>
+          <p:spPr>
+            <a:xfrm>
+              <a:off x="1875934" y="2469913"/>
+              <a:ext cx="1442301" cy="1187777"/>
+            </a:xfrm>
+            <a:prstGeom prst="rect">
+              <a:avLst/>
+            </a:prstGeom>
+          </p:spPr>
+          <p:style>
+            <a:lnRef idx="2">
+              <a:schemeClr val="accent5"/>
+            </a:lnRef>
+            <a:fillRef idx="1">
+              <a:schemeClr val="lt1"/>
+            </a:fillRef>
+            <a:effectRef idx="0">
+              <a:schemeClr val="accent5"/>
+            </a:effectRef>
+            <a:fontRef idx="minor">
+              <a:schemeClr val="dk1"/>
+            </a:fontRef>
+          </p:style>
+          <p:txBody>
+            <a:bodyPr rtlCol="0" anchor="ctr"/>
+            <a:lstStyle/>
+            <a:p>
+              <a:pPr algn="ctr"/>
+              <a:r>
+                <a:rPr lang="en-US" dirty="0"/>
+                <a:t>Attributes</a:t>
+              </a:r>
+            </a:p>
+            <a:p>
+              <a:pPr algn="ctr"/>
+              <a:r>
+                <a:rPr lang="en-US" dirty="0"/>
+                <a:t>Methods</a:t>
+              </a:r>
+            </a:p>
+          </p:txBody>
+        </p:sp>
+        <p:sp>
+          <p:nvSpPr>
+            <p:cNvPr id="8" name="Rectangle 7">
+              <a:extLst>
+                <a:ext uri="{FF2B5EF4-FFF2-40B4-BE49-F238E27FC236}">
+                  <a16:creationId xmlns:a16="http://schemas.microsoft.com/office/drawing/2014/main" id="{1A471C45-D910-4EE8-BFAC-FD6787A14ED0}"/>
+                </a:ext>
+              </a:extLst>
+            </p:cNvPr>
+            <p:cNvSpPr/>
+            <p:nvPr/>
+          </p:nvSpPr>
+          <p:spPr>
+            <a:xfrm>
+              <a:off x="1875934" y="2045617"/>
+              <a:ext cx="1442301" cy="414780"/>
+            </a:xfrm>
+            <a:prstGeom prst="rect">
+              <a:avLst/>
+            </a:prstGeom>
+          </p:spPr>
+          <p:style>
+            <a:lnRef idx="2">
+              <a:schemeClr val="accent5"/>
+            </a:lnRef>
+            <a:fillRef idx="1">
+              <a:schemeClr val="lt1"/>
+            </a:fillRef>
+            <a:effectRef idx="0">
+              <a:schemeClr val="accent5"/>
+            </a:effectRef>
+            <a:fontRef idx="minor">
+              <a:schemeClr val="dk1"/>
+            </a:fontRef>
+          </p:style>
+          <p:txBody>
+            <a:bodyPr rtlCol="0" anchor="ctr"/>
+            <a:lstStyle/>
+            <a:p>
+              <a:pPr algn="ctr"/>
+              <a:r>
+                <a:rPr lang="en-US" dirty="0"/>
+                <a:t>Class A</a:t>
+              </a:r>
+            </a:p>
+          </p:txBody>
+        </p:sp>
+      </p:grpSp>
+      <p:sp>
+        <p:nvSpPr>
+          <p:cNvPr id="9" name="Flèche : droite 8">
+            <a:extLst>
+              <a:ext uri="{FF2B5EF4-FFF2-40B4-BE49-F238E27FC236}">
+                <a16:creationId xmlns:a16="http://schemas.microsoft.com/office/drawing/2014/main" id="{3848AEB4-FEF1-4D4F-AA9F-674EF83AE96E}"/>
+              </a:ext>
+            </a:extLst>
+          </p:cNvPr>
+          <p:cNvSpPr/>
+          <p:nvPr/>
+        </p:nvSpPr>
+        <p:spPr>
+          <a:xfrm rot="10800000">
+            <a:off x="2442329" y="3160336"/>
+            <a:ext cx="1555422" cy="537328"/>
+          </a:xfrm>
+          <a:prstGeom prst="rightArrow">
+            <a:avLst/>
+          </a:prstGeom>
+        </p:spPr>
+        <p:style>
+          <a:lnRef idx="2">
+            <a:schemeClr val="accent2"/>
+          </a:lnRef>
+          <a:fillRef idx="1">
+            <a:schemeClr val="lt1"/>
+          </a:fillRef>
+          <a:effectRef idx="0">
+            <a:schemeClr val="accent2"/>
+          </a:effectRef>
+          <a:fontRef idx="minor">
+            <a:schemeClr val="dk1"/>
+          </a:fontRef>
+        </p:style>
+        <p:txBody>
+          <a:bodyPr rtlCol="0" anchor="ctr"/>
+          <a:lstStyle/>
+          <a:p>
+            <a:pPr algn="ctr"/>
+            <a:endParaRPr lang="en-US"/>
+          </a:p>
+        </p:txBody>
+      </p:sp>
+      <p:grpSp>
+        <p:nvGrpSpPr>
+          <p:cNvPr id="10" name="Groupe 9">
+            <a:extLst>
+              <a:ext uri="{FF2B5EF4-FFF2-40B4-BE49-F238E27FC236}">
+                <a16:creationId xmlns:a16="http://schemas.microsoft.com/office/drawing/2014/main" id="{EB0A92F9-F941-42CC-A81E-27488145E2AD}"/>
+              </a:ext>
+            </a:extLst>
+          </p:cNvPr>
+          <p:cNvGrpSpPr/>
+          <p:nvPr/>
+        </p:nvGrpSpPr>
+        <p:grpSpPr>
+          <a:xfrm>
+            <a:off x="6630186" y="1062695"/>
+            <a:ext cx="1442301" cy="1612073"/>
+            <a:chOff x="1875934" y="2045617"/>
+            <a:chExt cx="1442301" cy="1612073"/>
+          </a:xfrm>
+          <a:solidFill>
+            <a:schemeClr val="accent2">
+              <a:lumMod val="60000"/>
+              <a:lumOff val="40000"/>
+            </a:schemeClr>
+          </a:solidFill>
+        </p:grpSpPr>
+        <p:sp>
+          <p:nvSpPr>
+            <p:cNvPr id="11" name="Rectangle 10">
+              <a:extLst>
+                <a:ext uri="{FF2B5EF4-FFF2-40B4-BE49-F238E27FC236}">
+                  <a16:creationId xmlns:a16="http://schemas.microsoft.com/office/drawing/2014/main" id="{AD4F8D8D-81CF-48CF-BE3F-FF2D7B7CCC36}"/>
+                </a:ext>
+              </a:extLst>
+            </p:cNvPr>
+            <p:cNvSpPr/>
+            <p:nvPr/>
+          </p:nvSpPr>
+          <p:spPr>
+            <a:xfrm>
+              <a:off x="1875934" y="2469913"/>
+              <a:ext cx="1442301" cy="1187777"/>
+            </a:xfrm>
+            <a:prstGeom prst="rect">
+              <a:avLst/>
+            </a:prstGeom>
+            <a:grpFill/>
+          </p:spPr>
+          <p:style>
+            <a:lnRef idx="2">
+              <a:schemeClr val="accent2">
+                <a:shade val="50000"/>
+              </a:schemeClr>
+            </a:lnRef>
+            <a:fillRef idx="1">
+              <a:schemeClr val="accent2"/>
+            </a:fillRef>
+            <a:effectRef idx="0">
+              <a:schemeClr val="accent2"/>
+            </a:effectRef>
+            <a:fontRef idx="minor">
+              <a:schemeClr val="lt1"/>
+            </a:fontRef>
+          </p:style>
+          <p:txBody>
+            <a:bodyPr rtlCol="0" anchor="ctr"/>
+            <a:lstStyle/>
+            <a:p>
+              <a:pPr algn="ctr"/>
+              <a:r>
+                <a:rPr lang="en-US" dirty="0"/>
+                <a:t>Attributes1</a:t>
+              </a:r>
+            </a:p>
+            <a:p>
+              <a:pPr algn="ctr"/>
+              <a:r>
+                <a:rPr lang="en-US" dirty="0"/>
+                <a:t>Methods</a:t>
+              </a:r>
+            </a:p>
+          </p:txBody>
+        </p:sp>
+        <p:sp>
+          <p:nvSpPr>
+            <p:cNvPr id="12" name="Rectangle 11">
+              <a:extLst>
+                <a:ext uri="{FF2B5EF4-FFF2-40B4-BE49-F238E27FC236}">
+                  <a16:creationId xmlns:a16="http://schemas.microsoft.com/office/drawing/2014/main" id="{EC806F35-592F-46F3-860E-12944FF67FBE}"/>
+                </a:ext>
+              </a:extLst>
+            </p:cNvPr>
+            <p:cNvSpPr/>
+            <p:nvPr/>
+          </p:nvSpPr>
+          <p:spPr>
+            <a:xfrm>
+              <a:off x="1875934" y="2045617"/>
+              <a:ext cx="1442301" cy="414780"/>
+            </a:xfrm>
+            <a:prstGeom prst="rect">
+              <a:avLst/>
+            </a:prstGeom>
+            <a:grpFill/>
+          </p:spPr>
+          <p:style>
+            <a:lnRef idx="2">
+              <a:schemeClr val="accent2">
+                <a:shade val="50000"/>
+              </a:schemeClr>
+            </a:lnRef>
+            <a:fillRef idx="1">
+              <a:schemeClr val="accent2"/>
+            </a:fillRef>
+            <a:effectRef idx="0">
+              <a:schemeClr val="accent2"/>
+            </a:effectRef>
+            <a:fontRef idx="minor">
+              <a:schemeClr val="lt1"/>
+            </a:fontRef>
+          </p:style>
+          <p:txBody>
+            <a:bodyPr rtlCol="0" anchor="ctr"/>
+            <a:lstStyle/>
+            <a:p>
+              <a:pPr algn="ctr"/>
+              <a:r>
+                <a:rPr lang="en-US" dirty="0"/>
+                <a:t>Object B1</a:t>
+              </a:r>
+            </a:p>
+          </p:txBody>
+        </p:sp>
+      </p:grpSp>
+      <p:grpSp>
+        <p:nvGrpSpPr>
+          <p:cNvPr id="13" name="Groupe 12">
+            <a:extLst>
+              <a:ext uri="{FF2B5EF4-FFF2-40B4-BE49-F238E27FC236}">
+                <a16:creationId xmlns:a16="http://schemas.microsoft.com/office/drawing/2014/main" id="{8D888C58-4075-4DB0-9F97-0819DEEBB0E8}"/>
+              </a:ext>
+            </a:extLst>
+          </p:cNvPr>
+          <p:cNvGrpSpPr/>
+          <p:nvPr/>
+        </p:nvGrpSpPr>
+        <p:grpSpPr>
+          <a:xfrm>
+            <a:off x="6630185" y="2882158"/>
+            <a:ext cx="1442301" cy="1612073"/>
+            <a:chOff x="1875934" y="2045617"/>
+            <a:chExt cx="1442301" cy="1612073"/>
+          </a:xfrm>
+          <a:solidFill>
+            <a:schemeClr val="accent2">
+              <a:lumMod val="60000"/>
+              <a:lumOff val="40000"/>
+            </a:schemeClr>
+          </a:solidFill>
+        </p:grpSpPr>
+        <p:sp>
+          <p:nvSpPr>
+            <p:cNvPr id="14" name="Rectangle 13">
+              <a:extLst>
+                <a:ext uri="{FF2B5EF4-FFF2-40B4-BE49-F238E27FC236}">
+                  <a16:creationId xmlns:a16="http://schemas.microsoft.com/office/drawing/2014/main" id="{C5A7BF14-F3D8-4019-AD3C-73FFC731B731}"/>
+                </a:ext>
+              </a:extLst>
+            </p:cNvPr>
+            <p:cNvSpPr/>
+            <p:nvPr/>
+          </p:nvSpPr>
+          <p:spPr>
+            <a:xfrm>
+              <a:off x="1875934" y="2469913"/>
+              <a:ext cx="1442301" cy="1187777"/>
+            </a:xfrm>
+            <a:prstGeom prst="rect">
+              <a:avLst/>
+            </a:prstGeom>
+            <a:grpFill/>
+          </p:spPr>
+          <p:style>
+            <a:lnRef idx="2">
+              <a:schemeClr val="accent2">
+                <a:shade val="50000"/>
+              </a:schemeClr>
+            </a:lnRef>
+            <a:fillRef idx="1">
+              <a:schemeClr val="accent2"/>
+            </a:fillRef>
+            <a:effectRef idx="0">
+              <a:schemeClr val="accent2"/>
+            </a:effectRef>
+            <a:fontRef idx="minor">
+              <a:schemeClr val="lt1"/>
+            </a:fontRef>
+          </p:style>
+          <p:txBody>
+            <a:bodyPr rtlCol="0" anchor="ctr"/>
+            <a:lstStyle/>
+            <a:p>
+              <a:pPr algn="ctr"/>
+              <a:r>
+                <a:rPr lang="en-US" dirty="0"/>
+                <a:t>Attributes2</a:t>
+              </a:r>
+            </a:p>
+            <a:p>
+              <a:pPr algn="ctr"/>
+              <a:r>
+                <a:rPr lang="en-US" dirty="0"/>
+                <a:t>Methods</a:t>
+              </a:r>
+            </a:p>
+          </p:txBody>
+        </p:sp>
+        <p:sp>
+          <p:nvSpPr>
+            <p:cNvPr id="15" name="Rectangle 14">
+              <a:extLst>
+                <a:ext uri="{FF2B5EF4-FFF2-40B4-BE49-F238E27FC236}">
+                  <a16:creationId xmlns:a16="http://schemas.microsoft.com/office/drawing/2014/main" id="{0F7C60D8-B48E-4E0B-87E8-C1E22487D9A2}"/>
+                </a:ext>
+              </a:extLst>
+            </p:cNvPr>
+            <p:cNvSpPr/>
+            <p:nvPr/>
+          </p:nvSpPr>
+          <p:spPr>
+            <a:xfrm>
+              <a:off x="1875934" y="2045617"/>
+              <a:ext cx="1442301" cy="414780"/>
+            </a:xfrm>
+            <a:prstGeom prst="rect">
+              <a:avLst/>
+            </a:prstGeom>
+            <a:grpFill/>
+          </p:spPr>
+          <p:style>
+            <a:lnRef idx="2">
+              <a:schemeClr val="accent2">
+                <a:shade val="50000"/>
+              </a:schemeClr>
+            </a:lnRef>
+            <a:fillRef idx="1">
+              <a:schemeClr val="accent2"/>
+            </a:fillRef>
+            <a:effectRef idx="0">
+              <a:schemeClr val="accent2"/>
+            </a:effectRef>
+            <a:fontRef idx="minor">
+              <a:schemeClr val="lt1"/>
+            </a:fontRef>
+          </p:style>
+          <p:txBody>
+            <a:bodyPr rtlCol="0" anchor="ctr"/>
+            <a:lstStyle/>
+            <a:p>
+              <a:pPr algn="ctr"/>
+              <a:r>
+                <a:rPr lang="en-US" dirty="0"/>
+                <a:t>Object B2</a:t>
+              </a:r>
+            </a:p>
+          </p:txBody>
+        </p:sp>
+      </p:grpSp>
+      <p:grpSp>
+        <p:nvGrpSpPr>
+          <p:cNvPr id="16" name="Groupe 15">
+            <a:extLst>
+              <a:ext uri="{FF2B5EF4-FFF2-40B4-BE49-F238E27FC236}">
+                <a16:creationId xmlns:a16="http://schemas.microsoft.com/office/drawing/2014/main" id="{48F892B6-47EF-4910-9822-A3361554D639}"/>
+              </a:ext>
+            </a:extLst>
+          </p:cNvPr>
+          <p:cNvGrpSpPr/>
+          <p:nvPr/>
+        </p:nvGrpSpPr>
+        <p:grpSpPr>
+          <a:xfrm>
+            <a:off x="6630184" y="4642881"/>
+            <a:ext cx="1442301" cy="1612073"/>
+            <a:chOff x="1875934" y="2045617"/>
+            <a:chExt cx="1442301" cy="1612073"/>
+          </a:xfrm>
+          <a:solidFill>
+            <a:schemeClr val="accent2">
+              <a:lumMod val="60000"/>
+              <a:lumOff val="40000"/>
+            </a:schemeClr>
+          </a:solidFill>
+        </p:grpSpPr>
+        <p:sp>
+          <p:nvSpPr>
+            <p:cNvPr id="17" name="Rectangle 16">
+              <a:extLst>
+                <a:ext uri="{FF2B5EF4-FFF2-40B4-BE49-F238E27FC236}">
+                  <a16:creationId xmlns:a16="http://schemas.microsoft.com/office/drawing/2014/main" id="{534EFD84-1982-49C2-A0BF-5A0CC0F632F7}"/>
+                </a:ext>
+              </a:extLst>
+            </p:cNvPr>
+            <p:cNvSpPr/>
+            <p:nvPr/>
+          </p:nvSpPr>
+          <p:spPr>
+            <a:xfrm>
+              <a:off x="1875934" y="2469913"/>
+              <a:ext cx="1442301" cy="1187777"/>
+            </a:xfrm>
+            <a:prstGeom prst="rect">
+              <a:avLst/>
+            </a:prstGeom>
+            <a:grpFill/>
+          </p:spPr>
+          <p:style>
+            <a:lnRef idx="2">
+              <a:schemeClr val="accent2">
+                <a:shade val="50000"/>
+              </a:schemeClr>
+            </a:lnRef>
+            <a:fillRef idx="1">
+              <a:schemeClr val="accent2"/>
+            </a:fillRef>
+            <a:effectRef idx="0">
+              <a:schemeClr val="accent2"/>
+            </a:effectRef>
+            <a:fontRef idx="minor">
+              <a:schemeClr val="lt1"/>
+            </a:fontRef>
+          </p:style>
+          <p:txBody>
+            <a:bodyPr rtlCol="0" anchor="ctr"/>
+            <a:lstStyle/>
+            <a:p>
+              <a:pPr algn="ctr"/>
+              <a:r>
+                <a:rPr lang="en-US" dirty="0"/>
+                <a:t>Attributes3</a:t>
+              </a:r>
+            </a:p>
+            <a:p>
+              <a:pPr algn="ctr"/>
+              <a:r>
+                <a:rPr lang="en-US" dirty="0"/>
+                <a:t>Methods</a:t>
+              </a:r>
+            </a:p>
+          </p:txBody>
+        </p:sp>
+        <p:sp>
+          <p:nvSpPr>
+            <p:cNvPr id="18" name="Rectangle 17">
+              <a:extLst>
+                <a:ext uri="{FF2B5EF4-FFF2-40B4-BE49-F238E27FC236}">
+                  <a16:creationId xmlns:a16="http://schemas.microsoft.com/office/drawing/2014/main" id="{01DFF8B0-C09C-4367-89D8-C057E2D080E8}"/>
+                </a:ext>
+              </a:extLst>
+            </p:cNvPr>
+            <p:cNvSpPr/>
+            <p:nvPr/>
+          </p:nvSpPr>
+          <p:spPr>
+            <a:xfrm>
+              <a:off x="1875934" y="2045617"/>
+              <a:ext cx="1442301" cy="414780"/>
+            </a:xfrm>
+            <a:prstGeom prst="rect">
+              <a:avLst/>
+            </a:prstGeom>
+            <a:grpFill/>
+          </p:spPr>
+          <p:style>
+            <a:lnRef idx="2">
+              <a:schemeClr val="accent2">
+                <a:shade val="50000"/>
+              </a:schemeClr>
+            </a:lnRef>
+            <a:fillRef idx="1">
+              <a:schemeClr val="accent2"/>
+            </a:fillRef>
+            <a:effectRef idx="0">
+              <a:schemeClr val="accent2"/>
+            </a:effectRef>
+            <a:fontRef idx="minor">
+              <a:schemeClr val="lt1"/>
+            </a:fontRef>
+          </p:style>
+          <p:txBody>
+            <a:bodyPr rtlCol="0" anchor="ctr"/>
+            <a:lstStyle/>
+            <a:p>
+              <a:pPr algn="ctr"/>
+              <a:r>
+                <a:rPr lang="en-US" dirty="0"/>
+                <a:t>Object B3</a:t>
+              </a:r>
+            </a:p>
+          </p:txBody>
+        </p:sp>
+      </p:grpSp>
+      <p:sp>
+        <p:nvSpPr>
+          <p:cNvPr id="19" name="Flèche : droite 18">
+            <a:extLst>
+              <a:ext uri="{FF2B5EF4-FFF2-40B4-BE49-F238E27FC236}">
+                <a16:creationId xmlns:a16="http://schemas.microsoft.com/office/drawing/2014/main" id="{6948AAE4-94F6-409C-9C56-5EC44B3A09DE}"/>
+              </a:ext>
+            </a:extLst>
+          </p:cNvPr>
+          <p:cNvSpPr/>
+          <p:nvPr/>
+        </p:nvSpPr>
+        <p:spPr>
+          <a:xfrm rot="20338905">
+            <a:off x="4988611" y="2232727"/>
+            <a:ext cx="1767703" cy="463693"/>
+          </a:xfrm>
+          <a:prstGeom prst="rightArrow">
+            <a:avLst/>
+          </a:prstGeom>
+          <a:solidFill>
+            <a:schemeClr val="accent2">
+              <a:lumMod val="60000"/>
+              <a:lumOff val="40000"/>
+            </a:schemeClr>
+          </a:solidFill>
+        </p:spPr>
+        <p:style>
+          <a:lnRef idx="2">
+            <a:schemeClr val="accent2">
+              <a:shade val="50000"/>
+            </a:schemeClr>
+          </a:lnRef>
+          <a:fillRef idx="1">
+            <a:schemeClr val="accent2"/>
+          </a:fillRef>
+          <a:effectRef idx="0">
+            <a:schemeClr val="accent2"/>
+          </a:effectRef>
+          <a:fontRef idx="minor">
+            <a:schemeClr val="lt1"/>
+          </a:fontRef>
+        </p:style>
+        <p:txBody>
+          <a:bodyPr rtlCol="0" anchor="ctr"/>
+          <a:lstStyle/>
+          <a:p>
+            <a:pPr algn="ctr"/>
+            <a:endParaRPr lang="en-US"/>
+          </a:p>
+        </p:txBody>
+      </p:sp>
+      <p:sp>
+        <p:nvSpPr>
+          <p:cNvPr id="20" name="Flèche : droite 19">
+            <a:extLst>
+              <a:ext uri="{FF2B5EF4-FFF2-40B4-BE49-F238E27FC236}">
+                <a16:creationId xmlns:a16="http://schemas.microsoft.com/office/drawing/2014/main" id="{77FAF86C-54BF-4225-B08B-D45DC9CE76A3}"/>
+              </a:ext>
+            </a:extLst>
+          </p:cNvPr>
+          <p:cNvSpPr/>
+          <p:nvPr/>
+        </p:nvSpPr>
+        <p:spPr>
+          <a:xfrm>
+            <a:off x="5012961" y="3275831"/>
+            <a:ext cx="1767703" cy="463693"/>
+          </a:xfrm>
+          <a:prstGeom prst="rightArrow">
+            <a:avLst/>
+          </a:prstGeom>
+          <a:solidFill>
+            <a:schemeClr val="accent2">
+              <a:lumMod val="60000"/>
+              <a:lumOff val="40000"/>
+            </a:schemeClr>
+          </a:solidFill>
+        </p:spPr>
+        <p:style>
+          <a:lnRef idx="2">
+            <a:schemeClr val="accent2">
+              <a:shade val="50000"/>
+            </a:schemeClr>
+          </a:lnRef>
+          <a:fillRef idx="1">
+            <a:schemeClr val="accent2"/>
+          </a:fillRef>
+          <a:effectRef idx="0">
+            <a:schemeClr val="accent2"/>
+          </a:effectRef>
+          <a:fontRef idx="minor">
+            <a:schemeClr val="lt1"/>
+          </a:fontRef>
+        </p:style>
+        <p:txBody>
+          <a:bodyPr rtlCol="0" anchor="ctr"/>
+          <a:lstStyle/>
+          <a:p>
+            <a:pPr algn="ctr"/>
+            <a:endParaRPr lang="en-US"/>
+          </a:p>
+        </p:txBody>
+      </p:sp>
+      <p:sp>
+        <p:nvSpPr>
+          <p:cNvPr id="21" name="Flèche : droite 20">
+            <a:extLst>
+              <a:ext uri="{FF2B5EF4-FFF2-40B4-BE49-F238E27FC236}">
+                <a16:creationId xmlns:a16="http://schemas.microsoft.com/office/drawing/2014/main" id="{E4D6AF27-7241-433B-8DEE-ACCD000A8AE0}"/>
+              </a:ext>
+            </a:extLst>
+          </p:cNvPr>
+          <p:cNvSpPr/>
+          <p:nvPr/>
+        </p:nvSpPr>
+        <p:spPr>
+          <a:xfrm rot="1732692">
+            <a:off x="5038539" y="4157601"/>
+            <a:ext cx="1767703" cy="463693"/>
+          </a:xfrm>
+          <a:prstGeom prst="rightArrow">
+            <a:avLst/>
+          </a:prstGeom>
+          <a:solidFill>
+            <a:schemeClr val="accent2">
+              <a:lumMod val="60000"/>
+              <a:lumOff val="40000"/>
+            </a:schemeClr>
+          </a:solidFill>
+        </p:spPr>
+        <p:style>
+          <a:lnRef idx="2">
+            <a:schemeClr val="accent2">
+              <a:shade val="50000"/>
+            </a:schemeClr>
+          </a:lnRef>
+          <a:fillRef idx="1">
+            <a:schemeClr val="accent2"/>
+          </a:fillRef>
+          <a:effectRef idx="0">
+            <a:schemeClr val="accent2"/>
+          </a:effectRef>
+          <a:fontRef idx="minor">
+            <a:schemeClr val="lt1"/>
+          </a:fontRef>
+        </p:style>
+        <p:txBody>
+          <a:bodyPr rtlCol="0" anchor="ctr"/>
+          <a:lstStyle/>
+          <a:p>
+            <a:pPr algn="ctr"/>
+            <a:endParaRPr lang="en-US"/>
+          </a:p>
+        </p:txBody>
+      </p:sp>
+      <p:grpSp>
+        <p:nvGrpSpPr>
+          <p:cNvPr id="22" name="Groupe 21">
+            <a:extLst>
+              <a:ext uri="{FF2B5EF4-FFF2-40B4-BE49-F238E27FC236}">
+                <a16:creationId xmlns:a16="http://schemas.microsoft.com/office/drawing/2014/main" id="{D360EA65-47EF-4A43-8EAB-5D98B502CF71}"/>
+              </a:ext>
+            </a:extLst>
+          </p:cNvPr>
+          <p:cNvGrpSpPr/>
+          <p:nvPr/>
+        </p:nvGrpSpPr>
+        <p:grpSpPr>
+          <a:xfrm>
+            <a:off x="3875988" y="2575742"/>
+            <a:ext cx="1442301" cy="1612073"/>
+            <a:chOff x="1875934" y="2045617"/>
+            <a:chExt cx="1442301" cy="1612073"/>
+          </a:xfrm>
+        </p:grpSpPr>
+        <p:sp>
+          <p:nvSpPr>
+            <p:cNvPr id="23" name="Rectangle 22">
+              <a:extLst>
+                <a:ext uri="{FF2B5EF4-FFF2-40B4-BE49-F238E27FC236}">
+                  <a16:creationId xmlns:a16="http://schemas.microsoft.com/office/drawing/2014/main" id="{6AEA7ED7-9216-4494-AF41-5A9C06241055}"/>
+                </a:ext>
+              </a:extLst>
+            </p:cNvPr>
+            <p:cNvSpPr/>
+            <p:nvPr/>
+          </p:nvSpPr>
+          <p:spPr>
+            <a:xfrm>
+              <a:off x="1875934" y="2469913"/>
+              <a:ext cx="1442301" cy="1187777"/>
+            </a:xfrm>
+            <a:prstGeom prst="rect">
+              <a:avLst/>
+            </a:prstGeom>
+            <a:ln>
+              <a:solidFill>
+                <a:schemeClr val="accent2"/>
+              </a:solidFill>
+            </a:ln>
+          </p:spPr>
+          <p:style>
+            <a:lnRef idx="2">
+              <a:schemeClr val="accent5"/>
+            </a:lnRef>
+            <a:fillRef idx="1">
+              <a:schemeClr val="lt1"/>
+            </a:fillRef>
+            <a:effectRef idx="0">
+              <a:schemeClr val="accent5"/>
+            </a:effectRef>
+            <a:fontRef idx="minor">
+              <a:schemeClr val="dk1"/>
+            </a:fontRef>
+          </p:style>
+          <p:txBody>
+            <a:bodyPr rtlCol="0" anchor="ctr"/>
+            <a:lstStyle/>
+            <a:p>
+              <a:pPr algn="ctr"/>
+              <a:r>
+                <a:rPr lang="en-US" b="1" dirty="0">
+                  <a:solidFill>
+                    <a:srgbClr val="0070C0"/>
+                  </a:solidFill>
+                </a:rPr>
+                <a:t>Attributes(A)</a:t>
+              </a:r>
+            </a:p>
+            <a:p>
+              <a:pPr algn="ctr"/>
+              <a:r>
+                <a:rPr lang="en-US" b="1" dirty="0">
+                  <a:solidFill>
+                    <a:srgbClr val="0070C0"/>
+                  </a:solidFill>
+                </a:rPr>
+                <a:t>Methods(A)</a:t>
+              </a:r>
+            </a:p>
+            <a:p>
+              <a:pPr algn="ctr"/>
+              <a:r>
+                <a:rPr lang="en-US" dirty="0"/>
+                <a:t>Attributes(B)</a:t>
+              </a:r>
+            </a:p>
+            <a:p>
+              <a:pPr algn="ctr"/>
+              <a:r>
+                <a:rPr lang="en-US" dirty="0"/>
+                <a:t>Methods(B)</a:t>
+              </a:r>
+            </a:p>
+          </p:txBody>
+        </p:sp>
+        <p:sp>
+          <p:nvSpPr>
+            <p:cNvPr id="24" name="Rectangle 23">
+              <a:extLst>
+                <a:ext uri="{FF2B5EF4-FFF2-40B4-BE49-F238E27FC236}">
+                  <a16:creationId xmlns:a16="http://schemas.microsoft.com/office/drawing/2014/main" id="{D9A1B599-D12B-4B1C-A2EF-BE536D884E31}"/>
+                </a:ext>
+              </a:extLst>
+            </p:cNvPr>
+            <p:cNvSpPr/>
+            <p:nvPr/>
+          </p:nvSpPr>
+          <p:spPr>
+            <a:xfrm>
+              <a:off x="1875934" y="2045617"/>
+              <a:ext cx="1442301" cy="414780"/>
+            </a:xfrm>
+            <a:prstGeom prst="rect">
+              <a:avLst/>
+            </a:prstGeom>
+            <a:ln>
+              <a:solidFill>
+                <a:schemeClr val="accent2"/>
+              </a:solidFill>
+            </a:ln>
+          </p:spPr>
+          <p:style>
+            <a:lnRef idx="2">
+              <a:schemeClr val="accent5"/>
+            </a:lnRef>
+            <a:fillRef idx="1">
+              <a:schemeClr val="lt1"/>
+            </a:fillRef>
+            <a:effectRef idx="0">
+              <a:schemeClr val="accent5"/>
+            </a:effectRef>
+            <a:fontRef idx="minor">
+              <a:schemeClr val="dk1"/>
+            </a:fontRef>
+          </p:style>
+          <p:txBody>
+            <a:bodyPr rtlCol="0" anchor="ctr"/>
+            <a:lstStyle/>
+            <a:p>
+              <a:pPr algn="ctr"/>
+              <a:r>
+                <a:rPr lang="en-US" dirty="0"/>
+                <a:t>Class B(A)</a:t>
+              </a:r>
+            </a:p>
+          </p:txBody>
+        </p:sp>
+      </p:grpSp>
+      <p:sp>
+        <p:nvSpPr>
+          <p:cNvPr id="25" name="ZoneTexte 24">
+            <a:extLst>
+              <a:ext uri="{FF2B5EF4-FFF2-40B4-BE49-F238E27FC236}">
+                <a16:creationId xmlns:a16="http://schemas.microsoft.com/office/drawing/2014/main" id="{FC94DEBB-1F29-47C0-8D0B-F48E3FEE8E47}"/>
+              </a:ext>
+            </a:extLst>
+          </p:cNvPr>
+          <p:cNvSpPr txBox="1"/>
+          <p:nvPr/>
+        </p:nvSpPr>
+        <p:spPr>
+          <a:xfrm>
+            <a:off x="8578392" y="2242436"/>
+            <a:ext cx="3139126" cy="954107"/>
+          </a:xfrm>
+          <a:prstGeom prst="rect">
+            <a:avLst/>
+          </a:prstGeom>
+          <a:noFill/>
+        </p:spPr>
+        <p:txBody>
+          <a:bodyPr wrap="square" rtlCol="0">
+            <a:spAutoFit/>
+          </a:bodyPr>
+          <a:lstStyle/>
+          <a:p>
+            <a:r>
+              <a:rPr lang="en-US" sz="2800" dirty="0"/>
+              <a:t>Objects B1…B3 are </a:t>
+            </a:r>
+            <a:r>
+              <a:rPr lang="en-US" sz="2800" b="1" dirty="0"/>
+              <a:t>instances</a:t>
+            </a:r>
+            <a:r>
+              <a:rPr lang="en-US" sz="2800" dirty="0"/>
+              <a:t> of Class B</a:t>
+            </a:r>
+          </a:p>
+        </p:txBody>
+      </p:sp>
+      <p:sp>
+        <p:nvSpPr>
+          <p:cNvPr id="26" name="ZoneTexte 25">
+            <a:extLst>
+              <a:ext uri="{FF2B5EF4-FFF2-40B4-BE49-F238E27FC236}">
+                <a16:creationId xmlns:a16="http://schemas.microsoft.com/office/drawing/2014/main" id="{EEBC81F2-53C3-4B8A-ACAD-AF4CBD346527}"/>
+              </a:ext>
+            </a:extLst>
+          </p:cNvPr>
+          <p:cNvSpPr txBox="1"/>
+          <p:nvPr/>
+        </p:nvSpPr>
+        <p:spPr>
+          <a:xfrm>
+            <a:off x="8578392" y="3423288"/>
+            <a:ext cx="3139126" cy="1815882"/>
+          </a:xfrm>
+          <a:prstGeom prst="rect">
+            <a:avLst/>
+          </a:prstGeom>
+          <a:noFill/>
+        </p:spPr>
+        <p:txBody>
+          <a:bodyPr wrap="square" rtlCol="0">
+            <a:spAutoFit/>
+          </a:bodyPr>
+          <a:lstStyle/>
+          <a:p>
+            <a:r>
+              <a:rPr lang="en-US" sz="2800" dirty="0"/>
+              <a:t>Class B </a:t>
+            </a:r>
+            <a:r>
+              <a:rPr lang="en-US" sz="2800" b="1" dirty="0"/>
+              <a:t>inherits</a:t>
+            </a:r>
+            <a:r>
+              <a:rPr lang="en-US" sz="2800" dirty="0"/>
+              <a:t> (some) attributes and methods from Class A</a:t>
+            </a:r>
+          </a:p>
+        </p:txBody>
+      </p:sp>
+      <p:sp>
+        <p:nvSpPr>
+          <p:cNvPr id="27" name="ZoneTexte 26">
+            <a:extLst>
+              <a:ext uri="{FF2B5EF4-FFF2-40B4-BE49-F238E27FC236}">
+                <a16:creationId xmlns:a16="http://schemas.microsoft.com/office/drawing/2014/main" id="{B5AFBBCF-781D-49E3-B671-9C3DE7CE4254}"/>
+              </a:ext>
+            </a:extLst>
+          </p:cNvPr>
+          <p:cNvSpPr txBox="1"/>
+          <p:nvPr/>
+        </p:nvSpPr>
+        <p:spPr>
+          <a:xfrm>
+            <a:off x="4920615" y="1348656"/>
+            <a:ext cx="1621411" cy="584775"/>
+          </a:xfrm>
+          <a:prstGeom prst="rect">
+            <a:avLst/>
+          </a:prstGeom>
+          <a:noFill/>
+        </p:spPr>
+        <p:txBody>
+          <a:bodyPr wrap="square" rtlCol="0">
+            <a:spAutoFit/>
+          </a:bodyPr>
+          <a:lstStyle/>
+          <a:p>
+            <a:pPr algn="ctr"/>
+            <a:r>
+              <a:rPr lang="en-US" sz="3200" dirty="0"/>
+              <a:t>Builder()</a:t>
+            </a:r>
+          </a:p>
+        </p:txBody>
+      </p:sp>
+      <p:cxnSp>
+        <p:nvCxnSpPr>
+          <p:cNvPr id="28" name="Connecteur droit 27">
+            <a:extLst>
+              <a:ext uri="{FF2B5EF4-FFF2-40B4-BE49-F238E27FC236}">
+                <a16:creationId xmlns:a16="http://schemas.microsoft.com/office/drawing/2014/main" id="{32E9348E-4B65-4690-B9EA-FD6E0A2A132F}"/>
+              </a:ext>
+            </a:extLst>
+          </p:cNvPr>
+          <p:cNvCxnSpPr>
+            <a:stCxn id="27" idx="2"/>
+          </p:cNvCxnSpPr>
+          <p:nvPr/>
+        </p:nvCxnSpPr>
+        <p:spPr>
+          <a:xfrm>
+            <a:off x="5731321" y="1933431"/>
+            <a:ext cx="14665" cy="3612185"/>
+          </a:xfrm>
+          <a:prstGeom prst="line">
+            <a:avLst/>
+          </a:prstGeom>
+          <a:ln w="57150">
+            <a:solidFill>
+              <a:schemeClr val="accent2"/>
+            </a:solidFill>
+            <a:prstDash val="dash"/>
+          </a:ln>
+        </p:spPr>
+        <p:style>
+          <a:lnRef idx="1">
+            <a:schemeClr val="accent1"/>
+          </a:lnRef>
+          <a:fillRef idx="0">
+            <a:schemeClr val="accent1"/>
+          </a:fillRef>
+          <a:effectRef idx="0">
+            <a:schemeClr val="accent1"/>
+          </a:effectRef>
+          <a:fontRef idx="minor">
+            <a:schemeClr val="tx1"/>
+          </a:fontRef>
+        </p:style>
+      </p:cxnSp>
+    </p:spTree>
+    <p:extLst>
+      <p:ext uri="{BB962C8B-B14F-4D97-AF65-F5344CB8AC3E}">
+        <p14:creationId xmlns:p14="http://schemas.microsoft.com/office/powerpoint/2010/main" val="248812528"/>
+      </p:ext>
+    </p:extLst>
+  </p:cSld>
+  <p:clrMapOvr>
+    <a:masterClrMapping/>
+  </p:clrMapOvr>
+</p:sld>
+</file>
+
+<file path=ppt/slides/slide23.xml><?xml version="1.0" encoding="utf-8"?>
+<p:sld xmlns:a="http://schemas.openxmlformats.org/drawingml/2006/main" xmlns:r="http://schemas.openxmlformats.org/officeDocument/2006/relationships" xmlns:p="http://schemas.openxmlformats.org/presentationml/2006/main">
+  <p:cSld>
+    <p:spTree>
+      <p:nvGrpSpPr>
+        <p:cNvPr id="1" name=""/>
+        <p:cNvGrpSpPr/>
+        <p:nvPr/>
+      </p:nvGrpSpPr>
+      <p:grpSpPr>
+        <a:xfrm>
+          <a:off x="0" y="0"/>
+          <a:ext cx="0" cy="0"/>
+          <a:chOff x="0" y="0"/>
+          <a:chExt cx="0" cy="0"/>
+        </a:xfrm>
+      </p:grpSpPr>
+      <p:sp>
+        <p:nvSpPr>
+          <p:cNvPr id="2" name="Titre 1">
+            <a:extLst>
+              <a:ext uri="{FF2B5EF4-FFF2-40B4-BE49-F238E27FC236}">
+                <a16:creationId xmlns:a16="http://schemas.microsoft.com/office/drawing/2014/main" id="{3CD9FB16-1574-4F39-9DA8-53C1D093349A}"/>
+              </a:ext>
+            </a:extLst>
+          </p:cNvPr>
+          <p:cNvSpPr>
+            <a:spLocks noGrp="1"/>
+          </p:cNvSpPr>
+          <p:nvPr>
+            <p:ph type="title"/>
+          </p:nvPr>
+        </p:nvSpPr>
+        <p:spPr/>
+        <p:txBody>
+          <a:bodyPr/>
+          <a:lstStyle/>
+          <a:p>
+            <a:r>
+              <a:rPr lang="en-US" dirty="0"/>
+              <a:t>Example: scikit-learn</a:t>
+            </a:r>
+          </a:p>
+        </p:txBody>
+      </p:sp>
+      <p:sp>
+        <p:nvSpPr>
+          <p:cNvPr id="3" name="Espace réservé du contenu 2">
+            <a:extLst>
+              <a:ext uri="{FF2B5EF4-FFF2-40B4-BE49-F238E27FC236}">
+                <a16:creationId xmlns:a16="http://schemas.microsoft.com/office/drawing/2014/main" id="{E9E06E09-E7E3-4B8F-B920-B34DACFDC9CD}"/>
+              </a:ext>
+            </a:extLst>
+          </p:cNvPr>
+          <p:cNvSpPr>
+            <a:spLocks noGrp="1"/>
+          </p:cNvSpPr>
+          <p:nvPr>
+            <p:ph idx="1"/>
+          </p:nvPr>
+        </p:nvSpPr>
+        <p:spPr/>
+        <p:txBody>
+          <a:bodyPr/>
+          <a:lstStyle/>
+          <a:p>
+            <a:r>
+              <a:rPr lang="en-US" dirty="0"/>
+              <a:t>All regressors and classifier </a:t>
+            </a:r>
+            <a:r>
+              <a:rPr lang="en-US"/>
+              <a:t>objects inherit from class </a:t>
+            </a:r>
+          </a:p>
+        </p:txBody>
+      </p:sp>
+      <p:sp>
+        <p:nvSpPr>
+          <p:cNvPr id="4" name="Espace réservé du numéro de diapositive 3">
+            <a:extLst>
+              <a:ext uri="{FF2B5EF4-FFF2-40B4-BE49-F238E27FC236}">
+                <a16:creationId xmlns:a16="http://schemas.microsoft.com/office/drawing/2014/main" id="{AF2C5DDF-F990-4CDD-9706-1652615D39AD}"/>
+              </a:ext>
+            </a:extLst>
+          </p:cNvPr>
+          <p:cNvSpPr>
+            <a:spLocks noGrp="1"/>
+          </p:cNvSpPr>
+          <p:nvPr>
+            <p:ph type="sldNum" sz="quarter" idx="12"/>
+          </p:nvPr>
+        </p:nvSpPr>
+        <p:spPr/>
+        <p:txBody>
+          <a:bodyPr/>
+          <a:lstStyle/>
+          <a:p>
+            <a:fld id="{19485C6F-9B8D-4FB9-A42B-A9ABFED612B1}" type="slidenum">
+              <a:rPr lang="en-US" smtClean="0"/>
+              <a:pPr/>
+              <a:t>23</a:t>
+            </a:fld>
+            <a:endParaRPr lang="en-US" dirty="0"/>
+          </a:p>
+        </p:txBody>
+      </p:sp>
+      <p:sp>
+        <p:nvSpPr>
+          <p:cNvPr id="5" name="Espace réservé du pied de page 4">
+            <a:extLst>
+              <a:ext uri="{FF2B5EF4-FFF2-40B4-BE49-F238E27FC236}">
+                <a16:creationId xmlns:a16="http://schemas.microsoft.com/office/drawing/2014/main" id="{9CEE7CAE-7493-4D65-9927-12424A1977D8}"/>
+              </a:ext>
+            </a:extLst>
+          </p:cNvPr>
+          <p:cNvSpPr>
+            <a:spLocks noGrp="1"/>
+          </p:cNvSpPr>
+          <p:nvPr>
+            <p:ph type="ftr" sz="quarter" idx="3"/>
+          </p:nvPr>
+        </p:nvSpPr>
+        <p:spPr/>
+        <p:txBody>
+          <a:bodyPr/>
+          <a:lstStyle/>
+          <a:p>
+            <a:r>
+              <a:rPr lang="en-US"/>
+              <a:t>alberto.tonda@inrae.fr</a:t>
+            </a:r>
+            <a:endParaRPr lang="en-US" dirty="0"/>
+          </a:p>
+        </p:txBody>
+      </p:sp>
+    </p:spTree>
+    <p:extLst>
+      <p:ext uri="{BB962C8B-B14F-4D97-AF65-F5344CB8AC3E}">
+        <p14:creationId xmlns:p14="http://schemas.microsoft.com/office/powerpoint/2010/main" val="3317062453"/>
+      </p:ext>
+    </p:extLst>
+  </p:cSld>
+  <p:clrMapOvr>
+    <a:masterClrMapping/>
+  </p:clrMapOvr>
+</p:sld>
+</file>
+
+<file path=ppt/slides/slide24.xml><?xml version="1.0" encoding="utf-8"?>
+<p:sld xmlns:a="http://schemas.openxmlformats.org/drawingml/2006/main" xmlns:r="http://schemas.openxmlformats.org/officeDocument/2006/relationships" xmlns:p="http://schemas.openxmlformats.org/presentationml/2006/main">
+  <p:cSld>
+    <p:spTree>
+      <p:nvGrpSpPr>
+        <p:cNvPr id="1" name=""/>
+        <p:cNvGrpSpPr/>
+        <p:nvPr/>
+      </p:nvGrpSpPr>
+      <p:grpSpPr>
+        <a:xfrm>
+          <a:off x="0" y="0"/>
+          <a:ext cx="0" cy="0"/>
+          <a:chOff x="0" y="0"/>
+          <a:chExt cx="0" cy="0"/>
+        </a:xfrm>
+      </p:grpSpPr>
+      <p:sp>
+        <p:nvSpPr>
+          <p:cNvPr id="2" name="Titre 1">
+            <a:extLst>
+              <a:ext uri="{FF2B5EF4-FFF2-40B4-BE49-F238E27FC236}">
+                <a16:creationId xmlns:a16="http://schemas.microsoft.com/office/drawing/2014/main" id="{6E42CA09-64CE-4FF0-A4E9-1A8FD7565AA5}"/>
+              </a:ext>
+            </a:extLst>
+          </p:cNvPr>
+          <p:cNvSpPr>
+            <a:spLocks noGrp="1"/>
+          </p:cNvSpPr>
+          <p:nvPr>
+            <p:ph type="title"/>
+          </p:nvPr>
+        </p:nvSpPr>
+        <p:spPr/>
+        <p:txBody>
+          <a:bodyPr/>
+          <a:lstStyle/>
+          <a:p>
+            <a:r>
+              <a:rPr lang="en-US" dirty="0"/>
+              <a:t>Parallel processes</a:t>
+            </a:r>
+          </a:p>
+        </p:txBody>
+      </p:sp>
+      <p:sp>
+        <p:nvSpPr>
+          <p:cNvPr id="3" name="Espace réservé du contenu 2">
+            <a:extLst>
+              <a:ext uri="{FF2B5EF4-FFF2-40B4-BE49-F238E27FC236}">
+                <a16:creationId xmlns:a16="http://schemas.microsoft.com/office/drawing/2014/main" id="{A7B88AE9-578A-47C0-AF9F-2F80262FC84D}"/>
+              </a:ext>
+            </a:extLst>
+          </p:cNvPr>
+          <p:cNvSpPr>
+            <a:spLocks noGrp="1"/>
+          </p:cNvSpPr>
+          <p:nvPr>
+            <p:ph idx="1"/>
+          </p:nvPr>
+        </p:nvSpPr>
+        <p:spPr/>
+        <p:txBody>
+          <a:bodyPr/>
+          <a:lstStyle/>
+          <a:p>
+            <a:endParaRPr lang="en-US"/>
+          </a:p>
+        </p:txBody>
+      </p:sp>
+      <p:sp>
+        <p:nvSpPr>
+          <p:cNvPr id="4" name="Espace réservé du numéro de diapositive 3">
+            <a:extLst>
+              <a:ext uri="{FF2B5EF4-FFF2-40B4-BE49-F238E27FC236}">
+                <a16:creationId xmlns:a16="http://schemas.microsoft.com/office/drawing/2014/main" id="{FCD88183-8AD3-4A8B-99A3-51A0D1C004ED}"/>
+              </a:ext>
+            </a:extLst>
+          </p:cNvPr>
+          <p:cNvSpPr>
+            <a:spLocks noGrp="1"/>
+          </p:cNvSpPr>
+          <p:nvPr>
+            <p:ph type="sldNum" sz="quarter" idx="12"/>
+          </p:nvPr>
+        </p:nvSpPr>
+        <p:spPr/>
+        <p:txBody>
+          <a:bodyPr/>
+          <a:lstStyle/>
+          <a:p>
+            <a:fld id="{19485C6F-9B8D-4FB9-A42B-A9ABFED612B1}" type="slidenum">
+              <a:rPr lang="en-US" smtClean="0"/>
+              <a:pPr/>
+              <a:t>24</a:t>
             </a:fld>
             <a:endParaRPr lang="en-US" dirty="0"/>
           </a:p>
@@ -9314,7 +11817,7 @@
 </p:sld>
 </file>
 
-<file path=ppt/slides/slide21.xml><?xml version="1.0" encoding="utf-8"?>
+<file path=ppt/slides/slide25.xml><?xml version="1.0" encoding="utf-8"?>
 <p:sld xmlns:a="http://schemas.openxmlformats.org/drawingml/2006/main" xmlns:r="http://schemas.openxmlformats.org/officeDocument/2006/relationships" xmlns:p="http://schemas.openxmlformats.org/presentationml/2006/main">
   <p:cSld>
     <p:spTree>
@@ -9483,7 +11986,7 @@
             <a:fld id="{19485C6F-9B8D-4FB9-A42B-A9ABFED612B1}" type="slidenum">
               <a:rPr lang="en-US" smtClean="0"/>
               <a:pPr/>
-              <a:t>21</a:t>
+              <a:t>25</a:t>
             </a:fld>
             <a:endParaRPr lang="en-US" dirty="0"/>
           </a:p>
@@ -9531,7 +12034,7 @@
 </p:sld>
 </file>
 
-<file path=ppt/slides/slide22.xml><?xml version="1.0" encoding="utf-8"?>
+<file path=ppt/slides/slide26.xml><?xml version="1.0" encoding="utf-8"?>
 <p:sld xmlns:a="http://schemas.openxmlformats.org/drawingml/2006/main" xmlns:r="http://schemas.openxmlformats.org/officeDocument/2006/relationships" xmlns:p="http://schemas.openxmlformats.org/presentationml/2006/main">
   <p:cSld>
     <p:spTree>
@@ -9679,7 +12182,7 @@
             <a:fld id="{19485C6F-9B8D-4FB9-A42B-A9ABFED612B1}" type="slidenum">
               <a:rPr lang="en-US" smtClean="0"/>
               <a:pPr/>
-              <a:t>22</a:t>
+              <a:t>26</a:t>
             </a:fld>
             <a:endParaRPr lang="en-US" dirty="0"/>
           </a:p>
@@ -9786,7 +12289,7 @@
 </p:sld>
 </file>
 
-<file path=ppt/slides/slide23.xml><?xml version="1.0" encoding="utf-8"?>
+<file path=ppt/slides/slide27.xml><?xml version="1.0" encoding="utf-8"?>
 <p:sld xmlns:a="http://schemas.openxmlformats.org/drawingml/2006/main" xmlns:r="http://schemas.openxmlformats.org/officeDocument/2006/relationships" xmlns:p="http://schemas.openxmlformats.org/presentationml/2006/main">
   <p:cSld>
     <p:spTree>
@@ -9915,7 +12418,7 @@
             <a:fld id="{19485C6F-9B8D-4FB9-A42B-A9ABFED612B1}" type="slidenum">
               <a:rPr lang="en-US" smtClean="0"/>
               <a:pPr/>
-              <a:t>23</a:t>
+              <a:t>27</a:t>
             </a:fld>
             <a:endParaRPr lang="en-US" dirty="0"/>
           </a:p>
@@ -10022,7 +12525,7 @@
 </p:sld>
 </file>
 
-<file path=ppt/slides/slide24.xml><?xml version="1.0" encoding="utf-8"?>
+<file path=ppt/slides/slide28.xml><?xml version="1.0" encoding="utf-8"?>
 <p:sld xmlns:a="http://schemas.openxmlformats.org/drawingml/2006/main" xmlns:r="http://schemas.openxmlformats.org/officeDocument/2006/relationships" xmlns:p="http://schemas.openxmlformats.org/presentationml/2006/main">
   <p:cSld>
     <p:spTree>
@@ -10145,7 +12648,7 @@
             <a:fld id="{19485C6F-9B8D-4FB9-A42B-A9ABFED612B1}" type="slidenum">
               <a:rPr lang="en-US" smtClean="0"/>
               <a:pPr/>
-              <a:t>24</a:t>
+              <a:t>28</a:t>
             </a:fld>
             <a:endParaRPr lang="en-US" dirty="0"/>
           </a:p>
@@ -10193,7 +12696,7 @@
 </p:sld>
 </file>
 
-<file path=ppt/slides/slide25.xml><?xml version="1.0" encoding="utf-8"?>
+<file path=ppt/slides/slide29.xml><?xml version="1.0" encoding="utf-8"?>
 <p:sld xmlns:a="http://schemas.openxmlformats.org/drawingml/2006/main" xmlns:r="http://schemas.openxmlformats.org/officeDocument/2006/relationships" xmlns:p="http://schemas.openxmlformats.org/presentationml/2006/main">
   <p:cSld>
     <p:spTree>
@@ -10326,7 +12829,7 @@
             <a:fld id="{19485C6F-9B8D-4FB9-A42B-A9ABFED612B1}" type="slidenum">
               <a:rPr lang="en-US" smtClean="0"/>
               <a:pPr/>
-              <a:t>25</a:t>
+              <a:t>29</a:t>
             </a:fld>
             <a:endParaRPr lang="en-US" dirty="0"/>
           </a:p>
@@ -10365,155 +12868,6 @@
     <p:extLst>
       <p:ext uri="{BB962C8B-B14F-4D97-AF65-F5344CB8AC3E}">
         <p14:creationId xmlns:p14="http://schemas.microsoft.com/office/powerpoint/2010/main" val="500341118"/>
-      </p:ext>
-    </p:extLst>
-  </p:cSld>
-  <p:clrMapOvr>
-    <a:masterClrMapping/>
-  </p:clrMapOvr>
-</p:sld>
-</file>
-
-<file path=ppt/slides/slide26.xml><?xml version="1.0" encoding="utf-8"?>
-<p:sld xmlns:a="http://schemas.openxmlformats.org/drawingml/2006/main" xmlns:r="http://schemas.openxmlformats.org/officeDocument/2006/relationships" xmlns:p="http://schemas.openxmlformats.org/presentationml/2006/main">
-  <p:cSld>
-    <p:spTree>
-      <p:nvGrpSpPr>
-        <p:cNvPr id="1" name=""/>
-        <p:cNvGrpSpPr/>
-        <p:nvPr/>
-      </p:nvGrpSpPr>
-      <p:grpSpPr>
-        <a:xfrm>
-          <a:off x="0" y="0"/>
-          <a:ext cx="0" cy="0"/>
-          <a:chOff x="0" y="0"/>
-          <a:chExt cx="0" cy="0"/>
-        </a:xfrm>
-      </p:grpSpPr>
-      <p:sp>
-        <p:nvSpPr>
-          <p:cNvPr id="6" name="Titre 5">
-            <a:extLst>
-              <a:ext uri="{FF2B5EF4-FFF2-40B4-BE49-F238E27FC236}">
-                <a16:creationId xmlns:a16="http://schemas.microsoft.com/office/drawing/2014/main" id="{B55EA6DC-158E-44BB-87DF-BC6340555DFE}"/>
-              </a:ext>
-            </a:extLst>
-          </p:cNvPr>
-          <p:cNvSpPr>
-            <a:spLocks noGrp="1"/>
-          </p:cNvSpPr>
-          <p:nvPr>
-            <p:ph type="ctrTitle"/>
-          </p:nvPr>
-        </p:nvSpPr>
-        <p:spPr/>
-        <p:txBody>
-          <a:bodyPr/>
-          <a:lstStyle/>
-          <a:p>
-            <a:endParaRPr lang="en-US"/>
-          </a:p>
-        </p:txBody>
-      </p:sp>
-      <p:sp>
-        <p:nvSpPr>
-          <p:cNvPr id="7" name="Sous-titre 6">
-            <a:extLst>
-              <a:ext uri="{FF2B5EF4-FFF2-40B4-BE49-F238E27FC236}">
-                <a16:creationId xmlns:a16="http://schemas.microsoft.com/office/drawing/2014/main" id="{70BECB58-9207-4986-84C6-178596CAD0C8}"/>
-              </a:ext>
-            </a:extLst>
-          </p:cNvPr>
-          <p:cNvSpPr>
-            <a:spLocks noGrp="1"/>
-          </p:cNvSpPr>
-          <p:nvPr>
-            <p:ph type="subTitle" idx="1"/>
-          </p:nvPr>
-        </p:nvSpPr>
-        <p:spPr/>
-        <p:txBody>
-          <a:bodyPr/>
-          <a:lstStyle/>
-          <a:p>
-            <a:endParaRPr lang="en-US" dirty="0"/>
-          </a:p>
-        </p:txBody>
-      </p:sp>
-      <p:sp>
-        <p:nvSpPr>
-          <p:cNvPr id="4" name="Espace réservé du numéro de diapositive 3">
-            <a:extLst>
-              <a:ext uri="{FF2B5EF4-FFF2-40B4-BE49-F238E27FC236}">
-                <a16:creationId xmlns:a16="http://schemas.microsoft.com/office/drawing/2014/main" id="{C0DB2B34-115A-4184-AAFD-CE52AD708B06}"/>
-              </a:ext>
-            </a:extLst>
-          </p:cNvPr>
-          <p:cNvSpPr>
-            <a:spLocks noGrp="1"/>
-          </p:cNvSpPr>
-          <p:nvPr>
-            <p:ph type="sldNum" sz="quarter" idx="4294967295"/>
-          </p:nvPr>
-        </p:nvSpPr>
-        <p:spPr>
-          <a:xfrm>
-            <a:off x="11256963" y="6361113"/>
-            <a:ext cx="935037" cy="365125"/>
-          </a:xfrm>
-        </p:spPr>
-        <p:txBody>
-          <a:bodyPr/>
-          <a:lstStyle/>
-          <a:p>
-            <a:fld id="{19485C6F-9B8D-4FB9-A42B-A9ABFED612B1}" type="slidenum">
-              <a:rPr lang="en-US" smtClean="0"/>
-              <a:pPr/>
-              <a:t>26</a:t>
-            </a:fld>
-            <a:endParaRPr lang="en-US" dirty="0"/>
-          </a:p>
-        </p:txBody>
-      </p:sp>
-      <p:sp>
-        <p:nvSpPr>
-          <p:cNvPr id="5" name="Espace réservé du pied de page 4">
-            <a:extLst>
-              <a:ext uri="{FF2B5EF4-FFF2-40B4-BE49-F238E27FC236}">
-                <a16:creationId xmlns:a16="http://schemas.microsoft.com/office/drawing/2014/main" id="{1D66F3C6-7761-42A4-A723-938460039B48}"/>
-              </a:ext>
-            </a:extLst>
-          </p:cNvPr>
-          <p:cNvSpPr>
-            <a:spLocks noGrp="1"/>
-          </p:cNvSpPr>
-          <p:nvPr>
-            <p:ph type="ftr" sz="quarter" idx="4294967295"/>
-          </p:nvPr>
-        </p:nvSpPr>
-        <p:spPr>
-          <a:xfrm>
-            <a:off x="8077200" y="6367463"/>
-            <a:ext cx="4114800" cy="365125"/>
-          </a:xfrm>
-        </p:spPr>
-        <p:txBody>
-          <a:bodyPr/>
-          <a:lstStyle/>
-          <a:p>
-            <a:r>
-              <a:rPr lang="en-US"/>
-              <a:t>alberto.tonda@inrae.fr</a:t>
-            </a:r>
-            <a:endParaRPr lang="en-US" dirty="0"/>
-          </a:p>
-        </p:txBody>
-      </p:sp>
-    </p:spTree>
-    <p:extLst>
-      <p:ext uri="{BB962C8B-B14F-4D97-AF65-F5344CB8AC3E}">
-        <p14:creationId xmlns:p14="http://schemas.microsoft.com/office/powerpoint/2010/main" val="1672014444"/>
       </p:ext>
     </p:extLst>
   </p:cSld>
@@ -10679,6 +13033,155 @@
     <p:extLst>
       <p:ext uri="{BB962C8B-B14F-4D97-AF65-F5344CB8AC3E}">
         <p14:creationId xmlns:p14="http://schemas.microsoft.com/office/powerpoint/2010/main" val="3000172303"/>
+      </p:ext>
+    </p:extLst>
+  </p:cSld>
+  <p:clrMapOvr>
+    <a:masterClrMapping/>
+  </p:clrMapOvr>
+</p:sld>
+</file>
+
+<file path=ppt/slides/slide30.xml><?xml version="1.0" encoding="utf-8"?>
+<p:sld xmlns:a="http://schemas.openxmlformats.org/drawingml/2006/main" xmlns:r="http://schemas.openxmlformats.org/officeDocument/2006/relationships" xmlns:p="http://schemas.openxmlformats.org/presentationml/2006/main">
+  <p:cSld>
+    <p:spTree>
+      <p:nvGrpSpPr>
+        <p:cNvPr id="1" name=""/>
+        <p:cNvGrpSpPr/>
+        <p:nvPr/>
+      </p:nvGrpSpPr>
+      <p:grpSpPr>
+        <a:xfrm>
+          <a:off x="0" y="0"/>
+          <a:ext cx="0" cy="0"/>
+          <a:chOff x="0" y="0"/>
+          <a:chExt cx="0" cy="0"/>
+        </a:xfrm>
+      </p:grpSpPr>
+      <p:sp>
+        <p:nvSpPr>
+          <p:cNvPr id="6" name="Titre 5">
+            <a:extLst>
+              <a:ext uri="{FF2B5EF4-FFF2-40B4-BE49-F238E27FC236}">
+                <a16:creationId xmlns:a16="http://schemas.microsoft.com/office/drawing/2014/main" id="{B55EA6DC-158E-44BB-87DF-BC6340555DFE}"/>
+              </a:ext>
+            </a:extLst>
+          </p:cNvPr>
+          <p:cNvSpPr>
+            <a:spLocks noGrp="1"/>
+          </p:cNvSpPr>
+          <p:nvPr>
+            <p:ph type="ctrTitle"/>
+          </p:nvPr>
+        </p:nvSpPr>
+        <p:spPr/>
+        <p:txBody>
+          <a:bodyPr/>
+          <a:lstStyle/>
+          <a:p>
+            <a:endParaRPr lang="en-US"/>
+          </a:p>
+        </p:txBody>
+      </p:sp>
+      <p:sp>
+        <p:nvSpPr>
+          <p:cNvPr id="7" name="Sous-titre 6">
+            <a:extLst>
+              <a:ext uri="{FF2B5EF4-FFF2-40B4-BE49-F238E27FC236}">
+                <a16:creationId xmlns:a16="http://schemas.microsoft.com/office/drawing/2014/main" id="{70BECB58-9207-4986-84C6-178596CAD0C8}"/>
+              </a:ext>
+            </a:extLst>
+          </p:cNvPr>
+          <p:cNvSpPr>
+            <a:spLocks noGrp="1"/>
+          </p:cNvSpPr>
+          <p:nvPr>
+            <p:ph type="subTitle" idx="1"/>
+          </p:nvPr>
+        </p:nvSpPr>
+        <p:spPr/>
+        <p:txBody>
+          <a:bodyPr/>
+          <a:lstStyle/>
+          <a:p>
+            <a:endParaRPr lang="en-US" dirty="0"/>
+          </a:p>
+        </p:txBody>
+      </p:sp>
+      <p:sp>
+        <p:nvSpPr>
+          <p:cNvPr id="4" name="Espace réservé du numéro de diapositive 3">
+            <a:extLst>
+              <a:ext uri="{FF2B5EF4-FFF2-40B4-BE49-F238E27FC236}">
+                <a16:creationId xmlns:a16="http://schemas.microsoft.com/office/drawing/2014/main" id="{C0DB2B34-115A-4184-AAFD-CE52AD708B06}"/>
+              </a:ext>
+            </a:extLst>
+          </p:cNvPr>
+          <p:cNvSpPr>
+            <a:spLocks noGrp="1"/>
+          </p:cNvSpPr>
+          <p:nvPr>
+            <p:ph type="sldNum" sz="quarter" idx="4294967295"/>
+          </p:nvPr>
+        </p:nvSpPr>
+        <p:spPr>
+          <a:xfrm>
+            <a:off x="11256963" y="6361113"/>
+            <a:ext cx="935037" cy="365125"/>
+          </a:xfrm>
+        </p:spPr>
+        <p:txBody>
+          <a:bodyPr/>
+          <a:lstStyle/>
+          <a:p>
+            <a:fld id="{19485C6F-9B8D-4FB9-A42B-A9ABFED612B1}" type="slidenum">
+              <a:rPr lang="en-US" smtClean="0"/>
+              <a:pPr/>
+              <a:t>30</a:t>
+            </a:fld>
+            <a:endParaRPr lang="en-US" dirty="0"/>
+          </a:p>
+        </p:txBody>
+      </p:sp>
+      <p:sp>
+        <p:nvSpPr>
+          <p:cNvPr id="5" name="Espace réservé du pied de page 4">
+            <a:extLst>
+              <a:ext uri="{FF2B5EF4-FFF2-40B4-BE49-F238E27FC236}">
+                <a16:creationId xmlns:a16="http://schemas.microsoft.com/office/drawing/2014/main" id="{1D66F3C6-7761-42A4-A723-938460039B48}"/>
+              </a:ext>
+            </a:extLst>
+          </p:cNvPr>
+          <p:cNvSpPr>
+            <a:spLocks noGrp="1"/>
+          </p:cNvSpPr>
+          <p:nvPr>
+            <p:ph type="ftr" sz="quarter" idx="4294967295"/>
+          </p:nvPr>
+        </p:nvSpPr>
+        <p:spPr>
+          <a:xfrm>
+            <a:off x="8077200" y="6367463"/>
+            <a:ext cx="4114800" cy="365125"/>
+          </a:xfrm>
+        </p:spPr>
+        <p:txBody>
+          <a:bodyPr/>
+          <a:lstStyle/>
+          <a:p>
+            <a:r>
+              <a:rPr lang="en-US"/>
+              <a:t>alberto.tonda@inrae.fr</a:t>
+            </a:r>
+            <a:endParaRPr lang="en-US" dirty="0"/>
+          </a:p>
+        </p:txBody>
+      </p:sp>
+    </p:spTree>
+    <p:extLst>
+      <p:ext uri="{BB962C8B-B14F-4D97-AF65-F5344CB8AC3E}">
+        <p14:creationId xmlns:p14="http://schemas.microsoft.com/office/powerpoint/2010/main" val="1672014444"/>
       </p:ext>
     </p:extLst>
   </p:cSld>
